--- a/Atc & Visualisation.pptx
+++ b/Atc & Visualisation.pptx
@@ -128,6 +128,9 @@
         </p14:section>
       </p14:sectionLst>
     </p:ext>
+    <p:ext uri="{EFAFB233-063F-42B5-8137-9DF3F51BA10A}">
+      <p15:sldGuideLst xmlns:p15="http://schemas.microsoft.com/office/powerpoint/2012/main"/>
+    </p:ext>
   </p:extLst>
 </p:presentation>
 </file>
@@ -283,7 +286,7 @@
           <a:p>
             <a:fld id="{8C28A28C-4C6A-46EA-90C0-4EE0B89CC5C7}" type="datetimeFigureOut">
               <a:rPr lang="en-US" smtClean="0"/>
-              <a:t>2/10/2024</a:t>
+              <a:t>3/29/2024</a:t>
             </a:fld>
             <a:endParaRPr lang="en-US" dirty="0"/>
           </a:p>
@@ -481,7 +484,7 @@
           <a:p>
             <a:fld id="{8C28A28C-4C6A-46EA-90C0-4EE0B89CC5C7}" type="datetimeFigureOut">
               <a:rPr lang="en-US" smtClean="0"/>
-              <a:t>2/10/2024</a:t>
+              <a:t>3/29/2024</a:t>
             </a:fld>
             <a:endParaRPr lang="en-US"/>
           </a:p>
@@ -689,7 +692,7 @@
           <a:p>
             <a:fld id="{8C28A28C-4C6A-46EA-90C0-4EE0B89CC5C7}" type="datetimeFigureOut">
               <a:rPr lang="en-US" smtClean="0"/>
-              <a:t>2/10/2024</a:t>
+              <a:t>3/29/2024</a:t>
             </a:fld>
             <a:endParaRPr lang="en-US"/>
           </a:p>
@@ -887,7 +890,7 @@
           <a:p>
             <a:fld id="{8C28A28C-4C6A-46EA-90C0-4EE0B89CC5C7}" type="datetimeFigureOut">
               <a:rPr lang="en-US" smtClean="0"/>
-              <a:t>2/10/2024</a:t>
+              <a:t>3/29/2024</a:t>
             </a:fld>
             <a:endParaRPr lang="en-US"/>
           </a:p>
@@ -1164,7 +1167,7 @@
           <a:p>
             <a:fld id="{8C28A28C-4C6A-46EA-90C0-4EE0B89CC5C7}" type="datetimeFigureOut">
               <a:rPr lang="en-US" smtClean="0"/>
-              <a:t>2/10/2024</a:t>
+              <a:t>3/29/2024</a:t>
             </a:fld>
             <a:endParaRPr lang="en-US"/>
           </a:p>
@@ -1429,7 +1432,7 @@
           <a:p>
             <a:fld id="{8C28A28C-4C6A-46EA-90C0-4EE0B89CC5C7}" type="datetimeFigureOut">
               <a:rPr lang="en-US" smtClean="0"/>
-              <a:t>2/10/2024</a:t>
+              <a:t>3/29/2024</a:t>
             </a:fld>
             <a:endParaRPr lang="en-US"/>
           </a:p>
@@ -1841,7 +1844,7 @@
           <a:p>
             <a:fld id="{8C28A28C-4C6A-46EA-90C0-4EE0B89CC5C7}" type="datetimeFigureOut">
               <a:rPr lang="en-US" smtClean="0"/>
-              <a:t>2/10/2024</a:t>
+              <a:t>3/29/2024</a:t>
             </a:fld>
             <a:endParaRPr lang="en-US"/>
           </a:p>
@@ -1982,7 +1985,7 @@
           <a:p>
             <a:fld id="{8C28A28C-4C6A-46EA-90C0-4EE0B89CC5C7}" type="datetimeFigureOut">
               <a:rPr lang="en-US" smtClean="0"/>
-              <a:t>2/10/2024</a:t>
+              <a:t>3/29/2024</a:t>
             </a:fld>
             <a:endParaRPr lang="en-US"/>
           </a:p>
@@ -2095,7 +2098,7 @@
           <a:p>
             <a:fld id="{8C28A28C-4C6A-46EA-90C0-4EE0B89CC5C7}" type="datetimeFigureOut">
               <a:rPr lang="en-US" smtClean="0"/>
-              <a:t>2/10/2024</a:t>
+              <a:t>3/29/2024</a:t>
             </a:fld>
             <a:endParaRPr lang="en-US"/>
           </a:p>
@@ -2408,7 +2411,7 @@
           <a:p>
             <a:fld id="{8C28A28C-4C6A-46EA-90C0-4EE0B89CC5C7}" type="datetimeFigureOut">
               <a:rPr lang="en-US" smtClean="0"/>
-              <a:t>2/10/2024</a:t>
+              <a:t>3/29/2024</a:t>
             </a:fld>
             <a:endParaRPr lang="en-US"/>
           </a:p>
@@ -2696,7 +2699,7 @@
           <a:p>
             <a:fld id="{8C28A28C-4C6A-46EA-90C0-4EE0B89CC5C7}" type="datetimeFigureOut">
               <a:rPr lang="en-US" smtClean="0"/>
-              <a:t>2/10/2024</a:t>
+              <a:t>3/29/2024</a:t>
             </a:fld>
             <a:endParaRPr lang="en-US"/>
           </a:p>
@@ -3051,7 +3054,7 @@
             <a:fld id="{8C28A28C-4C6A-46EA-90C0-4EE0B89CC5C7}" type="datetimeFigureOut">
               <a:rPr lang="en-US" smtClean="0"/>
               <a:pPr/>
-              <a:t>2/10/2024</a:t>
+              <a:t>3/29/2024</a:t>
             </a:fld>
             <a:endParaRPr lang="en-US" dirty="0"/>
           </a:p>
@@ -4271,7 +4274,7 @@
         <p:spPr>
           <a:xfrm>
             <a:off x="5016321" y="1171977"/>
-            <a:ext cx="5782614" cy="4154984"/>
+            <a:ext cx="5782614" cy="7540526"/>
           </a:xfrm>
           <a:prstGeom prst="rect">
             <a:avLst/>
@@ -4328,10 +4331,14 @@
                 <a:latin typeface="Times New Roman" panose="02020603050405020304" pitchFamily="18" charset="0"/>
                 <a:cs typeface="Times New Roman" panose="02020603050405020304" pitchFamily="18" charset="0"/>
               </a:rPr>
-              <a:t>Important Aspects </a:t>
-            </a:r>
-          </a:p>
-          <a:p>
+              <a:t>Literature</a:t>
+            </a:r>
+          </a:p>
+          <a:p>
+            <a:pPr marL="571500" indent="-571500">
+              <a:buFont typeface="Arial" panose="020B0604020202020204" pitchFamily="34" charset="0"/>
+              <a:buChar char="•"/>
+            </a:pPr>
             <a:r>
               <a:rPr lang="en-US" sz="4400" b="1" dirty="0">
                 <a:solidFill>
@@ -4340,8 +4347,81 @@
                 <a:latin typeface="Times New Roman" panose="02020603050405020304" pitchFamily="18" charset="0"/>
                 <a:cs typeface="Times New Roman" panose="02020603050405020304" pitchFamily="18" charset="0"/>
               </a:rPr>
-              <a:t>()</a:t>
-            </a:r>
+              <a:t>Research Question</a:t>
+            </a:r>
+          </a:p>
+          <a:p>
+            <a:pPr marL="571500" indent="-571500">
+              <a:buFont typeface="Arial" panose="020B0604020202020204" pitchFamily="34" charset="0"/>
+              <a:buChar char="•"/>
+            </a:pPr>
+            <a:r>
+              <a:rPr lang="en-US" sz="4400" b="1" dirty="0">
+                <a:solidFill>
+                  <a:srgbClr val="FF0000"/>
+                </a:solidFill>
+                <a:latin typeface="Times New Roman" panose="02020603050405020304" pitchFamily="18" charset="0"/>
+                <a:cs typeface="Times New Roman" panose="02020603050405020304" pitchFamily="18" charset="0"/>
+              </a:rPr>
+              <a:t>Packages and DATA</a:t>
+            </a:r>
+          </a:p>
+          <a:p>
+            <a:pPr marL="571500" indent="-571500">
+              <a:buFont typeface="Arial" panose="020B0604020202020204" pitchFamily="34" charset="0"/>
+              <a:buChar char="•"/>
+            </a:pPr>
+            <a:r>
+              <a:rPr lang="en-US" sz="4400" b="1" dirty="0">
+                <a:solidFill>
+                  <a:srgbClr val="FF0000"/>
+                </a:solidFill>
+                <a:latin typeface="Times New Roman" panose="02020603050405020304" pitchFamily="18" charset="0"/>
+                <a:cs typeface="Times New Roman" panose="02020603050405020304" pitchFamily="18" charset="0"/>
+              </a:rPr>
+              <a:t>Methodology</a:t>
+            </a:r>
+          </a:p>
+          <a:p>
+            <a:pPr marL="571500" indent="-571500">
+              <a:buFont typeface="Arial" panose="020B0604020202020204" pitchFamily="34" charset="0"/>
+              <a:buChar char="•"/>
+            </a:pPr>
+            <a:r>
+              <a:rPr lang="en-US" sz="4400" b="1" dirty="0">
+                <a:solidFill>
+                  <a:srgbClr val="FF0000"/>
+                </a:solidFill>
+                <a:latin typeface="Times New Roman" panose="02020603050405020304" pitchFamily="18" charset="0"/>
+                <a:cs typeface="Times New Roman" panose="02020603050405020304" pitchFamily="18" charset="0"/>
+              </a:rPr>
+              <a:t>Model</a:t>
+            </a:r>
+          </a:p>
+          <a:p>
+            <a:pPr marL="571500" indent="-571500">
+              <a:buFont typeface="Arial" panose="020B0604020202020204" pitchFamily="34" charset="0"/>
+              <a:buChar char="•"/>
+            </a:pPr>
+            <a:r>
+              <a:rPr lang="en-US" sz="4400" b="1" dirty="0">
+                <a:solidFill>
+                  <a:srgbClr val="FF0000"/>
+                </a:solidFill>
+                <a:latin typeface="Times New Roman" panose="02020603050405020304" pitchFamily="18" charset="0"/>
+                <a:cs typeface="Times New Roman" panose="02020603050405020304" pitchFamily="18" charset="0"/>
+              </a:rPr>
+              <a:t>Results</a:t>
+            </a:r>
+          </a:p>
+          <a:p>
+            <a:endParaRPr lang="en-US" sz="4400" b="1" dirty="0">
+              <a:solidFill>
+                <a:srgbClr val="FF0000"/>
+              </a:solidFill>
+              <a:latin typeface="Times New Roman" panose="02020603050405020304" pitchFamily="18" charset="0"/>
+              <a:cs typeface="Times New Roman" panose="02020603050405020304" pitchFamily="18" charset="0"/>
+            </a:endParaRPr>
           </a:p>
           <a:p>
             <a:pPr marL="571500" indent="-571500">

--- a/Atc & Visualisation.pptx
+++ b/Atc & Visualisation.pptx
@@ -6,13 +6,15 @@
   </p:sldMasterIdLst>
   <p:sldIdLst>
     <p:sldId id="257" r:id="rId2"/>
-    <p:sldId id="258" r:id="rId3"/>
-    <p:sldId id="264" r:id="rId4"/>
-    <p:sldId id="260" r:id="rId5"/>
-    <p:sldId id="261" r:id="rId6"/>
-    <p:sldId id="262" r:id="rId7"/>
-    <p:sldId id="263" r:id="rId8"/>
-    <p:sldId id="256" r:id="rId9"/>
+    <p:sldId id="264" r:id="rId3"/>
+    <p:sldId id="260" r:id="rId4"/>
+    <p:sldId id="261" r:id="rId5"/>
+    <p:sldId id="262" r:id="rId6"/>
+    <p:sldId id="266" r:id="rId7"/>
+    <p:sldId id="267" r:id="rId8"/>
+    <p:sldId id="263" r:id="rId9"/>
+    <p:sldId id="265" r:id="rId10"/>
+    <p:sldId id="256" r:id="rId11"/>
   </p:sldIdLst>
   <p:sldSz cx="12192000" cy="6858000"/>
   <p:notesSz cx="6858000" cy="9144000"/>
@@ -117,12 +119,14 @@
         <p14:section name="Default Section" id="{FC0ED9C2-900D-414B-8D19-C0D7B7C29432}">
           <p14:sldIdLst>
             <p14:sldId id="257"/>
-            <p14:sldId id="258"/>
             <p14:sldId id="264"/>
             <p14:sldId id="260"/>
             <p14:sldId id="261"/>
             <p14:sldId id="262"/>
+            <p14:sldId id="266"/>
+            <p14:sldId id="267"/>
             <p14:sldId id="263"/>
+            <p14:sldId id="265"/>
             <p14:sldId id="256"/>
           </p14:sldIdLst>
         </p14:section>
@@ -286,7 +290,7 @@
           <a:p>
             <a:fld id="{8C28A28C-4C6A-46EA-90C0-4EE0B89CC5C7}" type="datetimeFigureOut">
               <a:rPr lang="en-US" smtClean="0"/>
-              <a:t>3/29/2024</a:t>
+              <a:t>4/28/2024</a:t>
             </a:fld>
             <a:endParaRPr lang="en-US" dirty="0"/>
           </a:p>
@@ -484,7 +488,7 @@
           <a:p>
             <a:fld id="{8C28A28C-4C6A-46EA-90C0-4EE0B89CC5C7}" type="datetimeFigureOut">
               <a:rPr lang="en-US" smtClean="0"/>
-              <a:t>3/29/2024</a:t>
+              <a:t>4/28/2024</a:t>
             </a:fld>
             <a:endParaRPr lang="en-US"/>
           </a:p>
@@ -692,7 +696,7 @@
           <a:p>
             <a:fld id="{8C28A28C-4C6A-46EA-90C0-4EE0B89CC5C7}" type="datetimeFigureOut">
               <a:rPr lang="en-US" smtClean="0"/>
-              <a:t>3/29/2024</a:t>
+              <a:t>4/28/2024</a:t>
             </a:fld>
             <a:endParaRPr lang="en-US"/>
           </a:p>
@@ -890,7 +894,7 @@
           <a:p>
             <a:fld id="{8C28A28C-4C6A-46EA-90C0-4EE0B89CC5C7}" type="datetimeFigureOut">
               <a:rPr lang="en-US" smtClean="0"/>
-              <a:t>3/29/2024</a:t>
+              <a:t>4/28/2024</a:t>
             </a:fld>
             <a:endParaRPr lang="en-US"/>
           </a:p>
@@ -1167,7 +1171,7 @@
           <a:p>
             <a:fld id="{8C28A28C-4C6A-46EA-90C0-4EE0B89CC5C7}" type="datetimeFigureOut">
               <a:rPr lang="en-US" smtClean="0"/>
-              <a:t>3/29/2024</a:t>
+              <a:t>4/28/2024</a:t>
             </a:fld>
             <a:endParaRPr lang="en-US"/>
           </a:p>
@@ -1432,7 +1436,7 @@
           <a:p>
             <a:fld id="{8C28A28C-4C6A-46EA-90C0-4EE0B89CC5C7}" type="datetimeFigureOut">
               <a:rPr lang="en-US" smtClean="0"/>
-              <a:t>3/29/2024</a:t>
+              <a:t>4/28/2024</a:t>
             </a:fld>
             <a:endParaRPr lang="en-US"/>
           </a:p>
@@ -1844,7 +1848,7 @@
           <a:p>
             <a:fld id="{8C28A28C-4C6A-46EA-90C0-4EE0B89CC5C7}" type="datetimeFigureOut">
               <a:rPr lang="en-US" smtClean="0"/>
-              <a:t>3/29/2024</a:t>
+              <a:t>4/28/2024</a:t>
             </a:fld>
             <a:endParaRPr lang="en-US"/>
           </a:p>
@@ -1985,7 +1989,7 @@
           <a:p>
             <a:fld id="{8C28A28C-4C6A-46EA-90C0-4EE0B89CC5C7}" type="datetimeFigureOut">
               <a:rPr lang="en-US" smtClean="0"/>
-              <a:t>3/29/2024</a:t>
+              <a:t>4/28/2024</a:t>
             </a:fld>
             <a:endParaRPr lang="en-US"/>
           </a:p>
@@ -2098,7 +2102,7 @@
           <a:p>
             <a:fld id="{8C28A28C-4C6A-46EA-90C0-4EE0B89CC5C7}" type="datetimeFigureOut">
               <a:rPr lang="en-US" smtClean="0"/>
-              <a:t>3/29/2024</a:t>
+              <a:t>4/28/2024</a:t>
             </a:fld>
             <a:endParaRPr lang="en-US"/>
           </a:p>
@@ -2411,7 +2415,7 @@
           <a:p>
             <a:fld id="{8C28A28C-4C6A-46EA-90C0-4EE0B89CC5C7}" type="datetimeFigureOut">
               <a:rPr lang="en-US" smtClean="0"/>
-              <a:t>3/29/2024</a:t>
+              <a:t>4/28/2024</a:t>
             </a:fld>
             <a:endParaRPr lang="en-US"/>
           </a:p>
@@ -2699,7 +2703,7 @@
           <a:p>
             <a:fld id="{8C28A28C-4C6A-46EA-90C0-4EE0B89CC5C7}" type="datetimeFigureOut">
               <a:rPr lang="en-US" smtClean="0"/>
-              <a:t>3/29/2024</a:t>
+              <a:t>4/28/2024</a:t>
             </a:fld>
             <a:endParaRPr lang="en-US"/>
           </a:p>
@@ -3054,7 +3058,7 @@
             <a:fld id="{8C28A28C-4C6A-46EA-90C0-4EE0B89CC5C7}" type="datetimeFigureOut">
               <a:rPr lang="en-US" smtClean="0"/>
               <a:pPr/>
-              <a:t>3/29/2024</a:t>
+              <a:t>4/28/2024</a:t>
             </a:fld>
             <a:endParaRPr lang="en-US" dirty="0"/>
           </a:p>
@@ -3679,35 +3683,6 @@
           </a:p>
         </p:txBody>
       </p:sp>
-      <p:pic>
-        <p:nvPicPr>
-          <p:cNvPr id="5" name="Picture 4" descr="Aeroplanes on a road">
-            <a:extLst>
-              <a:ext uri="{FF2B5EF4-FFF2-40B4-BE49-F238E27FC236}">
-                <a16:creationId xmlns:a16="http://schemas.microsoft.com/office/drawing/2014/main" id="{0CD3AB48-F035-7B34-150A-29F540962962}"/>
-              </a:ext>
-            </a:extLst>
-          </p:cNvPr>
-          <p:cNvPicPr>
-            <a:picLocks noChangeAspect="1"/>
-          </p:cNvPicPr>
-          <p:nvPr/>
-        </p:nvPicPr>
-        <p:blipFill rotWithShape="1">
-          <a:blip r:embed="rId2"/>
-          <a:srcRect t="3246" b="11849"/>
-          <a:stretch/>
-        </p:blipFill>
-        <p:spPr>
-          <a:xfrm>
-            <a:off x="-2" y="10"/>
-            <a:ext cx="12192002" cy="6857990"/>
-          </a:xfrm>
-          <a:prstGeom prst="rect">
-            <a:avLst/>
-          </a:prstGeom>
-        </p:spPr>
-      </p:pic>
       <p:sp useBgFill="1">
         <p:nvSpPr>
           <p:cNvPr id="44" name="Rectangle 43">
@@ -3786,8 +3761,8 @@
         </p:nvSpPr>
         <p:spPr>
           <a:xfrm>
-            <a:off x="109467" y="4891254"/>
-            <a:ext cx="11404245" cy="1206892"/>
+            <a:off x="1180686" y="1552354"/>
+            <a:ext cx="8457727" cy="3899616"/>
           </a:xfrm>
         </p:spPr>
         <p:txBody>
@@ -3796,28 +3771,108 @@
           </a:bodyPr>
           <a:lstStyle/>
           <a:p>
-            <a:r>
-              <a:rPr lang="en-US" sz="4900" b="1" kern="1200" dirty="0">
+            <a:pPr algn="ctr"/>
+            <a:br>
+              <a:rPr lang="en-US" sz="5300" dirty="0">
                 <a:solidFill>
                   <a:srgbClr val="FF0000"/>
                 </a:solidFill>
-                <a:effectLst/>
                 <a:latin typeface="Times New Roman" panose="02020603050405020304" pitchFamily="18" charset="0"/>
                 <a:cs typeface="Times New Roman" panose="02020603050405020304" pitchFamily="18" charset="0"/>
               </a:rPr>
-              <a:t>Air Traffic Control &amp; VISUALIZATION</a:t>
-            </a:r>
-            <a:r>
-              <a:rPr lang="en-US" sz="4000" b="1" kern="1200" dirty="0">
+            </a:br>
+            <a:br>
+              <a:rPr lang="en-US" sz="5300" dirty="0">
                 <a:solidFill>
-                  <a:schemeClr val="bg1"/>
+                  <a:srgbClr val="FF0000"/>
                 </a:solidFill>
-                <a:effectLst/>
                 <a:latin typeface="Times New Roman" panose="02020603050405020304" pitchFamily="18" charset="0"/>
                 <a:cs typeface="Times New Roman" panose="02020603050405020304" pitchFamily="18" charset="0"/>
               </a:rPr>
-              <a:t>N</a:t>
-            </a:r>
+            </a:br>
+            <a:br>
+              <a:rPr lang="en-US" sz="5300" dirty="0">
+                <a:solidFill>
+                  <a:srgbClr val="FF0000"/>
+                </a:solidFill>
+                <a:latin typeface="Times New Roman" panose="02020603050405020304" pitchFamily="18" charset="0"/>
+                <a:cs typeface="Times New Roman" panose="02020603050405020304" pitchFamily="18" charset="0"/>
+              </a:rPr>
+            </a:br>
+            <a:r>
+              <a:rPr lang="en-US" sz="5300" dirty="0">
+                <a:solidFill>
+                  <a:srgbClr val="FF0000"/>
+                </a:solidFill>
+                <a:latin typeface="Times New Roman" panose="02020603050405020304" pitchFamily="18" charset="0"/>
+                <a:cs typeface="Times New Roman" panose="02020603050405020304" pitchFamily="18" charset="0"/>
+              </a:rPr>
+              <a:t>Flight Delay Prediction</a:t>
+            </a:r>
+            <a:br>
+              <a:rPr lang="en-US" sz="4900" dirty="0">
+                <a:solidFill>
+                  <a:srgbClr val="FF0000"/>
+                </a:solidFill>
+                <a:latin typeface="Times New Roman" panose="02020603050405020304" pitchFamily="18" charset="0"/>
+                <a:cs typeface="Times New Roman" panose="02020603050405020304" pitchFamily="18" charset="0"/>
+              </a:rPr>
+            </a:br>
+            <a:br>
+              <a:rPr lang="en-US" sz="4900" dirty="0">
+                <a:solidFill>
+                  <a:srgbClr val="FF0000"/>
+                </a:solidFill>
+                <a:latin typeface="Times New Roman" panose="02020603050405020304" pitchFamily="18" charset="0"/>
+                <a:cs typeface="Times New Roman" panose="02020603050405020304" pitchFamily="18" charset="0"/>
+              </a:rPr>
+            </a:br>
+            <a:r>
+              <a:rPr lang="en-US" sz="2700" dirty="0">
+                <a:solidFill>
+                  <a:srgbClr val="00B050"/>
+                </a:solidFill>
+                <a:latin typeface="Times New Roman" panose="02020603050405020304" pitchFamily="18" charset="0"/>
+                <a:cs typeface="Times New Roman" panose="02020603050405020304" pitchFamily="18" charset="0"/>
+              </a:rPr>
+              <a:t>J Vinay POLANKI</a:t>
+            </a:r>
+            <a:br>
+              <a:rPr lang="en-US" sz="2700" dirty="0">
+                <a:solidFill>
+                  <a:srgbClr val="00B050"/>
+                </a:solidFill>
+                <a:latin typeface="Times New Roman" panose="02020603050405020304" pitchFamily="18" charset="0"/>
+                <a:cs typeface="Times New Roman" panose="02020603050405020304" pitchFamily="18" charset="0"/>
+              </a:rPr>
+            </a:br>
+            <a:r>
+              <a:rPr lang="en-US" sz="2700" dirty="0">
+                <a:solidFill>
+                  <a:srgbClr val="00B050"/>
+                </a:solidFill>
+                <a:latin typeface="Times New Roman" panose="02020603050405020304" pitchFamily="18" charset="0"/>
+                <a:cs typeface="Times New Roman" panose="02020603050405020304" pitchFamily="18" charset="0"/>
+              </a:rPr>
+              <a:t>M00355995</a:t>
+            </a:r>
+            <a:br>
+              <a:rPr lang="en-US" sz="4900" dirty="0">
+                <a:solidFill>
+                  <a:srgbClr val="FF0000"/>
+                </a:solidFill>
+                <a:latin typeface="Times New Roman" panose="02020603050405020304" pitchFamily="18" charset="0"/>
+                <a:cs typeface="Times New Roman" panose="02020603050405020304" pitchFamily="18" charset="0"/>
+              </a:rPr>
+            </a:br>
+            <a:endParaRPr lang="en-US" sz="4000" b="1" kern="1200" dirty="0">
+              <a:solidFill>
+                <a:schemeClr val="bg1"/>
+              </a:solidFill>
+              <a:effectLst/>
+              <a:latin typeface="Times New Roman" panose="02020603050405020304" pitchFamily="18" charset="0"/>
+              <a:cs typeface="Times New Roman" panose="02020603050405020304" pitchFamily="18" charset="0"/>
+            </a:endParaRPr>
           </a:p>
         </p:txBody>
       </p:sp>
@@ -3835,7 +3890,7 @@
         </p:nvSpPr>
         <p:spPr>
           <a:xfrm>
-            <a:off x="631064" y="901521"/>
+            <a:off x="397148" y="779246"/>
             <a:ext cx="10618631" cy="707886"/>
           </a:xfrm>
           <a:prstGeom prst="rect">
@@ -3849,10 +3904,11 @@
           </a:bodyPr>
           <a:lstStyle/>
           <a:p>
+            <a:pPr algn="ctr"/>
             <a:r>
               <a:rPr lang="en-US" sz="4000" b="1" dirty="0">
                 <a:solidFill>
-                  <a:srgbClr val="FFFF00"/>
+                  <a:srgbClr val="FF0000"/>
                 </a:solidFill>
                 <a:latin typeface="Times New Roman" panose="02020603050405020304" pitchFamily="18" charset="0"/>
                 <a:cs typeface="Times New Roman" panose="02020603050405020304" pitchFamily="18" charset="0"/>
@@ -3875,7 +3931,7 @@
 </p:sld>
 </file>
 
-<file path=ppt/slides/slide2.xml><?xml version="1.0" encoding="utf-8"?>
+<file path=ppt/slides/slide10.xml><?xml version="1.0" encoding="utf-8"?>
 <p:sld xmlns:a="http://schemas.openxmlformats.org/drawingml/2006/main" xmlns:r="http://schemas.openxmlformats.org/officeDocument/2006/relationships" xmlns:p="http://schemas.openxmlformats.org/presentationml/2006/main">
   <p:cSld>
     <p:bg>
@@ -3902,7 +3958,7 @@
       </p:grpSpPr>
       <p:sp>
         <p:nvSpPr>
-          <p:cNvPr id="18" name="Freeform: Shape 17">
+          <p:cNvPr id="93" name="Freeform: Shape 92">
             <a:extLst>
               <a:ext uri="{FF2B5EF4-FFF2-40B4-BE49-F238E27FC236}">
                 <a16:creationId xmlns:a16="http://schemas.microsoft.com/office/drawing/2014/main" id="{AE192E3E-68A9-4F36-936C-1C8D0B9EF132}"/>
@@ -4028,10 +4084,10 @@
       </p:sp>
       <p:sp useBgFill="1">
         <p:nvSpPr>
-          <p:cNvPr id="20" name="Rectangle 19">
-            <a:extLst>
-              <a:ext uri="{FF2B5EF4-FFF2-40B4-BE49-F238E27FC236}">
-                <a16:creationId xmlns:a16="http://schemas.microsoft.com/office/drawing/2014/main" id="{612E369B-5272-4644-973E-2039918BD628}"/>
+          <p:cNvPr id="95" name="Rectangle 94">
+            <a:extLst>
+              <a:ext uri="{FF2B5EF4-FFF2-40B4-BE49-F238E27FC236}">
+                <a16:creationId xmlns:a16="http://schemas.microsoft.com/office/drawing/2014/main" id="{6362EDFF-7BE1-4149-A745-FFD7211E6CE1}"/>
               </a:ext>
               <a:ext uri="{C183D7F6-B498-43B3-948B-1728B52AA6E4}">
                 <adec:decorative xmlns:adec="http://schemas.microsoft.com/office/drawing/2017/decorative" val="1"/>
@@ -4104,10 +4160,10 @@
       </p:sp>
       <p:pic>
         <p:nvPicPr>
-          <p:cNvPr id="5" name="Picture 4" descr="Artistic yellow swirling in water">
-            <a:extLst>
-              <a:ext uri="{FF2B5EF4-FFF2-40B4-BE49-F238E27FC236}">
-                <a16:creationId xmlns:a16="http://schemas.microsoft.com/office/drawing/2014/main" id="{7CC47063-A849-CEDF-90C0-F25C681EF7EA}"/>
+          <p:cNvPr id="4" name="Picture 3" descr="A splash of colors on a white surface">
+            <a:extLst>
+              <a:ext uri="{FF2B5EF4-FFF2-40B4-BE49-F238E27FC236}">
+                <a16:creationId xmlns:a16="http://schemas.microsoft.com/office/drawing/2014/main" id="{FA2450EB-3358-8AA8-5495-5032C824E479}"/>
               </a:ext>
             </a:extLst>
           </p:cNvPr>
@@ -4118,13 +4174,13 @@
         </p:nvPicPr>
         <p:blipFill rotWithShape="1">
           <a:blip r:embed="rId2"/>
-          <a:srcRect t="13958" b="1773"/>
+          <a:srcRect t="9244" b="15756"/>
           <a:stretch/>
         </p:blipFill>
         <p:spPr>
           <a:xfrm>
-            <a:off x="1" y="10"/>
-            <a:ext cx="12192000" cy="6857990"/>
+            <a:off x="-87454" y="-26891"/>
+            <a:ext cx="12191980" cy="6857990"/>
           </a:xfrm>
           <a:prstGeom prst="rect">
             <a:avLst/>
@@ -4133,148 +4189,20 @@
       </p:pic>
       <p:sp>
         <p:nvSpPr>
-          <p:cNvPr id="22" name="Rectangle 21">
-            <a:extLst>
-              <a:ext uri="{FF2B5EF4-FFF2-40B4-BE49-F238E27FC236}">
-                <a16:creationId xmlns:a16="http://schemas.microsoft.com/office/drawing/2014/main" id="{080220E3-B484-45C4-87BC-D7A63CE3FD98}"/>
-              </a:ext>
-              <a:ext uri="{C183D7F6-B498-43B3-948B-1728B52AA6E4}">
-                <adec:decorative xmlns:adec="http://schemas.microsoft.com/office/drawing/2017/decorative" val="1"/>
-              </a:ext>
-            </a:extLst>
-          </p:cNvPr>
-          <p:cNvSpPr>
-            <a:spLocks noGrp="1" noRot="1" noChangeAspect="1" noMove="1" noResize="1" noEditPoints="1" noAdjustHandles="1" noChangeArrowheads="1" noChangeShapeType="1" noTextEdit="1"/>
-          </p:cNvSpPr>
-          <p:nvPr>
-            <p:extLst>
-              <p:ext uri="{386F3935-93C4-4BCD-93E2-E3B085C9AB24}">
-                <p16:designElem xmlns:p16="http://schemas.microsoft.com/office/powerpoint/2015/main" val="1"/>
-              </p:ext>
-            </p:extLst>
-          </p:nvPr>
-        </p:nvSpPr>
-        <p:spPr>
-          <a:xfrm rot="10800000">
-            <a:off x="1" y="2650435"/>
-            <a:ext cx="12191999" cy="4207565"/>
-          </a:xfrm>
-          <a:prstGeom prst="rect">
-            <a:avLst/>
-          </a:prstGeom>
-          <a:gradFill flip="none" rotWithShape="1">
-            <a:gsLst>
-              <a:gs pos="0">
-                <a:srgbClr val="000000">
-                  <a:alpha val="35000"/>
-                </a:srgbClr>
-              </a:gs>
-              <a:gs pos="100000">
-                <a:srgbClr val="000000">
-                  <a:alpha val="0"/>
-                </a:srgbClr>
-              </a:gs>
-              <a:gs pos="37000">
-                <a:srgbClr val="000000">
-                  <a:alpha val="20000"/>
-                </a:srgbClr>
-              </a:gs>
-            </a:gsLst>
-            <a:lin ang="5400000" scaled="0"/>
-            <a:tileRect/>
-          </a:gradFill>
-          <a:ln>
-            <a:noFill/>
-          </a:ln>
-        </p:spPr>
-        <p:style>
-          <a:lnRef idx="2">
-            <a:schemeClr val="accent1">
-              <a:shade val="50000"/>
-            </a:schemeClr>
-          </a:lnRef>
-          <a:fillRef idx="1">
-            <a:schemeClr val="accent1"/>
-          </a:fillRef>
-          <a:effectRef idx="0">
-            <a:schemeClr val="accent1"/>
-          </a:effectRef>
-          <a:fontRef idx="minor">
-            <a:schemeClr val="lt1"/>
-          </a:fontRef>
-        </p:style>
-        <p:txBody>
-          <a:bodyPr rtlCol="0" anchor="ctr"/>
-          <a:lstStyle/>
-          <a:p>
-            <a:pPr algn="ctr"/>
-            <a:endParaRPr lang="en-US">
-              <a:solidFill>
-                <a:srgbClr val="FFFFFF"/>
-              </a:solidFill>
-            </a:endParaRPr>
-          </a:p>
-        </p:txBody>
-      </p:sp>
-      <p:sp>
-        <p:nvSpPr>
-          <p:cNvPr id="2" name="Title 1">
-            <a:extLst>
-              <a:ext uri="{FF2B5EF4-FFF2-40B4-BE49-F238E27FC236}">
-                <a16:creationId xmlns:a16="http://schemas.microsoft.com/office/drawing/2014/main" id="{A8D48990-DE83-0F3F-5990-C6735A791F5B}"/>
-              </a:ext>
-            </a:extLst>
-          </p:cNvPr>
-          <p:cNvSpPr>
-            <a:spLocks noGrp="1"/>
-          </p:cNvSpPr>
-          <p:nvPr>
-            <p:ph type="title"/>
-          </p:nvPr>
+          <p:cNvPr id="7" name="TextBox 6">
+            <a:extLst>
+              <a:ext uri="{FF2B5EF4-FFF2-40B4-BE49-F238E27FC236}">
+                <a16:creationId xmlns:a16="http://schemas.microsoft.com/office/drawing/2014/main" id="{E59A36DF-8F04-CAE5-3A45-8FDA94140EAF}"/>
+              </a:ext>
+            </a:extLst>
+          </p:cNvPr>
+          <p:cNvSpPr txBox="1"/>
+          <p:nvPr/>
         </p:nvSpPr>
         <p:spPr>
           <a:xfrm>
-            <a:off x="4105399" y="218940"/>
-            <a:ext cx="7688825" cy="657855"/>
-          </a:xfrm>
-        </p:spPr>
-        <p:txBody>
-          <a:bodyPr vert="horz" lIns="91440" tIns="45720" rIns="91440" bIns="45720" rtlCol="0" anchor="b">
-            <a:noAutofit/>
-          </a:bodyPr>
-          <a:lstStyle/>
-          <a:p>
-            <a:pPr algn="ctr"/>
-            <a:r>
-              <a:rPr lang="en-US" sz="4800" b="1" kern="1200" dirty="0">
-                <a:solidFill>
-                  <a:srgbClr val="FFFFFF"/>
-                </a:solidFill>
-                <a:effectLst/>
-                <a:latin typeface="Times New Roman" panose="02020603050405020304" pitchFamily="18" charset="0"/>
-                <a:cs typeface="Times New Roman" panose="02020603050405020304" pitchFamily="18" charset="0"/>
-              </a:rPr>
-              <a:t>Flow Over an “ATC”</a:t>
-            </a:r>
-          </a:p>
-        </p:txBody>
-      </p:sp>
-      <p:sp>
-        <p:nvSpPr>
-          <p:cNvPr id="4" name="TextBox 3">
-            <a:extLst>
-              <a:ext uri="{FF2B5EF4-FFF2-40B4-BE49-F238E27FC236}">
-                <a16:creationId xmlns:a16="http://schemas.microsoft.com/office/drawing/2014/main" id="{607EB6A4-3211-402D-8959-5364B0CE4B5C}"/>
-              </a:ext>
-            </a:extLst>
-          </p:cNvPr>
-          <p:cNvSpPr txBox="1"/>
-          <p:nvPr/>
-        </p:nvSpPr>
-        <p:spPr>
-          <a:xfrm>
-            <a:off x="5016321" y="1171977"/>
-            <a:ext cx="5782614" cy="7540526"/>
+            <a:off x="3490175" y="4845570"/>
+            <a:ext cx="9144000" cy="2308324"/>
           </a:xfrm>
           <a:prstGeom prst="rect">
             <a:avLst/>
@@ -4287,127 +4215,168 @@
           </a:bodyPr>
           <a:lstStyle/>
           <a:p>
-            <a:pPr marL="571500" indent="-571500">
-              <a:buFont typeface="Arial" panose="020B0604020202020204" pitchFamily="34" charset="0"/>
-              <a:buChar char="•"/>
-            </a:pPr>
-            <a:r>
-              <a:rPr lang="en-US" sz="4400" b="1" dirty="0">
+            <a:pPr algn="ctr"/>
+            <a:r>
+              <a:rPr lang="en-US" sz="9600" b="1" dirty="0">
+                <a:latin typeface="Times New Roman" panose="02020603050405020304" pitchFamily="18" charset="0"/>
+                <a:cs typeface="Times New Roman" panose="02020603050405020304" pitchFamily="18" charset="0"/>
+              </a:rPr>
+              <a:t>Thanks</a:t>
+            </a:r>
+          </a:p>
+          <a:p>
+            <a:pPr algn="ctr"/>
+            <a:endParaRPr lang="en-US" sz="4800" b="1" dirty="0">
+              <a:latin typeface="Times New Roman" panose="02020603050405020304" pitchFamily="18" charset="0"/>
+              <a:cs typeface="Times New Roman" panose="02020603050405020304" pitchFamily="18" charset="0"/>
+            </a:endParaRPr>
+          </a:p>
+        </p:txBody>
+      </p:sp>
+    </p:spTree>
+    <p:extLst>
+      <p:ext uri="{BB962C8B-B14F-4D97-AF65-F5344CB8AC3E}">
+        <p14:creationId xmlns:p14="http://schemas.microsoft.com/office/powerpoint/2010/main" val="1112582105"/>
+      </p:ext>
+    </p:extLst>
+  </p:cSld>
+  <p:clrMapOvr>
+    <a:masterClrMapping/>
+  </p:clrMapOvr>
+</p:sld>
+</file>
+
+<file path=ppt/slides/slide2.xml><?xml version="1.0" encoding="utf-8"?>
+<p:sld xmlns:a="http://schemas.openxmlformats.org/drawingml/2006/main" xmlns:r="http://schemas.openxmlformats.org/officeDocument/2006/relationships" xmlns:p="http://schemas.openxmlformats.org/presentationml/2006/main">
+  <p:cSld>
+    <p:spTree>
+      <p:nvGrpSpPr>
+        <p:cNvPr id="1" name=""/>
+        <p:cNvGrpSpPr/>
+        <p:nvPr/>
+      </p:nvGrpSpPr>
+      <p:grpSpPr>
+        <a:xfrm>
+          <a:off x="0" y="0"/>
+          <a:ext cx="0" cy="0"/>
+          <a:chOff x="0" y="0"/>
+          <a:chExt cx="0" cy="0"/>
+        </a:xfrm>
+      </p:grpSpPr>
+      <p:sp>
+        <p:nvSpPr>
+          <p:cNvPr id="2" name="Title 1">
+            <a:extLst>
+              <a:ext uri="{FF2B5EF4-FFF2-40B4-BE49-F238E27FC236}">
+                <a16:creationId xmlns:a16="http://schemas.microsoft.com/office/drawing/2014/main" id="{1EC7E455-8779-EAAE-0D5F-2393B9DDCA3B}"/>
+              </a:ext>
+            </a:extLst>
+          </p:cNvPr>
+          <p:cNvSpPr>
+            <a:spLocks noGrp="1"/>
+          </p:cNvSpPr>
+          <p:nvPr>
+            <p:ph type="title"/>
+          </p:nvPr>
+        </p:nvSpPr>
+        <p:spPr>
+          <a:xfrm>
+            <a:off x="450041" y="260497"/>
+            <a:ext cx="9950103" cy="606345"/>
+          </a:xfrm>
+        </p:spPr>
+        <p:txBody>
+          <a:bodyPr/>
+          <a:lstStyle/>
+          <a:p>
+            <a:r>
+              <a:rPr lang="en-US" dirty="0">
                 <a:solidFill>
                   <a:srgbClr val="FF0000"/>
                 </a:solidFill>
                 <a:latin typeface="Times New Roman" panose="02020603050405020304" pitchFamily="18" charset="0"/>
                 <a:cs typeface="Times New Roman" panose="02020603050405020304" pitchFamily="18" charset="0"/>
               </a:rPr>
-              <a:t>What is an ATC</a:t>
-            </a:r>
-          </a:p>
-          <a:p>
-            <a:pPr marL="571500" indent="-571500">
-              <a:buFont typeface="Arial" panose="020B0604020202020204" pitchFamily="34" charset="0"/>
-              <a:buChar char="•"/>
-            </a:pPr>
-            <a:r>
-              <a:rPr lang="en-US" sz="4400" b="1" dirty="0">
-                <a:solidFill>
-                  <a:srgbClr val="FF0000"/>
-                </a:solidFill>
+              <a:t>Outline Of Project</a:t>
+            </a:r>
+          </a:p>
+        </p:txBody>
+      </p:sp>
+      <p:sp>
+        <p:nvSpPr>
+          <p:cNvPr id="3" name="Content Placeholder 2">
+            <a:extLst>
+              <a:ext uri="{FF2B5EF4-FFF2-40B4-BE49-F238E27FC236}">
+                <a16:creationId xmlns:a16="http://schemas.microsoft.com/office/drawing/2014/main" id="{8D72B272-D74F-DC8F-4F45-5BAF7B49AB15}"/>
+              </a:ext>
+            </a:extLst>
+          </p:cNvPr>
+          <p:cNvSpPr>
+            <a:spLocks noGrp="1"/>
+          </p:cNvSpPr>
+          <p:nvPr>
+            <p:ph idx="1"/>
+          </p:nvPr>
+        </p:nvSpPr>
+        <p:spPr>
+          <a:xfrm>
+            <a:off x="524469" y="1130143"/>
+            <a:ext cx="9950103" cy="5132434"/>
+          </a:xfrm>
+        </p:spPr>
+        <p:txBody>
+          <a:bodyPr>
+            <a:normAutofit fontScale="92500" lnSpcReduction="10000"/>
+          </a:bodyPr>
+          <a:lstStyle/>
+          <a:p>
+            <a:r>
+              <a:rPr lang="en-US" sz="3200" b="1" dirty="0">
                 <a:latin typeface="Times New Roman" panose="02020603050405020304" pitchFamily="18" charset="0"/>
                 <a:cs typeface="Times New Roman" panose="02020603050405020304" pitchFamily="18" charset="0"/>
               </a:rPr>
-              <a:t>Terms</a:t>
-            </a:r>
-          </a:p>
-          <a:p>
-            <a:pPr marL="571500" indent="-571500">
-              <a:buFont typeface="Arial" panose="020B0604020202020204" pitchFamily="34" charset="0"/>
-              <a:buChar char="•"/>
-            </a:pPr>
-            <a:r>
-              <a:rPr lang="en-US" sz="4400" b="1" dirty="0">
-                <a:solidFill>
-                  <a:srgbClr val="FF0000"/>
-                </a:solidFill>
+              <a:t>Motivation For Project</a:t>
+            </a:r>
+          </a:p>
+          <a:p>
+            <a:r>
+              <a:rPr lang="en-US" sz="3200" b="1" dirty="0">
                 <a:latin typeface="Times New Roman" panose="02020603050405020304" pitchFamily="18" charset="0"/>
                 <a:cs typeface="Times New Roman" panose="02020603050405020304" pitchFamily="18" charset="0"/>
               </a:rPr>
-              <a:t>Literature</a:t>
-            </a:r>
-          </a:p>
-          <a:p>
-            <a:pPr marL="571500" indent="-571500">
-              <a:buFont typeface="Arial" panose="020B0604020202020204" pitchFamily="34" charset="0"/>
-              <a:buChar char="•"/>
-            </a:pPr>
-            <a:r>
-              <a:rPr lang="en-US" sz="4400" b="1" dirty="0">
-                <a:solidFill>
-                  <a:srgbClr val="FF0000"/>
-                </a:solidFill>
+              <a:t>Data</a:t>
+            </a:r>
+          </a:p>
+          <a:p>
+            <a:r>
+              <a:rPr lang="en-US" sz="3200" b="1" dirty="0">
                 <a:latin typeface="Times New Roman" panose="02020603050405020304" pitchFamily="18" charset="0"/>
                 <a:cs typeface="Times New Roman" panose="02020603050405020304" pitchFamily="18" charset="0"/>
               </a:rPr>
-              <a:t>Research Question</a:t>
-            </a:r>
-          </a:p>
-          <a:p>
-            <a:pPr marL="571500" indent="-571500">
-              <a:buFont typeface="Arial" panose="020B0604020202020204" pitchFamily="34" charset="0"/>
-              <a:buChar char="•"/>
-            </a:pPr>
-            <a:r>
-              <a:rPr lang="en-US" sz="4400" b="1" dirty="0">
-                <a:solidFill>
-                  <a:srgbClr val="FF0000"/>
-                </a:solidFill>
+              <a:t>Research Question </a:t>
+            </a:r>
+          </a:p>
+          <a:p>
+            <a:r>
+              <a:rPr lang="en-US" sz="3200" b="1" dirty="0">
                 <a:latin typeface="Times New Roman" panose="02020603050405020304" pitchFamily="18" charset="0"/>
                 <a:cs typeface="Times New Roman" panose="02020603050405020304" pitchFamily="18" charset="0"/>
               </a:rPr>
-              <a:t>Packages and DATA</a:t>
-            </a:r>
-          </a:p>
-          <a:p>
-            <a:pPr marL="571500" indent="-571500">
-              <a:buFont typeface="Arial" panose="020B0604020202020204" pitchFamily="34" charset="0"/>
-              <a:buChar char="•"/>
-            </a:pPr>
-            <a:r>
-              <a:rPr lang="en-US" sz="4400" b="1" dirty="0">
-                <a:solidFill>
-                  <a:srgbClr val="FF0000"/>
-                </a:solidFill>
+              <a:t>Challenges</a:t>
+            </a:r>
+          </a:p>
+          <a:p>
+            <a:r>
+              <a:rPr lang="en-US" sz="3200" b="1" dirty="0">
                 <a:latin typeface="Times New Roman" panose="02020603050405020304" pitchFamily="18" charset="0"/>
                 <a:cs typeface="Times New Roman" panose="02020603050405020304" pitchFamily="18" charset="0"/>
               </a:rPr>
-              <a:t>Methodology</a:t>
-            </a:r>
-          </a:p>
-          <a:p>
-            <a:pPr marL="571500" indent="-571500">
-              <a:buFont typeface="Arial" panose="020B0604020202020204" pitchFamily="34" charset="0"/>
-              <a:buChar char="•"/>
-            </a:pPr>
-            <a:r>
-              <a:rPr lang="en-US" sz="4400" b="1" dirty="0">
-                <a:solidFill>
-                  <a:srgbClr val="FF0000"/>
-                </a:solidFill>
-                <a:latin typeface="Times New Roman" panose="02020603050405020304" pitchFamily="18" charset="0"/>
-                <a:cs typeface="Times New Roman" panose="02020603050405020304" pitchFamily="18" charset="0"/>
-              </a:rPr>
-              <a:t>Model</a:t>
-            </a:r>
-          </a:p>
-          <a:p>
-            <a:pPr marL="571500" indent="-571500">
-              <a:buFont typeface="Arial" panose="020B0604020202020204" pitchFamily="34" charset="0"/>
-              <a:buChar char="•"/>
-            </a:pPr>
-            <a:r>
-              <a:rPr lang="en-US" sz="4400" b="1" dirty="0">
-                <a:solidFill>
-                  <a:srgbClr val="FF0000"/>
-                </a:solidFill>
+              <a:t>Discussion and Limitations</a:t>
+            </a:r>
+          </a:p>
+          <a:p>
+            <a:r>
+              <a:rPr lang="en-US" sz="3200" b="1" dirty="0">
                 <a:latin typeface="Times New Roman" panose="02020603050405020304" pitchFamily="18" charset="0"/>
                 <a:cs typeface="Times New Roman" panose="02020603050405020304" pitchFamily="18" charset="0"/>
               </a:rPr>
@@ -4415,144 +4384,44 @@
             </a:r>
           </a:p>
           <a:p>
-            <a:endParaRPr lang="en-US" sz="4400" b="1" dirty="0">
-              <a:solidFill>
-                <a:srgbClr val="FF0000"/>
-              </a:solidFill>
+            <a:r>
+              <a:rPr lang="en-US" sz="3200" b="1" dirty="0">
+                <a:latin typeface="Times New Roman" panose="02020603050405020304" pitchFamily="18" charset="0"/>
+                <a:cs typeface="Times New Roman" panose="02020603050405020304" pitchFamily="18" charset="0"/>
+              </a:rPr>
+              <a:t>Future Work</a:t>
+            </a:r>
+          </a:p>
+          <a:p>
+            <a:r>
+              <a:rPr lang="en-US" sz="3200" b="1" dirty="0">
+                <a:latin typeface="Times New Roman" panose="02020603050405020304" pitchFamily="18" charset="0"/>
+                <a:cs typeface="Times New Roman" panose="02020603050405020304" pitchFamily="18" charset="0"/>
+              </a:rPr>
+              <a:t>Conclusion</a:t>
+            </a:r>
+          </a:p>
+          <a:p>
+            <a:pPr marL="0" indent="0">
+              <a:buNone/>
+            </a:pPr>
+            <a:endParaRPr lang="en-US" sz="3200" b="1" dirty="0">
               <a:latin typeface="Times New Roman" panose="02020603050405020304" pitchFamily="18" charset="0"/>
               <a:cs typeface="Times New Roman" panose="02020603050405020304" pitchFamily="18" charset="0"/>
             </a:endParaRPr>
           </a:p>
-          <a:p>
-            <a:pPr marL="571500" indent="-571500">
-              <a:buFont typeface="Arial" panose="020B0604020202020204" pitchFamily="34" charset="0"/>
-              <a:buChar char="•"/>
-            </a:pPr>
-            <a:endParaRPr lang="en-US" sz="4400" b="1" dirty="0">
-              <a:solidFill>
-                <a:srgbClr val="FF0000"/>
-              </a:solidFill>
-              <a:latin typeface="Times New Roman" panose="02020603050405020304" pitchFamily="18" charset="0"/>
-              <a:cs typeface="Times New Roman" panose="02020603050405020304" pitchFamily="18" charset="0"/>
-            </a:endParaRPr>
-          </a:p>
-          <a:p>
-            <a:pPr marL="571500" indent="-571500">
-              <a:buFont typeface="Arial" panose="020B0604020202020204" pitchFamily="34" charset="0"/>
-              <a:buChar char="•"/>
-            </a:pPr>
-            <a:endParaRPr lang="en-US" sz="4400" b="1" dirty="0">
-              <a:solidFill>
-                <a:srgbClr val="FF0000"/>
-              </a:solidFill>
-              <a:latin typeface="Times New Roman" panose="02020603050405020304" pitchFamily="18" charset="0"/>
-              <a:cs typeface="Times New Roman" panose="02020603050405020304" pitchFamily="18" charset="0"/>
-            </a:endParaRPr>
-          </a:p>
         </p:txBody>
       </p:sp>
     </p:spTree>
     <p:extLst>
       <p:ext uri="{BB962C8B-B14F-4D97-AF65-F5344CB8AC3E}">
-        <p14:creationId xmlns:p14="http://schemas.microsoft.com/office/powerpoint/2010/main" val="1056336611"/>
+        <p14:creationId xmlns:p14="http://schemas.microsoft.com/office/powerpoint/2010/main" val="20484115"/>
       </p:ext>
     </p:extLst>
   </p:cSld>
   <p:clrMapOvr>
     <a:masterClrMapping/>
   </p:clrMapOvr>
-  <p:timing>
-    <p:tnLst>
-      <p:par>
-        <p:cTn id="1" dur="indefinite" restart="never" nodeType="tmRoot">
-          <p:childTnLst>
-            <p:seq concurrent="1" nextAc="seek">
-              <p:cTn id="2" dur="indefinite" nodeType="mainSeq">
-                <p:childTnLst>
-                  <p:par>
-                    <p:cTn id="3" fill="hold">
-                      <p:stCondLst>
-                        <p:cond delay="indefinite"/>
-                        <p:cond evt="onBegin" delay="0">
-                          <p:tn val="2"/>
-                        </p:cond>
-                      </p:stCondLst>
-                      <p:childTnLst>
-                        <p:par>
-                          <p:cTn id="4" fill="hold">
-                            <p:stCondLst>
-                              <p:cond delay="0"/>
-                            </p:stCondLst>
-                            <p:childTnLst>
-                              <p:par>
-                                <p:cTn id="5" presetID="10" presetClass="entr" presetSubtype="0" fill="hold" grpId="0" nodeType="withEffect">
-                                  <p:stCondLst>
-                                    <p:cond delay="1000"/>
-                                  </p:stCondLst>
-                                  <p:iterate type="lt">
-                                    <p:tmPct val="10000"/>
-                                  </p:iterate>
-                                  <p:childTnLst>
-                                    <p:set>
-                                      <p:cBhvr>
-                                        <p:cTn id="6" dur="1" fill="hold">
-                                          <p:stCondLst>
-                                            <p:cond delay="0"/>
-                                          </p:stCondLst>
-                                        </p:cTn>
-                                        <p:tgtEl>
-                                          <p:spTgt spid="2"/>
-                                        </p:tgtEl>
-                                        <p:attrNameLst>
-                                          <p:attrName>style.visibility</p:attrName>
-                                        </p:attrNameLst>
-                                      </p:cBhvr>
-                                      <p:to>
-                                        <p:strVal val="visible"/>
-                                      </p:to>
-                                    </p:set>
-                                    <p:animEffect transition="in" filter="fade">
-                                      <p:cBhvr>
-                                        <p:cTn id="7" dur="400"/>
-                                        <p:tgtEl>
-                                          <p:spTgt spid="2"/>
-                                        </p:tgtEl>
-                                      </p:cBhvr>
-                                    </p:animEffect>
-                                  </p:childTnLst>
-                                </p:cTn>
-                              </p:par>
-                            </p:childTnLst>
-                          </p:cTn>
-                        </p:par>
-                      </p:childTnLst>
-                    </p:cTn>
-                  </p:par>
-                </p:childTnLst>
-              </p:cTn>
-              <p:prevCondLst>
-                <p:cond evt="onPrev" delay="0">
-                  <p:tgtEl>
-                    <p:sldTgt/>
-                  </p:tgtEl>
-                </p:cond>
-              </p:prevCondLst>
-              <p:nextCondLst>
-                <p:cond evt="onNext" delay="0">
-                  <p:tgtEl>
-                    <p:sldTgt/>
-                  </p:tgtEl>
-                </p:cond>
-              </p:nextCondLst>
-            </p:seq>
-          </p:childTnLst>
-        </p:cTn>
-      </p:par>
-    </p:tnLst>
-    <p:bldLst>
-      <p:bldP spid="2" grpId="0"/>
-    </p:bldLst>
-  </p:timing>
 </p:sld>
 </file>
 
@@ -4578,7 +4447,7 @@
           <p:cNvPr id="2" name="Title 1">
             <a:extLst>
               <a:ext uri="{FF2B5EF4-FFF2-40B4-BE49-F238E27FC236}">
-                <a16:creationId xmlns:a16="http://schemas.microsoft.com/office/drawing/2014/main" id="{1EC7E455-8779-EAAE-0D5F-2393B9DDCA3B}"/>
+                <a16:creationId xmlns:a16="http://schemas.microsoft.com/office/drawing/2014/main" id="{47ABBC5B-3900-28DF-4D11-8B1A7A1150A6}"/>
               </a:ext>
             </a:extLst>
           </p:cNvPr>
@@ -4589,12 +4458,28 @@
             <p:ph type="title"/>
           </p:nvPr>
         </p:nvSpPr>
-        <p:spPr/>
-        <p:txBody>
-          <a:bodyPr/>
-          <a:lstStyle/>
-          <a:p>
-            <a:endParaRPr lang="en-US"/>
+        <p:spPr>
+          <a:xfrm>
+            <a:off x="248022" y="0"/>
+            <a:ext cx="9950103" cy="1507376"/>
+          </a:xfrm>
+        </p:spPr>
+        <p:txBody>
+          <a:bodyPr>
+            <a:normAutofit/>
+          </a:bodyPr>
+          <a:lstStyle/>
+          <a:p>
+            <a:r>
+              <a:rPr lang="en-US" sz="3600" dirty="0">
+                <a:solidFill>
+                  <a:srgbClr val="FF0000"/>
+                </a:solidFill>
+                <a:latin typeface="Times New Roman" panose="02020603050405020304" pitchFamily="18" charset="0"/>
+                <a:cs typeface="Times New Roman" panose="02020603050405020304" pitchFamily="18" charset="0"/>
+              </a:rPr>
+              <a:t>Motivation Of the Project:</a:t>
+            </a:r>
           </a:p>
         </p:txBody>
       </p:sp>
@@ -4603,7 +4488,7 @@
           <p:cNvPr id="3" name="Content Placeholder 2">
             <a:extLst>
               <a:ext uri="{FF2B5EF4-FFF2-40B4-BE49-F238E27FC236}">
-                <a16:creationId xmlns:a16="http://schemas.microsoft.com/office/drawing/2014/main" id="{8D72B272-D74F-DC8F-4F45-5BAF7B49AB15}"/>
+                <a16:creationId xmlns:a16="http://schemas.microsoft.com/office/drawing/2014/main" id="{0FABD233-875C-5361-9B22-C0CFDA80A43D}"/>
               </a:ext>
             </a:extLst>
           </p:cNvPr>
@@ -4614,19 +4499,38 @@
             <p:ph idx="1"/>
           </p:nvPr>
         </p:nvSpPr>
-        <p:spPr/>
-        <p:txBody>
-          <a:bodyPr/>
-          <a:lstStyle/>
-          <a:p>
-            <a:endParaRPr lang="en-US"/>
+        <p:spPr>
+          <a:xfrm>
+            <a:off x="407511" y="1885056"/>
+            <a:ext cx="9950103" cy="3513514"/>
+          </a:xfrm>
+        </p:spPr>
+        <p:txBody>
+          <a:bodyPr>
+            <a:normAutofit/>
+          </a:bodyPr>
+          <a:lstStyle/>
+          <a:p>
+            <a:r>
+              <a:rPr lang="en-US" sz="2400" b="1" dirty="0">
+                <a:latin typeface="Times New Roman" panose="02020603050405020304" pitchFamily="18" charset="0"/>
+                <a:cs typeface="Times New Roman" panose="02020603050405020304" pitchFamily="18" charset="0"/>
+              </a:rPr>
+              <a:t>Indian Rail Tracking Application is the Idea behind the Project.</a:t>
+            </a:r>
+          </a:p>
+          <a:p>
+            <a:endParaRPr lang="en-US" sz="2400" b="1" dirty="0">
+              <a:latin typeface="Times New Roman" panose="02020603050405020304" pitchFamily="18" charset="0"/>
+              <a:cs typeface="Times New Roman" panose="02020603050405020304" pitchFamily="18" charset="0"/>
+            </a:endParaRPr>
           </a:p>
         </p:txBody>
       </p:sp>
     </p:spTree>
     <p:extLst>
       <p:ext uri="{BB962C8B-B14F-4D97-AF65-F5344CB8AC3E}">
-        <p14:creationId xmlns:p14="http://schemas.microsoft.com/office/powerpoint/2010/main" val="20484115"/>
+        <p14:creationId xmlns:p14="http://schemas.microsoft.com/office/powerpoint/2010/main" val="3458592670"/>
       </p:ext>
     </p:extLst>
   </p:cSld>
@@ -4658,7 +4562,7 @@
           <p:cNvPr id="2" name="Title 1">
             <a:extLst>
               <a:ext uri="{FF2B5EF4-FFF2-40B4-BE49-F238E27FC236}">
-                <a16:creationId xmlns:a16="http://schemas.microsoft.com/office/drawing/2014/main" id="{47ABBC5B-3900-28DF-4D11-8B1A7A1150A6}"/>
+                <a16:creationId xmlns:a16="http://schemas.microsoft.com/office/drawing/2014/main" id="{AD387756-8E0D-FD12-9253-26EFBA6D47BC}"/>
               </a:ext>
             </a:extLst>
           </p:cNvPr>
@@ -4669,12 +4573,26 @@
             <p:ph type="title"/>
           </p:nvPr>
         </p:nvSpPr>
-        <p:spPr/>
+        <p:spPr>
+          <a:xfrm>
+            <a:off x="51320" y="45267"/>
+            <a:ext cx="9950103" cy="1507376"/>
+          </a:xfrm>
+        </p:spPr>
         <p:txBody>
           <a:bodyPr/>
           <a:lstStyle/>
           <a:p>
-            <a:endParaRPr lang="en-US" dirty="0"/>
+            <a:r>
+              <a:rPr lang="en-US" dirty="0">
+                <a:solidFill>
+                  <a:srgbClr val="FF0000"/>
+                </a:solidFill>
+                <a:latin typeface="Times New Roman" panose="02020603050405020304" pitchFamily="18" charset="0"/>
+                <a:cs typeface="Times New Roman" panose="02020603050405020304" pitchFamily="18" charset="0"/>
+              </a:rPr>
+              <a:t>DATA:</a:t>
+            </a:r>
           </a:p>
         </p:txBody>
       </p:sp>
@@ -4683,7 +4601,7 @@
           <p:cNvPr id="3" name="Content Placeholder 2">
             <a:extLst>
               <a:ext uri="{FF2B5EF4-FFF2-40B4-BE49-F238E27FC236}">
-                <a16:creationId xmlns:a16="http://schemas.microsoft.com/office/drawing/2014/main" id="{0FABD233-875C-5361-9B22-C0CFDA80A43D}"/>
+                <a16:creationId xmlns:a16="http://schemas.microsoft.com/office/drawing/2014/main" id="{D6D24AFD-822B-5927-E8A5-EBE9A5F27F8D}"/>
               </a:ext>
             </a:extLst>
           </p:cNvPr>
@@ -4694,19 +4612,50 @@
             <p:ph idx="1"/>
           </p:nvPr>
         </p:nvSpPr>
-        <p:spPr/>
-        <p:txBody>
-          <a:bodyPr/>
-          <a:lstStyle/>
-          <a:p>
-            <a:endParaRPr lang="en-US"/>
+        <p:spPr>
+          <a:xfrm>
+            <a:off x="162962" y="1709619"/>
+            <a:ext cx="9950103" cy="3513514"/>
+          </a:xfrm>
+        </p:spPr>
+        <p:txBody>
+          <a:bodyPr>
+            <a:normAutofit/>
+          </a:bodyPr>
+          <a:lstStyle/>
+          <a:p>
+            <a:r>
+              <a:rPr lang="en-US" sz="2000" b="1" dirty="0">
+                <a:latin typeface="Times New Roman" panose="02020603050405020304" pitchFamily="18" charset="0"/>
+                <a:cs typeface="Times New Roman" panose="02020603050405020304" pitchFamily="18" charset="0"/>
+              </a:rPr>
+              <a:t>DATA Collected from Bureau Of Transportation Statistics which provides the Historical Flight DATA.</a:t>
+            </a:r>
+          </a:p>
+          <a:p>
+            <a:pPr marL="0" indent="0">
+              <a:buNone/>
+            </a:pPr>
+            <a:endParaRPr lang="en-US" sz="2000" b="1" dirty="0">
+              <a:latin typeface="Times New Roman" panose="02020603050405020304" pitchFamily="18" charset="0"/>
+              <a:cs typeface="Times New Roman" panose="02020603050405020304" pitchFamily="18" charset="0"/>
+            </a:endParaRPr>
+          </a:p>
+          <a:p>
+            <a:r>
+              <a:rPr lang="en-US" sz="2000" b="1" dirty="0">
+                <a:latin typeface="Times New Roman" panose="02020603050405020304" pitchFamily="18" charset="0"/>
+                <a:cs typeface="Times New Roman" panose="02020603050405020304" pitchFamily="18" charset="0"/>
+              </a:rPr>
+              <a:t>Data is collection Historical Flight Data like Airport, Carrier, Different type of Delays and Delay in minutes, Number of Arrival Flights and different reasons like carrier delayed flights arrival delayed Flights. </a:t>
+            </a:r>
           </a:p>
         </p:txBody>
       </p:sp>
     </p:spTree>
     <p:extLst>
       <p:ext uri="{BB962C8B-B14F-4D97-AF65-F5344CB8AC3E}">
-        <p14:creationId xmlns:p14="http://schemas.microsoft.com/office/powerpoint/2010/main" val="3458592670"/>
+        <p14:creationId xmlns:p14="http://schemas.microsoft.com/office/powerpoint/2010/main" val="1421777778"/>
       </p:ext>
     </p:extLst>
   </p:cSld>
@@ -4738,7 +4687,7 @@
           <p:cNvPr id="2" name="Title 1">
             <a:extLst>
               <a:ext uri="{FF2B5EF4-FFF2-40B4-BE49-F238E27FC236}">
-                <a16:creationId xmlns:a16="http://schemas.microsoft.com/office/drawing/2014/main" id="{AD387756-8E0D-FD12-9253-26EFBA6D47BC}"/>
+                <a16:creationId xmlns:a16="http://schemas.microsoft.com/office/drawing/2014/main" id="{AFEEAF9B-5767-24CA-2B15-23CFC3B9925C}"/>
               </a:ext>
             </a:extLst>
           </p:cNvPr>
@@ -4749,12 +4698,28 @@
             <p:ph type="title"/>
           </p:nvPr>
         </p:nvSpPr>
-        <p:spPr/>
-        <p:txBody>
-          <a:bodyPr/>
-          <a:lstStyle/>
-          <a:p>
-            <a:endParaRPr lang="en-US"/>
+        <p:spPr>
+          <a:xfrm>
+            <a:off x="93850" y="103746"/>
+            <a:ext cx="9950103" cy="1507376"/>
+          </a:xfrm>
+        </p:spPr>
+        <p:txBody>
+          <a:bodyPr>
+            <a:normAutofit/>
+          </a:bodyPr>
+          <a:lstStyle/>
+          <a:p>
+            <a:r>
+              <a:rPr lang="en-US" sz="4000" dirty="0">
+                <a:solidFill>
+                  <a:srgbClr val="FF0000"/>
+                </a:solidFill>
+                <a:latin typeface="Times New Roman" panose="02020603050405020304" pitchFamily="18" charset="0"/>
+                <a:cs typeface="Times New Roman" panose="02020603050405020304" pitchFamily="18" charset="0"/>
+              </a:rPr>
+              <a:t>Research Question:</a:t>
+            </a:r>
           </a:p>
         </p:txBody>
       </p:sp>
@@ -4763,7 +4728,7 @@
           <p:cNvPr id="3" name="Content Placeholder 2">
             <a:extLst>
               <a:ext uri="{FF2B5EF4-FFF2-40B4-BE49-F238E27FC236}">
-                <a16:creationId xmlns:a16="http://schemas.microsoft.com/office/drawing/2014/main" id="{D6D24AFD-822B-5927-E8A5-EBE9A5F27F8D}"/>
+                <a16:creationId xmlns:a16="http://schemas.microsoft.com/office/drawing/2014/main" id="{2C9C959A-BD83-AF62-7D53-24B8544426CB}"/>
               </a:ext>
             </a:extLst>
           </p:cNvPr>
@@ -4774,19 +4739,88 @@
             <p:ph idx="1"/>
           </p:nvPr>
         </p:nvSpPr>
-        <p:spPr/>
-        <p:txBody>
-          <a:bodyPr/>
-          <a:lstStyle/>
-          <a:p>
-            <a:endParaRPr lang="en-US"/>
+        <p:spPr>
+          <a:xfrm>
+            <a:off x="205492" y="1709618"/>
+            <a:ext cx="11144764" cy="4925098"/>
+          </a:xfrm>
+        </p:spPr>
+        <p:txBody>
+          <a:bodyPr>
+            <a:normAutofit fontScale="77500" lnSpcReduction="20000"/>
+          </a:bodyPr>
+          <a:lstStyle/>
+          <a:p>
+            <a:pPr>
+              <a:lnSpc>
+                <a:spcPct val="160000"/>
+              </a:lnSpc>
+            </a:pPr>
+            <a:r>
+              <a:rPr lang="en-US" sz="3100" b="1" dirty="0">
+                <a:latin typeface="Times New Roman" panose="02020603050405020304" pitchFamily="18" charset="0"/>
+                <a:cs typeface="Times New Roman" panose="02020603050405020304" pitchFamily="18" charset="0"/>
+              </a:rPr>
+              <a:t>Through this Project I would like address the Delay of Flights based on different  reasons. Where delay is greater than 120 minutes(2 hours).</a:t>
+            </a:r>
+          </a:p>
+          <a:p>
+            <a:pPr>
+              <a:lnSpc>
+                <a:spcPct val="160000"/>
+              </a:lnSpc>
+            </a:pPr>
+            <a:r>
+              <a:rPr lang="en-US" sz="3100" b="1" dirty="0">
+                <a:latin typeface="Times New Roman" panose="02020603050405020304" pitchFamily="18" charset="0"/>
+                <a:cs typeface="Times New Roman" panose="02020603050405020304" pitchFamily="18" charset="0"/>
+              </a:rPr>
+              <a:t>This Predictive Model helps both Airlines and Passengers to organize their journey; Airlines can effectively manage and Improve their operations</a:t>
+            </a:r>
+          </a:p>
+          <a:p>
+            <a:pPr>
+              <a:lnSpc>
+                <a:spcPct val="160000"/>
+              </a:lnSpc>
+            </a:pPr>
+            <a:r>
+              <a:rPr lang="en-US" sz="3100" b="1" dirty="0">
+                <a:latin typeface="Times New Roman" panose="02020603050405020304" pitchFamily="18" charset="0"/>
+                <a:cs typeface="Times New Roman" panose="02020603050405020304" pitchFamily="18" charset="0"/>
+              </a:rPr>
+              <a:t>After understanding the DATA, Independent variable and multiple Dependent Variables. </a:t>
+            </a:r>
+          </a:p>
+          <a:p>
+            <a:pPr>
+              <a:lnSpc>
+                <a:spcPct val="160000"/>
+              </a:lnSpc>
+            </a:pPr>
+            <a:r>
+              <a:rPr lang="en-US" sz="3100" b="1" dirty="0">
+                <a:latin typeface="Times New Roman" panose="02020603050405020304" pitchFamily="18" charset="0"/>
+                <a:cs typeface="Times New Roman" panose="02020603050405020304" pitchFamily="18" charset="0"/>
+              </a:rPr>
+              <a:t>I opted for Logistic Regression and Decision Tree for the prediction and to create a Model. </a:t>
+            </a:r>
+          </a:p>
+          <a:p>
+            <a:pPr marL="0" indent="0">
+              <a:buNone/>
+            </a:pPr>
+            <a:r>
+              <a:rPr lang="en-US" dirty="0"/>
+              <a:t> </a:t>
+            </a:r>
           </a:p>
         </p:txBody>
       </p:sp>
     </p:spTree>
     <p:extLst>
       <p:ext uri="{BB962C8B-B14F-4D97-AF65-F5344CB8AC3E}">
-        <p14:creationId xmlns:p14="http://schemas.microsoft.com/office/powerpoint/2010/main" val="1421777778"/>
+        <p14:creationId xmlns:p14="http://schemas.microsoft.com/office/powerpoint/2010/main" val="725456401"/>
       </p:ext>
     </p:extLst>
   </p:cSld>
@@ -4829,44 +4863,65 @@
             <p:ph type="title"/>
           </p:nvPr>
         </p:nvSpPr>
-        <p:spPr/>
+        <p:spPr>
+          <a:xfrm>
+            <a:off x="131064" y="109061"/>
+            <a:ext cx="9950103" cy="1507376"/>
+          </a:xfrm>
+        </p:spPr>
+        <p:txBody>
+          <a:bodyPr>
+            <a:normAutofit/>
+          </a:bodyPr>
+          <a:lstStyle/>
+          <a:p>
+            <a:r>
+              <a:rPr lang="en-US" sz="4000" dirty="0">
+                <a:solidFill>
+                  <a:srgbClr val="FF0000"/>
+                </a:solidFill>
+                <a:latin typeface="Times New Roman" panose="02020603050405020304" pitchFamily="18" charset="0"/>
+                <a:cs typeface="Times New Roman" panose="02020603050405020304" pitchFamily="18" charset="0"/>
+              </a:rPr>
+              <a:t>Challenges:</a:t>
+            </a:r>
+          </a:p>
+        </p:txBody>
+      </p:sp>
+      <p:sp>
+        <p:nvSpPr>
+          <p:cNvPr id="3" name="Content Placeholder 2">
+            <a:extLst>
+              <a:ext uri="{FF2B5EF4-FFF2-40B4-BE49-F238E27FC236}">
+                <a16:creationId xmlns:a16="http://schemas.microsoft.com/office/drawing/2014/main" id="{2C9C959A-BD83-AF62-7D53-24B8544426CB}"/>
+              </a:ext>
+            </a:extLst>
+          </p:cNvPr>
+          <p:cNvSpPr>
+            <a:spLocks noGrp="1"/>
+          </p:cNvSpPr>
+          <p:nvPr>
+            <p:ph idx="1"/>
+          </p:nvPr>
+        </p:nvSpPr>
+        <p:spPr>
+          <a:xfrm>
+            <a:off x="210808" y="1768098"/>
+            <a:ext cx="9950103" cy="3513514"/>
+          </a:xfrm>
+        </p:spPr>
         <p:txBody>
           <a:bodyPr/>
           <a:lstStyle/>
           <a:p>
-            <a:endParaRPr lang="en-US"/>
-          </a:p>
-        </p:txBody>
-      </p:sp>
-      <p:sp>
-        <p:nvSpPr>
-          <p:cNvPr id="3" name="Content Placeholder 2">
-            <a:extLst>
-              <a:ext uri="{FF2B5EF4-FFF2-40B4-BE49-F238E27FC236}">
-                <a16:creationId xmlns:a16="http://schemas.microsoft.com/office/drawing/2014/main" id="{2C9C959A-BD83-AF62-7D53-24B8544426CB}"/>
-              </a:ext>
-            </a:extLst>
-          </p:cNvPr>
-          <p:cNvSpPr>
-            <a:spLocks noGrp="1"/>
-          </p:cNvSpPr>
-          <p:nvPr>
-            <p:ph idx="1"/>
-          </p:nvPr>
-        </p:nvSpPr>
-        <p:spPr/>
-        <p:txBody>
-          <a:bodyPr/>
-          <a:lstStyle/>
-          <a:p>
-            <a:endParaRPr lang="en-US"/>
+            <a:endParaRPr lang="en-US" dirty="0"/>
           </a:p>
         </p:txBody>
       </p:sp>
     </p:spTree>
     <p:extLst>
       <p:ext uri="{BB962C8B-B14F-4D97-AF65-F5344CB8AC3E}">
-        <p14:creationId xmlns:p14="http://schemas.microsoft.com/office/powerpoint/2010/main" val="725456401"/>
+        <p14:creationId xmlns:p14="http://schemas.microsoft.com/office/powerpoint/2010/main" val="4164665458"/>
       </p:ext>
     </p:extLst>
   </p:cSld>
@@ -4893,10 +4948,81 @@
           <a:chExt cx="0" cy="0"/>
         </a:xfrm>
       </p:grpSpPr>
+      <p:sp>
+        <p:nvSpPr>
+          <p:cNvPr id="2" name="Title 1">
+            <a:extLst>
+              <a:ext uri="{FF2B5EF4-FFF2-40B4-BE49-F238E27FC236}">
+                <a16:creationId xmlns:a16="http://schemas.microsoft.com/office/drawing/2014/main" id="{AFEEAF9B-5767-24CA-2B15-23CFC3B9925C}"/>
+              </a:ext>
+            </a:extLst>
+          </p:cNvPr>
+          <p:cNvSpPr>
+            <a:spLocks noGrp="1"/>
+          </p:cNvSpPr>
+          <p:nvPr>
+            <p:ph type="title"/>
+          </p:nvPr>
+        </p:nvSpPr>
+        <p:spPr>
+          <a:xfrm>
+            <a:off x="99167" y="93113"/>
+            <a:ext cx="9950103" cy="1507376"/>
+          </a:xfrm>
+        </p:spPr>
+        <p:txBody>
+          <a:bodyPr>
+            <a:normAutofit/>
+          </a:bodyPr>
+          <a:lstStyle/>
+          <a:p>
+            <a:r>
+              <a:rPr lang="en-US" sz="4000" dirty="0">
+                <a:solidFill>
+                  <a:srgbClr val="FF0000"/>
+                </a:solidFill>
+                <a:latin typeface="Times New Roman" panose="02020603050405020304" pitchFamily="18" charset="0"/>
+                <a:cs typeface="Times New Roman" panose="02020603050405020304" pitchFamily="18" charset="0"/>
+              </a:rPr>
+              <a:t>Limitations Of the Project:</a:t>
+            </a:r>
+          </a:p>
+        </p:txBody>
+      </p:sp>
+      <p:sp>
+        <p:nvSpPr>
+          <p:cNvPr id="3" name="Content Placeholder 2">
+            <a:extLst>
+              <a:ext uri="{FF2B5EF4-FFF2-40B4-BE49-F238E27FC236}">
+                <a16:creationId xmlns:a16="http://schemas.microsoft.com/office/drawing/2014/main" id="{2C9C959A-BD83-AF62-7D53-24B8544426CB}"/>
+              </a:ext>
+            </a:extLst>
+          </p:cNvPr>
+          <p:cNvSpPr>
+            <a:spLocks noGrp="1"/>
+          </p:cNvSpPr>
+          <p:nvPr>
+            <p:ph idx="1"/>
+          </p:nvPr>
+        </p:nvSpPr>
+        <p:spPr>
+          <a:xfrm>
+            <a:off x="492572" y="1741516"/>
+            <a:ext cx="9950103" cy="3513514"/>
+          </a:xfrm>
+        </p:spPr>
+        <p:txBody>
+          <a:bodyPr/>
+          <a:lstStyle/>
+          <a:p>
+            <a:endParaRPr lang="en-US" dirty="0"/>
+          </a:p>
+        </p:txBody>
+      </p:sp>
     </p:spTree>
     <p:extLst>
       <p:ext uri="{BB962C8B-B14F-4D97-AF65-F5344CB8AC3E}">
-        <p14:creationId xmlns:p14="http://schemas.microsoft.com/office/powerpoint/2010/main" val="2956735513"/>
+        <p14:creationId xmlns:p14="http://schemas.microsoft.com/office/powerpoint/2010/main" val="3455868188"/>
       </p:ext>
     </p:extLst>
   </p:cSld>
@@ -4909,14 +5035,6 @@
 <file path=ppt/slides/slide8.xml><?xml version="1.0" encoding="utf-8"?>
 <p:sld xmlns:a="http://schemas.openxmlformats.org/drawingml/2006/main" xmlns:r="http://schemas.openxmlformats.org/officeDocument/2006/relationships" xmlns:p="http://schemas.openxmlformats.org/presentationml/2006/main">
   <p:cSld>
-    <p:bg>
-      <p:bgPr>
-        <a:solidFill>
-          <a:schemeClr val="bg1"/>
-        </a:solidFill>
-        <a:effectLst/>
-      </p:bgPr>
-    </p:bg>
     <p:spTree>
       <p:nvGrpSpPr>
         <p:cNvPr id="1" name=""/>
@@ -4933,251 +5051,20 @@
       </p:grpSpPr>
       <p:sp>
         <p:nvSpPr>
-          <p:cNvPr id="93" name="Freeform: Shape 92">
-            <a:extLst>
-              <a:ext uri="{FF2B5EF4-FFF2-40B4-BE49-F238E27FC236}">
-                <a16:creationId xmlns:a16="http://schemas.microsoft.com/office/drawing/2014/main" id="{AE192E3E-68A9-4F36-936C-1C8D0B9EF132}"/>
-              </a:ext>
-              <a:ext uri="{C183D7F6-B498-43B3-948B-1728B52AA6E4}">
-                <adec:decorative xmlns:adec="http://schemas.microsoft.com/office/drawing/2017/decorative" val="1"/>
-              </a:ext>
-            </a:extLst>
-          </p:cNvPr>
-          <p:cNvSpPr>
-            <a:spLocks noGrp="1" noRot="1" noChangeAspect="1" noMove="1" noResize="1" noEditPoints="1" noAdjustHandles="1" noChangeArrowheads="1" noChangeShapeType="1" noTextEdit="1"/>
-          </p:cNvSpPr>
-          <p:nvPr>
-            <p:extLst>
-              <p:ext uri="{386F3935-93C4-4BCD-93E2-E3B085C9AB24}">
-                <p16:designElem xmlns:p16="http://schemas.microsoft.com/office/powerpoint/2015/main" val="1"/>
-              </p:ext>
-            </p:extLst>
-          </p:nvPr>
+          <p:cNvPr id="2" name="TextBox 1">
+            <a:extLst>
+              <a:ext uri="{FF2B5EF4-FFF2-40B4-BE49-F238E27FC236}">
+                <a16:creationId xmlns:a16="http://schemas.microsoft.com/office/drawing/2014/main" id="{3719526A-D573-63FE-A05E-FD4E24B12CDC}"/>
+              </a:ext>
+            </a:extLst>
+          </p:cNvPr>
+          <p:cNvSpPr txBox="1"/>
+          <p:nvPr/>
         </p:nvSpPr>
         <p:spPr>
           <a:xfrm>
-            <a:off x="8803792" y="3455896"/>
-            <a:ext cx="3388208" cy="3406341"/>
-          </a:xfrm>
-          <a:custGeom>
-            <a:avLst/>
-            <a:gdLst>
-              <a:gd name="connsiteX0" fmla="*/ 3388058 w 3388208"/>
-              <a:gd name="connsiteY0" fmla="*/ 0 h 3406341"/>
-              <a:gd name="connsiteX1" fmla="*/ 3388208 w 3388208"/>
-              <a:gd name="connsiteY1" fmla="*/ 0 h 3406341"/>
-              <a:gd name="connsiteX2" fmla="*/ 3388208 w 3388208"/>
-              <a:gd name="connsiteY2" fmla="*/ 3406341 h 3406341"/>
-              <a:gd name="connsiteX3" fmla="*/ 0 w 3388208"/>
-              <a:gd name="connsiteY3" fmla="*/ 3406341 h 3406341"/>
-              <a:gd name="connsiteX4" fmla="*/ 79006 w 3388208"/>
-              <a:gd name="connsiteY4" fmla="*/ 3404386 h 3406341"/>
-              <a:gd name="connsiteX5" fmla="*/ 3383947 w 3388208"/>
-              <a:gd name="connsiteY5" fmla="*/ 164274 h 3406341"/>
-            </a:gdLst>
-            <a:ahLst/>
-            <a:cxnLst>
-              <a:cxn ang="0">
-                <a:pos x="connsiteX0" y="connsiteY0"/>
-              </a:cxn>
-              <a:cxn ang="0">
-                <a:pos x="connsiteX1" y="connsiteY1"/>
-              </a:cxn>
-              <a:cxn ang="0">
-                <a:pos x="connsiteX2" y="connsiteY2"/>
-              </a:cxn>
-              <a:cxn ang="0">
-                <a:pos x="connsiteX3" y="connsiteY3"/>
-              </a:cxn>
-              <a:cxn ang="0">
-                <a:pos x="connsiteX4" y="connsiteY4"/>
-              </a:cxn>
-              <a:cxn ang="0">
-                <a:pos x="connsiteX5" y="connsiteY5"/>
-              </a:cxn>
-            </a:cxnLst>
-            <a:rect l="l" t="t" r="r" b="b"/>
-            <a:pathLst>
-              <a:path w="3388208" h="3406341">
-                <a:moveTo>
-                  <a:pt x="3388058" y="0"/>
-                </a:moveTo>
-                <a:lnTo>
-                  <a:pt x="3388208" y="0"/>
-                </a:lnTo>
-                <a:lnTo>
-                  <a:pt x="3388208" y="3406341"/>
-                </a:lnTo>
-                <a:lnTo>
-                  <a:pt x="0" y="3406341"/>
-                </a:lnTo>
-                <a:lnTo>
-                  <a:pt x="79006" y="3404386"/>
-                </a:lnTo>
-                <a:cubicBezTo>
-                  <a:pt x="1864742" y="3315784"/>
-                  <a:pt x="3296223" y="1912901"/>
-                  <a:pt x="3383947" y="164274"/>
-                </a:cubicBezTo>
-                <a:close/>
-              </a:path>
-            </a:pathLst>
-          </a:custGeom>
-          <a:solidFill>
-            <a:schemeClr val="accent5"/>
-          </a:solidFill>
-          <a:ln>
-            <a:noFill/>
-          </a:ln>
-        </p:spPr>
-        <p:style>
-          <a:lnRef idx="2">
-            <a:schemeClr val="accent1">
-              <a:shade val="50000"/>
-            </a:schemeClr>
-          </a:lnRef>
-          <a:fillRef idx="1">
-            <a:schemeClr val="accent1"/>
-          </a:fillRef>
-          <a:effectRef idx="0">
-            <a:schemeClr val="accent1"/>
-          </a:effectRef>
-          <a:fontRef idx="minor">
-            <a:schemeClr val="lt1"/>
-          </a:fontRef>
-        </p:style>
-        <p:txBody>
-          <a:bodyPr wrap="square" rtlCol="0" anchor="ctr">
-            <a:noAutofit/>
-          </a:bodyPr>
-          <a:lstStyle/>
-          <a:p>
-            <a:pPr algn="ctr"/>
-            <a:endParaRPr lang="en-US"/>
-          </a:p>
-        </p:txBody>
-      </p:sp>
-      <p:sp useBgFill="1">
-        <p:nvSpPr>
-          <p:cNvPr id="95" name="Rectangle 94">
-            <a:extLst>
-              <a:ext uri="{FF2B5EF4-FFF2-40B4-BE49-F238E27FC236}">
-                <a16:creationId xmlns:a16="http://schemas.microsoft.com/office/drawing/2014/main" id="{6362EDFF-7BE1-4149-A745-FFD7211E6CE1}"/>
-              </a:ext>
-              <a:ext uri="{C183D7F6-B498-43B3-948B-1728B52AA6E4}">
-                <adec:decorative xmlns:adec="http://schemas.microsoft.com/office/drawing/2017/decorative" val="1"/>
-              </a:ext>
-            </a:extLst>
-          </p:cNvPr>
-          <p:cNvSpPr>
-            <a:spLocks noGrp="1" noRot="1" noChangeAspect="1" noMove="1" noResize="1" noEditPoints="1" noAdjustHandles="1" noChangeArrowheads="1" noChangeShapeType="1" noTextEdit="1"/>
-          </p:cNvSpPr>
-          <p:nvPr>
-            <p:extLst>
-              <p:ext uri="{386F3935-93C4-4BCD-93E2-E3B085C9AB24}">
-                <p16:designElem xmlns:p16="http://schemas.microsoft.com/office/powerpoint/2015/main" val="1"/>
-              </p:ext>
-            </p:extLst>
-          </p:nvPr>
-        </p:nvSpPr>
-        <p:spPr>
-          <a:xfrm>
-            <a:off x="0" y="0"/>
-            <a:ext cx="12192000" cy="6858000"/>
-          </a:xfrm>
-          <a:prstGeom prst="rect">
-            <a:avLst/>
-          </a:prstGeom>
-          <a:ln w="12700" cap="flat" cmpd="sng" algn="ctr">
-            <a:noFill/>
-            <a:prstDash val="solid"/>
-            <a:miter lim="800000"/>
-          </a:ln>
-          <a:effectLst/>
-          <a:extLst>
-            <a:ext uri="{91240B29-F687-4F45-9708-019B960494DF}">
-              <a14:hiddenLine xmlns:a14="http://schemas.microsoft.com/office/drawing/2010/main" w="12700" cap="flat" cmpd="sng" algn="ctr">
-                <a:solidFill>
-                  <a:schemeClr val="accent1">
-                    <a:shade val="50000"/>
-                  </a:schemeClr>
-                </a:solidFill>
-                <a:prstDash val="solid"/>
-                <a:miter lim="800000"/>
-              </a14:hiddenLine>
-            </a:ext>
-          </a:extLst>
-        </p:spPr>
-        <p:style>
-          <a:lnRef idx="2">
-            <a:schemeClr val="accent1">
-              <a:shade val="50000"/>
-            </a:schemeClr>
-          </a:lnRef>
-          <a:fillRef idx="1">
-            <a:schemeClr val="accent1"/>
-          </a:fillRef>
-          <a:effectRef idx="0">
-            <a:schemeClr val="accent1"/>
-          </a:effectRef>
-          <a:fontRef idx="minor">
-            <a:schemeClr val="lt1"/>
-          </a:fontRef>
-        </p:style>
-        <p:txBody>
-          <a:bodyPr rtlCol="0" anchor="ctr"/>
-          <a:lstStyle/>
-          <a:p>
-            <a:pPr algn="ctr"/>
-            <a:endParaRPr lang="en-US"/>
-          </a:p>
-        </p:txBody>
-      </p:sp>
-      <p:pic>
-        <p:nvPicPr>
-          <p:cNvPr id="4" name="Picture 3" descr="A splash of colors on a white surface">
-            <a:extLst>
-              <a:ext uri="{FF2B5EF4-FFF2-40B4-BE49-F238E27FC236}">
-                <a16:creationId xmlns:a16="http://schemas.microsoft.com/office/drawing/2014/main" id="{FA2450EB-3358-8AA8-5495-5032C824E479}"/>
-              </a:ext>
-            </a:extLst>
-          </p:cNvPr>
-          <p:cNvPicPr>
-            <a:picLocks noChangeAspect="1"/>
-          </p:cNvPicPr>
-          <p:nvPr/>
-        </p:nvPicPr>
-        <p:blipFill rotWithShape="1">
-          <a:blip r:embed="rId2"/>
-          <a:srcRect t="9244" b="15756"/>
-          <a:stretch/>
-        </p:blipFill>
-        <p:spPr>
-          <a:xfrm>
-            <a:off x="-87454" y="-26891"/>
-            <a:ext cx="12191980" cy="6857990"/>
-          </a:xfrm>
-          <a:prstGeom prst="rect">
-            <a:avLst/>
-          </a:prstGeom>
-        </p:spPr>
-      </p:pic>
-      <p:sp>
-        <p:nvSpPr>
-          <p:cNvPr id="7" name="TextBox 6">
-            <a:extLst>
-              <a:ext uri="{FF2B5EF4-FFF2-40B4-BE49-F238E27FC236}">
-                <a16:creationId xmlns:a16="http://schemas.microsoft.com/office/drawing/2014/main" id="{E59A36DF-8F04-CAE5-3A45-8FDA94140EAF}"/>
-              </a:ext>
-            </a:extLst>
-          </p:cNvPr>
-          <p:cNvSpPr txBox="1"/>
-          <p:nvPr/>
-        </p:nvSpPr>
-        <p:spPr>
-          <a:xfrm>
-            <a:off x="3490175" y="4845570"/>
-            <a:ext cx="9144000" cy="2308324"/>
+            <a:off x="409353" y="451884"/>
+            <a:ext cx="5523614" cy="923330"/>
           </a:xfrm>
           <a:prstGeom prst="rect">
             <a:avLst/>
@@ -5190,28 +5077,181 @@
           </a:bodyPr>
           <a:lstStyle/>
           <a:p>
-            <a:pPr algn="ctr"/>
-            <a:r>
-              <a:rPr lang="en-US" sz="9600" b="1" dirty="0">
+            <a:r>
+              <a:rPr lang="en-US" sz="5400" b="1" dirty="0">
+                <a:solidFill>
+                  <a:srgbClr val="FF0000"/>
+                </a:solidFill>
                 <a:latin typeface="Times New Roman" panose="02020603050405020304" pitchFamily="18" charset="0"/>
                 <a:cs typeface="Times New Roman" panose="02020603050405020304" pitchFamily="18" charset="0"/>
               </a:rPr>
-              <a:t>Thanks</a:t>
-            </a:r>
-          </a:p>
-          <a:p>
-            <a:pPr algn="ctr"/>
-            <a:endParaRPr lang="en-US" sz="4800" b="1" dirty="0">
-              <a:latin typeface="Times New Roman" panose="02020603050405020304" pitchFamily="18" charset="0"/>
-              <a:cs typeface="Times New Roman" panose="02020603050405020304" pitchFamily="18" charset="0"/>
-            </a:endParaRPr>
+              <a:t>Results:</a:t>
+            </a:r>
           </a:p>
         </p:txBody>
       </p:sp>
     </p:spTree>
     <p:extLst>
       <p:ext uri="{BB962C8B-B14F-4D97-AF65-F5344CB8AC3E}">
-        <p14:creationId xmlns:p14="http://schemas.microsoft.com/office/powerpoint/2010/main" val="1112582105"/>
+        <p14:creationId xmlns:p14="http://schemas.microsoft.com/office/powerpoint/2010/main" val="2956735513"/>
+      </p:ext>
+    </p:extLst>
+  </p:cSld>
+  <p:clrMapOvr>
+    <a:masterClrMapping/>
+  </p:clrMapOvr>
+</p:sld>
+</file>
+
+<file path=ppt/slides/slide9.xml><?xml version="1.0" encoding="utf-8"?>
+<p:sld xmlns:a="http://schemas.openxmlformats.org/drawingml/2006/main" xmlns:r="http://schemas.openxmlformats.org/officeDocument/2006/relationships" xmlns:p="http://schemas.openxmlformats.org/presentationml/2006/main">
+  <p:cSld>
+    <p:spTree>
+      <p:nvGrpSpPr>
+        <p:cNvPr id="1" name=""/>
+        <p:cNvGrpSpPr/>
+        <p:nvPr/>
+      </p:nvGrpSpPr>
+      <p:grpSpPr>
+        <a:xfrm>
+          <a:off x="0" y="0"/>
+          <a:ext cx="0" cy="0"/>
+          <a:chOff x="0" y="0"/>
+          <a:chExt cx="0" cy="0"/>
+        </a:xfrm>
+      </p:grpSpPr>
+      <p:sp>
+        <p:nvSpPr>
+          <p:cNvPr id="2" name="TextBox 1">
+            <a:extLst>
+              <a:ext uri="{FF2B5EF4-FFF2-40B4-BE49-F238E27FC236}">
+                <a16:creationId xmlns:a16="http://schemas.microsoft.com/office/drawing/2014/main" id="{3719526A-D573-63FE-A05E-FD4E24B12CDC}"/>
+              </a:ext>
+            </a:extLst>
+          </p:cNvPr>
+          <p:cNvSpPr txBox="1"/>
+          <p:nvPr/>
+        </p:nvSpPr>
+        <p:spPr>
+          <a:xfrm>
+            <a:off x="409353" y="451884"/>
+            <a:ext cx="5523614" cy="923330"/>
+          </a:xfrm>
+          <a:prstGeom prst="rect">
+            <a:avLst/>
+          </a:prstGeom>
+          <a:noFill/>
+        </p:spPr>
+        <p:txBody>
+          <a:bodyPr wrap="square" rtlCol="0">
+            <a:spAutoFit/>
+          </a:bodyPr>
+          <a:lstStyle/>
+          <a:p>
+            <a:r>
+              <a:rPr lang="en-US" sz="5400" b="1" dirty="0" err="1">
+                <a:solidFill>
+                  <a:srgbClr val="FF0000"/>
+                </a:solidFill>
+                <a:latin typeface="Times New Roman" panose="02020603050405020304" pitchFamily="18" charset="0"/>
+                <a:cs typeface="Times New Roman" panose="02020603050405020304" pitchFamily="18" charset="0"/>
+              </a:rPr>
+              <a:t>Future_Work</a:t>
+            </a:r>
+            <a:r>
+              <a:rPr lang="en-US" sz="5400" b="1" dirty="0">
+                <a:solidFill>
+                  <a:srgbClr val="FF0000"/>
+                </a:solidFill>
+                <a:latin typeface="Times New Roman" panose="02020603050405020304" pitchFamily="18" charset="0"/>
+                <a:cs typeface="Times New Roman" panose="02020603050405020304" pitchFamily="18" charset="0"/>
+              </a:rPr>
+              <a:t>:</a:t>
+            </a:r>
+          </a:p>
+        </p:txBody>
+      </p:sp>
+      <p:sp>
+        <p:nvSpPr>
+          <p:cNvPr id="3" name="TextBox 2">
+            <a:extLst>
+              <a:ext uri="{FF2B5EF4-FFF2-40B4-BE49-F238E27FC236}">
+                <a16:creationId xmlns:a16="http://schemas.microsoft.com/office/drawing/2014/main" id="{92EA5F8C-021D-8807-5F71-4E71A914240C}"/>
+              </a:ext>
+            </a:extLst>
+          </p:cNvPr>
+          <p:cNvSpPr txBox="1"/>
+          <p:nvPr/>
+        </p:nvSpPr>
+        <p:spPr>
+          <a:xfrm>
+            <a:off x="595424" y="1254642"/>
+            <a:ext cx="10138144" cy="5011949"/>
+          </a:xfrm>
+          <a:prstGeom prst="rect">
+            <a:avLst/>
+          </a:prstGeom>
+          <a:noFill/>
+        </p:spPr>
+        <p:txBody>
+          <a:bodyPr wrap="square" rtlCol="0">
+            <a:spAutoFit/>
+          </a:bodyPr>
+          <a:lstStyle/>
+          <a:p>
+            <a:pPr marL="285750" indent="-285750">
+              <a:lnSpc>
+                <a:spcPct val="150000"/>
+              </a:lnSpc>
+              <a:buFont typeface="Arial" panose="020B0604020202020204" pitchFamily="34" charset="0"/>
+              <a:buChar char="•"/>
+            </a:pPr>
+            <a:r>
+              <a:rPr lang="en-US" sz="2400" b="1" dirty="0">
+                <a:latin typeface="Times New Roman" panose="02020603050405020304" pitchFamily="18" charset="0"/>
+                <a:cs typeface="Times New Roman" panose="02020603050405020304" pitchFamily="18" charset="0"/>
+              </a:rPr>
+              <a:t>I would like to work further on this project by collecting the Data for the single airport with different carriers and considering other delays such as operational delays which include Ground operations delay, carrier check in delays. </a:t>
+            </a:r>
+          </a:p>
+          <a:p>
+            <a:pPr marL="285750" indent="-285750">
+              <a:lnSpc>
+                <a:spcPct val="150000"/>
+              </a:lnSpc>
+              <a:buFont typeface="Arial" panose="020B0604020202020204" pitchFamily="34" charset="0"/>
+              <a:buChar char="•"/>
+            </a:pPr>
+            <a:r>
+              <a:rPr lang="en-US" sz="2400" b="1" dirty="0">
+                <a:latin typeface="Times New Roman" panose="02020603050405020304" pitchFamily="18" charset="0"/>
+                <a:cs typeface="Times New Roman" panose="02020603050405020304" pitchFamily="18" charset="0"/>
+              </a:rPr>
+              <a:t>Working on the single Airport rather than collecting a wide will allow an Airport Management to Organize and work on their operations will improve the Operational Performance of that Airport.</a:t>
+            </a:r>
+          </a:p>
+          <a:p>
+            <a:pPr marL="285750" indent="-285750">
+              <a:lnSpc>
+                <a:spcPct val="150000"/>
+              </a:lnSpc>
+              <a:buFont typeface="Arial" panose="020B0604020202020204" pitchFamily="34" charset="0"/>
+              <a:buChar char="•"/>
+            </a:pPr>
+            <a:r>
+              <a:rPr lang="en-US" sz="2400" b="1" dirty="0">
+                <a:latin typeface="Times New Roman" panose="02020603050405020304" pitchFamily="18" charset="0"/>
+                <a:cs typeface="Times New Roman" panose="02020603050405020304" pitchFamily="18" charset="0"/>
+              </a:rPr>
+              <a:t>Same can be performed for each Carrier considering the limitations of the Airport and Federal and International Aviation Regulations.</a:t>
+            </a:r>
+          </a:p>
+        </p:txBody>
+      </p:sp>
+    </p:spTree>
+    <p:extLst>
+      <p:ext uri="{BB962C8B-B14F-4D97-AF65-F5344CB8AC3E}">
+        <p14:creationId xmlns:p14="http://schemas.microsoft.com/office/powerpoint/2010/main" val="1806626677"/>
       </p:ext>
     </p:extLst>
   </p:cSld>

--- a/Atc & Visualisation.pptx
+++ b/Atc & Visualisation.pptx
@@ -13,8 +13,10 @@
     <p:sldId id="266" r:id="rId7"/>
     <p:sldId id="267" r:id="rId8"/>
     <p:sldId id="263" r:id="rId9"/>
-    <p:sldId id="265" r:id="rId10"/>
-    <p:sldId id="256" r:id="rId11"/>
+    <p:sldId id="268" r:id="rId10"/>
+    <p:sldId id="269" r:id="rId11"/>
+    <p:sldId id="265" r:id="rId12"/>
+    <p:sldId id="256" r:id="rId13"/>
   </p:sldIdLst>
   <p:sldSz cx="12192000" cy="6858000"/>
   <p:notesSz cx="6858000" cy="9144000"/>
@@ -126,6 +128,8 @@
             <p14:sldId id="266"/>
             <p14:sldId id="267"/>
             <p14:sldId id="263"/>
+            <p14:sldId id="268"/>
+            <p14:sldId id="269"/>
             <p14:sldId id="265"/>
             <p14:sldId id="256"/>
           </p14:sldIdLst>
@@ -290,7 +294,7 @@
           <a:p>
             <a:fld id="{8C28A28C-4C6A-46EA-90C0-4EE0B89CC5C7}" type="datetimeFigureOut">
               <a:rPr lang="en-US" smtClean="0"/>
-              <a:t>4/28/2024</a:t>
+              <a:t>5/4/2024</a:t>
             </a:fld>
             <a:endParaRPr lang="en-US" dirty="0"/>
           </a:p>
@@ -488,7 +492,7 @@
           <a:p>
             <a:fld id="{8C28A28C-4C6A-46EA-90C0-4EE0B89CC5C7}" type="datetimeFigureOut">
               <a:rPr lang="en-US" smtClean="0"/>
-              <a:t>4/28/2024</a:t>
+              <a:t>5/4/2024</a:t>
             </a:fld>
             <a:endParaRPr lang="en-US"/>
           </a:p>
@@ -696,7 +700,7 @@
           <a:p>
             <a:fld id="{8C28A28C-4C6A-46EA-90C0-4EE0B89CC5C7}" type="datetimeFigureOut">
               <a:rPr lang="en-US" smtClean="0"/>
-              <a:t>4/28/2024</a:t>
+              <a:t>5/4/2024</a:t>
             </a:fld>
             <a:endParaRPr lang="en-US"/>
           </a:p>
@@ -894,7 +898,7 @@
           <a:p>
             <a:fld id="{8C28A28C-4C6A-46EA-90C0-4EE0B89CC5C7}" type="datetimeFigureOut">
               <a:rPr lang="en-US" smtClean="0"/>
-              <a:t>4/28/2024</a:t>
+              <a:t>5/4/2024</a:t>
             </a:fld>
             <a:endParaRPr lang="en-US"/>
           </a:p>
@@ -1171,7 +1175,7 @@
           <a:p>
             <a:fld id="{8C28A28C-4C6A-46EA-90C0-4EE0B89CC5C7}" type="datetimeFigureOut">
               <a:rPr lang="en-US" smtClean="0"/>
-              <a:t>4/28/2024</a:t>
+              <a:t>5/4/2024</a:t>
             </a:fld>
             <a:endParaRPr lang="en-US"/>
           </a:p>
@@ -1436,7 +1440,7 @@
           <a:p>
             <a:fld id="{8C28A28C-4C6A-46EA-90C0-4EE0B89CC5C7}" type="datetimeFigureOut">
               <a:rPr lang="en-US" smtClean="0"/>
-              <a:t>4/28/2024</a:t>
+              <a:t>5/4/2024</a:t>
             </a:fld>
             <a:endParaRPr lang="en-US"/>
           </a:p>
@@ -1848,7 +1852,7 @@
           <a:p>
             <a:fld id="{8C28A28C-4C6A-46EA-90C0-4EE0B89CC5C7}" type="datetimeFigureOut">
               <a:rPr lang="en-US" smtClean="0"/>
-              <a:t>4/28/2024</a:t>
+              <a:t>5/4/2024</a:t>
             </a:fld>
             <a:endParaRPr lang="en-US"/>
           </a:p>
@@ -1989,7 +1993,7 @@
           <a:p>
             <a:fld id="{8C28A28C-4C6A-46EA-90C0-4EE0B89CC5C7}" type="datetimeFigureOut">
               <a:rPr lang="en-US" smtClean="0"/>
-              <a:t>4/28/2024</a:t>
+              <a:t>5/4/2024</a:t>
             </a:fld>
             <a:endParaRPr lang="en-US"/>
           </a:p>
@@ -2102,7 +2106,7 @@
           <a:p>
             <a:fld id="{8C28A28C-4C6A-46EA-90C0-4EE0B89CC5C7}" type="datetimeFigureOut">
               <a:rPr lang="en-US" smtClean="0"/>
-              <a:t>4/28/2024</a:t>
+              <a:t>5/4/2024</a:t>
             </a:fld>
             <a:endParaRPr lang="en-US"/>
           </a:p>
@@ -2415,7 +2419,7 @@
           <a:p>
             <a:fld id="{8C28A28C-4C6A-46EA-90C0-4EE0B89CC5C7}" type="datetimeFigureOut">
               <a:rPr lang="en-US" smtClean="0"/>
-              <a:t>4/28/2024</a:t>
+              <a:t>5/4/2024</a:t>
             </a:fld>
             <a:endParaRPr lang="en-US"/>
           </a:p>
@@ -2703,7 +2707,7 @@
           <a:p>
             <a:fld id="{8C28A28C-4C6A-46EA-90C0-4EE0B89CC5C7}" type="datetimeFigureOut">
               <a:rPr lang="en-US" smtClean="0"/>
-              <a:t>4/28/2024</a:t>
+              <a:t>5/4/2024</a:t>
             </a:fld>
             <a:endParaRPr lang="en-US"/>
           </a:p>
@@ -3058,7 +3062,7 @@
             <a:fld id="{8C28A28C-4C6A-46EA-90C0-4EE0B89CC5C7}" type="datetimeFigureOut">
               <a:rPr lang="en-US" smtClean="0"/>
               <a:pPr/>
-              <a:t>4/28/2024</a:t>
+              <a:t>5/4/2024</a:t>
             </a:fld>
             <a:endParaRPr lang="en-US" dirty="0"/>
           </a:p>
@@ -3958,7 +3962,7 @@
       </p:grpSpPr>
       <p:sp>
         <p:nvSpPr>
-          <p:cNvPr id="93" name="Freeform: Shape 92">
+          <p:cNvPr id="9" name="Freeform: Shape 8">
             <a:extLst>
               <a:ext uri="{FF2B5EF4-FFF2-40B4-BE49-F238E27FC236}">
                 <a16:creationId xmlns:a16="http://schemas.microsoft.com/office/drawing/2014/main" id="{AE192E3E-68A9-4F36-936C-1C8D0B9EF132}"/>
@@ -4084,10 +4088,10 @@
       </p:sp>
       <p:sp useBgFill="1">
         <p:nvSpPr>
-          <p:cNvPr id="95" name="Rectangle 94">
-            <a:extLst>
-              <a:ext uri="{FF2B5EF4-FFF2-40B4-BE49-F238E27FC236}">
-                <a16:creationId xmlns:a16="http://schemas.microsoft.com/office/drawing/2014/main" id="{6362EDFF-7BE1-4149-A745-FFD7211E6CE1}"/>
+          <p:cNvPr id="11" name="Rectangle 10">
+            <a:extLst>
+              <a:ext uri="{FF2B5EF4-FFF2-40B4-BE49-F238E27FC236}">
+                <a16:creationId xmlns:a16="http://schemas.microsoft.com/office/drawing/2014/main" id="{998D6E90-577B-4973-B60A-2700290E68B3}"/>
               </a:ext>
               <a:ext uri="{C183D7F6-B498-43B3-948B-1728B52AA6E4}">
                 <adec:decorative xmlns:adec="http://schemas.microsoft.com/office/drawing/2017/decorative" val="1"/>
@@ -4158,6 +4162,652 @@
           </a:p>
         </p:txBody>
       </p:sp>
+      <p:sp>
+        <p:nvSpPr>
+          <p:cNvPr id="2" name="TextBox 1">
+            <a:extLst>
+              <a:ext uri="{FF2B5EF4-FFF2-40B4-BE49-F238E27FC236}">
+                <a16:creationId xmlns:a16="http://schemas.microsoft.com/office/drawing/2014/main" id="{3719526A-D573-63FE-A05E-FD4E24B12CDC}"/>
+              </a:ext>
+            </a:extLst>
+          </p:cNvPr>
+          <p:cNvSpPr txBox="1"/>
+          <p:nvPr/>
+        </p:nvSpPr>
+        <p:spPr>
+          <a:xfrm>
+            <a:off x="1084728" y="1597961"/>
+            <a:ext cx="2628969" cy="3162300"/>
+          </a:xfrm>
+          <a:prstGeom prst="rect">
+            <a:avLst/>
+          </a:prstGeom>
+        </p:spPr>
+        <p:txBody>
+          <a:bodyPr vert="horz" lIns="91440" tIns="45720" rIns="91440" bIns="45720" rtlCol="0" anchor="t">
+            <a:normAutofit/>
+          </a:bodyPr>
+          <a:lstStyle/>
+          <a:p>
+            <a:pPr>
+              <a:lnSpc>
+                <a:spcPct val="110000"/>
+              </a:lnSpc>
+              <a:spcBef>
+                <a:spcPct val="0"/>
+              </a:spcBef>
+              <a:spcAft>
+                <a:spcPts val="600"/>
+              </a:spcAft>
+            </a:pPr>
+            <a:r>
+              <a:rPr lang="en-US" sz="2400" b="1">
+                <a:latin typeface="+mj-lt"/>
+                <a:ea typeface="+mj-ea"/>
+                <a:cs typeface="+mj-cs"/>
+              </a:rPr>
+              <a:t>Interpretation Of Results:</a:t>
+            </a:r>
+          </a:p>
+        </p:txBody>
+      </p:sp>
+      <p:sp>
+        <p:nvSpPr>
+          <p:cNvPr id="13" name="Freeform: Shape 12">
+            <a:extLst>
+              <a:ext uri="{FF2B5EF4-FFF2-40B4-BE49-F238E27FC236}">
+                <a16:creationId xmlns:a16="http://schemas.microsoft.com/office/drawing/2014/main" id="{3FA95682-BEE6-4B33-BA34-7E7BE49782DA}"/>
+              </a:ext>
+              <a:ext uri="{C183D7F6-B498-43B3-948B-1728B52AA6E4}">
+                <adec:decorative xmlns:adec="http://schemas.microsoft.com/office/drawing/2017/decorative" val="1"/>
+              </a:ext>
+            </a:extLst>
+          </p:cNvPr>
+          <p:cNvSpPr>
+            <a:spLocks noGrp="1" noRot="1" noChangeAspect="1" noMove="1" noResize="1" noEditPoints="1" noAdjustHandles="1" noChangeArrowheads="1" noChangeShapeType="1" noTextEdit="1"/>
+          </p:cNvSpPr>
+          <p:nvPr>
+            <p:extLst>
+              <p:ext uri="{386F3935-93C4-4BCD-93E2-E3B085C9AB24}">
+                <p16:designElem xmlns:p16="http://schemas.microsoft.com/office/powerpoint/2015/main" val="1"/>
+              </p:ext>
+            </p:extLst>
+          </p:nvPr>
+        </p:nvSpPr>
+        <p:spPr>
+          <a:xfrm>
+            <a:off x="8803792" y="3455896"/>
+            <a:ext cx="3388208" cy="3406341"/>
+          </a:xfrm>
+          <a:custGeom>
+            <a:avLst/>
+            <a:gdLst>
+              <a:gd name="connsiteX0" fmla="*/ 3388058 w 3388208"/>
+              <a:gd name="connsiteY0" fmla="*/ 0 h 3406341"/>
+              <a:gd name="connsiteX1" fmla="*/ 3388208 w 3388208"/>
+              <a:gd name="connsiteY1" fmla="*/ 0 h 3406341"/>
+              <a:gd name="connsiteX2" fmla="*/ 3388208 w 3388208"/>
+              <a:gd name="connsiteY2" fmla="*/ 3406341 h 3406341"/>
+              <a:gd name="connsiteX3" fmla="*/ 0 w 3388208"/>
+              <a:gd name="connsiteY3" fmla="*/ 3406341 h 3406341"/>
+              <a:gd name="connsiteX4" fmla="*/ 79006 w 3388208"/>
+              <a:gd name="connsiteY4" fmla="*/ 3404386 h 3406341"/>
+              <a:gd name="connsiteX5" fmla="*/ 3383947 w 3388208"/>
+              <a:gd name="connsiteY5" fmla="*/ 164274 h 3406341"/>
+            </a:gdLst>
+            <a:ahLst/>
+            <a:cxnLst>
+              <a:cxn ang="0">
+                <a:pos x="connsiteX0" y="connsiteY0"/>
+              </a:cxn>
+              <a:cxn ang="0">
+                <a:pos x="connsiteX1" y="connsiteY1"/>
+              </a:cxn>
+              <a:cxn ang="0">
+                <a:pos x="connsiteX2" y="connsiteY2"/>
+              </a:cxn>
+              <a:cxn ang="0">
+                <a:pos x="connsiteX3" y="connsiteY3"/>
+              </a:cxn>
+              <a:cxn ang="0">
+                <a:pos x="connsiteX4" y="connsiteY4"/>
+              </a:cxn>
+              <a:cxn ang="0">
+                <a:pos x="connsiteX5" y="connsiteY5"/>
+              </a:cxn>
+            </a:cxnLst>
+            <a:rect l="l" t="t" r="r" b="b"/>
+            <a:pathLst>
+              <a:path w="3388208" h="3406341">
+                <a:moveTo>
+                  <a:pt x="3388058" y="0"/>
+                </a:moveTo>
+                <a:lnTo>
+                  <a:pt x="3388208" y="0"/>
+                </a:lnTo>
+                <a:lnTo>
+                  <a:pt x="3388208" y="3406341"/>
+                </a:lnTo>
+                <a:lnTo>
+                  <a:pt x="0" y="3406341"/>
+                </a:lnTo>
+                <a:lnTo>
+                  <a:pt x="79006" y="3404386"/>
+                </a:lnTo>
+                <a:cubicBezTo>
+                  <a:pt x="1864742" y="3315784"/>
+                  <a:pt x="3296223" y="1912901"/>
+                  <a:pt x="3383947" y="164274"/>
+                </a:cubicBezTo>
+                <a:close/>
+              </a:path>
+            </a:pathLst>
+          </a:custGeom>
+          <a:solidFill>
+            <a:schemeClr val="accent5"/>
+          </a:solidFill>
+          <a:ln>
+            <a:noFill/>
+          </a:ln>
+        </p:spPr>
+        <p:style>
+          <a:lnRef idx="2">
+            <a:schemeClr val="accent1">
+              <a:shade val="50000"/>
+            </a:schemeClr>
+          </a:lnRef>
+          <a:fillRef idx="1">
+            <a:schemeClr val="accent1"/>
+          </a:fillRef>
+          <a:effectRef idx="0">
+            <a:schemeClr val="accent1"/>
+          </a:effectRef>
+          <a:fontRef idx="minor">
+            <a:schemeClr val="lt1"/>
+          </a:fontRef>
+        </p:style>
+        <p:txBody>
+          <a:bodyPr wrap="square" rtlCol="0" anchor="ctr">
+            <a:noAutofit/>
+          </a:bodyPr>
+          <a:lstStyle/>
+          <a:p>
+            <a:pPr algn="ctr"/>
+            <a:endParaRPr lang="en-US"/>
+          </a:p>
+        </p:txBody>
+      </p:sp>
+      <p:pic>
+        <p:nvPicPr>
+          <p:cNvPr id="4" name="Picture 3" descr="A diagram of a tree&#10;&#10;Description automatically generated">
+            <a:extLst>
+              <a:ext uri="{FF2B5EF4-FFF2-40B4-BE49-F238E27FC236}">
+                <a16:creationId xmlns:a16="http://schemas.microsoft.com/office/drawing/2014/main" id="{E663878E-A504-2ECF-84C3-997B665AF428}"/>
+              </a:ext>
+            </a:extLst>
+          </p:cNvPr>
+          <p:cNvPicPr>
+            <a:picLocks noChangeAspect="1"/>
+          </p:cNvPicPr>
+          <p:nvPr/>
+        </p:nvPicPr>
+        <p:blipFill>
+          <a:blip r:embed="rId2">
+            <a:extLst>
+              <a:ext uri="{28A0092B-C50C-407E-A947-70E740481C1C}">
+                <a14:useLocalDpi xmlns:a14="http://schemas.microsoft.com/office/drawing/2010/main" val="0"/>
+              </a:ext>
+            </a:extLst>
+          </a:blip>
+          <a:stretch>
+            <a:fillRect/>
+          </a:stretch>
+        </p:blipFill>
+        <p:spPr>
+          <a:xfrm>
+            <a:off x="3232298" y="426262"/>
+            <a:ext cx="9069572" cy="5698091"/>
+          </a:xfrm>
+          <a:prstGeom prst="rect">
+            <a:avLst/>
+          </a:prstGeom>
+        </p:spPr>
+      </p:pic>
+    </p:spTree>
+    <p:extLst>
+      <p:ext uri="{BB962C8B-B14F-4D97-AF65-F5344CB8AC3E}">
+        <p14:creationId xmlns:p14="http://schemas.microsoft.com/office/powerpoint/2010/main" val="3745418888"/>
+      </p:ext>
+    </p:extLst>
+  </p:cSld>
+  <p:clrMapOvr>
+    <a:masterClrMapping/>
+  </p:clrMapOvr>
+</p:sld>
+</file>
+
+<file path=ppt/slides/slide11.xml><?xml version="1.0" encoding="utf-8"?>
+<p:sld xmlns:a="http://schemas.openxmlformats.org/drawingml/2006/main" xmlns:r="http://schemas.openxmlformats.org/officeDocument/2006/relationships" xmlns:p="http://schemas.openxmlformats.org/presentationml/2006/main">
+  <p:cSld>
+    <p:spTree>
+      <p:nvGrpSpPr>
+        <p:cNvPr id="1" name=""/>
+        <p:cNvGrpSpPr/>
+        <p:nvPr/>
+      </p:nvGrpSpPr>
+      <p:grpSpPr>
+        <a:xfrm>
+          <a:off x="0" y="0"/>
+          <a:ext cx="0" cy="0"/>
+          <a:chOff x="0" y="0"/>
+          <a:chExt cx="0" cy="0"/>
+        </a:xfrm>
+      </p:grpSpPr>
+      <p:sp>
+        <p:nvSpPr>
+          <p:cNvPr id="2" name="TextBox 1">
+            <a:extLst>
+              <a:ext uri="{FF2B5EF4-FFF2-40B4-BE49-F238E27FC236}">
+                <a16:creationId xmlns:a16="http://schemas.microsoft.com/office/drawing/2014/main" id="{3719526A-D573-63FE-A05E-FD4E24B12CDC}"/>
+              </a:ext>
+            </a:extLst>
+          </p:cNvPr>
+          <p:cNvSpPr txBox="1"/>
+          <p:nvPr/>
+        </p:nvSpPr>
+        <p:spPr>
+          <a:xfrm>
+            <a:off x="409353" y="451884"/>
+            <a:ext cx="5523614" cy="923330"/>
+          </a:xfrm>
+          <a:prstGeom prst="rect">
+            <a:avLst/>
+          </a:prstGeom>
+          <a:noFill/>
+        </p:spPr>
+        <p:txBody>
+          <a:bodyPr wrap="square" rtlCol="0">
+            <a:spAutoFit/>
+          </a:bodyPr>
+          <a:lstStyle/>
+          <a:p>
+            <a:r>
+              <a:rPr lang="en-US" sz="5400" b="1" dirty="0" err="1">
+                <a:solidFill>
+                  <a:srgbClr val="FF0000"/>
+                </a:solidFill>
+                <a:latin typeface="Times New Roman" panose="02020603050405020304" pitchFamily="18" charset="0"/>
+                <a:cs typeface="Times New Roman" panose="02020603050405020304" pitchFamily="18" charset="0"/>
+              </a:rPr>
+              <a:t>Future_Work</a:t>
+            </a:r>
+            <a:r>
+              <a:rPr lang="en-US" sz="5400" b="1" dirty="0">
+                <a:solidFill>
+                  <a:srgbClr val="FF0000"/>
+                </a:solidFill>
+                <a:latin typeface="Times New Roman" panose="02020603050405020304" pitchFamily="18" charset="0"/>
+                <a:cs typeface="Times New Roman" panose="02020603050405020304" pitchFamily="18" charset="0"/>
+              </a:rPr>
+              <a:t>:</a:t>
+            </a:r>
+          </a:p>
+        </p:txBody>
+      </p:sp>
+      <p:sp>
+        <p:nvSpPr>
+          <p:cNvPr id="3" name="TextBox 2">
+            <a:extLst>
+              <a:ext uri="{FF2B5EF4-FFF2-40B4-BE49-F238E27FC236}">
+                <a16:creationId xmlns:a16="http://schemas.microsoft.com/office/drawing/2014/main" id="{92EA5F8C-021D-8807-5F71-4E71A914240C}"/>
+              </a:ext>
+            </a:extLst>
+          </p:cNvPr>
+          <p:cNvSpPr txBox="1"/>
+          <p:nvPr/>
+        </p:nvSpPr>
+        <p:spPr>
+          <a:xfrm>
+            <a:off x="212246" y="1375214"/>
+            <a:ext cx="11143731" cy="5185522"/>
+          </a:xfrm>
+          <a:prstGeom prst="rect">
+            <a:avLst/>
+          </a:prstGeom>
+          <a:noFill/>
+        </p:spPr>
+        <p:txBody>
+          <a:bodyPr wrap="square" rtlCol="0">
+            <a:spAutoFit/>
+          </a:bodyPr>
+          <a:lstStyle/>
+          <a:p>
+            <a:pPr marL="285750" indent="-285750">
+              <a:lnSpc>
+                <a:spcPct val="150000"/>
+              </a:lnSpc>
+              <a:buFont typeface="Arial" panose="020B0604020202020204" pitchFamily="34" charset="0"/>
+              <a:buChar char="•"/>
+            </a:pPr>
+            <a:r>
+              <a:rPr lang="en-US" sz="2400" b="1" dirty="0">
+                <a:latin typeface="Times New Roman" panose="02020603050405020304" pitchFamily="18" charset="0"/>
+                <a:cs typeface="Times New Roman" panose="02020603050405020304" pitchFamily="18" charset="0"/>
+              </a:rPr>
+              <a:t>I would like to work further on this project by collecting the Data for the single airport with different carriers and considering other delays such as operational delays which include Ground operations delay, carrier check in delays. </a:t>
+            </a:r>
+          </a:p>
+          <a:p>
+            <a:pPr marL="285750" indent="-285750">
+              <a:lnSpc>
+                <a:spcPct val="150000"/>
+              </a:lnSpc>
+              <a:buFont typeface="Arial" panose="020B0604020202020204" pitchFamily="34" charset="0"/>
+              <a:buChar char="•"/>
+            </a:pPr>
+            <a:r>
+              <a:rPr lang="en-US" sz="2400" b="1" dirty="0">
+                <a:latin typeface="Times New Roman" panose="02020603050405020304" pitchFamily="18" charset="0"/>
+                <a:cs typeface="Times New Roman" panose="02020603050405020304" pitchFamily="18" charset="0"/>
+              </a:rPr>
+              <a:t>Working on the single Airport rather than collecting a wide will allow an Airport Management to Organize and work on their operations will improve the Operational Performance of that Airport.</a:t>
+            </a:r>
+          </a:p>
+          <a:p>
+            <a:pPr marL="285750" indent="-285750">
+              <a:lnSpc>
+                <a:spcPct val="150000"/>
+              </a:lnSpc>
+              <a:buFont typeface="Arial" panose="020B0604020202020204" pitchFamily="34" charset="0"/>
+              <a:buChar char="•"/>
+            </a:pPr>
+            <a:r>
+              <a:rPr lang="en-US" sz="2400" b="1" dirty="0">
+                <a:latin typeface="Times New Roman" panose="02020603050405020304" pitchFamily="18" charset="0"/>
+                <a:cs typeface="Times New Roman" panose="02020603050405020304" pitchFamily="18" charset="0"/>
+              </a:rPr>
+              <a:t>Same can be performed for each Carrier considering the limitations of the Airport and Federal and International Aviation Regulations.   </a:t>
+            </a:r>
+            <a:r>
+              <a:rPr lang="en-US" sz="2800" b="1" dirty="0">
+                <a:solidFill>
+                  <a:srgbClr val="FF0000"/>
+                </a:solidFill>
+                <a:latin typeface="Times New Roman" panose="02020603050405020304" pitchFamily="18" charset="0"/>
+                <a:cs typeface="Times New Roman" panose="02020603050405020304" pitchFamily="18" charset="0"/>
+              </a:rPr>
+              <a:t> Can Perform Same with each Individual </a:t>
+            </a:r>
+            <a:r>
+              <a:rPr lang="en-US" sz="2800" b="1" dirty="0" err="1">
+                <a:solidFill>
+                  <a:srgbClr val="FF0000"/>
+                </a:solidFill>
+                <a:latin typeface="Times New Roman" panose="02020603050405020304" pitchFamily="18" charset="0"/>
+                <a:cs typeface="Times New Roman" panose="02020603050405020304" pitchFamily="18" charset="0"/>
+              </a:rPr>
+              <a:t>Ailines</a:t>
+            </a:r>
+            <a:r>
+              <a:rPr lang="en-US" sz="2800" b="1" dirty="0">
+                <a:solidFill>
+                  <a:srgbClr val="FF0000"/>
+                </a:solidFill>
+                <a:latin typeface="Times New Roman" panose="02020603050405020304" pitchFamily="18" charset="0"/>
+                <a:cs typeface="Times New Roman" panose="02020603050405020304" pitchFamily="18" charset="0"/>
+              </a:rPr>
+              <a:t>.</a:t>
+            </a:r>
+            <a:endParaRPr lang="en-US" sz="2400" b="1" dirty="0">
+              <a:solidFill>
+                <a:srgbClr val="FF0000"/>
+              </a:solidFill>
+              <a:latin typeface="Times New Roman" panose="02020603050405020304" pitchFamily="18" charset="0"/>
+              <a:cs typeface="Times New Roman" panose="02020603050405020304" pitchFamily="18" charset="0"/>
+            </a:endParaRPr>
+          </a:p>
+        </p:txBody>
+      </p:sp>
+    </p:spTree>
+    <p:extLst>
+      <p:ext uri="{BB962C8B-B14F-4D97-AF65-F5344CB8AC3E}">
+        <p14:creationId xmlns:p14="http://schemas.microsoft.com/office/powerpoint/2010/main" val="1806626677"/>
+      </p:ext>
+    </p:extLst>
+  </p:cSld>
+  <p:clrMapOvr>
+    <a:masterClrMapping/>
+  </p:clrMapOvr>
+</p:sld>
+</file>
+
+<file path=ppt/slides/slide12.xml><?xml version="1.0" encoding="utf-8"?>
+<p:sld xmlns:a="http://schemas.openxmlformats.org/drawingml/2006/main" xmlns:r="http://schemas.openxmlformats.org/officeDocument/2006/relationships" xmlns:p="http://schemas.openxmlformats.org/presentationml/2006/main">
+  <p:cSld>
+    <p:bg>
+      <p:bgPr>
+        <a:solidFill>
+          <a:schemeClr val="bg1"/>
+        </a:solidFill>
+        <a:effectLst/>
+      </p:bgPr>
+    </p:bg>
+    <p:spTree>
+      <p:nvGrpSpPr>
+        <p:cNvPr id="1" name=""/>
+        <p:cNvGrpSpPr/>
+        <p:nvPr/>
+      </p:nvGrpSpPr>
+      <p:grpSpPr>
+        <a:xfrm>
+          <a:off x="0" y="0"/>
+          <a:ext cx="0" cy="0"/>
+          <a:chOff x="0" y="0"/>
+          <a:chExt cx="0" cy="0"/>
+        </a:xfrm>
+      </p:grpSpPr>
+      <p:sp>
+        <p:nvSpPr>
+          <p:cNvPr id="93" name="Freeform: Shape 92">
+            <a:extLst>
+              <a:ext uri="{FF2B5EF4-FFF2-40B4-BE49-F238E27FC236}">
+                <a16:creationId xmlns:a16="http://schemas.microsoft.com/office/drawing/2014/main" id="{AE192E3E-68A9-4F36-936C-1C8D0B9EF132}"/>
+              </a:ext>
+              <a:ext uri="{C183D7F6-B498-43B3-948B-1728B52AA6E4}">
+                <adec:decorative xmlns:adec="http://schemas.microsoft.com/office/drawing/2017/decorative" val="1"/>
+              </a:ext>
+            </a:extLst>
+          </p:cNvPr>
+          <p:cNvSpPr>
+            <a:spLocks noGrp="1" noRot="1" noChangeAspect="1" noMove="1" noResize="1" noEditPoints="1" noAdjustHandles="1" noChangeArrowheads="1" noChangeShapeType="1" noTextEdit="1"/>
+          </p:cNvSpPr>
+          <p:nvPr>
+            <p:extLst>
+              <p:ext uri="{386F3935-93C4-4BCD-93E2-E3B085C9AB24}">
+                <p16:designElem xmlns:p16="http://schemas.microsoft.com/office/powerpoint/2015/main" val="1"/>
+              </p:ext>
+            </p:extLst>
+          </p:nvPr>
+        </p:nvSpPr>
+        <p:spPr>
+          <a:xfrm>
+            <a:off x="8803792" y="3455896"/>
+            <a:ext cx="3388208" cy="3406341"/>
+          </a:xfrm>
+          <a:custGeom>
+            <a:avLst/>
+            <a:gdLst>
+              <a:gd name="connsiteX0" fmla="*/ 3388058 w 3388208"/>
+              <a:gd name="connsiteY0" fmla="*/ 0 h 3406341"/>
+              <a:gd name="connsiteX1" fmla="*/ 3388208 w 3388208"/>
+              <a:gd name="connsiteY1" fmla="*/ 0 h 3406341"/>
+              <a:gd name="connsiteX2" fmla="*/ 3388208 w 3388208"/>
+              <a:gd name="connsiteY2" fmla="*/ 3406341 h 3406341"/>
+              <a:gd name="connsiteX3" fmla="*/ 0 w 3388208"/>
+              <a:gd name="connsiteY3" fmla="*/ 3406341 h 3406341"/>
+              <a:gd name="connsiteX4" fmla="*/ 79006 w 3388208"/>
+              <a:gd name="connsiteY4" fmla="*/ 3404386 h 3406341"/>
+              <a:gd name="connsiteX5" fmla="*/ 3383947 w 3388208"/>
+              <a:gd name="connsiteY5" fmla="*/ 164274 h 3406341"/>
+            </a:gdLst>
+            <a:ahLst/>
+            <a:cxnLst>
+              <a:cxn ang="0">
+                <a:pos x="connsiteX0" y="connsiteY0"/>
+              </a:cxn>
+              <a:cxn ang="0">
+                <a:pos x="connsiteX1" y="connsiteY1"/>
+              </a:cxn>
+              <a:cxn ang="0">
+                <a:pos x="connsiteX2" y="connsiteY2"/>
+              </a:cxn>
+              <a:cxn ang="0">
+                <a:pos x="connsiteX3" y="connsiteY3"/>
+              </a:cxn>
+              <a:cxn ang="0">
+                <a:pos x="connsiteX4" y="connsiteY4"/>
+              </a:cxn>
+              <a:cxn ang="0">
+                <a:pos x="connsiteX5" y="connsiteY5"/>
+              </a:cxn>
+            </a:cxnLst>
+            <a:rect l="l" t="t" r="r" b="b"/>
+            <a:pathLst>
+              <a:path w="3388208" h="3406341">
+                <a:moveTo>
+                  <a:pt x="3388058" y="0"/>
+                </a:moveTo>
+                <a:lnTo>
+                  <a:pt x="3388208" y="0"/>
+                </a:lnTo>
+                <a:lnTo>
+                  <a:pt x="3388208" y="3406341"/>
+                </a:lnTo>
+                <a:lnTo>
+                  <a:pt x="0" y="3406341"/>
+                </a:lnTo>
+                <a:lnTo>
+                  <a:pt x="79006" y="3404386"/>
+                </a:lnTo>
+                <a:cubicBezTo>
+                  <a:pt x="1864742" y="3315784"/>
+                  <a:pt x="3296223" y="1912901"/>
+                  <a:pt x="3383947" y="164274"/>
+                </a:cubicBezTo>
+                <a:close/>
+              </a:path>
+            </a:pathLst>
+          </a:custGeom>
+          <a:solidFill>
+            <a:schemeClr val="accent5"/>
+          </a:solidFill>
+          <a:ln>
+            <a:noFill/>
+          </a:ln>
+        </p:spPr>
+        <p:style>
+          <a:lnRef idx="2">
+            <a:schemeClr val="accent1">
+              <a:shade val="50000"/>
+            </a:schemeClr>
+          </a:lnRef>
+          <a:fillRef idx="1">
+            <a:schemeClr val="accent1"/>
+          </a:fillRef>
+          <a:effectRef idx="0">
+            <a:schemeClr val="accent1"/>
+          </a:effectRef>
+          <a:fontRef idx="minor">
+            <a:schemeClr val="lt1"/>
+          </a:fontRef>
+        </p:style>
+        <p:txBody>
+          <a:bodyPr wrap="square" rtlCol="0" anchor="ctr">
+            <a:noAutofit/>
+          </a:bodyPr>
+          <a:lstStyle/>
+          <a:p>
+            <a:pPr algn="ctr"/>
+            <a:endParaRPr lang="en-US"/>
+          </a:p>
+        </p:txBody>
+      </p:sp>
+      <p:sp useBgFill="1">
+        <p:nvSpPr>
+          <p:cNvPr id="95" name="Rectangle 94">
+            <a:extLst>
+              <a:ext uri="{FF2B5EF4-FFF2-40B4-BE49-F238E27FC236}">
+                <a16:creationId xmlns:a16="http://schemas.microsoft.com/office/drawing/2014/main" id="{6362EDFF-7BE1-4149-A745-FFD7211E6CE1}"/>
+              </a:ext>
+              <a:ext uri="{C183D7F6-B498-43B3-948B-1728B52AA6E4}">
+                <adec:decorative xmlns:adec="http://schemas.microsoft.com/office/drawing/2017/decorative" val="1"/>
+              </a:ext>
+            </a:extLst>
+          </p:cNvPr>
+          <p:cNvSpPr>
+            <a:spLocks noGrp="1" noRot="1" noChangeAspect="1" noMove="1" noResize="1" noEditPoints="1" noAdjustHandles="1" noChangeArrowheads="1" noChangeShapeType="1" noTextEdit="1"/>
+          </p:cNvSpPr>
+          <p:nvPr>
+            <p:extLst>
+              <p:ext uri="{386F3935-93C4-4BCD-93E2-E3B085C9AB24}">
+                <p16:designElem xmlns:p16="http://schemas.microsoft.com/office/powerpoint/2015/main" val="1"/>
+              </p:ext>
+            </p:extLst>
+          </p:nvPr>
+        </p:nvSpPr>
+        <p:spPr>
+          <a:xfrm>
+            <a:off x="0" y="0"/>
+            <a:ext cx="12192000" cy="6858000"/>
+          </a:xfrm>
+          <a:prstGeom prst="rect">
+            <a:avLst/>
+          </a:prstGeom>
+          <a:ln w="12700" cap="flat" cmpd="sng" algn="ctr">
+            <a:noFill/>
+            <a:prstDash val="solid"/>
+            <a:miter lim="800000"/>
+          </a:ln>
+          <a:effectLst/>
+          <a:extLst>
+            <a:ext uri="{91240B29-F687-4F45-9708-019B960494DF}">
+              <a14:hiddenLine xmlns:a14="http://schemas.microsoft.com/office/drawing/2010/main" w="12700" cap="flat" cmpd="sng" algn="ctr">
+                <a:solidFill>
+                  <a:schemeClr val="accent1">
+                    <a:shade val="50000"/>
+                  </a:schemeClr>
+                </a:solidFill>
+                <a:prstDash val="solid"/>
+                <a:miter lim="800000"/>
+              </a14:hiddenLine>
+            </a:ext>
+          </a:extLst>
+        </p:spPr>
+        <p:style>
+          <a:lnRef idx="2">
+            <a:schemeClr val="accent1">
+              <a:shade val="50000"/>
+            </a:schemeClr>
+          </a:lnRef>
+          <a:fillRef idx="1">
+            <a:schemeClr val="accent1"/>
+          </a:fillRef>
+          <a:effectRef idx="0">
+            <a:schemeClr val="accent1"/>
+          </a:effectRef>
+          <a:fontRef idx="minor">
+            <a:schemeClr val="lt1"/>
+          </a:fontRef>
+        </p:style>
+        <p:txBody>
+          <a:bodyPr rtlCol="0" anchor="ctr"/>
+          <a:lstStyle/>
+          <a:p>
+            <a:pPr algn="ctr"/>
+            <a:endParaRPr lang="en-US"/>
+          </a:p>
+        </p:txBody>
+      </p:sp>
       <p:pic>
         <p:nvPicPr>
           <p:cNvPr id="4" name="Picture 3" descr="A splash of colors on a white surface">
@@ -4520,6 +5170,42 @@
             </a:r>
           </a:p>
           <a:p>
+            <a:r>
+              <a:rPr lang="en-US" sz="2400" b="1" dirty="0">
+                <a:latin typeface="Times New Roman" panose="02020603050405020304" pitchFamily="18" charset="0"/>
+                <a:cs typeface="Times New Roman" panose="02020603050405020304" pitchFamily="18" charset="0"/>
+              </a:rPr>
+              <a:t>Helps Airlines to increase Operational performance.</a:t>
+            </a:r>
+          </a:p>
+          <a:p>
+            <a:r>
+              <a:rPr lang="en-US" sz="2400" b="1" dirty="0">
+                <a:latin typeface="Times New Roman" panose="02020603050405020304" pitchFamily="18" charset="0"/>
+                <a:cs typeface="Times New Roman" panose="02020603050405020304" pitchFamily="18" charset="0"/>
+              </a:rPr>
+              <a:t>Airlines Manages Operations and resources effectively</a:t>
+            </a:r>
+          </a:p>
+          <a:p>
+            <a:r>
+              <a:rPr lang="en-US" sz="2400" b="1" dirty="0">
+                <a:latin typeface="Times New Roman" panose="02020603050405020304" pitchFamily="18" charset="0"/>
+                <a:cs typeface="Times New Roman" panose="02020603050405020304" pitchFamily="18" charset="0"/>
+              </a:rPr>
+              <a:t>Passengers can manage their travel based on the flight delay.</a:t>
+            </a:r>
+          </a:p>
+          <a:p>
+            <a:r>
+              <a:rPr lang="en-US" sz="2400" b="1" dirty="0">
+                <a:latin typeface="Times New Roman" panose="02020603050405020304" pitchFamily="18" charset="0"/>
+                <a:cs typeface="Times New Roman" panose="02020603050405020304" pitchFamily="18" charset="0"/>
+              </a:rPr>
+              <a:t>provides better customer service and avoids Inconvenience</a:t>
+            </a:r>
+          </a:p>
+          <a:p>
             <a:endParaRPr lang="en-US" sz="2400" b="1" dirty="0">
               <a:latin typeface="Times New Roman" panose="02020603050405020304" pitchFamily="18" charset="0"/>
               <a:cs typeface="Times New Roman" panose="02020603050405020304" pitchFamily="18" charset="0"/>
@@ -4907,13 +5593,52 @@
         <p:spPr>
           <a:xfrm>
             <a:off x="210808" y="1768098"/>
-            <a:ext cx="9950103" cy="3513514"/>
+            <a:ext cx="11023249" cy="3513514"/>
           </a:xfrm>
         </p:spPr>
         <p:txBody>
           <a:bodyPr/>
           <a:lstStyle/>
           <a:p>
+            <a:r>
+              <a:rPr lang="en-US" sz="3200" b="1" dirty="0">
+                <a:latin typeface="Times New Roman" panose="02020603050405020304" pitchFamily="18" charset="0"/>
+                <a:cs typeface="Times New Roman" panose="02020603050405020304" pitchFamily="18" charset="0"/>
+              </a:rPr>
+              <a:t>Understanding the DATA and Structure of it.</a:t>
+            </a:r>
+          </a:p>
+          <a:p>
+            <a:r>
+              <a:rPr lang="en-US" sz="3200" b="1" dirty="0">
+                <a:latin typeface="Times New Roman" panose="02020603050405020304" pitchFamily="18" charset="0"/>
+                <a:cs typeface="Times New Roman" panose="02020603050405020304" pitchFamily="18" charset="0"/>
+              </a:rPr>
+              <a:t>Finding significant variables for predicting dependent.</a:t>
+            </a:r>
+          </a:p>
+          <a:p>
+            <a:r>
+              <a:rPr lang="en-US" sz="3200" b="1" dirty="0">
+                <a:latin typeface="Times New Roman" panose="02020603050405020304" pitchFamily="18" charset="0"/>
+                <a:cs typeface="Times New Roman" panose="02020603050405020304" pitchFamily="18" charset="0"/>
+              </a:rPr>
+              <a:t>Data distribution in EDA analysis.</a:t>
+            </a:r>
+          </a:p>
+          <a:p>
+            <a:r>
+              <a:rPr lang="en-US" sz="3200" b="1" dirty="0">
+                <a:latin typeface="Times New Roman" panose="02020603050405020304" pitchFamily="18" charset="0"/>
+                <a:cs typeface="Times New Roman" panose="02020603050405020304" pitchFamily="18" charset="0"/>
+              </a:rPr>
+              <a:t>Determining and Choosing regression model for prediction.</a:t>
+            </a:r>
+          </a:p>
+          <a:p>
+            <a:pPr marL="0" indent="0">
+              <a:buNone/>
+            </a:pPr>
             <a:endParaRPr lang="en-US" dirty="0"/>
           </a:p>
         </p:txBody>
@@ -5008,14 +5733,58 @@
         <p:spPr>
           <a:xfrm>
             <a:off x="492572" y="1741516"/>
-            <a:ext cx="9950103" cy="3513514"/>
+            <a:ext cx="10687057" cy="3513514"/>
           </a:xfrm>
         </p:spPr>
         <p:txBody>
-          <a:bodyPr/>
-          <a:lstStyle/>
-          <a:p>
-            <a:endParaRPr lang="en-US" dirty="0"/>
+          <a:bodyPr>
+            <a:normAutofit lnSpcReduction="10000"/>
+          </a:bodyPr>
+          <a:lstStyle/>
+          <a:p>
+            <a:r>
+              <a:rPr lang="en-US" sz="2800" b="1" dirty="0">
+                <a:latin typeface="Times New Roman" panose="02020603050405020304" pitchFamily="18" charset="0"/>
+                <a:cs typeface="Times New Roman" panose="02020603050405020304" pitchFamily="18" charset="0"/>
+              </a:rPr>
+              <a:t>Excluded almost half of the rows while Filtering.</a:t>
+            </a:r>
+          </a:p>
+          <a:p>
+            <a:r>
+              <a:rPr lang="en-US" sz="2800" b="1" dirty="0">
+                <a:latin typeface="Times New Roman" panose="02020603050405020304" pitchFamily="18" charset="0"/>
+                <a:cs typeface="Times New Roman" panose="02020603050405020304" pitchFamily="18" charset="0"/>
+              </a:rPr>
+              <a:t>Haven’t considered other aspects or delays like ground operations.</a:t>
+            </a:r>
+          </a:p>
+          <a:p>
+            <a:r>
+              <a:rPr lang="en-US" sz="2800" b="1" dirty="0">
+                <a:latin typeface="Times New Roman" panose="02020603050405020304" pitchFamily="18" charset="0"/>
+                <a:cs typeface="Times New Roman" panose="02020603050405020304" pitchFamily="18" charset="0"/>
+              </a:rPr>
+              <a:t>Minimum data.</a:t>
+            </a:r>
+          </a:p>
+          <a:p>
+            <a:r>
+              <a:rPr lang="en-US" sz="2800" b="1" dirty="0">
+                <a:latin typeface="Times New Roman" panose="02020603050405020304" pitchFamily="18" charset="0"/>
+                <a:cs typeface="Times New Roman" panose="02020603050405020304" pitchFamily="18" charset="0"/>
+              </a:rPr>
+              <a:t>Considered DATA only for one month in a year.</a:t>
+            </a:r>
+          </a:p>
+          <a:p>
+            <a:r>
+              <a:rPr lang="en-US" sz="2800" b="1" dirty="0">
+                <a:latin typeface="Times New Roman" panose="02020603050405020304" pitchFamily="18" charset="0"/>
+                <a:cs typeface="Times New Roman" panose="02020603050405020304" pitchFamily="18" charset="0"/>
+              </a:rPr>
+              <a:t>More generalized as it is collected for Different Airlines and different Airports.</a:t>
+            </a:r>
           </a:p>
         </p:txBody>
       </p:sp>
@@ -5035,6 +5804,14 @@
 <file path=ppt/slides/slide8.xml><?xml version="1.0" encoding="utf-8"?>
 <p:sld xmlns:a="http://schemas.openxmlformats.org/drawingml/2006/main" xmlns:r="http://schemas.openxmlformats.org/officeDocument/2006/relationships" xmlns:p="http://schemas.openxmlformats.org/presentationml/2006/main">
   <p:cSld>
+    <p:bg>
+      <p:bgPr>
+        <a:solidFill>
+          <a:schemeClr val="bg1"/>
+        </a:solidFill>
+        <a:effectLst/>
+      </p:bgPr>
+    </p:bg>
     <p:spTree>
       <p:nvGrpSpPr>
         <p:cNvPr id="1" name=""/>
@@ -5051,6 +5828,208 @@
       </p:grpSpPr>
       <p:sp>
         <p:nvSpPr>
+          <p:cNvPr id="19" name="Freeform: Shape 18">
+            <a:extLst>
+              <a:ext uri="{FF2B5EF4-FFF2-40B4-BE49-F238E27FC236}">
+                <a16:creationId xmlns:a16="http://schemas.microsoft.com/office/drawing/2014/main" id="{AE192E3E-68A9-4F36-936C-1C8D0B9EF132}"/>
+              </a:ext>
+              <a:ext uri="{C183D7F6-B498-43B3-948B-1728B52AA6E4}">
+                <adec:decorative xmlns:adec="http://schemas.microsoft.com/office/drawing/2017/decorative" val="1"/>
+              </a:ext>
+            </a:extLst>
+          </p:cNvPr>
+          <p:cNvSpPr>
+            <a:spLocks noGrp="1" noRot="1" noChangeAspect="1" noMove="1" noResize="1" noEditPoints="1" noAdjustHandles="1" noChangeArrowheads="1" noChangeShapeType="1" noTextEdit="1"/>
+          </p:cNvSpPr>
+          <p:nvPr>
+            <p:extLst>
+              <p:ext uri="{386F3935-93C4-4BCD-93E2-E3B085C9AB24}">
+                <p16:designElem xmlns:p16="http://schemas.microsoft.com/office/powerpoint/2015/main" val="1"/>
+              </p:ext>
+            </p:extLst>
+          </p:nvPr>
+        </p:nvSpPr>
+        <p:spPr>
+          <a:xfrm>
+            <a:off x="8803792" y="3455896"/>
+            <a:ext cx="3388208" cy="3406341"/>
+          </a:xfrm>
+          <a:custGeom>
+            <a:avLst/>
+            <a:gdLst>
+              <a:gd name="connsiteX0" fmla="*/ 3388058 w 3388208"/>
+              <a:gd name="connsiteY0" fmla="*/ 0 h 3406341"/>
+              <a:gd name="connsiteX1" fmla="*/ 3388208 w 3388208"/>
+              <a:gd name="connsiteY1" fmla="*/ 0 h 3406341"/>
+              <a:gd name="connsiteX2" fmla="*/ 3388208 w 3388208"/>
+              <a:gd name="connsiteY2" fmla="*/ 3406341 h 3406341"/>
+              <a:gd name="connsiteX3" fmla="*/ 0 w 3388208"/>
+              <a:gd name="connsiteY3" fmla="*/ 3406341 h 3406341"/>
+              <a:gd name="connsiteX4" fmla="*/ 79006 w 3388208"/>
+              <a:gd name="connsiteY4" fmla="*/ 3404386 h 3406341"/>
+              <a:gd name="connsiteX5" fmla="*/ 3383947 w 3388208"/>
+              <a:gd name="connsiteY5" fmla="*/ 164274 h 3406341"/>
+            </a:gdLst>
+            <a:ahLst/>
+            <a:cxnLst>
+              <a:cxn ang="0">
+                <a:pos x="connsiteX0" y="connsiteY0"/>
+              </a:cxn>
+              <a:cxn ang="0">
+                <a:pos x="connsiteX1" y="connsiteY1"/>
+              </a:cxn>
+              <a:cxn ang="0">
+                <a:pos x="connsiteX2" y="connsiteY2"/>
+              </a:cxn>
+              <a:cxn ang="0">
+                <a:pos x="connsiteX3" y="connsiteY3"/>
+              </a:cxn>
+              <a:cxn ang="0">
+                <a:pos x="connsiteX4" y="connsiteY4"/>
+              </a:cxn>
+              <a:cxn ang="0">
+                <a:pos x="connsiteX5" y="connsiteY5"/>
+              </a:cxn>
+            </a:cxnLst>
+            <a:rect l="l" t="t" r="r" b="b"/>
+            <a:pathLst>
+              <a:path w="3388208" h="3406341">
+                <a:moveTo>
+                  <a:pt x="3388058" y="0"/>
+                </a:moveTo>
+                <a:lnTo>
+                  <a:pt x="3388208" y="0"/>
+                </a:lnTo>
+                <a:lnTo>
+                  <a:pt x="3388208" y="3406341"/>
+                </a:lnTo>
+                <a:lnTo>
+                  <a:pt x="0" y="3406341"/>
+                </a:lnTo>
+                <a:lnTo>
+                  <a:pt x="79006" y="3404386"/>
+                </a:lnTo>
+                <a:cubicBezTo>
+                  <a:pt x="1864742" y="3315784"/>
+                  <a:pt x="3296223" y="1912901"/>
+                  <a:pt x="3383947" y="164274"/>
+                </a:cubicBezTo>
+                <a:close/>
+              </a:path>
+            </a:pathLst>
+          </a:custGeom>
+          <a:solidFill>
+            <a:schemeClr val="accent5"/>
+          </a:solidFill>
+          <a:ln>
+            <a:noFill/>
+          </a:ln>
+        </p:spPr>
+        <p:style>
+          <a:lnRef idx="2">
+            <a:schemeClr val="accent1">
+              <a:shade val="50000"/>
+            </a:schemeClr>
+          </a:lnRef>
+          <a:fillRef idx="1">
+            <a:schemeClr val="accent1"/>
+          </a:fillRef>
+          <a:effectRef idx="0">
+            <a:schemeClr val="accent1"/>
+          </a:effectRef>
+          <a:fontRef idx="minor">
+            <a:schemeClr val="lt1"/>
+          </a:fontRef>
+        </p:style>
+        <p:txBody>
+          <a:bodyPr wrap="square" rtlCol="0" anchor="ctr">
+            <a:noAutofit/>
+          </a:bodyPr>
+          <a:lstStyle/>
+          <a:p>
+            <a:pPr algn="ctr"/>
+            <a:endParaRPr lang="en-US"/>
+          </a:p>
+        </p:txBody>
+      </p:sp>
+      <p:sp useBgFill="1">
+        <p:nvSpPr>
+          <p:cNvPr id="20" name="Rectangle 19">
+            <a:extLst>
+              <a:ext uri="{FF2B5EF4-FFF2-40B4-BE49-F238E27FC236}">
+                <a16:creationId xmlns:a16="http://schemas.microsoft.com/office/drawing/2014/main" id="{998D6E90-577B-4973-B60A-2700290E68B3}"/>
+              </a:ext>
+              <a:ext uri="{C183D7F6-B498-43B3-948B-1728B52AA6E4}">
+                <adec:decorative xmlns:adec="http://schemas.microsoft.com/office/drawing/2017/decorative" val="1"/>
+              </a:ext>
+            </a:extLst>
+          </p:cNvPr>
+          <p:cNvSpPr>
+            <a:spLocks noGrp="1" noRot="1" noChangeAspect="1" noMove="1" noResize="1" noEditPoints="1" noAdjustHandles="1" noChangeArrowheads="1" noChangeShapeType="1" noTextEdit="1"/>
+          </p:cNvSpPr>
+          <p:nvPr>
+            <p:extLst>
+              <p:ext uri="{386F3935-93C4-4BCD-93E2-E3B085C9AB24}">
+                <p16:designElem xmlns:p16="http://schemas.microsoft.com/office/powerpoint/2015/main" val="1"/>
+              </p:ext>
+            </p:extLst>
+          </p:nvPr>
+        </p:nvSpPr>
+        <p:spPr>
+          <a:xfrm>
+            <a:off x="0" y="0"/>
+            <a:ext cx="12192000" cy="6858000"/>
+          </a:xfrm>
+          <a:prstGeom prst="rect">
+            <a:avLst/>
+          </a:prstGeom>
+          <a:ln w="12700" cap="flat" cmpd="sng" algn="ctr">
+            <a:noFill/>
+            <a:prstDash val="solid"/>
+            <a:miter lim="800000"/>
+          </a:ln>
+          <a:effectLst/>
+          <a:extLst>
+            <a:ext uri="{91240B29-F687-4F45-9708-019B960494DF}">
+              <a14:hiddenLine xmlns:a14="http://schemas.microsoft.com/office/drawing/2010/main" w="12700" cap="flat" cmpd="sng" algn="ctr">
+                <a:solidFill>
+                  <a:schemeClr val="accent1">
+                    <a:shade val="50000"/>
+                  </a:schemeClr>
+                </a:solidFill>
+                <a:prstDash val="solid"/>
+                <a:miter lim="800000"/>
+              </a14:hiddenLine>
+            </a:ext>
+          </a:extLst>
+        </p:spPr>
+        <p:style>
+          <a:lnRef idx="2">
+            <a:schemeClr val="accent1">
+              <a:shade val="50000"/>
+            </a:schemeClr>
+          </a:lnRef>
+          <a:fillRef idx="1">
+            <a:schemeClr val="accent1"/>
+          </a:fillRef>
+          <a:effectRef idx="0">
+            <a:schemeClr val="accent1"/>
+          </a:effectRef>
+          <a:fontRef idx="minor">
+            <a:schemeClr val="lt1"/>
+          </a:fontRef>
+        </p:style>
+        <p:txBody>
+          <a:bodyPr rtlCol="0" anchor="ctr"/>
+          <a:lstStyle/>
+          <a:p>
+            <a:pPr algn="ctr"/>
+            <a:endParaRPr lang="en-US"/>
+          </a:p>
+        </p:txBody>
+      </p:sp>
+      <p:sp>
+        <p:nvSpPr>
           <p:cNvPr id="2" name="TextBox 1">
             <a:extLst>
               <a:ext uri="{FF2B5EF4-FFF2-40B4-BE49-F238E27FC236}">
@@ -5063,8 +6042,246 @@
         </p:nvSpPr>
         <p:spPr>
           <a:xfrm>
-            <a:off x="409353" y="451884"/>
-            <a:ext cx="5523614" cy="923330"/>
+            <a:off x="152400" y="1597961"/>
+            <a:ext cx="3561297" cy="3162300"/>
+          </a:xfrm>
+          <a:prstGeom prst="rect">
+            <a:avLst/>
+          </a:prstGeom>
+        </p:spPr>
+        <p:txBody>
+          <a:bodyPr vert="horz" lIns="91440" tIns="45720" rIns="91440" bIns="45720" rtlCol="0" anchor="t">
+            <a:normAutofit/>
+          </a:bodyPr>
+          <a:lstStyle/>
+          <a:p>
+            <a:pPr>
+              <a:lnSpc>
+                <a:spcPct val="110000"/>
+              </a:lnSpc>
+              <a:spcBef>
+                <a:spcPct val="0"/>
+              </a:spcBef>
+              <a:spcAft>
+                <a:spcPts val="600"/>
+              </a:spcAft>
+            </a:pPr>
+            <a:r>
+              <a:rPr lang="en-US" sz="3600" b="1" dirty="0">
+                <a:solidFill>
+                  <a:srgbClr val="FF0000"/>
+                </a:solidFill>
+                <a:latin typeface="Times New Roman" panose="02020603050405020304" pitchFamily="18" charset="0"/>
+                <a:ea typeface="+mj-ea"/>
+                <a:cs typeface="Times New Roman" panose="02020603050405020304" pitchFamily="18" charset="0"/>
+              </a:rPr>
+              <a:t>Results:</a:t>
+            </a:r>
+          </a:p>
+          <a:p>
+            <a:pPr>
+              <a:lnSpc>
+                <a:spcPct val="110000"/>
+              </a:lnSpc>
+              <a:spcBef>
+                <a:spcPct val="0"/>
+              </a:spcBef>
+              <a:spcAft>
+                <a:spcPts val="600"/>
+              </a:spcAft>
+            </a:pPr>
+            <a:r>
+              <a:rPr lang="en-US" sz="3600" b="1" dirty="0">
+                <a:solidFill>
+                  <a:srgbClr val="FF0000"/>
+                </a:solidFill>
+                <a:latin typeface="Times New Roman" panose="02020603050405020304" pitchFamily="18" charset="0"/>
+                <a:ea typeface="+mj-ea"/>
+                <a:cs typeface="Times New Roman" panose="02020603050405020304" pitchFamily="18" charset="0"/>
+              </a:rPr>
+              <a:t>EDA Analysis:</a:t>
+            </a:r>
+          </a:p>
+        </p:txBody>
+      </p:sp>
+      <p:sp>
+        <p:nvSpPr>
+          <p:cNvPr id="21" name="Freeform: Shape 20">
+            <a:extLst>
+              <a:ext uri="{FF2B5EF4-FFF2-40B4-BE49-F238E27FC236}">
+                <a16:creationId xmlns:a16="http://schemas.microsoft.com/office/drawing/2014/main" id="{3FA95682-BEE6-4B33-BA34-7E7BE49782DA}"/>
+              </a:ext>
+              <a:ext uri="{C183D7F6-B498-43B3-948B-1728B52AA6E4}">
+                <adec:decorative xmlns:adec="http://schemas.microsoft.com/office/drawing/2017/decorative" val="1"/>
+              </a:ext>
+            </a:extLst>
+          </p:cNvPr>
+          <p:cNvSpPr>
+            <a:spLocks noGrp="1" noRot="1" noChangeAspect="1" noMove="1" noResize="1" noEditPoints="1" noAdjustHandles="1" noChangeArrowheads="1" noChangeShapeType="1" noTextEdit="1"/>
+          </p:cNvSpPr>
+          <p:nvPr>
+            <p:extLst>
+              <p:ext uri="{386F3935-93C4-4BCD-93E2-E3B085C9AB24}">
+                <p16:designElem xmlns:p16="http://schemas.microsoft.com/office/powerpoint/2015/main" val="1"/>
+              </p:ext>
+            </p:extLst>
+          </p:nvPr>
+        </p:nvSpPr>
+        <p:spPr>
+          <a:xfrm>
+            <a:off x="8803792" y="3455896"/>
+            <a:ext cx="3388208" cy="3406341"/>
+          </a:xfrm>
+          <a:custGeom>
+            <a:avLst/>
+            <a:gdLst>
+              <a:gd name="connsiteX0" fmla="*/ 3388058 w 3388208"/>
+              <a:gd name="connsiteY0" fmla="*/ 0 h 3406341"/>
+              <a:gd name="connsiteX1" fmla="*/ 3388208 w 3388208"/>
+              <a:gd name="connsiteY1" fmla="*/ 0 h 3406341"/>
+              <a:gd name="connsiteX2" fmla="*/ 3388208 w 3388208"/>
+              <a:gd name="connsiteY2" fmla="*/ 3406341 h 3406341"/>
+              <a:gd name="connsiteX3" fmla="*/ 0 w 3388208"/>
+              <a:gd name="connsiteY3" fmla="*/ 3406341 h 3406341"/>
+              <a:gd name="connsiteX4" fmla="*/ 79006 w 3388208"/>
+              <a:gd name="connsiteY4" fmla="*/ 3404386 h 3406341"/>
+              <a:gd name="connsiteX5" fmla="*/ 3383947 w 3388208"/>
+              <a:gd name="connsiteY5" fmla="*/ 164274 h 3406341"/>
+            </a:gdLst>
+            <a:ahLst/>
+            <a:cxnLst>
+              <a:cxn ang="0">
+                <a:pos x="connsiteX0" y="connsiteY0"/>
+              </a:cxn>
+              <a:cxn ang="0">
+                <a:pos x="connsiteX1" y="connsiteY1"/>
+              </a:cxn>
+              <a:cxn ang="0">
+                <a:pos x="connsiteX2" y="connsiteY2"/>
+              </a:cxn>
+              <a:cxn ang="0">
+                <a:pos x="connsiteX3" y="connsiteY3"/>
+              </a:cxn>
+              <a:cxn ang="0">
+                <a:pos x="connsiteX4" y="connsiteY4"/>
+              </a:cxn>
+              <a:cxn ang="0">
+                <a:pos x="connsiteX5" y="connsiteY5"/>
+              </a:cxn>
+            </a:cxnLst>
+            <a:rect l="l" t="t" r="r" b="b"/>
+            <a:pathLst>
+              <a:path w="3388208" h="3406341">
+                <a:moveTo>
+                  <a:pt x="3388058" y="0"/>
+                </a:moveTo>
+                <a:lnTo>
+                  <a:pt x="3388208" y="0"/>
+                </a:lnTo>
+                <a:lnTo>
+                  <a:pt x="3388208" y="3406341"/>
+                </a:lnTo>
+                <a:lnTo>
+                  <a:pt x="0" y="3406341"/>
+                </a:lnTo>
+                <a:lnTo>
+                  <a:pt x="79006" y="3404386"/>
+                </a:lnTo>
+                <a:cubicBezTo>
+                  <a:pt x="1864742" y="3315784"/>
+                  <a:pt x="3296223" y="1912901"/>
+                  <a:pt x="3383947" y="164274"/>
+                </a:cubicBezTo>
+                <a:close/>
+              </a:path>
+            </a:pathLst>
+          </a:custGeom>
+          <a:solidFill>
+            <a:schemeClr val="accent5"/>
+          </a:solidFill>
+          <a:ln>
+            <a:noFill/>
+          </a:ln>
+        </p:spPr>
+        <p:style>
+          <a:lnRef idx="2">
+            <a:schemeClr val="accent1">
+              <a:shade val="50000"/>
+            </a:schemeClr>
+          </a:lnRef>
+          <a:fillRef idx="1">
+            <a:schemeClr val="accent1"/>
+          </a:fillRef>
+          <a:effectRef idx="0">
+            <a:schemeClr val="accent1"/>
+          </a:effectRef>
+          <a:fontRef idx="minor">
+            <a:schemeClr val="lt1"/>
+          </a:fontRef>
+        </p:style>
+        <p:txBody>
+          <a:bodyPr wrap="square" rtlCol="0" anchor="ctr">
+            <a:noAutofit/>
+          </a:bodyPr>
+          <a:lstStyle/>
+          <a:p>
+            <a:pPr algn="ctr"/>
+            <a:endParaRPr lang="en-US"/>
+          </a:p>
+        </p:txBody>
+      </p:sp>
+      <p:pic>
+        <p:nvPicPr>
+          <p:cNvPr id="4" name="Picture 3" descr="A screen shot of a computer screen&#10;&#10;Description automatically generated">
+            <a:extLst>
+              <a:ext uri="{FF2B5EF4-FFF2-40B4-BE49-F238E27FC236}">
+                <a16:creationId xmlns:a16="http://schemas.microsoft.com/office/drawing/2014/main" id="{2820A1EB-A989-5BE3-09AF-83A8A690705D}"/>
+              </a:ext>
+            </a:extLst>
+          </p:cNvPr>
+          <p:cNvPicPr>
+            <a:picLocks noChangeAspect="1"/>
+          </p:cNvPicPr>
+          <p:nvPr/>
+        </p:nvPicPr>
+        <p:blipFill>
+          <a:blip r:embed="rId2">
+            <a:extLst>
+              <a:ext uri="{28A0092B-C50C-407E-A947-70E740481C1C}">
+                <a14:useLocalDpi xmlns:a14="http://schemas.microsoft.com/office/drawing/2010/main" val="0"/>
+              </a:ext>
+            </a:extLst>
+          </a:blip>
+          <a:stretch>
+            <a:fillRect/>
+          </a:stretch>
+        </p:blipFill>
+        <p:spPr>
+          <a:xfrm>
+            <a:off x="3388209" y="522514"/>
+            <a:ext cx="7747750" cy="5965372"/>
+          </a:xfrm>
+          <a:prstGeom prst="rect">
+            <a:avLst/>
+          </a:prstGeom>
+        </p:spPr>
+      </p:pic>
+      <p:sp>
+        <p:nvSpPr>
+          <p:cNvPr id="5" name="TextBox 4">
+            <a:extLst>
+              <a:ext uri="{FF2B5EF4-FFF2-40B4-BE49-F238E27FC236}">
+                <a16:creationId xmlns:a16="http://schemas.microsoft.com/office/drawing/2014/main" id="{0C6CF21D-B5A9-C461-1FD3-6EC265C5313C}"/>
+              </a:ext>
+            </a:extLst>
+          </p:cNvPr>
+          <p:cNvSpPr txBox="1"/>
+          <p:nvPr/>
+        </p:nvSpPr>
+        <p:spPr>
+          <a:xfrm>
+            <a:off x="478971" y="3701143"/>
+            <a:ext cx="2710543" cy="2862322"/>
           </a:xfrm>
           <a:prstGeom prst="rect">
             <a:avLst/>
@@ -5078,14 +6295,30 @@
           <a:lstStyle/>
           <a:p>
             <a:r>
-              <a:rPr lang="en-US" sz="5400" b="1" dirty="0">
-                <a:solidFill>
-                  <a:srgbClr val="FF0000"/>
-                </a:solidFill>
+              <a:rPr lang="en-US" sz="2000" b="1" dirty="0">
                 <a:latin typeface="Times New Roman" panose="02020603050405020304" pitchFamily="18" charset="0"/>
                 <a:cs typeface="Times New Roman" panose="02020603050405020304" pitchFamily="18" charset="0"/>
               </a:rPr>
-              <a:t>Results:</a:t>
+              <a:t>Security Delay  is Mostly Distributed close to zero.</a:t>
+            </a:r>
+          </a:p>
+          <a:p>
+            <a:endParaRPr lang="en-US" sz="2000" b="1" dirty="0">
+              <a:latin typeface="Times New Roman" panose="02020603050405020304" pitchFamily="18" charset="0"/>
+              <a:cs typeface="Times New Roman" panose="02020603050405020304" pitchFamily="18" charset="0"/>
+            </a:endParaRPr>
+          </a:p>
+          <a:p>
+            <a:r>
+              <a:rPr lang="en-US" sz="2000" b="1" dirty="0">
+                <a:latin typeface="Times New Roman" panose="02020603050405020304" pitchFamily="18" charset="0"/>
+                <a:cs typeface="Times New Roman" panose="02020603050405020304" pitchFamily="18" charset="0"/>
+              </a:rPr>
+              <a:t>Whereas other delays are distributed near zero with significant observations  away from zero.</a:t>
+            </a:r>
+            <a:r>
+              <a:rPr lang="en-US" dirty="0"/>
+              <a:t>  </a:t>
             </a:r>
           </a:p>
         </p:txBody>
@@ -5106,6 +6339,14 @@
 <file path=ppt/slides/slide9.xml><?xml version="1.0" encoding="utf-8"?>
 <p:sld xmlns:a="http://schemas.openxmlformats.org/drawingml/2006/main" xmlns:r="http://schemas.openxmlformats.org/officeDocument/2006/relationships" xmlns:p="http://schemas.openxmlformats.org/presentationml/2006/main">
   <p:cSld>
+    <p:bg>
+      <p:bgPr>
+        <a:solidFill>
+          <a:schemeClr val="bg1"/>
+        </a:solidFill>
+        <a:effectLst/>
+      </p:bgPr>
+    </p:bg>
     <p:spTree>
       <p:nvGrpSpPr>
         <p:cNvPr id="1" name=""/>
@@ -5122,136 +6363,521 @@
       </p:grpSpPr>
       <p:sp>
         <p:nvSpPr>
-          <p:cNvPr id="2" name="TextBox 1">
-            <a:extLst>
-              <a:ext uri="{FF2B5EF4-FFF2-40B4-BE49-F238E27FC236}">
-                <a16:creationId xmlns:a16="http://schemas.microsoft.com/office/drawing/2014/main" id="{3719526A-D573-63FE-A05E-FD4E24B12CDC}"/>
-              </a:ext>
-            </a:extLst>
-          </p:cNvPr>
-          <p:cNvSpPr txBox="1"/>
-          <p:nvPr/>
+          <p:cNvPr id="9" name="Freeform: Shape 8">
+            <a:extLst>
+              <a:ext uri="{FF2B5EF4-FFF2-40B4-BE49-F238E27FC236}">
+                <a16:creationId xmlns:a16="http://schemas.microsoft.com/office/drawing/2014/main" id="{AE192E3E-68A9-4F36-936C-1C8D0B9EF132}"/>
+              </a:ext>
+              <a:ext uri="{C183D7F6-B498-43B3-948B-1728B52AA6E4}">
+                <adec:decorative xmlns:adec="http://schemas.microsoft.com/office/drawing/2017/decorative" val="1"/>
+              </a:ext>
+            </a:extLst>
+          </p:cNvPr>
+          <p:cNvSpPr>
+            <a:spLocks noGrp="1" noRot="1" noChangeAspect="1" noMove="1" noResize="1" noEditPoints="1" noAdjustHandles="1" noChangeArrowheads="1" noChangeShapeType="1" noTextEdit="1"/>
+          </p:cNvSpPr>
+          <p:nvPr>
+            <p:extLst>
+              <p:ext uri="{386F3935-93C4-4BCD-93E2-E3B085C9AB24}">
+                <p16:designElem xmlns:p16="http://schemas.microsoft.com/office/powerpoint/2015/main" val="1"/>
+              </p:ext>
+            </p:extLst>
+          </p:nvPr>
         </p:nvSpPr>
         <p:spPr>
           <a:xfrm>
-            <a:off x="409353" y="451884"/>
-            <a:ext cx="5523614" cy="923330"/>
+            <a:off x="8803792" y="3455896"/>
+            <a:ext cx="3388208" cy="3406341"/>
+          </a:xfrm>
+          <a:custGeom>
+            <a:avLst/>
+            <a:gdLst>
+              <a:gd name="connsiteX0" fmla="*/ 3388058 w 3388208"/>
+              <a:gd name="connsiteY0" fmla="*/ 0 h 3406341"/>
+              <a:gd name="connsiteX1" fmla="*/ 3388208 w 3388208"/>
+              <a:gd name="connsiteY1" fmla="*/ 0 h 3406341"/>
+              <a:gd name="connsiteX2" fmla="*/ 3388208 w 3388208"/>
+              <a:gd name="connsiteY2" fmla="*/ 3406341 h 3406341"/>
+              <a:gd name="connsiteX3" fmla="*/ 0 w 3388208"/>
+              <a:gd name="connsiteY3" fmla="*/ 3406341 h 3406341"/>
+              <a:gd name="connsiteX4" fmla="*/ 79006 w 3388208"/>
+              <a:gd name="connsiteY4" fmla="*/ 3404386 h 3406341"/>
+              <a:gd name="connsiteX5" fmla="*/ 3383947 w 3388208"/>
+              <a:gd name="connsiteY5" fmla="*/ 164274 h 3406341"/>
+            </a:gdLst>
+            <a:ahLst/>
+            <a:cxnLst>
+              <a:cxn ang="0">
+                <a:pos x="connsiteX0" y="connsiteY0"/>
+              </a:cxn>
+              <a:cxn ang="0">
+                <a:pos x="connsiteX1" y="connsiteY1"/>
+              </a:cxn>
+              <a:cxn ang="0">
+                <a:pos x="connsiteX2" y="connsiteY2"/>
+              </a:cxn>
+              <a:cxn ang="0">
+                <a:pos x="connsiteX3" y="connsiteY3"/>
+              </a:cxn>
+              <a:cxn ang="0">
+                <a:pos x="connsiteX4" y="connsiteY4"/>
+              </a:cxn>
+              <a:cxn ang="0">
+                <a:pos x="connsiteX5" y="connsiteY5"/>
+              </a:cxn>
+            </a:cxnLst>
+            <a:rect l="l" t="t" r="r" b="b"/>
+            <a:pathLst>
+              <a:path w="3388208" h="3406341">
+                <a:moveTo>
+                  <a:pt x="3388058" y="0"/>
+                </a:moveTo>
+                <a:lnTo>
+                  <a:pt x="3388208" y="0"/>
+                </a:lnTo>
+                <a:lnTo>
+                  <a:pt x="3388208" y="3406341"/>
+                </a:lnTo>
+                <a:lnTo>
+                  <a:pt x="0" y="3406341"/>
+                </a:lnTo>
+                <a:lnTo>
+                  <a:pt x="79006" y="3404386"/>
+                </a:lnTo>
+                <a:cubicBezTo>
+                  <a:pt x="1864742" y="3315784"/>
+                  <a:pt x="3296223" y="1912901"/>
+                  <a:pt x="3383947" y="164274"/>
+                </a:cubicBezTo>
+                <a:close/>
+              </a:path>
+            </a:pathLst>
+          </a:custGeom>
+          <a:solidFill>
+            <a:schemeClr val="accent5"/>
+          </a:solidFill>
+          <a:ln>
+            <a:noFill/>
+          </a:ln>
+        </p:spPr>
+        <p:style>
+          <a:lnRef idx="2">
+            <a:schemeClr val="accent1">
+              <a:shade val="50000"/>
+            </a:schemeClr>
+          </a:lnRef>
+          <a:fillRef idx="1">
+            <a:schemeClr val="accent1"/>
+          </a:fillRef>
+          <a:effectRef idx="0">
+            <a:schemeClr val="accent1"/>
+          </a:effectRef>
+          <a:fontRef idx="minor">
+            <a:schemeClr val="lt1"/>
+          </a:fontRef>
+        </p:style>
+        <p:txBody>
+          <a:bodyPr wrap="square" rtlCol="0" anchor="ctr">
+            <a:noAutofit/>
+          </a:bodyPr>
+          <a:lstStyle/>
+          <a:p>
+            <a:pPr algn="ctr"/>
+            <a:endParaRPr lang="en-US"/>
+          </a:p>
+        </p:txBody>
+      </p:sp>
+      <p:sp useBgFill="1">
+        <p:nvSpPr>
+          <p:cNvPr id="11" name="Rectangle 10">
+            <a:extLst>
+              <a:ext uri="{FF2B5EF4-FFF2-40B4-BE49-F238E27FC236}">
+                <a16:creationId xmlns:a16="http://schemas.microsoft.com/office/drawing/2014/main" id="{2EC24213-FC04-4A18-A697-955F20C8965B}"/>
+              </a:ext>
+              <a:ext uri="{C183D7F6-B498-43B3-948B-1728B52AA6E4}">
+                <adec:decorative xmlns:adec="http://schemas.microsoft.com/office/drawing/2017/decorative" val="1"/>
+              </a:ext>
+            </a:extLst>
+          </p:cNvPr>
+          <p:cNvSpPr>
+            <a:spLocks noGrp="1" noRot="1" noChangeAspect="1" noMove="1" noResize="1" noEditPoints="1" noAdjustHandles="1" noChangeArrowheads="1" noChangeShapeType="1" noTextEdit="1"/>
+          </p:cNvSpPr>
+          <p:nvPr>
+            <p:extLst>
+              <p:ext uri="{386F3935-93C4-4BCD-93E2-E3B085C9AB24}">
+                <p16:designElem xmlns:p16="http://schemas.microsoft.com/office/powerpoint/2015/main" val="1"/>
+              </p:ext>
+            </p:extLst>
+          </p:nvPr>
+        </p:nvSpPr>
+        <p:spPr>
+          <a:xfrm>
+            <a:off x="0" y="0"/>
+            <a:ext cx="12192000" cy="6858000"/>
           </a:xfrm>
           <a:prstGeom prst="rect">
             <a:avLst/>
           </a:prstGeom>
-          <a:noFill/>
+          <a:ln w="12700" cap="flat" cmpd="sng" algn="ctr">
+            <a:noFill/>
+            <a:prstDash val="solid"/>
+            <a:miter lim="800000"/>
+          </a:ln>
+          <a:effectLst/>
+          <a:extLst>
+            <a:ext uri="{91240B29-F687-4F45-9708-019B960494DF}">
+              <a14:hiddenLine xmlns:a14="http://schemas.microsoft.com/office/drawing/2010/main" w="12700" cap="flat" cmpd="sng" algn="ctr">
+                <a:solidFill>
+                  <a:schemeClr val="accent1">
+                    <a:shade val="50000"/>
+                  </a:schemeClr>
+                </a:solidFill>
+                <a:prstDash val="solid"/>
+                <a:miter lim="800000"/>
+              </a14:hiddenLine>
+            </a:ext>
+          </a:extLst>
         </p:spPr>
-        <p:txBody>
-          <a:bodyPr wrap="square" rtlCol="0">
-            <a:spAutoFit/>
-          </a:bodyPr>
-          <a:lstStyle/>
-          <a:p>
-            <a:r>
-              <a:rPr lang="en-US" sz="5400" b="1" dirty="0" err="1">
-                <a:solidFill>
-                  <a:srgbClr val="FF0000"/>
-                </a:solidFill>
-                <a:latin typeface="Times New Roman" panose="02020603050405020304" pitchFamily="18" charset="0"/>
-                <a:cs typeface="Times New Roman" panose="02020603050405020304" pitchFamily="18" charset="0"/>
-              </a:rPr>
-              <a:t>Future_Work</a:t>
-            </a:r>
-            <a:r>
-              <a:rPr lang="en-US" sz="5400" b="1" dirty="0">
-                <a:solidFill>
-                  <a:srgbClr val="FF0000"/>
-                </a:solidFill>
-                <a:latin typeface="Times New Roman" panose="02020603050405020304" pitchFamily="18" charset="0"/>
-                <a:cs typeface="Times New Roman" panose="02020603050405020304" pitchFamily="18" charset="0"/>
-              </a:rPr>
-              <a:t>:</a:t>
-            </a:r>
-          </a:p>
-        </p:txBody>
-      </p:sp>
-      <p:sp>
-        <p:nvSpPr>
-          <p:cNvPr id="3" name="TextBox 2">
-            <a:extLst>
-              <a:ext uri="{FF2B5EF4-FFF2-40B4-BE49-F238E27FC236}">
-                <a16:creationId xmlns:a16="http://schemas.microsoft.com/office/drawing/2014/main" id="{92EA5F8C-021D-8807-5F71-4E71A914240C}"/>
-              </a:ext>
-            </a:extLst>
-          </p:cNvPr>
-          <p:cNvSpPr txBox="1"/>
+        <p:style>
+          <a:lnRef idx="2">
+            <a:schemeClr val="accent1">
+              <a:shade val="50000"/>
+            </a:schemeClr>
+          </a:lnRef>
+          <a:fillRef idx="1">
+            <a:schemeClr val="accent1"/>
+          </a:fillRef>
+          <a:effectRef idx="0">
+            <a:schemeClr val="accent1"/>
+          </a:effectRef>
+          <a:fontRef idx="minor">
+            <a:schemeClr val="lt1"/>
+          </a:fontRef>
+        </p:style>
+        <p:txBody>
+          <a:bodyPr rtlCol="0" anchor="ctr"/>
+          <a:lstStyle/>
+          <a:p>
+            <a:pPr algn="ctr"/>
+            <a:endParaRPr lang="en-US"/>
+          </a:p>
+        </p:txBody>
+      </p:sp>
+      <p:pic>
+        <p:nvPicPr>
+          <p:cNvPr id="4" name="Picture 3" descr="A screen shot of a graph&#10;&#10;Description automatically generated">
+            <a:extLst>
+              <a:ext uri="{FF2B5EF4-FFF2-40B4-BE49-F238E27FC236}">
+                <a16:creationId xmlns:a16="http://schemas.microsoft.com/office/drawing/2014/main" id="{64DCDA7C-7B3C-F8FE-89BF-B79D0EF929FD}"/>
+              </a:ext>
+            </a:extLst>
+          </p:cNvPr>
+          <p:cNvPicPr>
+            <a:picLocks noChangeAspect="1"/>
+          </p:cNvPicPr>
           <p:nvPr/>
-        </p:nvSpPr>
+        </p:nvPicPr>
+        <p:blipFill rotWithShape="1">
+          <a:blip r:embed="rId2">
+            <a:extLst>
+              <a:ext uri="{28A0092B-C50C-407E-A947-70E740481C1C}">
+                <a14:useLocalDpi xmlns:a14="http://schemas.microsoft.com/office/drawing/2010/main" val="0"/>
+              </a:ext>
+            </a:extLst>
+          </a:blip>
+          <a:srcRect t="2918" b="4869"/>
+          <a:stretch/>
+        </p:blipFill>
         <p:spPr>
           <a:xfrm>
-            <a:off x="595424" y="1254642"/>
-            <a:ext cx="10138144" cy="5011949"/>
+            <a:off x="1" y="10"/>
+            <a:ext cx="12192000" cy="6857990"/>
           </a:xfrm>
           <a:prstGeom prst="rect">
             <a:avLst/>
           </a:prstGeom>
-          <a:noFill/>
         </p:spPr>
-        <p:txBody>
-          <a:bodyPr wrap="square" rtlCol="0">
-            <a:spAutoFit/>
+      </p:pic>
+      <p:sp>
+        <p:nvSpPr>
+          <p:cNvPr id="13" name="Rectangle 12">
+            <a:extLst>
+              <a:ext uri="{FF2B5EF4-FFF2-40B4-BE49-F238E27FC236}">
+                <a16:creationId xmlns:a16="http://schemas.microsoft.com/office/drawing/2014/main" id="{C7846A0D-19A4-4F64-B17F-AB38D3F47143}"/>
+              </a:ext>
+              <a:ext uri="{C183D7F6-B498-43B3-948B-1728B52AA6E4}">
+                <adec:decorative xmlns:adec="http://schemas.microsoft.com/office/drawing/2017/decorative" val="1"/>
+              </a:ext>
+            </a:extLst>
+          </p:cNvPr>
+          <p:cNvSpPr>
+            <a:spLocks noGrp="1" noRot="1" noChangeAspect="1" noMove="1" noResize="1" noEditPoints="1" noAdjustHandles="1" noChangeArrowheads="1" noChangeShapeType="1" noTextEdit="1"/>
+          </p:cNvSpPr>
+          <p:nvPr>
+            <p:extLst>
+              <p:ext uri="{386F3935-93C4-4BCD-93E2-E3B085C9AB24}">
+                <p16:designElem xmlns:p16="http://schemas.microsoft.com/office/powerpoint/2015/main" val="1"/>
+              </p:ext>
+            </p:extLst>
+          </p:nvPr>
+        </p:nvSpPr>
+        <p:spPr>
+          <a:xfrm rot="16200000" flipH="1">
+            <a:off x="818322" y="-818321"/>
+            <a:ext cx="6857999" cy="8494643"/>
+          </a:xfrm>
+          <a:prstGeom prst="rect">
+            <a:avLst/>
+          </a:prstGeom>
+          <a:gradFill flip="none" rotWithShape="1">
+            <a:gsLst>
+              <a:gs pos="0">
+                <a:srgbClr val="000000">
+                  <a:alpha val="34902"/>
+                </a:srgbClr>
+              </a:gs>
+              <a:gs pos="100000">
+                <a:srgbClr val="000000">
+                  <a:alpha val="0"/>
+                </a:srgbClr>
+              </a:gs>
+              <a:gs pos="60000">
+                <a:srgbClr val="000000">
+                  <a:alpha val="20000"/>
+                </a:srgbClr>
+              </a:gs>
+            </a:gsLst>
+            <a:lin ang="5400000" scaled="0"/>
+            <a:tileRect/>
+          </a:gradFill>
+          <a:ln>
+            <a:noFill/>
+          </a:ln>
+        </p:spPr>
+        <p:style>
+          <a:lnRef idx="2">
+            <a:schemeClr val="accent1">
+              <a:shade val="50000"/>
+            </a:schemeClr>
+          </a:lnRef>
+          <a:fillRef idx="1">
+            <a:schemeClr val="accent1"/>
+          </a:fillRef>
+          <a:effectRef idx="0">
+            <a:schemeClr val="accent1"/>
+          </a:effectRef>
+          <a:fontRef idx="minor">
+            <a:schemeClr val="lt1"/>
+          </a:fontRef>
+        </p:style>
+        <p:txBody>
+          <a:bodyPr rtlCol="0" anchor="ctr"/>
+          <a:lstStyle/>
+          <a:p>
+            <a:pPr algn="ctr"/>
+            <a:endParaRPr lang="en-US">
+              <a:solidFill>
+                <a:srgbClr val="FFFFFF"/>
+              </a:solidFill>
+            </a:endParaRPr>
+          </a:p>
+        </p:txBody>
+      </p:sp>
+      <p:sp>
+        <p:nvSpPr>
+          <p:cNvPr id="2" name="TextBox 1">
+            <a:extLst>
+              <a:ext uri="{FF2B5EF4-FFF2-40B4-BE49-F238E27FC236}">
+                <a16:creationId xmlns:a16="http://schemas.microsoft.com/office/drawing/2014/main" id="{3719526A-D573-63FE-A05E-FD4E24B12CDC}"/>
+              </a:ext>
+            </a:extLst>
+          </p:cNvPr>
+          <p:cNvSpPr txBox="1"/>
+          <p:nvPr/>
+        </p:nvSpPr>
+        <p:spPr>
+          <a:xfrm>
+            <a:off x="9424866" y="-451599"/>
+            <a:ext cx="4367239" cy="2179552"/>
+          </a:xfrm>
+          <a:prstGeom prst="rect">
+            <a:avLst/>
+          </a:prstGeom>
+        </p:spPr>
+        <p:txBody>
+          <a:bodyPr vert="horz" lIns="91440" tIns="45720" rIns="91440" bIns="45720" rtlCol="0" anchor="b">
+            <a:normAutofit/>
           </a:bodyPr>
           <a:lstStyle/>
           <a:p>
-            <a:pPr marL="285750" indent="-285750">
+            <a:pPr>
               <a:lnSpc>
-                <a:spcPct val="150000"/>
+                <a:spcPct val="110000"/>
               </a:lnSpc>
-              <a:buFont typeface="Arial" panose="020B0604020202020204" pitchFamily="34" charset="0"/>
-              <a:buChar char="•"/>
+              <a:spcBef>
+                <a:spcPct val="0"/>
+              </a:spcBef>
+              <a:spcAft>
+                <a:spcPts val="600"/>
+              </a:spcAft>
             </a:pPr>
             <a:r>
-              <a:rPr lang="en-US" sz="2400" b="1" dirty="0">
+              <a:rPr lang="en-US" sz="5400" b="1" kern="1200" dirty="0">
+                <a:solidFill>
+                  <a:srgbClr val="FF0000"/>
+                </a:solidFill>
+                <a:effectLst/>
                 <a:latin typeface="Times New Roman" panose="02020603050405020304" pitchFamily="18" charset="0"/>
+                <a:ea typeface="+mj-ea"/>
                 <a:cs typeface="Times New Roman" panose="02020603050405020304" pitchFamily="18" charset="0"/>
               </a:rPr>
-              <a:t>I would like to work further on this project by collecting the Data for the single airport with different carriers and considering other delays such as operational delays which include Ground operations delay, carrier check in delays. </a:t>
-            </a:r>
-          </a:p>
-          <a:p>
-            <a:pPr marL="285750" indent="-285750">
-              <a:lnSpc>
-                <a:spcPct val="150000"/>
-              </a:lnSpc>
-              <a:buFont typeface="Arial" panose="020B0604020202020204" pitchFamily="34" charset="0"/>
-              <a:buChar char="•"/>
-            </a:pPr>
-            <a:r>
-              <a:rPr lang="en-US" sz="2400" b="1" dirty="0">
-                <a:latin typeface="Times New Roman" panose="02020603050405020304" pitchFamily="18" charset="0"/>
-                <a:cs typeface="Times New Roman" panose="02020603050405020304" pitchFamily="18" charset="0"/>
+              <a:t>Results</a:t>
+            </a:r>
+            <a:r>
+              <a:rPr lang="en-US" sz="3200" b="1" kern="1200" dirty="0">
+                <a:solidFill>
+                  <a:srgbClr val="FFFFFF"/>
+                </a:solidFill>
+                <a:effectLst/>
+                <a:latin typeface="+mj-lt"/>
+                <a:ea typeface="+mj-ea"/>
+                <a:cs typeface="+mj-cs"/>
               </a:rPr>
-              <a:t>Working on the single Airport rather than collecting a wide will allow an Airport Management to Organize and work on their operations will improve the Operational Performance of that Airport.</a:t>
-            </a:r>
-          </a:p>
-          <a:p>
-            <a:pPr marL="285750" indent="-285750">
-              <a:lnSpc>
-                <a:spcPct val="150000"/>
-              </a:lnSpc>
-              <a:buFont typeface="Arial" panose="020B0604020202020204" pitchFamily="34" charset="0"/>
-              <a:buChar char="•"/>
-            </a:pPr>
-            <a:r>
-              <a:rPr lang="en-US" sz="2400" b="1" dirty="0">
-                <a:latin typeface="Times New Roman" panose="02020603050405020304" pitchFamily="18" charset="0"/>
-                <a:cs typeface="Times New Roman" panose="02020603050405020304" pitchFamily="18" charset="0"/>
-              </a:rPr>
-              <a:t>Same can be performed for each Carrier considering the limitations of the Airport and Federal and International Aviation Regulations.</a:t>
-            </a:r>
+              <a:t>:</a:t>
+            </a:r>
+          </a:p>
+        </p:txBody>
+      </p:sp>
+      <p:sp>
+        <p:nvSpPr>
+          <p:cNvPr id="15" name="Freeform: Shape 14">
+            <a:extLst>
+              <a:ext uri="{FF2B5EF4-FFF2-40B4-BE49-F238E27FC236}">
+                <a16:creationId xmlns:a16="http://schemas.microsoft.com/office/drawing/2014/main" id="{935F47D6-FD2F-4F0A-929E-3C0EEEF7DE30}"/>
+              </a:ext>
+              <a:ext uri="{C183D7F6-B498-43B3-948B-1728B52AA6E4}">
+                <adec:decorative xmlns:adec="http://schemas.microsoft.com/office/drawing/2017/decorative" val="1"/>
+              </a:ext>
+            </a:extLst>
+          </p:cNvPr>
+          <p:cNvSpPr>
+            <a:spLocks noGrp="1" noRot="1" noChangeAspect="1" noMove="1" noResize="1" noEditPoints="1" noAdjustHandles="1" noChangeArrowheads="1" noChangeShapeType="1" noTextEdit="1"/>
+          </p:cNvSpPr>
+          <p:nvPr>
+            <p:extLst>
+              <p:ext uri="{386F3935-93C4-4BCD-93E2-E3B085C9AB24}">
+                <p16:designElem xmlns:p16="http://schemas.microsoft.com/office/powerpoint/2015/main" val="1"/>
+              </p:ext>
+            </p:extLst>
+          </p:nvPr>
+        </p:nvSpPr>
+        <p:spPr>
+          <a:xfrm>
+            <a:off x="8803792" y="3455896"/>
+            <a:ext cx="3388208" cy="3406341"/>
+          </a:xfrm>
+          <a:custGeom>
+            <a:avLst/>
+            <a:gdLst>
+              <a:gd name="connsiteX0" fmla="*/ 3388058 w 3388208"/>
+              <a:gd name="connsiteY0" fmla="*/ 0 h 3406341"/>
+              <a:gd name="connsiteX1" fmla="*/ 3388208 w 3388208"/>
+              <a:gd name="connsiteY1" fmla="*/ 0 h 3406341"/>
+              <a:gd name="connsiteX2" fmla="*/ 3388208 w 3388208"/>
+              <a:gd name="connsiteY2" fmla="*/ 3406341 h 3406341"/>
+              <a:gd name="connsiteX3" fmla="*/ 0 w 3388208"/>
+              <a:gd name="connsiteY3" fmla="*/ 3406341 h 3406341"/>
+              <a:gd name="connsiteX4" fmla="*/ 79006 w 3388208"/>
+              <a:gd name="connsiteY4" fmla="*/ 3404386 h 3406341"/>
+              <a:gd name="connsiteX5" fmla="*/ 3383947 w 3388208"/>
+              <a:gd name="connsiteY5" fmla="*/ 164274 h 3406341"/>
+            </a:gdLst>
+            <a:ahLst/>
+            <a:cxnLst>
+              <a:cxn ang="0">
+                <a:pos x="connsiteX0" y="connsiteY0"/>
+              </a:cxn>
+              <a:cxn ang="0">
+                <a:pos x="connsiteX1" y="connsiteY1"/>
+              </a:cxn>
+              <a:cxn ang="0">
+                <a:pos x="connsiteX2" y="connsiteY2"/>
+              </a:cxn>
+              <a:cxn ang="0">
+                <a:pos x="connsiteX3" y="connsiteY3"/>
+              </a:cxn>
+              <a:cxn ang="0">
+                <a:pos x="connsiteX4" y="connsiteY4"/>
+              </a:cxn>
+              <a:cxn ang="0">
+                <a:pos x="connsiteX5" y="connsiteY5"/>
+              </a:cxn>
+            </a:cxnLst>
+            <a:rect l="l" t="t" r="r" b="b"/>
+            <a:pathLst>
+              <a:path w="3388208" h="3406341">
+                <a:moveTo>
+                  <a:pt x="3388058" y="0"/>
+                </a:moveTo>
+                <a:lnTo>
+                  <a:pt x="3388208" y="0"/>
+                </a:lnTo>
+                <a:lnTo>
+                  <a:pt x="3388208" y="3406341"/>
+                </a:lnTo>
+                <a:lnTo>
+                  <a:pt x="0" y="3406341"/>
+                </a:lnTo>
+                <a:lnTo>
+                  <a:pt x="79006" y="3404386"/>
+                </a:lnTo>
+                <a:cubicBezTo>
+                  <a:pt x="1864742" y="3315784"/>
+                  <a:pt x="3296223" y="1912901"/>
+                  <a:pt x="3383947" y="164274"/>
+                </a:cubicBezTo>
+                <a:close/>
+              </a:path>
+            </a:pathLst>
+          </a:custGeom>
+          <a:solidFill>
+            <a:schemeClr val="tx2"/>
+          </a:solidFill>
+          <a:ln>
+            <a:noFill/>
+          </a:ln>
+        </p:spPr>
+        <p:style>
+          <a:lnRef idx="2">
+            <a:schemeClr val="accent1">
+              <a:shade val="50000"/>
+            </a:schemeClr>
+          </a:lnRef>
+          <a:fillRef idx="1">
+            <a:schemeClr val="accent1"/>
+          </a:fillRef>
+          <a:effectRef idx="0">
+            <a:schemeClr val="accent1"/>
+          </a:effectRef>
+          <a:fontRef idx="minor">
+            <a:schemeClr val="lt1"/>
+          </a:fontRef>
+        </p:style>
+        <p:txBody>
+          <a:bodyPr wrap="square" rtlCol="0" anchor="ctr">
+            <a:noAutofit/>
+          </a:bodyPr>
+          <a:lstStyle/>
+          <a:p>
+            <a:pPr algn="ctr"/>
+            <a:endParaRPr lang="en-US"/>
           </a:p>
         </p:txBody>
       </p:sp>
     </p:spTree>
     <p:extLst>
       <p:ext uri="{BB962C8B-B14F-4D97-AF65-F5344CB8AC3E}">
-        <p14:creationId xmlns:p14="http://schemas.microsoft.com/office/powerpoint/2010/main" val="1806626677"/>
+        <p14:creationId xmlns:p14="http://schemas.microsoft.com/office/powerpoint/2010/main" val="1278071678"/>
       </p:ext>
     </p:extLst>
   </p:cSld>

--- a/Atc & Visualisation.pptx
+++ b/Atc & Visualisation.pptx
@@ -12,11 +12,13 @@
     <p:sldId id="262" r:id="rId6"/>
     <p:sldId id="266" r:id="rId7"/>
     <p:sldId id="267" r:id="rId8"/>
-    <p:sldId id="263" r:id="rId9"/>
-    <p:sldId id="268" r:id="rId10"/>
-    <p:sldId id="269" r:id="rId11"/>
-    <p:sldId id="265" r:id="rId12"/>
-    <p:sldId id="256" r:id="rId13"/>
+    <p:sldId id="270" r:id="rId9"/>
+    <p:sldId id="263" r:id="rId10"/>
+    <p:sldId id="268" r:id="rId11"/>
+    <p:sldId id="269" r:id="rId12"/>
+    <p:sldId id="271" r:id="rId13"/>
+    <p:sldId id="265" r:id="rId14"/>
+    <p:sldId id="256" r:id="rId15"/>
   </p:sldIdLst>
   <p:sldSz cx="12192000" cy="6858000"/>
   <p:notesSz cx="6858000" cy="9144000"/>
@@ -127,9 +129,11 @@
             <p14:sldId id="262"/>
             <p14:sldId id="266"/>
             <p14:sldId id="267"/>
+            <p14:sldId id="270"/>
             <p14:sldId id="263"/>
             <p14:sldId id="268"/>
             <p14:sldId id="269"/>
+            <p14:sldId id="271"/>
             <p14:sldId id="265"/>
             <p14:sldId id="256"/>
           </p14:sldIdLst>
@@ -294,7 +298,7 @@
           <a:p>
             <a:fld id="{8C28A28C-4C6A-46EA-90C0-4EE0B89CC5C7}" type="datetimeFigureOut">
               <a:rPr lang="en-US" smtClean="0"/>
-              <a:t>5/4/2024</a:t>
+              <a:t>5/11/2024</a:t>
             </a:fld>
             <a:endParaRPr lang="en-US" dirty="0"/>
           </a:p>
@@ -492,7 +496,7 @@
           <a:p>
             <a:fld id="{8C28A28C-4C6A-46EA-90C0-4EE0B89CC5C7}" type="datetimeFigureOut">
               <a:rPr lang="en-US" smtClean="0"/>
-              <a:t>5/4/2024</a:t>
+              <a:t>5/11/2024</a:t>
             </a:fld>
             <a:endParaRPr lang="en-US"/>
           </a:p>
@@ -700,7 +704,7 @@
           <a:p>
             <a:fld id="{8C28A28C-4C6A-46EA-90C0-4EE0B89CC5C7}" type="datetimeFigureOut">
               <a:rPr lang="en-US" smtClean="0"/>
-              <a:t>5/4/2024</a:t>
+              <a:t>5/11/2024</a:t>
             </a:fld>
             <a:endParaRPr lang="en-US"/>
           </a:p>
@@ -898,7 +902,7 @@
           <a:p>
             <a:fld id="{8C28A28C-4C6A-46EA-90C0-4EE0B89CC5C7}" type="datetimeFigureOut">
               <a:rPr lang="en-US" smtClean="0"/>
-              <a:t>5/4/2024</a:t>
+              <a:t>5/11/2024</a:t>
             </a:fld>
             <a:endParaRPr lang="en-US"/>
           </a:p>
@@ -1175,7 +1179,7 @@
           <a:p>
             <a:fld id="{8C28A28C-4C6A-46EA-90C0-4EE0B89CC5C7}" type="datetimeFigureOut">
               <a:rPr lang="en-US" smtClean="0"/>
-              <a:t>5/4/2024</a:t>
+              <a:t>5/11/2024</a:t>
             </a:fld>
             <a:endParaRPr lang="en-US"/>
           </a:p>
@@ -1440,7 +1444,7 @@
           <a:p>
             <a:fld id="{8C28A28C-4C6A-46EA-90C0-4EE0B89CC5C7}" type="datetimeFigureOut">
               <a:rPr lang="en-US" smtClean="0"/>
-              <a:t>5/4/2024</a:t>
+              <a:t>5/11/2024</a:t>
             </a:fld>
             <a:endParaRPr lang="en-US"/>
           </a:p>
@@ -1852,7 +1856,7 @@
           <a:p>
             <a:fld id="{8C28A28C-4C6A-46EA-90C0-4EE0B89CC5C7}" type="datetimeFigureOut">
               <a:rPr lang="en-US" smtClean="0"/>
-              <a:t>5/4/2024</a:t>
+              <a:t>5/11/2024</a:t>
             </a:fld>
             <a:endParaRPr lang="en-US"/>
           </a:p>
@@ -1993,7 +1997,7 @@
           <a:p>
             <a:fld id="{8C28A28C-4C6A-46EA-90C0-4EE0B89CC5C7}" type="datetimeFigureOut">
               <a:rPr lang="en-US" smtClean="0"/>
-              <a:t>5/4/2024</a:t>
+              <a:t>5/11/2024</a:t>
             </a:fld>
             <a:endParaRPr lang="en-US"/>
           </a:p>
@@ -2106,7 +2110,7 @@
           <a:p>
             <a:fld id="{8C28A28C-4C6A-46EA-90C0-4EE0B89CC5C7}" type="datetimeFigureOut">
               <a:rPr lang="en-US" smtClean="0"/>
-              <a:t>5/4/2024</a:t>
+              <a:t>5/11/2024</a:t>
             </a:fld>
             <a:endParaRPr lang="en-US"/>
           </a:p>
@@ -2419,7 +2423,7 @@
           <a:p>
             <a:fld id="{8C28A28C-4C6A-46EA-90C0-4EE0B89CC5C7}" type="datetimeFigureOut">
               <a:rPr lang="en-US" smtClean="0"/>
-              <a:t>5/4/2024</a:t>
+              <a:t>5/11/2024</a:t>
             </a:fld>
             <a:endParaRPr lang="en-US"/>
           </a:p>
@@ -2707,7 +2711,7 @@
           <a:p>
             <a:fld id="{8C28A28C-4C6A-46EA-90C0-4EE0B89CC5C7}" type="datetimeFigureOut">
               <a:rPr lang="en-US" smtClean="0"/>
-              <a:t>5/4/2024</a:t>
+              <a:t>5/11/2024</a:t>
             </a:fld>
             <a:endParaRPr lang="en-US"/>
           </a:p>
@@ -3062,7 +3066,7 @@
             <a:fld id="{8C28A28C-4C6A-46EA-90C0-4EE0B89CC5C7}" type="datetimeFigureOut">
               <a:rPr lang="en-US" smtClean="0"/>
               <a:pPr/>
-              <a:t>5/4/2024</a:t>
+              <a:t>5/11/2024</a:t>
             </a:fld>
             <a:endParaRPr lang="en-US" dirty="0"/>
           </a:p>
@@ -3962,7 +3966,7 @@
       </p:grpSpPr>
       <p:sp>
         <p:nvSpPr>
-          <p:cNvPr id="9" name="Freeform: Shape 8">
+          <p:cNvPr id="20" name="Freeform: Shape 19">
             <a:extLst>
               <a:ext uri="{FF2B5EF4-FFF2-40B4-BE49-F238E27FC236}">
                 <a16:creationId xmlns:a16="http://schemas.microsoft.com/office/drawing/2014/main" id="{AE192E3E-68A9-4F36-936C-1C8D0B9EF132}"/>
@@ -4088,7 +4092,7 @@
       </p:sp>
       <p:sp useBgFill="1">
         <p:nvSpPr>
-          <p:cNvPr id="11" name="Rectangle 10">
+          <p:cNvPr id="22" name="Rectangle 21">
             <a:extLst>
               <a:ext uri="{FF2B5EF4-FFF2-40B4-BE49-F238E27FC236}">
                 <a16:creationId xmlns:a16="http://schemas.microsoft.com/office/drawing/2014/main" id="{998D6E90-577B-4973-B60A-2700290E68B3}"/>
@@ -4176,7 +4180,7 @@
         </p:nvSpPr>
         <p:spPr>
           <a:xfrm>
-            <a:off x="1084728" y="1597961"/>
+            <a:off x="379620" y="821065"/>
             <a:ext cx="2628969" cy="3162300"/>
           </a:xfrm>
           <a:prstGeom prst="rect">
@@ -4201,19 +4205,22 @@
               </a:spcAft>
             </a:pPr>
             <a:r>
-              <a:rPr lang="en-US" sz="2400" b="1">
-                <a:latin typeface="+mj-lt"/>
+              <a:rPr lang="en-US" sz="5400" b="1">
+                <a:solidFill>
+                  <a:srgbClr val="FF0000"/>
+                </a:solidFill>
+                <a:latin typeface="Times New Roman" panose="02020603050405020304" pitchFamily="18" charset="0"/>
                 <a:ea typeface="+mj-ea"/>
-                <a:cs typeface="+mj-cs"/>
+                <a:cs typeface="Times New Roman" panose="02020603050405020304" pitchFamily="18" charset="0"/>
               </a:rPr>
-              <a:t>Interpretation Of Results:</a:t>
-            </a:r>
-          </a:p>
-        </p:txBody>
-      </p:sp>
-      <p:sp>
-        <p:nvSpPr>
-          <p:cNvPr id="13" name="Freeform: Shape 12">
+              <a:t>Results:</a:t>
+            </a:r>
+          </a:p>
+        </p:txBody>
+      </p:sp>
+      <p:sp>
+        <p:nvSpPr>
+          <p:cNvPr id="24" name="Freeform: Shape 23">
             <a:extLst>
               <a:ext uri="{FF2B5EF4-FFF2-40B4-BE49-F238E27FC236}">
                 <a16:creationId xmlns:a16="http://schemas.microsoft.com/office/drawing/2014/main" id="{3FA95682-BEE6-4B33-BA34-7E7BE49782DA}"/>
@@ -4339,10 +4346,10 @@
       </p:sp>
       <p:pic>
         <p:nvPicPr>
-          <p:cNvPr id="4" name="Picture 3" descr="A diagram of a tree&#10;&#10;Description automatically generated">
-            <a:extLst>
-              <a:ext uri="{FF2B5EF4-FFF2-40B4-BE49-F238E27FC236}">
-                <a16:creationId xmlns:a16="http://schemas.microsoft.com/office/drawing/2014/main" id="{E663878E-A504-2ECF-84C3-997B665AF428}"/>
+          <p:cNvPr id="4" name="Picture 3" descr="A screen shot of a graph&#10;&#10;Description automatically generated">
+            <a:extLst>
+              <a:ext uri="{FF2B5EF4-FFF2-40B4-BE49-F238E27FC236}">
+                <a16:creationId xmlns:a16="http://schemas.microsoft.com/office/drawing/2014/main" id="{64DCDA7C-7B3C-F8FE-89BF-B79D0EF929FD}"/>
               </a:ext>
             </a:extLst>
           </p:cNvPr>
@@ -4351,7 +4358,7 @@
           </p:cNvPicPr>
           <p:nvPr/>
         </p:nvPicPr>
-        <p:blipFill>
+        <p:blipFill rotWithShape="1">
           <a:blip r:embed="rId2">
             <a:extLst>
               <a:ext uri="{28A0092B-C50C-407E-A947-70E740481C1C}">
@@ -4359,14 +4366,13 @@
               </a:ext>
             </a:extLst>
           </a:blip>
-          <a:stretch>
-            <a:fillRect/>
-          </a:stretch>
+          <a:srcRect t="2918" b="4869"/>
+          <a:stretch/>
         </p:blipFill>
         <p:spPr>
           <a:xfrm>
-            <a:off x="3232298" y="426262"/>
-            <a:ext cx="9069572" cy="5698091"/>
+            <a:off x="3388209" y="110003"/>
+            <a:ext cx="8722768" cy="6476427"/>
           </a:xfrm>
           <a:prstGeom prst="rect">
             <a:avLst/>
@@ -4376,7 +4382,7 @@
     </p:spTree>
     <p:extLst>
       <p:ext uri="{BB962C8B-B14F-4D97-AF65-F5344CB8AC3E}">
-        <p14:creationId xmlns:p14="http://schemas.microsoft.com/office/powerpoint/2010/main" val="3745418888"/>
+        <p14:creationId xmlns:p14="http://schemas.microsoft.com/office/powerpoint/2010/main" val="1278071678"/>
       </p:ext>
     </p:extLst>
   </p:cSld>
@@ -4387,201 +4393,6 @@
 </file>
 
 <file path=ppt/slides/slide11.xml><?xml version="1.0" encoding="utf-8"?>
-<p:sld xmlns:a="http://schemas.openxmlformats.org/drawingml/2006/main" xmlns:r="http://schemas.openxmlformats.org/officeDocument/2006/relationships" xmlns:p="http://schemas.openxmlformats.org/presentationml/2006/main">
-  <p:cSld>
-    <p:spTree>
-      <p:nvGrpSpPr>
-        <p:cNvPr id="1" name=""/>
-        <p:cNvGrpSpPr/>
-        <p:nvPr/>
-      </p:nvGrpSpPr>
-      <p:grpSpPr>
-        <a:xfrm>
-          <a:off x="0" y="0"/>
-          <a:ext cx="0" cy="0"/>
-          <a:chOff x="0" y="0"/>
-          <a:chExt cx="0" cy="0"/>
-        </a:xfrm>
-      </p:grpSpPr>
-      <p:sp>
-        <p:nvSpPr>
-          <p:cNvPr id="2" name="TextBox 1">
-            <a:extLst>
-              <a:ext uri="{FF2B5EF4-FFF2-40B4-BE49-F238E27FC236}">
-                <a16:creationId xmlns:a16="http://schemas.microsoft.com/office/drawing/2014/main" id="{3719526A-D573-63FE-A05E-FD4E24B12CDC}"/>
-              </a:ext>
-            </a:extLst>
-          </p:cNvPr>
-          <p:cNvSpPr txBox="1"/>
-          <p:nvPr/>
-        </p:nvSpPr>
-        <p:spPr>
-          <a:xfrm>
-            <a:off x="409353" y="451884"/>
-            <a:ext cx="5523614" cy="923330"/>
-          </a:xfrm>
-          <a:prstGeom prst="rect">
-            <a:avLst/>
-          </a:prstGeom>
-          <a:noFill/>
-        </p:spPr>
-        <p:txBody>
-          <a:bodyPr wrap="square" rtlCol="0">
-            <a:spAutoFit/>
-          </a:bodyPr>
-          <a:lstStyle/>
-          <a:p>
-            <a:r>
-              <a:rPr lang="en-US" sz="5400" b="1" dirty="0" err="1">
-                <a:solidFill>
-                  <a:srgbClr val="FF0000"/>
-                </a:solidFill>
-                <a:latin typeface="Times New Roman" panose="02020603050405020304" pitchFamily="18" charset="0"/>
-                <a:cs typeface="Times New Roman" panose="02020603050405020304" pitchFamily="18" charset="0"/>
-              </a:rPr>
-              <a:t>Future_Work</a:t>
-            </a:r>
-            <a:r>
-              <a:rPr lang="en-US" sz="5400" b="1" dirty="0">
-                <a:solidFill>
-                  <a:srgbClr val="FF0000"/>
-                </a:solidFill>
-                <a:latin typeface="Times New Roman" panose="02020603050405020304" pitchFamily="18" charset="0"/>
-                <a:cs typeface="Times New Roman" panose="02020603050405020304" pitchFamily="18" charset="0"/>
-              </a:rPr>
-              <a:t>:</a:t>
-            </a:r>
-          </a:p>
-        </p:txBody>
-      </p:sp>
-      <p:sp>
-        <p:nvSpPr>
-          <p:cNvPr id="3" name="TextBox 2">
-            <a:extLst>
-              <a:ext uri="{FF2B5EF4-FFF2-40B4-BE49-F238E27FC236}">
-                <a16:creationId xmlns:a16="http://schemas.microsoft.com/office/drawing/2014/main" id="{92EA5F8C-021D-8807-5F71-4E71A914240C}"/>
-              </a:ext>
-            </a:extLst>
-          </p:cNvPr>
-          <p:cNvSpPr txBox="1"/>
-          <p:nvPr/>
-        </p:nvSpPr>
-        <p:spPr>
-          <a:xfrm>
-            <a:off x="212246" y="1375214"/>
-            <a:ext cx="11143731" cy="5185522"/>
-          </a:xfrm>
-          <a:prstGeom prst="rect">
-            <a:avLst/>
-          </a:prstGeom>
-          <a:noFill/>
-        </p:spPr>
-        <p:txBody>
-          <a:bodyPr wrap="square" rtlCol="0">
-            <a:spAutoFit/>
-          </a:bodyPr>
-          <a:lstStyle/>
-          <a:p>
-            <a:pPr marL="285750" indent="-285750">
-              <a:lnSpc>
-                <a:spcPct val="150000"/>
-              </a:lnSpc>
-              <a:buFont typeface="Arial" panose="020B0604020202020204" pitchFamily="34" charset="0"/>
-              <a:buChar char="•"/>
-            </a:pPr>
-            <a:r>
-              <a:rPr lang="en-US" sz="2400" b="1" dirty="0">
-                <a:latin typeface="Times New Roman" panose="02020603050405020304" pitchFamily="18" charset="0"/>
-                <a:cs typeface="Times New Roman" panose="02020603050405020304" pitchFamily="18" charset="0"/>
-              </a:rPr>
-              <a:t>I would like to work further on this project by collecting the Data for the single airport with different carriers and considering other delays such as operational delays which include Ground operations delay, carrier check in delays. </a:t>
-            </a:r>
-          </a:p>
-          <a:p>
-            <a:pPr marL="285750" indent="-285750">
-              <a:lnSpc>
-                <a:spcPct val="150000"/>
-              </a:lnSpc>
-              <a:buFont typeface="Arial" panose="020B0604020202020204" pitchFamily="34" charset="0"/>
-              <a:buChar char="•"/>
-            </a:pPr>
-            <a:r>
-              <a:rPr lang="en-US" sz="2400" b="1" dirty="0">
-                <a:latin typeface="Times New Roman" panose="02020603050405020304" pitchFamily="18" charset="0"/>
-                <a:cs typeface="Times New Roman" panose="02020603050405020304" pitchFamily="18" charset="0"/>
-              </a:rPr>
-              <a:t>Working on the single Airport rather than collecting a wide will allow an Airport Management to Organize and work on their operations will improve the Operational Performance of that Airport.</a:t>
-            </a:r>
-          </a:p>
-          <a:p>
-            <a:pPr marL="285750" indent="-285750">
-              <a:lnSpc>
-                <a:spcPct val="150000"/>
-              </a:lnSpc>
-              <a:buFont typeface="Arial" panose="020B0604020202020204" pitchFamily="34" charset="0"/>
-              <a:buChar char="•"/>
-            </a:pPr>
-            <a:r>
-              <a:rPr lang="en-US" sz="2400" b="1" dirty="0">
-                <a:latin typeface="Times New Roman" panose="02020603050405020304" pitchFamily="18" charset="0"/>
-                <a:cs typeface="Times New Roman" panose="02020603050405020304" pitchFamily="18" charset="0"/>
-              </a:rPr>
-              <a:t>Same can be performed for each Carrier considering the limitations of the Airport and Federal and International Aviation Regulations.   </a:t>
-            </a:r>
-            <a:r>
-              <a:rPr lang="en-US" sz="2800" b="1" dirty="0">
-                <a:solidFill>
-                  <a:srgbClr val="FF0000"/>
-                </a:solidFill>
-                <a:latin typeface="Times New Roman" panose="02020603050405020304" pitchFamily="18" charset="0"/>
-                <a:cs typeface="Times New Roman" panose="02020603050405020304" pitchFamily="18" charset="0"/>
-              </a:rPr>
-              <a:t> Can Perform Same with each Individual </a:t>
-            </a:r>
-            <a:r>
-              <a:rPr lang="en-US" sz="2800" b="1" dirty="0" err="1">
-                <a:solidFill>
-                  <a:srgbClr val="FF0000"/>
-                </a:solidFill>
-                <a:latin typeface="Times New Roman" panose="02020603050405020304" pitchFamily="18" charset="0"/>
-                <a:cs typeface="Times New Roman" panose="02020603050405020304" pitchFamily="18" charset="0"/>
-              </a:rPr>
-              <a:t>Ailines</a:t>
-            </a:r>
-            <a:r>
-              <a:rPr lang="en-US" sz="2800" b="1" dirty="0">
-                <a:solidFill>
-                  <a:srgbClr val="FF0000"/>
-                </a:solidFill>
-                <a:latin typeface="Times New Roman" panose="02020603050405020304" pitchFamily="18" charset="0"/>
-                <a:cs typeface="Times New Roman" panose="02020603050405020304" pitchFamily="18" charset="0"/>
-              </a:rPr>
-              <a:t>.</a:t>
-            </a:r>
-            <a:endParaRPr lang="en-US" sz="2400" b="1" dirty="0">
-              <a:solidFill>
-                <a:srgbClr val="FF0000"/>
-              </a:solidFill>
-              <a:latin typeface="Times New Roman" panose="02020603050405020304" pitchFamily="18" charset="0"/>
-              <a:cs typeface="Times New Roman" panose="02020603050405020304" pitchFamily="18" charset="0"/>
-            </a:endParaRPr>
-          </a:p>
-        </p:txBody>
-      </p:sp>
-    </p:spTree>
-    <p:extLst>
-      <p:ext uri="{BB962C8B-B14F-4D97-AF65-F5344CB8AC3E}">
-        <p14:creationId xmlns:p14="http://schemas.microsoft.com/office/powerpoint/2010/main" val="1806626677"/>
-      </p:ext>
-    </p:extLst>
-  </p:cSld>
-  <p:clrMapOvr>
-    <a:masterClrMapping/>
-  </p:clrMapOvr>
-</p:sld>
-</file>
-
-<file path=ppt/slides/slide12.xml><?xml version="1.0" encoding="utf-8"?>
 <p:sld xmlns:a="http://schemas.openxmlformats.org/drawingml/2006/main" xmlns:r="http://schemas.openxmlformats.org/officeDocument/2006/relationships" xmlns:p="http://schemas.openxmlformats.org/presentationml/2006/main">
   <p:cSld>
     <p:bg>
@@ -4608,7 +4419,7 @@
       </p:grpSpPr>
       <p:sp>
         <p:nvSpPr>
-          <p:cNvPr id="93" name="Freeform: Shape 92">
+          <p:cNvPr id="18" name="Freeform: Shape 17">
             <a:extLst>
               <a:ext uri="{FF2B5EF4-FFF2-40B4-BE49-F238E27FC236}">
                 <a16:creationId xmlns:a16="http://schemas.microsoft.com/office/drawing/2014/main" id="{AE192E3E-68A9-4F36-936C-1C8D0B9EF132}"/>
@@ -4734,10 +4545,10 @@
       </p:sp>
       <p:sp useBgFill="1">
         <p:nvSpPr>
-          <p:cNvPr id="95" name="Rectangle 94">
-            <a:extLst>
-              <a:ext uri="{FF2B5EF4-FFF2-40B4-BE49-F238E27FC236}">
-                <a16:creationId xmlns:a16="http://schemas.microsoft.com/office/drawing/2014/main" id="{6362EDFF-7BE1-4149-A745-FFD7211E6CE1}"/>
+          <p:cNvPr id="20" name="Rectangle 19">
+            <a:extLst>
+              <a:ext uri="{FF2B5EF4-FFF2-40B4-BE49-F238E27FC236}">
+                <a16:creationId xmlns:a16="http://schemas.microsoft.com/office/drawing/2014/main" id="{998D6E90-577B-4973-B60A-2700290E68B3}"/>
               </a:ext>
               <a:ext uri="{C183D7F6-B498-43B3-948B-1728B52AA6E4}">
                 <adec:decorative xmlns:adec="http://schemas.microsoft.com/office/drawing/2017/decorative" val="1"/>
@@ -4808,1030 +4619,64 @@
           </a:p>
         </p:txBody>
       </p:sp>
-      <p:pic>
-        <p:nvPicPr>
-          <p:cNvPr id="4" name="Picture 3" descr="A splash of colors on a white surface">
-            <a:extLst>
-              <a:ext uri="{FF2B5EF4-FFF2-40B4-BE49-F238E27FC236}">
-                <a16:creationId xmlns:a16="http://schemas.microsoft.com/office/drawing/2014/main" id="{FA2450EB-3358-8AA8-5495-5032C824E479}"/>
-              </a:ext>
-            </a:extLst>
-          </p:cNvPr>
-          <p:cNvPicPr>
-            <a:picLocks noChangeAspect="1"/>
-          </p:cNvPicPr>
+      <p:sp>
+        <p:nvSpPr>
+          <p:cNvPr id="2" name="TextBox 1">
+            <a:extLst>
+              <a:ext uri="{FF2B5EF4-FFF2-40B4-BE49-F238E27FC236}">
+                <a16:creationId xmlns:a16="http://schemas.microsoft.com/office/drawing/2014/main" id="{3719526A-D573-63FE-A05E-FD4E24B12CDC}"/>
+              </a:ext>
+            </a:extLst>
+          </p:cNvPr>
+          <p:cNvSpPr txBox="1"/>
           <p:nvPr/>
-        </p:nvPicPr>
-        <p:blipFill rotWithShape="1">
-          <a:blip r:embed="rId2"/>
-          <a:srcRect t="9244" b="15756"/>
-          <a:stretch/>
-        </p:blipFill>
+        </p:nvSpPr>
         <p:spPr>
           <a:xfrm>
-            <a:off x="-87454" y="-26891"/>
-            <a:ext cx="12191980" cy="6857990"/>
+            <a:off x="404085" y="614809"/>
+            <a:ext cx="3427960" cy="3162300"/>
           </a:xfrm>
           <a:prstGeom prst="rect">
             <a:avLst/>
           </a:prstGeom>
         </p:spPr>
-      </p:pic>
-      <p:sp>
-        <p:nvSpPr>
-          <p:cNvPr id="7" name="TextBox 6">
-            <a:extLst>
-              <a:ext uri="{FF2B5EF4-FFF2-40B4-BE49-F238E27FC236}">
-                <a16:creationId xmlns:a16="http://schemas.microsoft.com/office/drawing/2014/main" id="{E59A36DF-8F04-CAE5-3A45-8FDA94140EAF}"/>
-              </a:ext>
-            </a:extLst>
-          </p:cNvPr>
-          <p:cNvSpPr txBox="1"/>
-          <p:nvPr/>
-        </p:nvSpPr>
-        <p:spPr>
-          <a:xfrm>
-            <a:off x="3490175" y="4845570"/>
-            <a:ext cx="9144000" cy="2308324"/>
-          </a:xfrm>
-          <a:prstGeom prst="rect">
-            <a:avLst/>
-          </a:prstGeom>
-          <a:noFill/>
-        </p:spPr>
-        <p:txBody>
-          <a:bodyPr wrap="square" rtlCol="0">
-            <a:spAutoFit/>
+        <p:txBody>
+          <a:bodyPr vert="horz" lIns="91440" tIns="45720" rIns="91440" bIns="45720" rtlCol="0" anchor="t">
+            <a:normAutofit/>
           </a:bodyPr>
           <a:lstStyle/>
           <a:p>
-            <a:pPr algn="ctr"/>
-            <a:r>
-              <a:rPr lang="en-US" sz="9600" b="1" dirty="0">
-                <a:latin typeface="Times New Roman" panose="02020603050405020304" pitchFamily="18" charset="0"/>
-                <a:cs typeface="Times New Roman" panose="02020603050405020304" pitchFamily="18" charset="0"/>
-              </a:rPr>
-              <a:t>Thanks</a:t>
-            </a:r>
-          </a:p>
-          <a:p>
-            <a:pPr algn="ctr"/>
-            <a:endParaRPr lang="en-US" sz="4800" b="1" dirty="0">
-              <a:latin typeface="Times New Roman" panose="02020603050405020304" pitchFamily="18" charset="0"/>
-              <a:cs typeface="Times New Roman" panose="02020603050405020304" pitchFamily="18" charset="0"/>
-            </a:endParaRPr>
-          </a:p>
-        </p:txBody>
-      </p:sp>
-    </p:spTree>
-    <p:extLst>
-      <p:ext uri="{BB962C8B-B14F-4D97-AF65-F5344CB8AC3E}">
-        <p14:creationId xmlns:p14="http://schemas.microsoft.com/office/powerpoint/2010/main" val="1112582105"/>
-      </p:ext>
-    </p:extLst>
-  </p:cSld>
-  <p:clrMapOvr>
-    <a:masterClrMapping/>
-  </p:clrMapOvr>
-</p:sld>
-</file>
-
-<file path=ppt/slides/slide2.xml><?xml version="1.0" encoding="utf-8"?>
-<p:sld xmlns:a="http://schemas.openxmlformats.org/drawingml/2006/main" xmlns:r="http://schemas.openxmlformats.org/officeDocument/2006/relationships" xmlns:p="http://schemas.openxmlformats.org/presentationml/2006/main">
-  <p:cSld>
-    <p:spTree>
-      <p:nvGrpSpPr>
-        <p:cNvPr id="1" name=""/>
-        <p:cNvGrpSpPr/>
-        <p:nvPr/>
-      </p:nvGrpSpPr>
-      <p:grpSpPr>
-        <a:xfrm>
-          <a:off x="0" y="0"/>
-          <a:ext cx="0" cy="0"/>
-          <a:chOff x="0" y="0"/>
-          <a:chExt cx="0" cy="0"/>
-        </a:xfrm>
-      </p:grpSpPr>
-      <p:sp>
-        <p:nvSpPr>
-          <p:cNvPr id="2" name="Title 1">
-            <a:extLst>
-              <a:ext uri="{FF2B5EF4-FFF2-40B4-BE49-F238E27FC236}">
-                <a16:creationId xmlns:a16="http://schemas.microsoft.com/office/drawing/2014/main" id="{1EC7E455-8779-EAAE-0D5F-2393B9DDCA3B}"/>
-              </a:ext>
-            </a:extLst>
-          </p:cNvPr>
-          <p:cNvSpPr>
-            <a:spLocks noGrp="1"/>
-          </p:cNvSpPr>
-          <p:nvPr>
-            <p:ph type="title"/>
-          </p:nvPr>
-        </p:nvSpPr>
-        <p:spPr>
-          <a:xfrm>
-            <a:off x="450041" y="260497"/>
-            <a:ext cx="9950103" cy="606345"/>
-          </a:xfrm>
-        </p:spPr>
-        <p:txBody>
-          <a:bodyPr/>
-          <a:lstStyle/>
-          <a:p>
-            <a:r>
-              <a:rPr lang="en-US" dirty="0">
+            <a:pPr algn="ctr">
+              <a:lnSpc>
+                <a:spcPct val="110000"/>
+              </a:lnSpc>
+              <a:spcBef>
+                <a:spcPct val="0"/>
+              </a:spcBef>
+              <a:spcAft>
+                <a:spcPts val="600"/>
+              </a:spcAft>
+            </a:pPr>
+            <a:r>
+              <a:rPr lang="en-US" sz="2800" b="1" dirty="0">
                 <a:solidFill>
                   <a:srgbClr val="FF0000"/>
                 </a:solidFill>
-                <a:latin typeface="Times New Roman" panose="02020603050405020304" pitchFamily="18" charset="0"/>
-                <a:cs typeface="Times New Roman" panose="02020603050405020304" pitchFamily="18" charset="0"/>
+                <a:latin typeface="+mj-lt"/>
+                <a:ea typeface="+mj-ea"/>
+                <a:cs typeface="+mj-cs"/>
               </a:rPr>
-              <a:t>Outline Of Project</a:t>
-            </a:r>
-          </a:p>
-        </p:txBody>
-      </p:sp>
-      <p:sp>
-        <p:nvSpPr>
-          <p:cNvPr id="3" name="Content Placeholder 2">
-            <a:extLst>
-              <a:ext uri="{FF2B5EF4-FFF2-40B4-BE49-F238E27FC236}">
-                <a16:creationId xmlns:a16="http://schemas.microsoft.com/office/drawing/2014/main" id="{8D72B272-D74F-DC8F-4F45-5BAF7B49AB15}"/>
-              </a:ext>
-            </a:extLst>
-          </p:cNvPr>
-          <p:cNvSpPr>
-            <a:spLocks noGrp="1"/>
-          </p:cNvSpPr>
-          <p:nvPr>
-            <p:ph idx="1"/>
-          </p:nvPr>
-        </p:nvSpPr>
-        <p:spPr>
-          <a:xfrm>
-            <a:off x="524469" y="1130143"/>
-            <a:ext cx="9950103" cy="5132434"/>
-          </a:xfrm>
-        </p:spPr>
-        <p:txBody>
-          <a:bodyPr>
-            <a:normAutofit fontScale="92500" lnSpcReduction="10000"/>
-          </a:bodyPr>
-          <a:lstStyle/>
-          <a:p>
-            <a:r>
-              <a:rPr lang="en-US" sz="3200" b="1" dirty="0">
-                <a:latin typeface="Times New Roman" panose="02020603050405020304" pitchFamily="18" charset="0"/>
-                <a:cs typeface="Times New Roman" panose="02020603050405020304" pitchFamily="18" charset="0"/>
-              </a:rPr>
-              <a:t>Motivation For Project</a:t>
-            </a:r>
-          </a:p>
-          <a:p>
-            <a:r>
-              <a:rPr lang="en-US" sz="3200" b="1" dirty="0">
-                <a:latin typeface="Times New Roman" panose="02020603050405020304" pitchFamily="18" charset="0"/>
-                <a:cs typeface="Times New Roman" panose="02020603050405020304" pitchFamily="18" charset="0"/>
-              </a:rPr>
-              <a:t>Data</a:t>
-            </a:r>
-          </a:p>
-          <a:p>
-            <a:r>
-              <a:rPr lang="en-US" sz="3200" b="1" dirty="0">
-                <a:latin typeface="Times New Roman" panose="02020603050405020304" pitchFamily="18" charset="0"/>
-                <a:cs typeface="Times New Roman" panose="02020603050405020304" pitchFamily="18" charset="0"/>
-              </a:rPr>
-              <a:t>Research Question </a:t>
-            </a:r>
-          </a:p>
-          <a:p>
-            <a:r>
-              <a:rPr lang="en-US" sz="3200" b="1" dirty="0">
-                <a:latin typeface="Times New Roman" panose="02020603050405020304" pitchFamily="18" charset="0"/>
-                <a:cs typeface="Times New Roman" panose="02020603050405020304" pitchFamily="18" charset="0"/>
-              </a:rPr>
-              <a:t>Challenges</a:t>
-            </a:r>
-          </a:p>
-          <a:p>
-            <a:r>
-              <a:rPr lang="en-US" sz="3200" b="1" dirty="0">
-                <a:latin typeface="Times New Roman" panose="02020603050405020304" pitchFamily="18" charset="0"/>
-                <a:cs typeface="Times New Roman" panose="02020603050405020304" pitchFamily="18" charset="0"/>
-              </a:rPr>
-              <a:t>Discussion and Limitations</a:t>
-            </a:r>
-          </a:p>
-          <a:p>
-            <a:r>
-              <a:rPr lang="en-US" sz="3200" b="1" dirty="0">
-                <a:latin typeface="Times New Roman" panose="02020603050405020304" pitchFamily="18" charset="0"/>
-                <a:cs typeface="Times New Roman" panose="02020603050405020304" pitchFamily="18" charset="0"/>
-              </a:rPr>
-              <a:t>Results</a:t>
-            </a:r>
-          </a:p>
-          <a:p>
-            <a:r>
-              <a:rPr lang="en-US" sz="3200" b="1" dirty="0">
-                <a:latin typeface="Times New Roman" panose="02020603050405020304" pitchFamily="18" charset="0"/>
-                <a:cs typeface="Times New Roman" panose="02020603050405020304" pitchFamily="18" charset="0"/>
-              </a:rPr>
-              <a:t>Future Work</a:t>
-            </a:r>
-          </a:p>
-          <a:p>
-            <a:r>
-              <a:rPr lang="en-US" sz="3200" b="1" dirty="0">
-                <a:latin typeface="Times New Roman" panose="02020603050405020304" pitchFamily="18" charset="0"/>
-                <a:cs typeface="Times New Roman" panose="02020603050405020304" pitchFamily="18" charset="0"/>
-              </a:rPr>
-              <a:t>Conclusion</a:t>
-            </a:r>
-          </a:p>
-          <a:p>
-            <a:pPr marL="0" indent="0">
-              <a:buNone/>
-            </a:pPr>
-            <a:endParaRPr lang="en-US" sz="3200" b="1" dirty="0">
-              <a:latin typeface="Times New Roman" panose="02020603050405020304" pitchFamily="18" charset="0"/>
-              <a:cs typeface="Times New Roman" panose="02020603050405020304" pitchFamily="18" charset="0"/>
-            </a:endParaRPr>
-          </a:p>
-        </p:txBody>
-      </p:sp>
-    </p:spTree>
-    <p:extLst>
-      <p:ext uri="{BB962C8B-B14F-4D97-AF65-F5344CB8AC3E}">
-        <p14:creationId xmlns:p14="http://schemas.microsoft.com/office/powerpoint/2010/main" val="20484115"/>
-      </p:ext>
-    </p:extLst>
-  </p:cSld>
-  <p:clrMapOvr>
-    <a:masterClrMapping/>
-  </p:clrMapOvr>
-</p:sld>
-</file>
-
-<file path=ppt/slides/slide3.xml><?xml version="1.0" encoding="utf-8"?>
-<p:sld xmlns:a="http://schemas.openxmlformats.org/drawingml/2006/main" xmlns:r="http://schemas.openxmlformats.org/officeDocument/2006/relationships" xmlns:p="http://schemas.openxmlformats.org/presentationml/2006/main">
-  <p:cSld>
-    <p:spTree>
-      <p:nvGrpSpPr>
-        <p:cNvPr id="1" name=""/>
-        <p:cNvGrpSpPr/>
-        <p:nvPr/>
-      </p:nvGrpSpPr>
-      <p:grpSpPr>
-        <a:xfrm>
-          <a:off x="0" y="0"/>
-          <a:ext cx="0" cy="0"/>
-          <a:chOff x="0" y="0"/>
-          <a:chExt cx="0" cy="0"/>
-        </a:xfrm>
-      </p:grpSpPr>
-      <p:sp>
-        <p:nvSpPr>
-          <p:cNvPr id="2" name="Title 1">
-            <a:extLst>
-              <a:ext uri="{FF2B5EF4-FFF2-40B4-BE49-F238E27FC236}">
-                <a16:creationId xmlns:a16="http://schemas.microsoft.com/office/drawing/2014/main" id="{47ABBC5B-3900-28DF-4D11-8B1A7A1150A6}"/>
-              </a:ext>
-            </a:extLst>
-          </p:cNvPr>
-          <p:cNvSpPr>
-            <a:spLocks noGrp="1"/>
-          </p:cNvSpPr>
-          <p:nvPr>
-            <p:ph type="title"/>
-          </p:nvPr>
-        </p:nvSpPr>
-        <p:spPr>
-          <a:xfrm>
-            <a:off x="248022" y="0"/>
-            <a:ext cx="9950103" cy="1507376"/>
-          </a:xfrm>
-        </p:spPr>
-        <p:txBody>
-          <a:bodyPr>
-            <a:normAutofit/>
-          </a:bodyPr>
-          <a:lstStyle/>
-          <a:p>
-            <a:r>
-              <a:rPr lang="en-US" sz="3600" dirty="0">
-                <a:solidFill>
-                  <a:srgbClr val="FF0000"/>
-                </a:solidFill>
-                <a:latin typeface="Times New Roman" panose="02020603050405020304" pitchFamily="18" charset="0"/>
-                <a:cs typeface="Times New Roman" panose="02020603050405020304" pitchFamily="18" charset="0"/>
-              </a:rPr>
-              <a:t>Motivation Of the Project:</a:t>
-            </a:r>
-          </a:p>
-        </p:txBody>
-      </p:sp>
-      <p:sp>
-        <p:nvSpPr>
-          <p:cNvPr id="3" name="Content Placeholder 2">
-            <a:extLst>
-              <a:ext uri="{FF2B5EF4-FFF2-40B4-BE49-F238E27FC236}">
-                <a16:creationId xmlns:a16="http://schemas.microsoft.com/office/drawing/2014/main" id="{0FABD233-875C-5361-9B22-C0CFDA80A43D}"/>
-              </a:ext>
-            </a:extLst>
-          </p:cNvPr>
-          <p:cNvSpPr>
-            <a:spLocks noGrp="1"/>
-          </p:cNvSpPr>
-          <p:nvPr>
-            <p:ph idx="1"/>
-          </p:nvPr>
-        </p:nvSpPr>
-        <p:spPr>
-          <a:xfrm>
-            <a:off x="407511" y="1885056"/>
-            <a:ext cx="9950103" cy="3513514"/>
-          </a:xfrm>
-        </p:spPr>
-        <p:txBody>
-          <a:bodyPr>
-            <a:normAutofit/>
-          </a:bodyPr>
-          <a:lstStyle/>
-          <a:p>
-            <a:r>
-              <a:rPr lang="en-US" sz="2400" b="1" dirty="0">
-                <a:latin typeface="Times New Roman" panose="02020603050405020304" pitchFamily="18" charset="0"/>
-                <a:cs typeface="Times New Roman" panose="02020603050405020304" pitchFamily="18" charset="0"/>
-              </a:rPr>
-              <a:t>Indian Rail Tracking Application is the Idea behind the Project.</a:t>
-            </a:r>
-          </a:p>
-          <a:p>
-            <a:r>
-              <a:rPr lang="en-US" sz="2400" b="1" dirty="0">
-                <a:latin typeface="Times New Roman" panose="02020603050405020304" pitchFamily="18" charset="0"/>
-                <a:cs typeface="Times New Roman" panose="02020603050405020304" pitchFamily="18" charset="0"/>
-              </a:rPr>
-              <a:t>Helps Airlines to increase Operational performance.</a:t>
-            </a:r>
-          </a:p>
-          <a:p>
-            <a:r>
-              <a:rPr lang="en-US" sz="2400" b="1" dirty="0">
-                <a:latin typeface="Times New Roman" panose="02020603050405020304" pitchFamily="18" charset="0"/>
-                <a:cs typeface="Times New Roman" panose="02020603050405020304" pitchFamily="18" charset="0"/>
-              </a:rPr>
-              <a:t>Airlines Manages Operations and resources effectively</a:t>
-            </a:r>
-          </a:p>
-          <a:p>
-            <a:r>
-              <a:rPr lang="en-US" sz="2400" b="1" dirty="0">
-                <a:latin typeface="Times New Roman" panose="02020603050405020304" pitchFamily="18" charset="0"/>
-                <a:cs typeface="Times New Roman" panose="02020603050405020304" pitchFamily="18" charset="0"/>
-              </a:rPr>
-              <a:t>Passengers can manage their travel based on the flight delay.</a:t>
-            </a:r>
-          </a:p>
-          <a:p>
-            <a:r>
-              <a:rPr lang="en-US" sz="2400" b="1" dirty="0">
-                <a:latin typeface="Times New Roman" panose="02020603050405020304" pitchFamily="18" charset="0"/>
-                <a:cs typeface="Times New Roman" panose="02020603050405020304" pitchFamily="18" charset="0"/>
-              </a:rPr>
-              <a:t>provides better customer service and avoids Inconvenience</a:t>
-            </a:r>
-          </a:p>
-          <a:p>
-            <a:endParaRPr lang="en-US" sz="2400" b="1" dirty="0">
-              <a:latin typeface="Times New Roman" panose="02020603050405020304" pitchFamily="18" charset="0"/>
-              <a:cs typeface="Times New Roman" panose="02020603050405020304" pitchFamily="18" charset="0"/>
-            </a:endParaRPr>
-          </a:p>
-        </p:txBody>
-      </p:sp>
-    </p:spTree>
-    <p:extLst>
-      <p:ext uri="{BB962C8B-B14F-4D97-AF65-F5344CB8AC3E}">
-        <p14:creationId xmlns:p14="http://schemas.microsoft.com/office/powerpoint/2010/main" val="3458592670"/>
-      </p:ext>
-    </p:extLst>
-  </p:cSld>
-  <p:clrMapOvr>
-    <a:masterClrMapping/>
-  </p:clrMapOvr>
-</p:sld>
-</file>
-
-<file path=ppt/slides/slide4.xml><?xml version="1.0" encoding="utf-8"?>
-<p:sld xmlns:a="http://schemas.openxmlformats.org/drawingml/2006/main" xmlns:r="http://schemas.openxmlformats.org/officeDocument/2006/relationships" xmlns:p="http://schemas.openxmlformats.org/presentationml/2006/main">
-  <p:cSld>
-    <p:spTree>
-      <p:nvGrpSpPr>
-        <p:cNvPr id="1" name=""/>
-        <p:cNvGrpSpPr/>
-        <p:nvPr/>
-      </p:nvGrpSpPr>
-      <p:grpSpPr>
-        <a:xfrm>
-          <a:off x="0" y="0"/>
-          <a:ext cx="0" cy="0"/>
-          <a:chOff x="0" y="0"/>
-          <a:chExt cx="0" cy="0"/>
-        </a:xfrm>
-      </p:grpSpPr>
-      <p:sp>
-        <p:nvSpPr>
-          <p:cNvPr id="2" name="Title 1">
-            <a:extLst>
-              <a:ext uri="{FF2B5EF4-FFF2-40B4-BE49-F238E27FC236}">
-                <a16:creationId xmlns:a16="http://schemas.microsoft.com/office/drawing/2014/main" id="{AD387756-8E0D-FD12-9253-26EFBA6D47BC}"/>
-              </a:ext>
-            </a:extLst>
-          </p:cNvPr>
-          <p:cNvSpPr>
-            <a:spLocks noGrp="1"/>
-          </p:cNvSpPr>
-          <p:nvPr>
-            <p:ph type="title"/>
-          </p:nvPr>
-        </p:nvSpPr>
-        <p:spPr>
-          <a:xfrm>
-            <a:off x="51320" y="45267"/>
-            <a:ext cx="9950103" cy="1507376"/>
-          </a:xfrm>
-        </p:spPr>
-        <p:txBody>
-          <a:bodyPr/>
-          <a:lstStyle/>
-          <a:p>
-            <a:r>
-              <a:rPr lang="en-US" dirty="0">
-                <a:solidFill>
-                  <a:srgbClr val="FF0000"/>
-                </a:solidFill>
-                <a:latin typeface="Times New Roman" panose="02020603050405020304" pitchFamily="18" charset="0"/>
-                <a:cs typeface="Times New Roman" panose="02020603050405020304" pitchFamily="18" charset="0"/>
-              </a:rPr>
-              <a:t>DATA:</a:t>
-            </a:r>
-          </a:p>
-        </p:txBody>
-      </p:sp>
-      <p:sp>
-        <p:nvSpPr>
-          <p:cNvPr id="3" name="Content Placeholder 2">
-            <a:extLst>
-              <a:ext uri="{FF2B5EF4-FFF2-40B4-BE49-F238E27FC236}">
-                <a16:creationId xmlns:a16="http://schemas.microsoft.com/office/drawing/2014/main" id="{D6D24AFD-822B-5927-E8A5-EBE9A5F27F8D}"/>
-              </a:ext>
-            </a:extLst>
-          </p:cNvPr>
-          <p:cNvSpPr>
-            <a:spLocks noGrp="1"/>
-          </p:cNvSpPr>
-          <p:nvPr>
-            <p:ph idx="1"/>
-          </p:nvPr>
-        </p:nvSpPr>
-        <p:spPr>
-          <a:xfrm>
-            <a:off x="162962" y="1709619"/>
-            <a:ext cx="9950103" cy="3513514"/>
-          </a:xfrm>
-        </p:spPr>
-        <p:txBody>
-          <a:bodyPr>
-            <a:normAutofit/>
-          </a:bodyPr>
-          <a:lstStyle/>
-          <a:p>
-            <a:r>
-              <a:rPr lang="en-US" sz="2000" b="1" dirty="0">
-                <a:latin typeface="Times New Roman" panose="02020603050405020304" pitchFamily="18" charset="0"/>
-                <a:cs typeface="Times New Roman" panose="02020603050405020304" pitchFamily="18" charset="0"/>
-              </a:rPr>
-              <a:t>DATA Collected from Bureau Of Transportation Statistics which provides the Historical Flight DATA.</a:t>
-            </a:r>
-          </a:p>
-          <a:p>
-            <a:pPr marL="0" indent="0">
-              <a:buNone/>
-            </a:pPr>
-            <a:endParaRPr lang="en-US" sz="2000" b="1" dirty="0">
-              <a:latin typeface="Times New Roman" panose="02020603050405020304" pitchFamily="18" charset="0"/>
-              <a:cs typeface="Times New Roman" panose="02020603050405020304" pitchFamily="18" charset="0"/>
-            </a:endParaRPr>
-          </a:p>
-          <a:p>
-            <a:r>
-              <a:rPr lang="en-US" sz="2000" b="1" dirty="0">
-                <a:latin typeface="Times New Roman" panose="02020603050405020304" pitchFamily="18" charset="0"/>
-                <a:cs typeface="Times New Roman" panose="02020603050405020304" pitchFamily="18" charset="0"/>
-              </a:rPr>
-              <a:t>Data is collection Historical Flight Data like Airport, Carrier, Different type of Delays and Delay in minutes, Number of Arrival Flights and different reasons like carrier delayed flights arrival delayed Flights. </a:t>
-            </a:r>
-          </a:p>
-        </p:txBody>
-      </p:sp>
-    </p:spTree>
-    <p:extLst>
-      <p:ext uri="{BB962C8B-B14F-4D97-AF65-F5344CB8AC3E}">
-        <p14:creationId xmlns:p14="http://schemas.microsoft.com/office/powerpoint/2010/main" val="1421777778"/>
-      </p:ext>
-    </p:extLst>
-  </p:cSld>
-  <p:clrMapOvr>
-    <a:masterClrMapping/>
-  </p:clrMapOvr>
-</p:sld>
-</file>
-
-<file path=ppt/slides/slide5.xml><?xml version="1.0" encoding="utf-8"?>
-<p:sld xmlns:a="http://schemas.openxmlformats.org/drawingml/2006/main" xmlns:r="http://schemas.openxmlformats.org/officeDocument/2006/relationships" xmlns:p="http://schemas.openxmlformats.org/presentationml/2006/main">
-  <p:cSld>
-    <p:spTree>
-      <p:nvGrpSpPr>
-        <p:cNvPr id="1" name=""/>
-        <p:cNvGrpSpPr/>
-        <p:nvPr/>
-      </p:nvGrpSpPr>
-      <p:grpSpPr>
-        <a:xfrm>
-          <a:off x="0" y="0"/>
-          <a:ext cx="0" cy="0"/>
-          <a:chOff x="0" y="0"/>
-          <a:chExt cx="0" cy="0"/>
-        </a:xfrm>
-      </p:grpSpPr>
-      <p:sp>
-        <p:nvSpPr>
-          <p:cNvPr id="2" name="Title 1">
-            <a:extLst>
-              <a:ext uri="{FF2B5EF4-FFF2-40B4-BE49-F238E27FC236}">
-                <a16:creationId xmlns:a16="http://schemas.microsoft.com/office/drawing/2014/main" id="{AFEEAF9B-5767-24CA-2B15-23CFC3B9925C}"/>
-              </a:ext>
-            </a:extLst>
-          </p:cNvPr>
-          <p:cNvSpPr>
-            <a:spLocks noGrp="1"/>
-          </p:cNvSpPr>
-          <p:nvPr>
-            <p:ph type="title"/>
-          </p:nvPr>
-        </p:nvSpPr>
-        <p:spPr>
-          <a:xfrm>
-            <a:off x="93850" y="103746"/>
-            <a:ext cx="9950103" cy="1507376"/>
-          </a:xfrm>
-        </p:spPr>
-        <p:txBody>
-          <a:bodyPr>
-            <a:normAutofit/>
-          </a:bodyPr>
-          <a:lstStyle/>
-          <a:p>
-            <a:r>
-              <a:rPr lang="en-US" sz="4000" dirty="0">
-                <a:solidFill>
-                  <a:srgbClr val="FF0000"/>
-                </a:solidFill>
-                <a:latin typeface="Times New Roman" panose="02020603050405020304" pitchFamily="18" charset="0"/>
-                <a:cs typeface="Times New Roman" panose="02020603050405020304" pitchFamily="18" charset="0"/>
-              </a:rPr>
-              <a:t>Research Question:</a:t>
-            </a:r>
-          </a:p>
-        </p:txBody>
-      </p:sp>
-      <p:sp>
-        <p:nvSpPr>
-          <p:cNvPr id="3" name="Content Placeholder 2">
-            <a:extLst>
-              <a:ext uri="{FF2B5EF4-FFF2-40B4-BE49-F238E27FC236}">
-                <a16:creationId xmlns:a16="http://schemas.microsoft.com/office/drawing/2014/main" id="{2C9C959A-BD83-AF62-7D53-24B8544426CB}"/>
-              </a:ext>
-            </a:extLst>
-          </p:cNvPr>
-          <p:cNvSpPr>
-            <a:spLocks noGrp="1"/>
-          </p:cNvSpPr>
-          <p:nvPr>
-            <p:ph idx="1"/>
-          </p:nvPr>
-        </p:nvSpPr>
-        <p:spPr>
-          <a:xfrm>
-            <a:off x="205492" y="1709618"/>
-            <a:ext cx="11144764" cy="4925098"/>
-          </a:xfrm>
-        </p:spPr>
-        <p:txBody>
-          <a:bodyPr>
-            <a:normAutofit fontScale="77500" lnSpcReduction="20000"/>
-          </a:bodyPr>
-          <a:lstStyle/>
-          <a:p>
-            <a:pPr>
-              <a:lnSpc>
-                <a:spcPct val="160000"/>
-              </a:lnSpc>
-            </a:pPr>
-            <a:r>
-              <a:rPr lang="en-US" sz="3100" b="1" dirty="0">
-                <a:latin typeface="Times New Roman" panose="02020603050405020304" pitchFamily="18" charset="0"/>
-                <a:cs typeface="Times New Roman" panose="02020603050405020304" pitchFamily="18" charset="0"/>
-              </a:rPr>
-              <a:t>Through this Project I would like address the Delay of Flights based on different  reasons. Where delay is greater than 120 minutes(2 hours).</a:t>
-            </a:r>
-          </a:p>
-          <a:p>
-            <a:pPr>
-              <a:lnSpc>
-                <a:spcPct val="160000"/>
-              </a:lnSpc>
-            </a:pPr>
-            <a:r>
-              <a:rPr lang="en-US" sz="3100" b="1" dirty="0">
-                <a:latin typeface="Times New Roman" panose="02020603050405020304" pitchFamily="18" charset="0"/>
-                <a:cs typeface="Times New Roman" panose="02020603050405020304" pitchFamily="18" charset="0"/>
-              </a:rPr>
-              <a:t>This Predictive Model helps both Airlines and Passengers to organize their journey; Airlines can effectively manage and Improve their operations</a:t>
-            </a:r>
-          </a:p>
-          <a:p>
-            <a:pPr>
-              <a:lnSpc>
-                <a:spcPct val="160000"/>
-              </a:lnSpc>
-            </a:pPr>
-            <a:r>
-              <a:rPr lang="en-US" sz="3100" b="1" dirty="0">
-                <a:latin typeface="Times New Roman" panose="02020603050405020304" pitchFamily="18" charset="0"/>
-                <a:cs typeface="Times New Roman" panose="02020603050405020304" pitchFamily="18" charset="0"/>
-              </a:rPr>
-              <a:t>After understanding the DATA, Independent variable and multiple Dependent Variables. </a:t>
-            </a:r>
-          </a:p>
-          <a:p>
-            <a:pPr>
-              <a:lnSpc>
-                <a:spcPct val="160000"/>
-              </a:lnSpc>
-            </a:pPr>
-            <a:r>
-              <a:rPr lang="en-US" sz="3100" b="1" dirty="0">
-                <a:latin typeface="Times New Roman" panose="02020603050405020304" pitchFamily="18" charset="0"/>
-                <a:cs typeface="Times New Roman" panose="02020603050405020304" pitchFamily="18" charset="0"/>
-              </a:rPr>
-              <a:t>I opted for Logistic Regression and Decision Tree for the prediction and to create a Model. </a:t>
-            </a:r>
-          </a:p>
-          <a:p>
-            <a:pPr marL="0" indent="0">
-              <a:buNone/>
-            </a:pPr>
-            <a:r>
-              <a:rPr lang="en-US" dirty="0"/>
-              <a:t> </a:t>
-            </a:r>
-          </a:p>
-        </p:txBody>
-      </p:sp>
-    </p:spTree>
-    <p:extLst>
-      <p:ext uri="{BB962C8B-B14F-4D97-AF65-F5344CB8AC3E}">
-        <p14:creationId xmlns:p14="http://schemas.microsoft.com/office/powerpoint/2010/main" val="725456401"/>
-      </p:ext>
-    </p:extLst>
-  </p:cSld>
-  <p:clrMapOvr>
-    <a:masterClrMapping/>
-  </p:clrMapOvr>
-</p:sld>
-</file>
-
-<file path=ppt/slides/slide6.xml><?xml version="1.0" encoding="utf-8"?>
-<p:sld xmlns:a="http://schemas.openxmlformats.org/drawingml/2006/main" xmlns:r="http://schemas.openxmlformats.org/officeDocument/2006/relationships" xmlns:p="http://schemas.openxmlformats.org/presentationml/2006/main">
-  <p:cSld>
-    <p:spTree>
-      <p:nvGrpSpPr>
-        <p:cNvPr id="1" name=""/>
-        <p:cNvGrpSpPr/>
-        <p:nvPr/>
-      </p:nvGrpSpPr>
-      <p:grpSpPr>
-        <a:xfrm>
-          <a:off x="0" y="0"/>
-          <a:ext cx="0" cy="0"/>
-          <a:chOff x="0" y="0"/>
-          <a:chExt cx="0" cy="0"/>
-        </a:xfrm>
-      </p:grpSpPr>
-      <p:sp>
-        <p:nvSpPr>
-          <p:cNvPr id="2" name="Title 1">
-            <a:extLst>
-              <a:ext uri="{FF2B5EF4-FFF2-40B4-BE49-F238E27FC236}">
-                <a16:creationId xmlns:a16="http://schemas.microsoft.com/office/drawing/2014/main" id="{AFEEAF9B-5767-24CA-2B15-23CFC3B9925C}"/>
-              </a:ext>
-            </a:extLst>
-          </p:cNvPr>
-          <p:cNvSpPr>
-            <a:spLocks noGrp="1"/>
-          </p:cNvSpPr>
-          <p:nvPr>
-            <p:ph type="title"/>
-          </p:nvPr>
-        </p:nvSpPr>
-        <p:spPr>
-          <a:xfrm>
-            <a:off x="131064" y="109061"/>
-            <a:ext cx="9950103" cy="1507376"/>
-          </a:xfrm>
-        </p:spPr>
-        <p:txBody>
-          <a:bodyPr>
-            <a:normAutofit/>
-          </a:bodyPr>
-          <a:lstStyle/>
-          <a:p>
-            <a:r>
-              <a:rPr lang="en-US" sz="4000" dirty="0">
-                <a:solidFill>
-                  <a:srgbClr val="FF0000"/>
-                </a:solidFill>
-                <a:latin typeface="Times New Roman" panose="02020603050405020304" pitchFamily="18" charset="0"/>
-                <a:cs typeface="Times New Roman" panose="02020603050405020304" pitchFamily="18" charset="0"/>
-              </a:rPr>
-              <a:t>Challenges:</a:t>
-            </a:r>
-          </a:p>
-        </p:txBody>
-      </p:sp>
-      <p:sp>
-        <p:nvSpPr>
-          <p:cNvPr id="3" name="Content Placeholder 2">
-            <a:extLst>
-              <a:ext uri="{FF2B5EF4-FFF2-40B4-BE49-F238E27FC236}">
-                <a16:creationId xmlns:a16="http://schemas.microsoft.com/office/drawing/2014/main" id="{2C9C959A-BD83-AF62-7D53-24B8544426CB}"/>
-              </a:ext>
-            </a:extLst>
-          </p:cNvPr>
-          <p:cNvSpPr>
-            <a:spLocks noGrp="1"/>
-          </p:cNvSpPr>
-          <p:nvPr>
-            <p:ph idx="1"/>
-          </p:nvPr>
-        </p:nvSpPr>
-        <p:spPr>
-          <a:xfrm>
-            <a:off x="210808" y="1768098"/>
-            <a:ext cx="11023249" cy="3513514"/>
-          </a:xfrm>
-        </p:spPr>
-        <p:txBody>
-          <a:bodyPr/>
-          <a:lstStyle/>
-          <a:p>
-            <a:r>
-              <a:rPr lang="en-US" sz="3200" b="1" dirty="0">
-                <a:latin typeface="Times New Roman" panose="02020603050405020304" pitchFamily="18" charset="0"/>
-                <a:cs typeface="Times New Roman" panose="02020603050405020304" pitchFamily="18" charset="0"/>
-              </a:rPr>
-              <a:t>Understanding the DATA and Structure of it.</a:t>
-            </a:r>
-          </a:p>
-          <a:p>
-            <a:r>
-              <a:rPr lang="en-US" sz="3200" b="1" dirty="0">
-                <a:latin typeface="Times New Roman" panose="02020603050405020304" pitchFamily="18" charset="0"/>
-                <a:cs typeface="Times New Roman" panose="02020603050405020304" pitchFamily="18" charset="0"/>
-              </a:rPr>
-              <a:t>Finding significant variables for predicting dependent.</a:t>
-            </a:r>
-          </a:p>
-          <a:p>
-            <a:r>
-              <a:rPr lang="en-US" sz="3200" b="1" dirty="0">
-                <a:latin typeface="Times New Roman" panose="02020603050405020304" pitchFamily="18" charset="0"/>
-                <a:cs typeface="Times New Roman" panose="02020603050405020304" pitchFamily="18" charset="0"/>
-              </a:rPr>
-              <a:t>Data distribution in EDA analysis.</a:t>
-            </a:r>
-          </a:p>
-          <a:p>
-            <a:r>
-              <a:rPr lang="en-US" sz="3200" b="1" dirty="0">
-                <a:latin typeface="Times New Roman" panose="02020603050405020304" pitchFamily="18" charset="0"/>
-                <a:cs typeface="Times New Roman" panose="02020603050405020304" pitchFamily="18" charset="0"/>
-              </a:rPr>
-              <a:t>Determining and Choosing regression model for prediction.</a:t>
-            </a:r>
-          </a:p>
-          <a:p>
-            <a:pPr marL="0" indent="0">
-              <a:buNone/>
-            </a:pPr>
-            <a:endParaRPr lang="en-US" dirty="0"/>
-          </a:p>
-        </p:txBody>
-      </p:sp>
-    </p:spTree>
-    <p:extLst>
-      <p:ext uri="{BB962C8B-B14F-4D97-AF65-F5344CB8AC3E}">
-        <p14:creationId xmlns:p14="http://schemas.microsoft.com/office/powerpoint/2010/main" val="4164665458"/>
-      </p:ext>
-    </p:extLst>
-  </p:cSld>
-  <p:clrMapOvr>
-    <a:masterClrMapping/>
-  </p:clrMapOvr>
-</p:sld>
-</file>
-
-<file path=ppt/slides/slide7.xml><?xml version="1.0" encoding="utf-8"?>
-<p:sld xmlns:a="http://schemas.openxmlformats.org/drawingml/2006/main" xmlns:r="http://schemas.openxmlformats.org/officeDocument/2006/relationships" xmlns:p="http://schemas.openxmlformats.org/presentationml/2006/main">
-  <p:cSld>
-    <p:spTree>
-      <p:nvGrpSpPr>
-        <p:cNvPr id="1" name=""/>
-        <p:cNvGrpSpPr/>
-        <p:nvPr/>
-      </p:nvGrpSpPr>
-      <p:grpSpPr>
-        <a:xfrm>
-          <a:off x="0" y="0"/>
-          <a:ext cx="0" cy="0"/>
-          <a:chOff x="0" y="0"/>
-          <a:chExt cx="0" cy="0"/>
-        </a:xfrm>
-      </p:grpSpPr>
-      <p:sp>
-        <p:nvSpPr>
-          <p:cNvPr id="2" name="Title 1">
-            <a:extLst>
-              <a:ext uri="{FF2B5EF4-FFF2-40B4-BE49-F238E27FC236}">
-                <a16:creationId xmlns:a16="http://schemas.microsoft.com/office/drawing/2014/main" id="{AFEEAF9B-5767-24CA-2B15-23CFC3B9925C}"/>
-              </a:ext>
-            </a:extLst>
-          </p:cNvPr>
-          <p:cNvSpPr>
-            <a:spLocks noGrp="1"/>
-          </p:cNvSpPr>
-          <p:nvPr>
-            <p:ph type="title"/>
-          </p:nvPr>
-        </p:nvSpPr>
-        <p:spPr>
-          <a:xfrm>
-            <a:off x="99167" y="93113"/>
-            <a:ext cx="9950103" cy="1507376"/>
-          </a:xfrm>
-        </p:spPr>
-        <p:txBody>
-          <a:bodyPr>
-            <a:normAutofit/>
-          </a:bodyPr>
-          <a:lstStyle/>
-          <a:p>
-            <a:r>
-              <a:rPr lang="en-US" sz="4000" dirty="0">
-                <a:solidFill>
-                  <a:srgbClr val="FF0000"/>
-                </a:solidFill>
-                <a:latin typeface="Times New Roman" panose="02020603050405020304" pitchFamily="18" charset="0"/>
-                <a:cs typeface="Times New Roman" panose="02020603050405020304" pitchFamily="18" charset="0"/>
-              </a:rPr>
-              <a:t>Limitations Of the Project:</a:t>
-            </a:r>
-          </a:p>
-        </p:txBody>
-      </p:sp>
-      <p:sp>
-        <p:nvSpPr>
-          <p:cNvPr id="3" name="Content Placeholder 2">
-            <a:extLst>
-              <a:ext uri="{FF2B5EF4-FFF2-40B4-BE49-F238E27FC236}">
-                <a16:creationId xmlns:a16="http://schemas.microsoft.com/office/drawing/2014/main" id="{2C9C959A-BD83-AF62-7D53-24B8544426CB}"/>
-              </a:ext>
-            </a:extLst>
-          </p:cNvPr>
-          <p:cNvSpPr>
-            <a:spLocks noGrp="1"/>
-          </p:cNvSpPr>
-          <p:nvPr>
-            <p:ph idx="1"/>
-          </p:nvPr>
-        </p:nvSpPr>
-        <p:spPr>
-          <a:xfrm>
-            <a:off x="492572" y="1741516"/>
-            <a:ext cx="10687057" cy="3513514"/>
-          </a:xfrm>
-        </p:spPr>
-        <p:txBody>
-          <a:bodyPr>
-            <a:normAutofit lnSpcReduction="10000"/>
-          </a:bodyPr>
-          <a:lstStyle/>
-          <a:p>
-            <a:r>
-              <a:rPr lang="en-US" sz="2800" b="1" dirty="0">
-                <a:latin typeface="Times New Roman" panose="02020603050405020304" pitchFamily="18" charset="0"/>
-                <a:cs typeface="Times New Roman" panose="02020603050405020304" pitchFamily="18" charset="0"/>
-              </a:rPr>
-              <a:t>Excluded almost half of the rows while Filtering.</a:t>
-            </a:r>
-          </a:p>
-          <a:p>
-            <a:r>
-              <a:rPr lang="en-US" sz="2800" b="1" dirty="0">
-                <a:latin typeface="Times New Roman" panose="02020603050405020304" pitchFamily="18" charset="0"/>
-                <a:cs typeface="Times New Roman" panose="02020603050405020304" pitchFamily="18" charset="0"/>
-              </a:rPr>
-              <a:t>Haven’t considered other aspects or delays like ground operations.</a:t>
-            </a:r>
-          </a:p>
-          <a:p>
-            <a:r>
-              <a:rPr lang="en-US" sz="2800" b="1" dirty="0">
-                <a:latin typeface="Times New Roman" panose="02020603050405020304" pitchFamily="18" charset="0"/>
-                <a:cs typeface="Times New Roman" panose="02020603050405020304" pitchFamily="18" charset="0"/>
-              </a:rPr>
-              <a:t>Minimum data.</a:t>
-            </a:r>
-          </a:p>
-          <a:p>
-            <a:r>
-              <a:rPr lang="en-US" sz="2800" b="1" dirty="0">
-                <a:latin typeface="Times New Roman" panose="02020603050405020304" pitchFamily="18" charset="0"/>
-                <a:cs typeface="Times New Roman" panose="02020603050405020304" pitchFamily="18" charset="0"/>
-              </a:rPr>
-              <a:t>Considered DATA only for one month in a year.</a:t>
-            </a:r>
-          </a:p>
-          <a:p>
-            <a:r>
-              <a:rPr lang="en-US" sz="2800" b="1" dirty="0">
-                <a:latin typeface="Times New Roman" panose="02020603050405020304" pitchFamily="18" charset="0"/>
-                <a:cs typeface="Times New Roman" panose="02020603050405020304" pitchFamily="18" charset="0"/>
-              </a:rPr>
-              <a:t>More generalized as it is collected for Different Airlines and different Airports.</a:t>
-            </a:r>
-          </a:p>
-        </p:txBody>
-      </p:sp>
-    </p:spTree>
-    <p:extLst>
-      <p:ext uri="{BB962C8B-B14F-4D97-AF65-F5344CB8AC3E}">
-        <p14:creationId xmlns:p14="http://schemas.microsoft.com/office/powerpoint/2010/main" val="3455868188"/>
-      </p:ext>
-    </p:extLst>
-  </p:cSld>
-  <p:clrMapOvr>
-    <a:masterClrMapping/>
-  </p:clrMapOvr>
-</p:sld>
-</file>
-
-<file path=ppt/slides/slide8.xml><?xml version="1.0" encoding="utf-8"?>
-<p:sld xmlns:a="http://schemas.openxmlformats.org/drawingml/2006/main" xmlns:r="http://schemas.openxmlformats.org/officeDocument/2006/relationships" xmlns:p="http://schemas.openxmlformats.org/presentationml/2006/main">
-  <p:cSld>
-    <p:bg>
-      <p:bgPr>
-        <a:solidFill>
-          <a:schemeClr val="bg1"/>
-        </a:solidFill>
-        <a:effectLst/>
-      </p:bgPr>
-    </p:bg>
-    <p:spTree>
-      <p:nvGrpSpPr>
-        <p:cNvPr id="1" name=""/>
-        <p:cNvGrpSpPr/>
-        <p:nvPr/>
-      </p:nvGrpSpPr>
-      <p:grpSpPr>
-        <a:xfrm>
-          <a:off x="0" y="0"/>
-          <a:ext cx="0" cy="0"/>
-          <a:chOff x="0" y="0"/>
-          <a:chExt cx="0" cy="0"/>
-        </a:xfrm>
-      </p:grpSpPr>
-      <p:sp>
-        <p:nvSpPr>
-          <p:cNvPr id="19" name="Freeform: Shape 18">
-            <a:extLst>
-              <a:ext uri="{FF2B5EF4-FFF2-40B4-BE49-F238E27FC236}">
-                <a16:creationId xmlns:a16="http://schemas.microsoft.com/office/drawing/2014/main" id="{AE192E3E-68A9-4F36-936C-1C8D0B9EF132}"/>
+              <a:t>Interpretation Of Results:</a:t>
+            </a:r>
+          </a:p>
+        </p:txBody>
+      </p:sp>
+      <p:sp>
+        <p:nvSpPr>
+          <p:cNvPr id="22" name="Freeform: Shape 21">
+            <a:extLst>
+              <a:ext uri="{FF2B5EF4-FFF2-40B4-BE49-F238E27FC236}">
+                <a16:creationId xmlns:a16="http://schemas.microsoft.com/office/drawing/2014/main" id="{3FA95682-BEE6-4B33-BA34-7E7BE49782DA}"/>
               </a:ext>
               <a:ext uri="{C183D7F6-B498-43B3-948B-1728B52AA6E4}">
                 <adec:decorative xmlns:adec="http://schemas.microsoft.com/office/drawing/2017/decorative" val="1"/>
@@ -5952,164 +4797,163 @@
           </a:p>
         </p:txBody>
       </p:sp>
-      <p:sp useBgFill="1">
-        <p:nvSpPr>
-          <p:cNvPr id="20" name="Rectangle 19">
-            <a:extLst>
-              <a:ext uri="{FF2B5EF4-FFF2-40B4-BE49-F238E27FC236}">
-                <a16:creationId xmlns:a16="http://schemas.microsoft.com/office/drawing/2014/main" id="{998D6E90-577B-4973-B60A-2700290E68B3}"/>
-              </a:ext>
-              <a:ext uri="{C183D7F6-B498-43B3-948B-1728B52AA6E4}">
-                <adec:decorative xmlns:adec="http://schemas.microsoft.com/office/drawing/2017/decorative" val="1"/>
-              </a:ext>
-            </a:extLst>
-          </p:cNvPr>
-          <p:cNvSpPr>
-            <a:spLocks noGrp="1" noRot="1" noChangeAspect="1" noMove="1" noResize="1" noEditPoints="1" noAdjustHandles="1" noChangeArrowheads="1" noChangeShapeType="1" noTextEdit="1"/>
-          </p:cNvSpPr>
-          <p:nvPr>
-            <p:extLst>
-              <p:ext uri="{386F3935-93C4-4BCD-93E2-E3B085C9AB24}">
-                <p16:designElem xmlns:p16="http://schemas.microsoft.com/office/powerpoint/2015/main" val="1"/>
-              </p:ext>
-            </p:extLst>
-          </p:nvPr>
+      <p:sp>
+        <p:nvSpPr>
+          <p:cNvPr id="6" name="TextBox 5">
+            <a:extLst>
+              <a:ext uri="{FF2B5EF4-FFF2-40B4-BE49-F238E27FC236}">
+                <a16:creationId xmlns:a16="http://schemas.microsoft.com/office/drawing/2014/main" id="{6292DC55-3B05-3C9A-A689-FFA665E4E157}"/>
+              </a:ext>
+            </a:extLst>
+          </p:cNvPr>
+          <p:cNvSpPr txBox="1"/>
+          <p:nvPr/>
         </p:nvSpPr>
         <p:spPr>
           <a:xfrm>
-            <a:off x="0" y="0"/>
-            <a:ext cx="12192000" cy="6858000"/>
+            <a:off x="257820" y="1856301"/>
+            <a:ext cx="5348896" cy="4154984"/>
           </a:xfrm>
           <a:prstGeom prst="rect">
             <a:avLst/>
           </a:prstGeom>
-          <a:ln w="12700" cap="flat" cmpd="sng" algn="ctr">
-            <a:noFill/>
-            <a:prstDash val="solid"/>
-            <a:miter lim="800000"/>
-          </a:ln>
-          <a:effectLst/>
-          <a:extLst>
-            <a:ext uri="{91240B29-F687-4F45-9708-019B960494DF}">
-              <a14:hiddenLine xmlns:a14="http://schemas.microsoft.com/office/drawing/2010/main" w="12700" cap="flat" cmpd="sng" algn="ctr">
-                <a:solidFill>
-                  <a:schemeClr val="accent1">
-                    <a:shade val="50000"/>
-                  </a:schemeClr>
-                </a:solidFill>
-                <a:prstDash val="solid"/>
-                <a:miter lim="800000"/>
-              </a14:hiddenLine>
-            </a:ext>
-          </a:extLst>
+          <a:noFill/>
         </p:spPr>
-        <p:style>
-          <a:lnRef idx="2">
-            <a:schemeClr val="accent1">
-              <a:shade val="50000"/>
-            </a:schemeClr>
-          </a:lnRef>
-          <a:fillRef idx="1">
-            <a:schemeClr val="accent1"/>
-          </a:fillRef>
-          <a:effectRef idx="0">
-            <a:schemeClr val="accent1"/>
-          </a:effectRef>
-          <a:fontRef idx="minor">
-            <a:schemeClr val="lt1"/>
-          </a:fontRef>
-        </p:style>
-        <p:txBody>
-          <a:bodyPr rtlCol="0" anchor="ctr"/>
-          <a:lstStyle/>
-          <a:p>
-            <a:pPr algn="ctr"/>
-            <a:endParaRPr lang="en-US"/>
-          </a:p>
-        </p:txBody>
-      </p:sp>
-      <p:sp>
-        <p:nvSpPr>
-          <p:cNvPr id="2" name="TextBox 1">
-            <a:extLst>
-              <a:ext uri="{FF2B5EF4-FFF2-40B4-BE49-F238E27FC236}">
-                <a16:creationId xmlns:a16="http://schemas.microsoft.com/office/drawing/2014/main" id="{3719526A-D573-63FE-A05E-FD4E24B12CDC}"/>
-              </a:ext>
-            </a:extLst>
-          </p:cNvPr>
-          <p:cNvSpPr txBox="1"/>
+        <p:txBody>
+          <a:bodyPr wrap="square" rtlCol="0">
+            <a:spAutoFit/>
+          </a:bodyPr>
+          <a:lstStyle/>
+          <a:p>
+            <a:r>
+              <a:rPr lang="en-US" sz="2400" b="1" dirty="0">
+                <a:latin typeface="Times New Roman" panose="02020603050405020304" pitchFamily="18" charset="0"/>
+                <a:cs typeface="Times New Roman" panose="02020603050405020304" pitchFamily="18" charset="0"/>
+              </a:rPr>
+              <a:t>SE: due to Multicollinearity and Variability of the DATA.</a:t>
+            </a:r>
+          </a:p>
+          <a:p>
+            <a:endParaRPr lang="en-US" sz="2400" b="1" dirty="0">
+              <a:latin typeface="Times New Roman" panose="02020603050405020304" pitchFamily="18" charset="0"/>
+              <a:cs typeface="Times New Roman" panose="02020603050405020304" pitchFamily="18" charset="0"/>
+            </a:endParaRPr>
+          </a:p>
+          <a:p>
+            <a:r>
+              <a:rPr lang="en-US" sz="2400" b="1" dirty="0">
+                <a:latin typeface="Times New Roman" panose="02020603050405020304" pitchFamily="18" charset="0"/>
+                <a:cs typeface="Times New Roman" panose="02020603050405020304" pitchFamily="18" charset="0"/>
+              </a:rPr>
+              <a:t>Constant: Base line when Predictors set to 0.</a:t>
+            </a:r>
+          </a:p>
+          <a:p>
+            <a:endParaRPr lang="en-US" sz="2400" b="1" dirty="0">
+              <a:latin typeface="Times New Roman" panose="02020603050405020304" pitchFamily="18" charset="0"/>
+              <a:cs typeface="Times New Roman" panose="02020603050405020304" pitchFamily="18" charset="0"/>
+            </a:endParaRPr>
+          </a:p>
+          <a:p>
+            <a:r>
+              <a:rPr lang="en-US" sz="2400" b="1" dirty="0">
+                <a:latin typeface="Times New Roman" panose="02020603050405020304" pitchFamily="18" charset="0"/>
+                <a:cs typeface="Times New Roman" panose="02020603050405020304" pitchFamily="18" charset="0"/>
+              </a:rPr>
+              <a:t>Co-efficient: change in log odds/each unit change (Binary).</a:t>
+            </a:r>
+          </a:p>
+          <a:p>
+            <a:endParaRPr lang="en-US" sz="2400" b="1" dirty="0">
+              <a:latin typeface="Times New Roman" panose="02020603050405020304" pitchFamily="18" charset="0"/>
+              <a:cs typeface="Times New Roman" panose="02020603050405020304" pitchFamily="18" charset="0"/>
+            </a:endParaRPr>
+          </a:p>
+          <a:p>
+            <a:r>
+              <a:rPr lang="en-US" sz="2400" b="1" dirty="0">
+                <a:latin typeface="Times New Roman" panose="02020603050405020304" pitchFamily="18" charset="0"/>
+                <a:cs typeface="Times New Roman" panose="02020603050405020304" pitchFamily="18" charset="0"/>
+              </a:rPr>
+              <a:t>AIC: shows the best model to select when comparing two or more Models.</a:t>
+            </a:r>
+          </a:p>
+        </p:txBody>
+      </p:sp>
+      <p:pic>
+        <p:nvPicPr>
+          <p:cNvPr id="5" name="Picture 4">
+            <a:extLst>
+              <a:ext uri="{FF2B5EF4-FFF2-40B4-BE49-F238E27FC236}">
+                <a16:creationId xmlns:a16="http://schemas.microsoft.com/office/drawing/2014/main" id="{F958A5DA-6B93-A4BB-2652-B03548BF0632}"/>
+              </a:ext>
+            </a:extLst>
+          </p:cNvPr>
+          <p:cNvPicPr>
+            <a:picLocks noChangeAspect="1"/>
+          </p:cNvPicPr>
           <p:nvPr/>
-        </p:nvSpPr>
+        </p:nvPicPr>
+        <p:blipFill>
+          <a:blip r:embed="rId2"/>
+          <a:stretch>
+            <a:fillRect/>
+          </a:stretch>
+        </p:blipFill>
         <p:spPr>
           <a:xfrm>
-            <a:off x="152400" y="1597961"/>
-            <a:ext cx="3561297" cy="3162300"/>
+            <a:off x="6096000" y="398761"/>
+            <a:ext cx="5348896" cy="5905785"/>
           </a:xfrm>
           <a:prstGeom prst="rect">
             <a:avLst/>
           </a:prstGeom>
         </p:spPr>
-        <p:txBody>
-          <a:bodyPr vert="horz" lIns="91440" tIns="45720" rIns="91440" bIns="45720" rtlCol="0" anchor="t">
-            <a:normAutofit/>
-          </a:bodyPr>
-          <a:lstStyle/>
-          <a:p>
-            <a:pPr>
-              <a:lnSpc>
-                <a:spcPct val="110000"/>
-              </a:lnSpc>
-              <a:spcBef>
-                <a:spcPct val="0"/>
-              </a:spcBef>
-              <a:spcAft>
-                <a:spcPts val="600"/>
-              </a:spcAft>
-            </a:pPr>
-            <a:r>
-              <a:rPr lang="en-US" sz="3600" b="1" dirty="0">
-                <a:solidFill>
-                  <a:srgbClr val="FF0000"/>
-                </a:solidFill>
-                <a:latin typeface="Times New Roman" panose="02020603050405020304" pitchFamily="18" charset="0"/>
-                <a:ea typeface="+mj-ea"/>
-                <a:cs typeface="Times New Roman" panose="02020603050405020304" pitchFamily="18" charset="0"/>
-              </a:rPr>
-              <a:t>Results:</a:t>
-            </a:r>
-          </a:p>
-          <a:p>
-            <a:pPr>
-              <a:lnSpc>
-                <a:spcPct val="110000"/>
-              </a:lnSpc>
-              <a:spcBef>
-                <a:spcPct val="0"/>
-              </a:spcBef>
-              <a:spcAft>
-                <a:spcPts val="600"/>
-              </a:spcAft>
-            </a:pPr>
-            <a:r>
-              <a:rPr lang="en-US" sz="3600" b="1" dirty="0">
-                <a:solidFill>
-                  <a:srgbClr val="FF0000"/>
-                </a:solidFill>
-                <a:latin typeface="Times New Roman" panose="02020603050405020304" pitchFamily="18" charset="0"/>
-                <a:ea typeface="+mj-ea"/>
-                <a:cs typeface="Times New Roman" panose="02020603050405020304" pitchFamily="18" charset="0"/>
-              </a:rPr>
-              <a:t>EDA Analysis:</a:t>
-            </a:r>
-          </a:p>
-        </p:txBody>
-      </p:sp>
-      <p:sp>
-        <p:nvSpPr>
-          <p:cNvPr id="21" name="Freeform: Shape 20">
-            <a:extLst>
-              <a:ext uri="{FF2B5EF4-FFF2-40B4-BE49-F238E27FC236}">
-                <a16:creationId xmlns:a16="http://schemas.microsoft.com/office/drawing/2014/main" id="{3FA95682-BEE6-4B33-BA34-7E7BE49782DA}"/>
+      </p:pic>
+    </p:spTree>
+    <p:extLst>
+      <p:ext uri="{BB962C8B-B14F-4D97-AF65-F5344CB8AC3E}">
+        <p14:creationId xmlns:p14="http://schemas.microsoft.com/office/powerpoint/2010/main" val="3745418888"/>
+      </p:ext>
+    </p:extLst>
+  </p:cSld>
+  <p:clrMapOvr>
+    <a:masterClrMapping/>
+  </p:clrMapOvr>
+</p:sld>
+</file>
+
+<file path=ppt/slides/slide12.xml><?xml version="1.0" encoding="utf-8"?>
+<p:sld xmlns:a="http://schemas.openxmlformats.org/drawingml/2006/main" xmlns:r="http://schemas.openxmlformats.org/officeDocument/2006/relationships" xmlns:p="http://schemas.openxmlformats.org/presentationml/2006/main">
+  <p:cSld>
+    <p:bg>
+      <p:bgPr>
+        <a:solidFill>
+          <a:schemeClr val="bg1"/>
+        </a:solidFill>
+        <a:effectLst/>
+      </p:bgPr>
+    </p:bg>
+    <p:spTree>
+      <p:nvGrpSpPr>
+        <p:cNvPr id="1" name=""/>
+        <p:cNvGrpSpPr/>
+        <p:nvPr/>
+      </p:nvGrpSpPr>
+      <p:grpSpPr>
+        <a:xfrm>
+          <a:off x="0" y="0"/>
+          <a:ext cx="0" cy="0"/>
+          <a:chOff x="0" y="0"/>
+          <a:chExt cx="0" cy="0"/>
+        </a:xfrm>
+      </p:grpSpPr>
+      <p:sp>
+        <p:nvSpPr>
+          <p:cNvPr id="13" name="Freeform: Shape 12">
+            <a:extLst>
+              <a:ext uri="{FF2B5EF4-FFF2-40B4-BE49-F238E27FC236}">
+                <a16:creationId xmlns:a16="http://schemas.microsoft.com/office/drawing/2014/main" id="{AE192E3E-68A9-4F36-936C-1C8D0B9EF132}"/>
               </a:ext>
               <a:ext uri="{C183D7F6-B498-43B3-948B-1728B52AA6E4}">
                 <adec:decorative xmlns:adec="http://schemas.microsoft.com/office/drawing/2017/decorative" val="1"/>
@@ -6230,12 +5074,611 @@
           </a:p>
         </p:txBody>
       </p:sp>
+      <p:sp useBgFill="1">
+        <p:nvSpPr>
+          <p:cNvPr id="15" name="Rectangle 14">
+            <a:extLst>
+              <a:ext uri="{FF2B5EF4-FFF2-40B4-BE49-F238E27FC236}">
+                <a16:creationId xmlns:a16="http://schemas.microsoft.com/office/drawing/2014/main" id="{DA1766D0-745A-4921-A68E-56642A6508CF}"/>
+              </a:ext>
+              <a:ext uri="{C183D7F6-B498-43B3-948B-1728B52AA6E4}">
+                <adec:decorative xmlns:adec="http://schemas.microsoft.com/office/drawing/2017/decorative" val="1"/>
+              </a:ext>
+            </a:extLst>
+          </p:cNvPr>
+          <p:cNvSpPr>
+            <a:spLocks noGrp="1" noRot="1" noChangeAspect="1" noMove="1" noResize="1" noEditPoints="1" noAdjustHandles="1" noChangeArrowheads="1" noChangeShapeType="1" noTextEdit="1"/>
+          </p:cNvSpPr>
+          <p:nvPr>
+            <p:extLst>
+              <p:ext uri="{386F3935-93C4-4BCD-93E2-E3B085C9AB24}">
+                <p16:designElem xmlns:p16="http://schemas.microsoft.com/office/powerpoint/2015/main" val="1"/>
+              </p:ext>
+            </p:extLst>
+          </p:nvPr>
+        </p:nvSpPr>
+        <p:spPr>
+          <a:xfrm>
+            <a:off x="0" y="0"/>
+            <a:ext cx="12192000" cy="6858000"/>
+          </a:xfrm>
+          <a:prstGeom prst="rect">
+            <a:avLst/>
+          </a:prstGeom>
+          <a:ln w="12700" cap="flat" cmpd="sng" algn="ctr">
+            <a:noFill/>
+            <a:prstDash val="solid"/>
+            <a:miter lim="800000"/>
+          </a:ln>
+          <a:effectLst/>
+          <a:extLst>
+            <a:ext uri="{91240B29-F687-4F45-9708-019B960494DF}">
+              <a14:hiddenLine xmlns:a14="http://schemas.microsoft.com/office/drawing/2010/main" w="12700" cap="flat" cmpd="sng" algn="ctr">
+                <a:solidFill>
+                  <a:schemeClr val="accent1">
+                    <a:shade val="50000"/>
+                  </a:schemeClr>
+                </a:solidFill>
+                <a:prstDash val="solid"/>
+                <a:miter lim="800000"/>
+              </a14:hiddenLine>
+            </a:ext>
+          </a:extLst>
+        </p:spPr>
+        <p:style>
+          <a:lnRef idx="2">
+            <a:schemeClr val="accent1">
+              <a:shade val="50000"/>
+            </a:schemeClr>
+          </a:lnRef>
+          <a:fillRef idx="1">
+            <a:schemeClr val="accent1"/>
+          </a:fillRef>
+          <a:effectRef idx="0">
+            <a:schemeClr val="accent1"/>
+          </a:effectRef>
+          <a:fontRef idx="minor">
+            <a:schemeClr val="lt1"/>
+          </a:fontRef>
+        </p:style>
+        <p:txBody>
+          <a:bodyPr rtlCol="0" anchor="ctr"/>
+          <a:lstStyle/>
+          <a:p>
+            <a:pPr algn="ctr"/>
+            <a:endParaRPr lang="en-US"/>
+          </a:p>
+        </p:txBody>
+      </p:sp>
+      <p:sp>
+        <p:nvSpPr>
+          <p:cNvPr id="3" name="TextBox 2">
+            <a:extLst>
+              <a:ext uri="{FF2B5EF4-FFF2-40B4-BE49-F238E27FC236}">
+                <a16:creationId xmlns:a16="http://schemas.microsoft.com/office/drawing/2014/main" id="{0A76FAD6-691C-F3EE-15EE-A1C48623B683}"/>
+              </a:ext>
+            </a:extLst>
+          </p:cNvPr>
+          <p:cNvSpPr txBox="1"/>
+          <p:nvPr/>
+        </p:nvSpPr>
+        <p:spPr>
+          <a:xfrm>
+            <a:off x="1077364" y="720435"/>
+            <a:ext cx="4140096" cy="1507375"/>
+          </a:xfrm>
+          <a:prstGeom prst="rect">
+            <a:avLst/>
+          </a:prstGeom>
+        </p:spPr>
+        <p:txBody>
+          <a:bodyPr vert="horz" lIns="91440" tIns="45720" rIns="91440" bIns="45720" rtlCol="0" anchor="b">
+            <a:normAutofit/>
+          </a:bodyPr>
+          <a:lstStyle/>
+          <a:p>
+            <a:pPr marL="0" marR="0" lvl="0" indent="0" fontAlgn="auto">
+              <a:lnSpc>
+                <a:spcPct val="110000"/>
+              </a:lnSpc>
+              <a:spcBef>
+                <a:spcPct val="0"/>
+              </a:spcBef>
+              <a:spcAft>
+                <a:spcPts val="600"/>
+              </a:spcAft>
+              <a:buClrTx/>
+              <a:buSzTx/>
+              <a:tabLst/>
+              <a:defRPr/>
+            </a:pPr>
+            <a:r>
+              <a:rPr kumimoji="0" lang="en-US" sz="3200" b="1" i="0" u="none" strike="noStrike" kern="1200" cap="none" spc="0" normalizeH="0" baseline="0" noProof="0" dirty="0">
+                <a:ln>
+                  <a:noFill/>
+                </a:ln>
+                <a:solidFill>
+                  <a:srgbClr val="FF0000"/>
+                </a:solidFill>
+                <a:effectLst/>
+                <a:uLnTx/>
+                <a:uFillTx/>
+                <a:latin typeface="+mj-lt"/>
+                <a:ea typeface="+mj-ea"/>
+                <a:cs typeface="+mj-cs"/>
+              </a:rPr>
+              <a:t>Interpretation Of Results:</a:t>
+            </a:r>
+          </a:p>
+        </p:txBody>
+      </p:sp>
+      <mc:AlternateContent xmlns:mc="http://schemas.openxmlformats.org/markup-compatibility/2006" xmlns:a14="http://schemas.microsoft.com/office/drawing/2010/main">
+        <mc:Choice Requires="a14">
+          <p:sp>
+            <p:nvSpPr>
+              <p:cNvPr id="8" name="TextBox 7">
+                <a:extLst>
+                  <a:ext uri="{FF2B5EF4-FFF2-40B4-BE49-F238E27FC236}">
+                    <a16:creationId xmlns:a16="http://schemas.microsoft.com/office/drawing/2014/main" id="{3BE9DE64-0CAD-D485-734A-74DD56040BF1}"/>
+                  </a:ext>
+                </a:extLst>
+              </p:cNvPr>
+              <p:cNvSpPr txBox="1"/>
+              <p:nvPr/>
+            </p:nvSpPr>
+            <p:spPr>
+              <a:xfrm>
+                <a:off x="1077364" y="2427316"/>
+                <a:ext cx="4140096" cy="3513514"/>
+              </a:xfrm>
+              <a:prstGeom prst="rect">
+                <a:avLst/>
+              </a:prstGeom>
+            </p:spPr>
+            <p:txBody>
+              <a:bodyPr vert="horz" lIns="91440" tIns="45720" rIns="91440" bIns="45720" rtlCol="0">
+                <a:normAutofit/>
+              </a:bodyPr>
+              <a:lstStyle/>
+              <a:p>
+                <a:pPr>
+                  <a:lnSpc>
+                    <a:spcPct val="110000"/>
+                  </a:lnSpc>
+                  <a:spcAft>
+                    <a:spcPts val="600"/>
+                  </a:spcAft>
+                </a:pPr>
+                <a:endParaRPr lang="en-US" b="1" dirty="0"/>
+              </a:p>
+              <a:p>
+                <a:pPr>
+                  <a:lnSpc>
+                    <a:spcPct val="110000"/>
+                  </a:lnSpc>
+                  <a:spcAft>
+                    <a:spcPts val="600"/>
+                  </a:spcAft>
+                </a:pPr>
+                <a:endParaRPr lang="en-US" b="1" dirty="0"/>
+              </a:p>
+              <a:p>
+                <a:pPr>
+                  <a:lnSpc>
+                    <a:spcPct val="110000"/>
+                  </a:lnSpc>
+                  <a:spcAft>
+                    <a:spcPts val="600"/>
+                  </a:spcAft>
+                </a:pPr>
+                <a:r>
+                  <a:rPr lang="en-US" b="1" dirty="0"/>
+                  <a:t>G2 is Difference between loglikelihood of the Model and Null  is positive which shows the better fit of the Model.</a:t>
+                </a:r>
+              </a:p>
+              <a:p>
+                <a:pPr>
+                  <a:lnSpc>
+                    <a:spcPct val="110000"/>
+                  </a:lnSpc>
+                  <a:spcAft>
+                    <a:spcPts val="600"/>
+                  </a:spcAft>
+                </a:pPr>
+                <a:endParaRPr lang="en-US" b="1" dirty="0"/>
+              </a:p>
+              <a:p>
+                <a:pPr>
+                  <a:lnSpc>
+                    <a:spcPct val="110000"/>
+                  </a:lnSpc>
+                  <a:spcAft>
+                    <a:spcPts val="600"/>
+                  </a:spcAft>
+                </a:pPr>
+                <a:r>
+                  <a:rPr lang="en-US" b="1" dirty="0"/>
+                  <a:t>McFadden’s &amp; Cox and Snell </a:t>
+                </a:r>
+                <a14:m>
+                  <m:oMath xmlns:m="http://schemas.openxmlformats.org/officeDocument/2006/math">
+                    <m:sSup>
+                      <m:sSupPr>
+                        <m:ctrlPr>
+                          <a:rPr lang="en-US" b="1" i="1">
+                            <a:latin typeface="Cambria Math" panose="02040503050406030204" pitchFamily="18" charset="0"/>
+                          </a:rPr>
+                        </m:ctrlPr>
+                      </m:sSupPr>
+                      <m:e>
+                        <m:r>
+                          <a:rPr lang="en-US" b="1" i="1">
+                            <a:latin typeface="Cambria Math" panose="02040503050406030204" pitchFamily="18" charset="0"/>
+                          </a:rPr>
+                          <m:t>𝑹</m:t>
+                        </m:r>
+                      </m:e>
+                      <m:sup>
+                        <m:r>
+                          <a:rPr lang="en-US" b="1" i="1">
+                            <a:latin typeface="Cambria Math" panose="02040503050406030204" pitchFamily="18" charset="0"/>
+                          </a:rPr>
+                          <m:t>𝟐</m:t>
+                        </m:r>
+                      </m:sup>
+                    </m:sSup>
+                    <m:r>
+                      <a:rPr lang="en-US" b="1" i="1">
+                        <a:latin typeface="Cambria Math" panose="02040503050406030204" pitchFamily="18" charset="0"/>
+                      </a:rPr>
+                      <m:t> </m:t>
+                    </m:r>
+                  </m:oMath>
+                </a14:m>
+                <a:r>
+                  <a:rPr lang="en-US" b="1" dirty="0"/>
+                  <a:t> is close to 1 which shows that it’s best fit model.</a:t>
+                </a:r>
+              </a:p>
+              <a:p>
+                <a:pPr>
+                  <a:lnSpc>
+                    <a:spcPct val="110000"/>
+                  </a:lnSpc>
+                  <a:spcAft>
+                    <a:spcPts val="600"/>
+                  </a:spcAft>
+                </a:pPr>
+                <a:endParaRPr lang="en-US" dirty="0"/>
+              </a:p>
+              <a:p>
+                <a:pPr>
+                  <a:lnSpc>
+                    <a:spcPct val="110000"/>
+                  </a:lnSpc>
+                  <a:spcAft>
+                    <a:spcPts val="600"/>
+                  </a:spcAft>
+                </a:pPr>
+                <a:endParaRPr lang="en-US" dirty="0"/>
+              </a:p>
+              <a:p>
+                <a:pPr>
+                  <a:lnSpc>
+                    <a:spcPct val="110000"/>
+                  </a:lnSpc>
+                  <a:spcAft>
+                    <a:spcPts val="600"/>
+                  </a:spcAft>
+                </a:pPr>
+                <a:endParaRPr lang="en-US" dirty="0"/>
+              </a:p>
+            </p:txBody>
+          </p:sp>
+        </mc:Choice>
+        <mc:Fallback xmlns="">
+          <p:sp>
+            <p:nvSpPr>
+              <p:cNvPr id="8" name="TextBox 7">
+                <a:extLst>
+                  <a:ext uri="{FF2B5EF4-FFF2-40B4-BE49-F238E27FC236}">
+                    <a16:creationId xmlns:a16="http://schemas.microsoft.com/office/drawing/2014/main" id="{3BE9DE64-0CAD-D485-734A-74DD56040BF1}"/>
+                  </a:ext>
+                </a:extLst>
+              </p:cNvPr>
+              <p:cNvSpPr txBox="1">
+                <a:spLocks noRot="1" noChangeAspect="1" noMove="1" noResize="1" noEditPoints="1" noAdjustHandles="1" noChangeArrowheads="1" noChangeShapeType="1" noTextEdit="1"/>
+              </p:cNvSpPr>
+              <p:nvPr/>
+            </p:nvSpPr>
+            <p:spPr>
+              <a:xfrm>
+                <a:off x="1077364" y="2427316"/>
+                <a:ext cx="4140096" cy="3513514"/>
+              </a:xfrm>
+              <a:prstGeom prst="rect">
+                <a:avLst/>
+              </a:prstGeom>
+              <a:blipFill>
+                <a:blip r:embed="rId2"/>
+                <a:stretch>
+                  <a:fillRect l="-1325" r="-2062"/>
+                </a:stretch>
+              </a:blipFill>
+            </p:spPr>
+            <p:txBody>
+              <a:bodyPr/>
+              <a:lstStyle/>
+              <a:p>
+                <a:r>
+                  <a:rPr lang="en-US">
+                    <a:noFill/>
+                  </a:rPr>
+                  <a:t> </a:t>
+                </a:r>
+              </a:p>
+            </p:txBody>
+          </p:sp>
+        </mc:Fallback>
+      </mc:AlternateContent>
+      <p:sp>
+        <p:nvSpPr>
+          <p:cNvPr id="17" name="Freeform: Shape 16">
+            <a:extLst>
+              <a:ext uri="{FF2B5EF4-FFF2-40B4-BE49-F238E27FC236}">
+                <a16:creationId xmlns:a16="http://schemas.microsoft.com/office/drawing/2014/main" id="{583F1E3F-D7BF-4DB5-8016-70B9E385E338}"/>
+              </a:ext>
+              <a:ext uri="{C183D7F6-B498-43B3-948B-1728B52AA6E4}">
+                <adec:decorative xmlns:adec="http://schemas.microsoft.com/office/drawing/2017/decorative" val="1"/>
+              </a:ext>
+            </a:extLst>
+          </p:cNvPr>
+          <p:cNvSpPr>
+            <a:spLocks noGrp="1" noRot="1" noChangeAspect="1" noMove="1" noResize="1" noEditPoints="1" noAdjustHandles="1" noChangeArrowheads="1" noChangeShapeType="1" noTextEdit="1"/>
+          </p:cNvSpPr>
+          <p:nvPr>
+            <p:extLst>
+              <p:ext uri="{386F3935-93C4-4BCD-93E2-E3B085C9AB24}">
+                <p16:designElem xmlns:p16="http://schemas.microsoft.com/office/powerpoint/2015/main" val="1"/>
+              </p:ext>
+            </p:extLst>
+          </p:nvPr>
+        </p:nvSpPr>
+        <p:spPr>
+          <a:xfrm rot="16200000">
+            <a:off x="8794726" y="-9066"/>
+            <a:ext cx="3388208" cy="3406341"/>
+          </a:xfrm>
+          <a:custGeom>
+            <a:avLst/>
+            <a:gdLst>
+              <a:gd name="connsiteX0" fmla="*/ 3388058 w 3388208"/>
+              <a:gd name="connsiteY0" fmla="*/ 0 h 3406341"/>
+              <a:gd name="connsiteX1" fmla="*/ 3388208 w 3388208"/>
+              <a:gd name="connsiteY1" fmla="*/ 0 h 3406341"/>
+              <a:gd name="connsiteX2" fmla="*/ 3388208 w 3388208"/>
+              <a:gd name="connsiteY2" fmla="*/ 3406341 h 3406341"/>
+              <a:gd name="connsiteX3" fmla="*/ 0 w 3388208"/>
+              <a:gd name="connsiteY3" fmla="*/ 3406341 h 3406341"/>
+              <a:gd name="connsiteX4" fmla="*/ 79006 w 3388208"/>
+              <a:gd name="connsiteY4" fmla="*/ 3404386 h 3406341"/>
+              <a:gd name="connsiteX5" fmla="*/ 3383947 w 3388208"/>
+              <a:gd name="connsiteY5" fmla="*/ 164274 h 3406341"/>
+            </a:gdLst>
+            <a:ahLst/>
+            <a:cxnLst>
+              <a:cxn ang="0">
+                <a:pos x="connsiteX0" y="connsiteY0"/>
+              </a:cxn>
+              <a:cxn ang="0">
+                <a:pos x="connsiteX1" y="connsiteY1"/>
+              </a:cxn>
+              <a:cxn ang="0">
+                <a:pos x="connsiteX2" y="connsiteY2"/>
+              </a:cxn>
+              <a:cxn ang="0">
+                <a:pos x="connsiteX3" y="connsiteY3"/>
+              </a:cxn>
+              <a:cxn ang="0">
+                <a:pos x="connsiteX4" y="connsiteY4"/>
+              </a:cxn>
+              <a:cxn ang="0">
+                <a:pos x="connsiteX5" y="connsiteY5"/>
+              </a:cxn>
+            </a:cxnLst>
+            <a:rect l="l" t="t" r="r" b="b"/>
+            <a:pathLst>
+              <a:path w="3388208" h="3406341">
+                <a:moveTo>
+                  <a:pt x="3388058" y="0"/>
+                </a:moveTo>
+                <a:lnTo>
+                  <a:pt x="3388208" y="0"/>
+                </a:lnTo>
+                <a:lnTo>
+                  <a:pt x="3388208" y="3406341"/>
+                </a:lnTo>
+                <a:lnTo>
+                  <a:pt x="0" y="3406341"/>
+                </a:lnTo>
+                <a:lnTo>
+                  <a:pt x="79006" y="3404386"/>
+                </a:lnTo>
+                <a:cubicBezTo>
+                  <a:pt x="1864742" y="3315784"/>
+                  <a:pt x="3296223" y="1912901"/>
+                  <a:pt x="3383947" y="164274"/>
+                </a:cubicBezTo>
+                <a:close/>
+              </a:path>
+            </a:pathLst>
+          </a:custGeom>
+          <a:solidFill>
+            <a:schemeClr val="accent5"/>
+          </a:solidFill>
+          <a:ln>
+            <a:noFill/>
+          </a:ln>
+        </p:spPr>
+        <p:style>
+          <a:lnRef idx="2">
+            <a:schemeClr val="accent1">
+              <a:shade val="50000"/>
+            </a:schemeClr>
+          </a:lnRef>
+          <a:fillRef idx="1">
+            <a:schemeClr val="accent1"/>
+          </a:fillRef>
+          <a:effectRef idx="0">
+            <a:schemeClr val="accent1"/>
+          </a:effectRef>
+          <a:fontRef idx="minor">
+            <a:schemeClr val="lt1"/>
+          </a:fontRef>
+        </p:style>
+        <p:txBody>
+          <a:bodyPr wrap="square" rtlCol="0" anchor="ctr">
+            <a:noAutofit/>
+          </a:bodyPr>
+          <a:lstStyle/>
+          <a:p>
+            <a:pPr algn="ctr"/>
+            <a:endParaRPr lang="en-US"/>
+          </a:p>
+        </p:txBody>
+      </p:sp>
+      <p:sp>
+        <p:nvSpPr>
+          <p:cNvPr id="19" name="Freeform: Shape 18">
+            <a:extLst>
+              <a:ext uri="{FF2B5EF4-FFF2-40B4-BE49-F238E27FC236}">
+                <a16:creationId xmlns:a16="http://schemas.microsoft.com/office/drawing/2014/main" id="{DD0D3E7A-8DF6-4A78-A03C-86AD697468BE}"/>
+              </a:ext>
+              <a:ext uri="{C183D7F6-B498-43B3-948B-1728B52AA6E4}">
+                <adec:decorative xmlns:adec="http://schemas.microsoft.com/office/drawing/2017/decorative" val="1"/>
+              </a:ext>
+            </a:extLst>
+          </p:cNvPr>
+          <p:cNvSpPr>
+            <a:spLocks noGrp="1" noRot="1" noChangeAspect="1" noMove="1" noResize="1" noEditPoints="1" noAdjustHandles="1" noChangeArrowheads="1" noChangeShapeType="1" noTextEdit="1"/>
+          </p:cNvSpPr>
+          <p:nvPr>
+            <p:extLst>
+              <p:ext uri="{386F3935-93C4-4BCD-93E2-E3B085C9AB24}">
+                <p16:designElem xmlns:p16="http://schemas.microsoft.com/office/powerpoint/2015/main" val="1"/>
+              </p:ext>
+            </p:extLst>
+          </p:nvPr>
+        </p:nvSpPr>
+        <p:spPr>
+          <a:xfrm>
+            <a:off x="8803792" y="3470886"/>
+            <a:ext cx="3388208" cy="3406341"/>
+          </a:xfrm>
+          <a:custGeom>
+            <a:avLst/>
+            <a:gdLst>
+              <a:gd name="connsiteX0" fmla="*/ 3388058 w 3388208"/>
+              <a:gd name="connsiteY0" fmla="*/ 0 h 3406341"/>
+              <a:gd name="connsiteX1" fmla="*/ 3388208 w 3388208"/>
+              <a:gd name="connsiteY1" fmla="*/ 0 h 3406341"/>
+              <a:gd name="connsiteX2" fmla="*/ 3388208 w 3388208"/>
+              <a:gd name="connsiteY2" fmla="*/ 3406341 h 3406341"/>
+              <a:gd name="connsiteX3" fmla="*/ 0 w 3388208"/>
+              <a:gd name="connsiteY3" fmla="*/ 3406341 h 3406341"/>
+              <a:gd name="connsiteX4" fmla="*/ 79006 w 3388208"/>
+              <a:gd name="connsiteY4" fmla="*/ 3404386 h 3406341"/>
+              <a:gd name="connsiteX5" fmla="*/ 3383947 w 3388208"/>
+              <a:gd name="connsiteY5" fmla="*/ 164274 h 3406341"/>
+            </a:gdLst>
+            <a:ahLst/>
+            <a:cxnLst>
+              <a:cxn ang="0">
+                <a:pos x="connsiteX0" y="connsiteY0"/>
+              </a:cxn>
+              <a:cxn ang="0">
+                <a:pos x="connsiteX1" y="connsiteY1"/>
+              </a:cxn>
+              <a:cxn ang="0">
+                <a:pos x="connsiteX2" y="connsiteY2"/>
+              </a:cxn>
+              <a:cxn ang="0">
+                <a:pos x="connsiteX3" y="connsiteY3"/>
+              </a:cxn>
+              <a:cxn ang="0">
+                <a:pos x="connsiteX4" y="connsiteY4"/>
+              </a:cxn>
+              <a:cxn ang="0">
+                <a:pos x="connsiteX5" y="connsiteY5"/>
+              </a:cxn>
+            </a:cxnLst>
+            <a:rect l="l" t="t" r="r" b="b"/>
+            <a:pathLst>
+              <a:path w="3388208" h="3406341">
+                <a:moveTo>
+                  <a:pt x="3388058" y="0"/>
+                </a:moveTo>
+                <a:lnTo>
+                  <a:pt x="3388208" y="0"/>
+                </a:lnTo>
+                <a:lnTo>
+                  <a:pt x="3388208" y="3406341"/>
+                </a:lnTo>
+                <a:lnTo>
+                  <a:pt x="0" y="3406341"/>
+                </a:lnTo>
+                <a:lnTo>
+                  <a:pt x="79006" y="3404386"/>
+                </a:lnTo>
+                <a:cubicBezTo>
+                  <a:pt x="1864742" y="3315784"/>
+                  <a:pt x="3296223" y="1912901"/>
+                  <a:pt x="3383947" y="164274"/>
+                </a:cubicBezTo>
+                <a:close/>
+              </a:path>
+            </a:pathLst>
+          </a:custGeom>
+          <a:solidFill>
+            <a:schemeClr val="tx2"/>
+          </a:solidFill>
+          <a:ln>
+            <a:noFill/>
+          </a:ln>
+        </p:spPr>
+        <p:style>
+          <a:lnRef idx="2">
+            <a:schemeClr val="accent1">
+              <a:shade val="50000"/>
+            </a:schemeClr>
+          </a:lnRef>
+          <a:fillRef idx="1">
+            <a:schemeClr val="accent1"/>
+          </a:fillRef>
+          <a:effectRef idx="0">
+            <a:schemeClr val="accent1"/>
+          </a:effectRef>
+          <a:fontRef idx="minor">
+            <a:schemeClr val="lt1"/>
+          </a:fontRef>
+        </p:style>
+        <p:txBody>
+          <a:bodyPr wrap="square" rtlCol="0" anchor="ctr">
+            <a:noAutofit/>
+          </a:bodyPr>
+          <a:lstStyle/>
+          <a:p>
+            <a:pPr algn="ctr"/>
+            <a:endParaRPr lang="en-US"/>
+          </a:p>
+        </p:txBody>
+      </p:sp>
       <p:pic>
         <p:nvPicPr>
-          <p:cNvPr id="4" name="Picture 3" descr="A screen shot of a computer screen&#10;&#10;Description automatically generated">
-            <a:extLst>
-              <a:ext uri="{FF2B5EF4-FFF2-40B4-BE49-F238E27FC236}">
-                <a16:creationId xmlns:a16="http://schemas.microsoft.com/office/drawing/2014/main" id="{2820A1EB-A989-5BE3-09AF-83A8A690705D}"/>
+          <p:cNvPr id="6" name="Picture 5" descr="A close-up of a number&#10;&#10;Description automatically generated">
+            <a:extLst>
+              <a:ext uri="{FF2B5EF4-FFF2-40B4-BE49-F238E27FC236}">
+                <a16:creationId xmlns:a16="http://schemas.microsoft.com/office/drawing/2014/main" id="{158FA0AE-12D5-FDEC-5DE8-3AFA3BB49D4F}"/>
               </a:ext>
             </a:extLst>
           </p:cNvPr>
@@ -6245,88 +5688,25 @@
           <p:nvPr/>
         </p:nvPicPr>
         <p:blipFill>
-          <a:blip r:embed="rId2">
-            <a:extLst>
-              <a:ext uri="{28A0092B-C50C-407E-A947-70E740481C1C}">
-                <a14:useLocalDpi xmlns:a14="http://schemas.microsoft.com/office/drawing/2010/main" val="0"/>
-              </a:ext>
-            </a:extLst>
-          </a:blip>
+          <a:blip r:embed="rId3"/>
           <a:stretch>
             <a:fillRect/>
           </a:stretch>
         </p:blipFill>
         <p:spPr>
           <a:xfrm>
-            <a:off x="3388209" y="522514"/>
-            <a:ext cx="7747750" cy="5965372"/>
+            <a:off x="5523614" y="1600200"/>
+            <a:ext cx="6273209" cy="2923953"/>
           </a:xfrm>
           <a:prstGeom prst="rect">
             <a:avLst/>
           </a:prstGeom>
         </p:spPr>
       </p:pic>
-      <p:sp>
-        <p:nvSpPr>
-          <p:cNvPr id="5" name="TextBox 4">
-            <a:extLst>
-              <a:ext uri="{FF2B5EF4-FFF2-40B4-BE49-F238E27FC236}">
-                <a16:creationId xmlns:a16="http://schemas.microsoft.com/office/drawing/2014/main" id="{0C6CF21D-B5A9-C461-1FD3-6EC265C5313C}"/>
-              </a:ext>
-            </a:extLst>
-          </p:cNvPr>
-          <p:cNvSpPr txBox="1"/>
-          <p:nvPr/>
-        </p:nvSpPr>
-        <p:spPr>
-          <a:xfrm>
-            <a:off x="478971" y="3701143"/>
-            <a:ext cx="2710543" cy="2862322"/>
-          </a:xfrm>
-          <a:prstGeom prst="rect">
-            <a:avLst/>
-          </a:prstGeom>
-          <a:noFill/>
-        </p:spPr>
-        <p:txBody>
-          <a:bodyPr wrap="square" rtlCol="0">
-            <a:spAutoFit/>
-          </a:bodyPr>
-          <a:lstStyle/>
-          <a:p>
-            <a:r>
-              <a:rPr lang="en-US" sz="2000" b="1" dirty="0">
-                <a:latin typeface="Times New Roman" panose="02020603050405020304" pitchFamily="18" charset="0"/>
-                <a:cs typeface="Times New Roman" panose="02020603050405020304" pitchFamily="18" charset="0"/>
-              </a:rPr>
-              <a:t>Security Delay  is Mostly Distributed close to zero.</a:t>
-            </a:r>
-          </a:p>
-          <a:p>
-            <a:endParaRPr lang="en-US" sz="2000" b="1" dirty="0">
-              <a:latin typeface="Times New Roman" panose="02020603050405020304" pitchFamily="18" charset="0"/>
-              <a:cs typeface="Times New Roman" panose="02020603050405020304" pitchFamily="18" charset="0"/>
-            </a:endParaRPr>
-          </a:p>
-          <a:p>
-            <a:r>
-              <a:rPr lang="en-US" sz="2000" b="1" dirty="0">
-                <a:latin typeface="Times New Roman" panose="02020603050405020304" pitchFamily="18" charset="0"/>
-                <a:cs typeface="Times New Roman" panose="02020603050405020304" pitchFamily="18" charset="0"/>
-              </a:rPr>
-              <a:t>Whereas other delays are distributed near zero with significant observations  away from zero.</a:t>
-            </a:r>
-            <a:r>
-              <a:rPr lang="en-US" dirty="0"/>
-              <a:t>  </a:t>
-            </a:r>
-          </a:p>
-        </p:txBody>
-      </p:sp>
     </p:spTree>
     <p:extLst>
       <p:ext uri="{BB962C8B-B14F-4D97-AF65-F5344CB8AC3E}">
-        <p14:creationId xmlns:p14="http://schemas.microsoft.com/office/powerpoint/2010/main" val="2956735513"/>
+        <p14:creationId xmlns:p14="http://schemas.microsoft.com/office/powerpoint/2010/main" val="3406853792"/>
       </p:ext>
     </p:extLst>
   </p:cSld>
@@ -6336,7 +5716,172 @@
 </p:sld>
 </file>
 
-<file path=ppt/slides/slide9.xml><?xml version="1.0" encoding="utf-8"?>
+<file path=ppt/slides/slide13.xml><?xml version="1.0" encoding="utf-8"?>
+<p:sld xmlns:a="http://schemas.openxmlformats.org/drawingml/2006/main" xmlns:r="http://schemas.openxmlformats.org/officeDocument/2006/relationships" xmlns:p="http://schemas.openxmlformats.org/presentationml/2006/main">
+  <p:cSld>
+    <p:spTree>
+      <p:nvGrpSpPr>
+        <p:cNvPr id="1" name=""/>
+        <p:cNvGrpSpPr/>
+        <p:nvPr/>
+      </p:nvGrpSpPr>
+      <p:grpSpPr>
+        <a:xfrm>
+          <a:off x="0" y="0"/>
+          <a:ext cx="0" cy="0"/>
+          <a:chOff x="0" y="0"/>
+          <a:chExt cx="0" cy="0"/>
+        </a:xfrm>
+      </p:grpSpPr>
+      <p:sp>
+        <p:nvSpPr>
+          <p:cNvPr id="2" name="TextBox 1">
+            <a:extLst>
+              <a:ext uri="{FF2B5EF4-FFF2-40B4-BE49-F238E27FC236}">
+                <a16:creationId xmlns:a16="http://schemas.microsoft.com/office/drawing/2014/main" id="{3719526A-D573-63FE-A05E-FD4E24B12CDC}"/>
+              </a:ext>
+            </a:extLst>
+          </p:cNvPr>
+          <p:cNvSpPr txBox="1"/>
+          <p:nvPr/>
+        </p:nvSpPr>
+        <p:spPr>
+          <a:xfrm>
+            <a:off x="409353" y="451884"/>
+            <a:ext cx="5523614" cy="923330"/>
+          </a:xfrm>
+          <a:prstGeom prst="rect">
+            <a:avLst/>
+          </a:prstGeom>
+          <a:noFill/>
+        </p:spPr>
+        <p:txBody>
+          <a:bodyPr wrap="square" rtlCol="0">
+            <a:spAutoFit/>
+          </a:bodyPr>
+          <a:lstStyle/>
+          <a:p>
+            <a:r>
+              <a:rPr lang="en-US" sz="5400" b="1" dirty="0">
+                <a:solidFill>
+                  <a:srgbClr val="FF0000"/>
+                </a:solidFill>
+                <a:latin typeface="Times New Roman" panose="02020603050405020304" pitchFamily="18" charset="0"/>
+                <a:cs typeface="Times New Roman" panose="02020603050405020304" pitchFamily="18" charset="0"/>
+              </a:rPr>
+              <a:t>Future_Work:</a:t>
+            </a:r>
+          </a:p>
+        </p:txBody>
+      </p:sp>
+      <p:sp>
+        <p:nvSpPr>
+          <p:cNvPr id="3" name="TextBox 2">
+            <a:extLst>
+              <a:ext uri="{FF2B5EF4-FFF2-40B4-BE49-F238E27FC236}">
+                <a16:creationId xmlns:a16="http://schemas.microsoft.com/office/drawing/2014/main" id="{92EA5F8C-021D-8807-5F71-4E71A914240C}"/>
+              </a:ext>
+            </a:extLst>
+          </p:cNvPr>
+          <p:cNvSpPr txBox="1"/>
+          <p:nvPr/>
+        </p:nvSpPr>
+        <p:spPr>
+          <a:xfrm>
+            <a:off x="212246" y="1375214"/>
+            <a:ext cx="11143731" cy="5185522"/>
+          </a:xfrm>
+          <a:prstGeom prst="rect">
+            <a:avLst/>
+          </a:prstGeom>
+          <a:noFill/>
+        </p:spPr>
+        <p:txBody>
+          <a:bodyPr wrap="square" rtlCol="0">
+            <a:spAutoFit/>
+          </a:bodyPr>
+          <a:lstStyle/>
+          <a:p>
+            <a:pPr marL="285750" indent="-285750">
+              <a:lnSpc>
+                <a:spcPct val="150000"/>
+              </a:lnSpc>
+              <a:buFont typeface="Arial" panose="020B0604020202020204" pitchFamily="34" charset="0"/>
+              <a:buChar char="•"/>
+            </a:pPr>
+            <a:r>
+              <a:rPr lang="en-US" sz="2400" b="1" dirty="0">
+                <a:latin typeface="Times New Roman" panose="02020603050405020304" pitchFamily="18" charset="0"/>
+                <a:cs typeface="Times New Roman" panose="02020603050405020304" pitchFamily="18" charset="0"/>
+              </a:rPr>
+              <a:t>I would like to work further on this project by collecting the Data for the single airport with different carriers and considering other delays such as operational delays which include Ground operations delay, carrier check in delays. </a:t>
+            </a:r>
+          </a:p>
+          <a:p>
+            <a:pPr marL="285750" indent="-285750">
+              <a:lnSpc>
+                <a:spcPct val="150000"/>
+              </a:lnSpc>
+              <a:buFont typeface="Arial" panose="020B0604020202020204" pitchFamily="34" charset="0"/>
+              <a:buChar char="•"/>
+            </a:pPr>
+            <a:r>
+              <a:rPr lang="en-US" sz="2400" b="1" dirty="0">
+                <a:latin typeface="Times New Roman" panose="02020603050405020304" pitchFamily="18" charset="0"/>
+                <a:cs typeface="Times New Roman" panose="02020603050405020304" pitchFamily="18" charset="0"/>
+              </a:rPr>
+              <a:t>Working on the single Airport rather than collecting a wide will allow an Airport Management to Organize and work on their operations will improve the Operational Performance of that Airport.</a:t>
+            </a:r>
+          </a:p>
+          <a:p>
+            <a:pPr marL="285750" indent="-285750">
+              <a:lnSpc>
+                <a:spcPct val="150000"/>
+              </a:lnSpc>
+              <a:buFont typeface="Arial" panose="020B0604020202020204" pitchFamily="34" charset="0"/>
+              <a:buChar char="•"/>
+            </a:pPr>
+            <a:r>
+              <a:rPr lang="en-US" sz="2400" b="1" dirty="0">
+                <a:latin typeface="Times New Roman" panose="02020603050405020304" pitchFamily="18" charset="0"/>
+                <a:cs typeface="Times New Roman" panose="02020603050405020304" pitchFamily="18" charset="0"/>
+              </a:rPr>
+              <a:t>Same can be performed for each Carrier considering the limitations of the Airport and Federal and International Aviation Regulations.   </a:t>
+            </a:r>
+            <a:r>
+              <a:rPr lang="en-US" sz="2800" b="1" dirty="0">
+                <a:solidFill>
+                  <a:srgbClr val="FF0000"/>
+                </a:solidFill>
+                <a:latin typeface="Times New Roman" panose="02020603050405020304" pitchFamily="18" charset="0"/>
+                <a:cs typeface="Times New Roman" panose="02020603050405020304" pitchFamily="18" charset="0"/>
+              </a:rPr>
+              <a:t> Can Perform Same with each Individual Airlines.</a:t>
+            </a:r>
+            <a:endParaRPr lang="en-US" sz="2400" b="1" dirty="0">
+              <a:solidFill>
+                <a:srgbClr val="FF0000"/>
+              </a:solidFill>
+              <a:latin typeface="Times New Roman" panose="02020603050405020304" pitchFamily="18" charset="0"/>
+              <a:cs typeface="Times New Roman" panose="02020603050405020304" pitchFamily="18" charset="0"/>
+            </a:endParaRPr>
+          </a:p>
+        </p:txBody>
+      </p:sp>
+    </p:spTree>
+    <p:extLst>
+      <p:ext uri="{BB962C8B-B14F-4D97-AF65-F5344CB8AC3E}">
+        <p14:creationId xmlns:p14="http://schemas.microsoft.com/office/powerpoint/2010/main" val="1806626677"/>
+      </p:ext>
+    </p:extLst>
+  </p:cSld>
+  <p:clrMapOvr>
+    <a:masterClrMapping/>
+  </p:clrMapOvr>
+</p:sld>
+</file>
+
+<file path=ppt/slides/slide14.xml><?xml version="1.0" encoding="utf-8"?>
 <p:sld xmlns:a="http://schemas.openxmlformats.org/drawingml/2006/main" xmlns:r="http://schemas.openxmlformats.org/officeDocument/2006/relationships" xmlns:p="http://schemas.openxmlformats.org/presentationml/2006/main">
   <p:cSld>
     <p:bg>
@@ -6363,7 +5908,7 @@
       </p:grpSpPr>
       <p:sp>
         <p:nvSpPr>
-          <p:cNvPr id="9" name="Freeform: Shape 8">
+          <p:cNvPr id="93" name="Freeform: Shape 92">
             <a:extLst>
               <a:ext uri="{FF2B5EF4-FFF2-40B4-BE49-F238E27FC236}">
                 <a16:creationId xmlns:a16="http://schemas.microsoft.com/office/drawing/2014/main" id="{AE192E3E-68A9-4F36-936C-1C8D0B9EF132}"/>
@@ -6489,10 +6034,10 @@
       </p:sp>
       <p:sp useBgFill="1">
         <p:nvSpPr>
-          <p:cNvPr id="11" name="Rectangle 10">
-            <a:extLst>
-              <a:ext uri="{FF2B5EF4-FFF2-40B4-BE49-F238E27FC236}">
-                <a16:creationId xmlns:a16="http://schemas.microsoft.com/office/drawing/2014/main" id="{2EC24213-FC04-4A18-A697-955F20C8965B}"/>
+          <p:cNvPr id="95" name="Rectangle 94">
+            <a:extLst>
+              <a:ext uri="{FF2B5EF4-FFF2-40B4-BE49-F238E27FC236}">
+                <a16:creationId xmlns:a16="http://schemas.microsoft.com/office/drawing/2014/main" id="{6362EDFF-7BE1-4149-A745-FFD7211E6CE1}"/>
               </a:ext>
               <a:ext uri="{C183D7F6-B498-43B3-948B-1728B52AA6E4}">
                 <adec:decorative xmlns:adec="http://schemas.microsoft.com/office/drawing/2017/decorative" val="1"/>
@@ -6565,10 +6110,10 @@
       </p:sp>
       <p:pic>
         <p:nvPicPr>
-          <p:cNvPr id="4" name="Picture 3" descr="A screen shot of a graph&#10;&#10;Description automatically generated">
-            <a:extLst>
-              <a:ext uri="{FF2B5EF4-FFF2-40B4-BE49-F238E27FC236}">
-                <a16:creationId xmlns:a16="http://schemas.microsoft.com/office/drawing/2014/main" id="{64DCDA7C-7B3C-F8FE-89BF-B79D0EF929FD}"/>
+          <p:cNvPr id="4" name="Picture 3" descr="A splash of colors on a white surface">
+            <a:extLst>
+              <a:ext uri="{FF2B5EF4-FFF2-40B4-BE49-F238E27FC236}">
+                <a16:creationId xmlns:a16="http://schemas.microsoft.com/office/drawing/2014/main" id="{FA2450EB-3358-8AA8-5495-5032C824E479}"/>
               </a:ext>
             </a:extLst>
           </p:cNvPr>
@@ -6578,20 +6123,14 @@
           <p:nvPr/>
         </p:nvPicPr>
         <p:blipFill rotWithShape="1">
-          <a:blip r:embed="rId2">
-            <a:extLst>
-              <a:ext uri="{28A0092B-C50C-407E-A947-70E740481C1C}">
-                <a14:useLocalDpi xmlns:a14="http://schemas.microsoft.com/office/drawing/2010/main" val="0"/>
-              </a:ext>
-            </a:extLst>
-          </a:blip>
-          <a:srcRect t="2918" b="4869"/>
+          <a:blip r:embed="rId2"/>
+          <a:srcRect t="9244" b="15756"/>
           <a:stretch/>
         </p:blipFill>
         <p:spPr>
           <a:xfrm>
-            <a:off x="1" y="10"/>
-            <a:ext cx="12192000" cy="6857990"/>
+            <a:off x="-87454" y="-26891"/>
+            <a:ext cx="12191980" cy="6857990"/>
           </a:xfrm>
           <a:prstGeom prst="rect">
             <a:avLst/>
@@ -6600,160 +6139,1008 @@
       </p:pic>
       <p:sp>
         <p:nvSpPr>
-          <p:cNvPr id="13" name="Rectangle 12">
-            <a:extLst>
-              <a:ext uri="{FF2B5EF4-FFF2-40B4-BE49-F238E27FC236}">
-                <a16:creationId xmlns:a16="http://schemas.microsoft.com/office/drawing/2014/main" id="{C7846A0D-19A4-4F64-B17F-AB38D3F47143}"/>
-              </a:ext>
-              <a:ext uri="{C183D7F6-B498-43B3-948B-1728B52AA6E4}">
-                <adec:decorative xmlns:adec="http://schemas.microsoft.com/office/drawing/2017/decorative" val="1"/>
-              </a:ext>
-            </a:extLst>
-          </p:cNvPr>
-          <p:cNvSpPr>
-            <a:spLocks noGrp="1" noRot="1" noChangeAspect="1" noMove="1" noResize="1" noEditPoints="1" noAdjustHandles="1" noChangeArrowheads="1" noChangeShapeType="1" noTextEdit="1"/>
-          </p:cNvSpPr>
-          <p:nvPr>
-            <p:extLst>
-              <p:ext uri="{386F3935-93C4-4BCD-93E2-E3B085C9AB24}">
-                <p16:designElem xmlns:p16="http://schemas.microsoft.com/office/powerpoint/2015/main" val="1"/>
-              </p:ext>
-            </p:extLst>
-          </p:nvPr>
+          <p:cNvPr id="7" name="TextBox 6">
+            <a:extLst>
+              <a:ext uri="{FF2B5EF4-FFF2-40B4-BE49-F238E27FC236}">
+                <a16:creationId xmlns:a16="http://schemas.microsoft.com/office/drawing/2014/main" id="{E59A36DF-8F04-CAE5-3A45-8FDA94140EAF}"/>
+              </a:ext>
+            </a:extLst>
+          </p:cNvPr>
+          <p:cNvSpPr txBox="1"/>
+          <p:nvPr/>
         </p:nvSpPr>
         <p:spPr>
-          <a:xfrm rot="16200000" flipH="1">
-            <a:off x="818322" y="-818321"/>
-            <a:ext cx="6857999" cy="8494643"/>
+          <a:xfrm>
+            <a:off x="3490175" y="4845570"/>
+            <a:ext cx="9144000" cy="2308324"/>
           </a:xfrm>
           <a:prstGeom prst="rect">
             <a:avLst/>
           </a:prstGeom>
-          <a:gradFill flip="none" rotWithShape="1">
-            <a:gsLst>
-              <a:gs pos="0">
-                <a:srgbClr val="000000">
-                  <a:alpha val="34902"/>
-                </a:srgbClr>
-              </a:gs>
-              <a:gs pos="100000">
-                <a:srgbClr val="000000">
-                  <a:alpha val="0"/>
-                </a:srgbClr>
-              </a:gs>
-              <a:gs pos="60000">
-                <a:srgbClr val="000000">
-                  <a:alpha val="20000"/>
-                </a:srgbClr>
-              </a:gs>
-            </a:gsLst>
-            <a:lin ang="5400000" scaled="0"/>
-            <a:tileRect/>
-          </a:gradFill>
-          <a:ln>
-            <a:noFill/>
-          </a:ln>
+          <a:noFill/>
         </p:spPr>
-        <p:style>
-          <a:lnRef idx="2">
-            <a:schemeClr val="accent1">
-              <a:shade val="50000"/>
-            </a:schemeClr>
-          </a:lnRef>
-          <a:fillRef idx="1">
-            <a:schemeClr val="accent1"/>
-          </a:fillRef>
-          <a:effectRef idx="0">
-            <a:schemeClr val="accent1"/>
-          </a:effectRef>
-          <a:fontRef idx="minor">
-            <a:schemeClr val="lt1"/>
-          </a:fontRef>
-        </p:style>
-        <p:txBody>
-          <a:bodyPr rtlCol="0" anchor="ctr"/>
+        <p:txBody>
+          <a:bodyPr wrap="square" rtlCol="0">
+            <a:spAutoFit/>
+          </a:bodyPr>
           <a:lstStyle/>
           <a:p>
             <a:pPr algn="ctr"/>
-            <a:endParaRPr lang="en-US">
-              <a:solidFill>
-                <a:srgbClr val="FFFFFF"/>
-              </a:solidFill>
+            <a:r>
+              <a:rPr lang="en-US" sz="9600" b="1" dirty="0">
+                <a:latin typeface="Times New Roman" panose="02020603050405020304" pitchFamily="18" charset="0"/>
+                <a:cs typeface="Times New Roman" panose="02020603050405020304" pitchFamily="18" charset="0"/>
+              </a:rPr>
+              <a:t>Thanks</a:t>
+            </a:r>
+          </a:p>
+          <a:p>
+            <a:pPr algn="ctr"/>
+            <a:endParaRPr lang="en-US" sz="4800" b="1" dirty="0">
+              <a:latin typeface="Times New Roman" panose="02020603050405020304" pitchFamily="18" charset="0"/>
+              <a:cs typeface="Times New Roman" panose="02020603050405020304" pitchFamily="18" charset="0"/>
             </a:endParaRPr>
           </a:p>
         </p:txBody>
       </p:sp>
-      <p:sp>
-        <p:nvSpPr>
-          <p:cNvPr id="2" name="TextBox 1">
-            <a:extLst>
-              <a:ext uri="{FF2B5EF4-FFF2-40B4-BE49-F238E27FC236}">
-                <a16:creationId xmlns:a16="http://schemas.microsoft.com/office/drawing/2014/main" id="{3719526A-D573-63FE-A05E-FD4E24B12CDC}"/>
-              </a:ext>
-            </a:extLst>
-          </p:cNvPr>
-          <p:cNvSpPr txBox="1"/>
-          <p:nvPr/>
+    </p:spTree>
+    <p:extLst>
+      <p:ext uri="{BB962C8B-B14F-4D97-AF65-F5344CB8AC3E}">
+        <p14:creationId xmlns:p14="http://schemas.microsoft.com/office/powerpoint/2010/main" val="1112582105"/>
+      </p:ext>
+    </p:extLst>
+  </p:cSld>
+  <p:clrMapOvr>
+    <a:masterClrMapping/>
+  </p:clrMapOvr>
+</p:sld>
+</file>
+
+<file path=ppt/slides/slide2.xml><?xml version="1.0" encoding="utf-8"?>
+<p:sld xmlns:a="http://schemas.openxmlformats.org/drawingml/2006/main" xmlns:r="http://schemas.openxmlformats.org/officeDocument/2006/relationships" xmlns:p="http://schemas.openxmlformats.org/presentationml/2006/main">
+  <p:cSld>
+    <p:spTree>
+      <p:nvGrpSpPr>
+        <p:cNvPr id="1" name=""/>
+        <p:cNvGrpSpPr/>
+        <p:nvPr/>
+      </p:nvGrpSpPr>
+      <p:grpSpPr>
+        <a:xfrm>
+          <a:off x="0" y="0"/>
+          <a:ext cx="0" cy="0"/>
+          <a:chOff x="0" y="0"/>
+          <a:chExt cx="0" cy="0"/>
+        </a:xfrm>
+      </p:grpSpPr>
+      <p:sp>
+        <p:nvSpPr>
+          <p:cNvPr id="2" name="Title 1">
+            <a:extLst>
+              <a:ext uri="{FF2B5EF4-FFF2-40B4-BE49-F238E27FC236}">
+                <a16:creationId xmlns:a16="http://schemas.microsoft.com/office/drawing/2014/main" id="{1EC7E455-8779-EAAE-0D5F-2393B9DDCA3B}"/>
+              </a:ext>
+            </a:extLst>
+          </p:cNvPr>
+          <p:cNvSpPr>
+            <a:spLocks noGrp="1"/>
+          </p:cNvSpPr>
+          <p:nvPr>
+            <p:ph type="title"/>
+          </p:nvPr>
         </p:nvSpPr>
         <p:spPr>
           <a:xfrm>
-            <a:off x="9424866" y="-451599"/>
-            <a:ext cx="4367239" cy="2179552"/>
+            <a:off x="450041" y="260497"/>
+            <a:ext cx="9950103" cy="606345"/>
           </a:xfrm>
-          <a:prstGeom prst="rect">
-            <a:avLst/>
-          </a:prstGeom>
         </p:spPr>
         <p:txBody>
-          <a:bodyPr vert="horz" lIns="91440" tIns="45720" rIns="91440" bIns="45720" rtlCol="0" anchor="b">
-            <a:normAutofit/>
-          </a:bodyPr>
-          <a:lstStyle/>
-          <a:p>
-            <a:pPr>
-              <a:lnSpc>
-                <a:spcPct val="110000"/>
-              </a:lnSpc>
-              <a:spcBef>
-                <a:spcPct val="0"/>
-              </a:spcBef>
-              <a:spcAft>
-                <a:spcPts val="600"/>
-              </a:spcAft>
-            </a:pPr>
-            <a:r>
-              <a:rPr lang="en-US" sz="5400" b="1" kern="1200" dirty="0">
+          <a:bodyPr/>
+          <a:lstStyle/>
+          <a:p>
+            <a:r>
+              <a:rPr lang="en-US" dirty="0">
                 <a:solidFill>
                   <a:srgbClr val="FF0000"/>
                 </a:solidFill>
-                <a:effectLst/>
                 <a:latin typeface="Times New Roman" panose="02020603050405020304" pitchFamily="18" charset="0"/>
-                <a:ea typeface="+mj-ea"/>
+                <a:cs typeface="Times New Roman" panose="02020603050405020304" pitchFamily="18" charset="0"/>
+              </a:rPr>
+              <a:t>Outline Of Project</a:t>
+            </a:r>
+          </a:p>
+        </p:txBody>
+      </p:sp>
+      <p:sp>
+        <p:nvSpPr>
+          <p:cNvPr id="3" name="Content Placeholder 2">
+            <a:extLst>
+              <a:ext uri="{FF2B5EF4-FFF2-40B4-BE49-F238E27FC236}">
+                <a16:creationId xmlns:a16="http://schemas.microsoft.com/office/drawing/2014/main" id="{8D72B272-D74F-DC8F-4F45-5BAF7B49AB15}"/>
+              </a:ext>
+            </a:extLst>
+          </p:cNvPr>
+          <p:cNvSpPr>
+            <a:spLocks noGrp="1"/>
+          </p:cNvSpPr>
+          <p:nvPr>
+            <p:ph idx="1"/>
+          </p:nvPr>
+        </p:nvSpPr>
+        <p:spPr>
+          <a:xfrm>
+            <a:off x="524469" y="1130143"/>
+            <a:ext cx="9950103" cy="5132434"/>
+          </a:xfrm>
+        </p:spPr>
+        <p:txBody>
+          <a:bodyPr>
+            <a:normAutofit/>
+          </a:bodyPr>
+          <a:lstStyle/>
+          <a:p>
+            <a:r>
+              <a:rPr lang="en-US" sz="3200" b="1" dirty="0">
+                <a:latin typeface="Times New Roman" panose="02020603050405020304" pitchFamily="18" charset="0"/>
+                <a:cs typeface="Times New Roman" panose="02020603050405020304" pitchFamily="18" charset="0"/>
+              </a:rPr>
+              <a:t>Motivation For Project</a:t>
+            </a:r>
+          </a:p>
+          <a:p>
+            <a:r>
+              <a:rPr lang="en-US" sz="3200" b="1" dirty="0">
+                <a:latin typeface="Times New Roman" panose="02020603050405020304" pitchFamily="18" charset="0"/>
+                <a:cs typeface="Times New Roman" panose="02020603050405020304" pitchFamily="18" charset="0"/>
+              </a:rPr>
+              <a:t>Data</a:t>
+            </a:r>
+          </a:p>
+          <a:p>
+            <a:r>
+              <a:rPr lang="en-US" sz="3200" b="1" dirty="0">
+                <a:latin typeface="Times New Roman" panose="02020603050405020304" pitchFamily="18" charset="0"/>
+                <a:cs typeface="Times New Roman" panose="02020603050405020304" pitchFamily="18" charset="0"/>
+              </a:rPr>
+              <a:t>Research Question </a:t>
+            </a:r>
+          </a:p>
+          <a:p>
+            <a:r>
+              <a:rPr lang="en-US" sz="3200" b="1" dirty="0">
+                <a:latin typeface="Times New Roman" panose="02020603050405020304" pitchFamily="18" charset="0"/>
+                <a:cs typeface="Times New Roman" panose="02020603050405020304" pitchFamily="18" charset="0"/>
+              </a:rPr>
+              <a:t>Challenges</a:t>
+            </a:r>
+          </a:p>
+          <a:p>
+            <a:r>
+              <a:rPr lang="en-US" sz="3200" b="1" dirty="0">
+                <a:latin typeface="Times New Roman" panose="02020603050405020304" pitchFamily="18" charset="0"/>
+                <a:cs typeface="Times New Roman" panose="02020603050405020304" pitchFamily="18" charset="0"/>
+              </a:rPr>
+              <a:t>Limitations</a:t>
+            </a:r>
+          </a:p>
+          <a:p>
+            <a:r>
+              <a:rPr lang="en-US" sz="3200" b="1" dirty="0">
+                <a:latin typeface="Times New Roman" panose="02020603050405020304" pitchFamily="18" charset="0"/>
                 <a:cs typeface="Times New Roman" panose="02020603050405020304" pitchFamily="18" charset="0"/>
               </a:rPr>
               <a:t>Results</a:t>
             </a:r>
-            <a:r>
-              <a:rPr lang="en-US" sz="3200" b="1" kern="1200" dirty="0">
+          </a:p>
+          <a:p>
+            <a:r>
+              <a:rPr lang="en-US" sz="3200" b="1" dirty="0">
+                <a:latin typeface="Times New Roman" panose="02020603050405020304" pitchFamily="18" charset="0"/>
+                <a:cs typeface="Times New Roman" panose="02020603050405020304" pitchFamily="18" charset="0"/>
+              </a:rPr>
+              <a:t>Future Work</a:t>
+            </a:r>
+          </a:p>
+          <a:p>
+            <a:pPr marL="0" indent="0">
+              <a:buNone/>
+            </a:pPr>
+            <a:endParaRPr lang="en-US" sz="3200" b="1" dirty="0">
+              <a:latin typeface="Times New Roman" panose="02020603050405020304" pitchFamily="18" charset="0"/>
+              <a:cs typeface="Times New Roman" panose="02020603050405020304" pitchFamily="18" charset="0"/>
+            </a:endParaRPr>
+          </a:p>
+          <a:p>
+            <a:pPr marL="0" indent="0">
+              <a:buNone/>
+            </a:pPr>
+            <a:endParaRPr lang="en-US" sz="3200" b="1" dirty="0">
+              <a:latin typeface="Times New Roman" panose="02020603050405020304" pitchFamily="18" charset="0"/>
+              <a:cs typeface="Times New Roman" panose="02020603050405020304" pitchFamily="18" charset="0"/>
+            </a:endParaRPr>
+          </a:p>
+        </p:txBody>
+      </p:sp>
+    </p:spTree>
+    <p:extLst>
+      <p:ext uri="{BB962C8B-B14F-4D97-AF65-F5344CB8AC3E}">
+        <p14:creationId xmlns:p14="http://schemas.microsoft.com/office/powerpoint/2010/main" val="20484115"/>
+      </p:ext>
+    </p:extLst>
+  </p:cSld>
+  <p:clrMapOvr>
+    <a:masterClrMapping/>
+  </p:clrMapOvr>
+</p:sld>
+</file>
+
+<file path=ppt/slides/slide3.xml><?xml version="1.0" encoding="utf-8"?>
+<p:sld xmlns:a="http://schemas.openxmlformats.org/drawingml/2006/main" xmlns:r="http://schemas.openxmlformats.org/officeDocument/2006/relationships" xmlns:p="http://schemas.openxmlformats.org/presentationml/2006/main">
+  <p:cSld>
+    <p:spTree>
+      <p:nvGrpSpPr>
+        <p:cNvPr id="1" name=""/>
+        <p:cNvGrpSpPr/>
+        <p:nvPr/>
+      </p:nvGrpSpPr>
+      <p:grpSpPr>
+        <a:xfrm>
+          <a:off x="0" y="0"/>
+          <a:ext cx="0" cy="0"/>
+          <a:chOff x="0" y="0"/>
+          <a:chExt cx="0" cy="0"/>
+        </a:xfrm>
+      </p:grpSpPr>
+      <p:sp>
+        <p:nvSpPr>
+          <p:cNvPr id="2" name="Title 1">
+            <a:extLst>
+              <a:ext uri="{FF2B5EF4-FFF2-40B4-BE49-F238E27FC236}">
+                <a16:creationId xmlns:a16="http://schemas.microsoft.com/office/drawing/2014/main" id="{47ABBC5B-3900-28DF-4D11-8B1A7A1150A6}"/>
+              </a:ext>
+            </a:extLst>
+          </p:cNvPr>
+          <p:cNvSpPr>
+            <a:spLocks noGrp="1"/>
+          </p:cNvSpPr>
+          <p:nvPr>
+            <p:ph type="title"/>
+          </p:nvPr>
+        </p:nvSpPr>
+        <p:spPr>
+          <a:xfrm>
+            <a:off x="248022" y="0"/>
+            <a:ext cx="9950103" cy="1507376"/>
+          </a:xfrm>
+        </p:spPr>
+        <p:txBody>
+          <a:bodyPr>
+            <a:normAutofit/>
+          </a:bodyPr>
+          <a:lstStyle/>
+          <a:p>
+            <a:r>
+              <a:rPr lang="en-US" sz="3600" dirty="0">
                 <a:solidFill>
-                  <a:srgbClr val="FFFFFF"/>
+                  <a:srgbClr val="FF0000"/>
                 </a:solidFill>
-                <a:effectLst/>
-                <a:latin typeface="+mj-lt"/>
-                <a:ea typeface="+mj-ea"/>
-                <a:cs typeface="+mj-cs"/>
+                <a:latin typeface="Times New Roman" panose="02020603050405020304" pitchFamily="18" charset="0"/>
+                <a:cs typeface="Times New Roman" panose="02020603050405020304" pitchFamily="18" charset="0"/>
               </a:rPr>
-              <a:t>:</a:t>
-            </a:r>
-          </a:p>
-        </p:txBody>
-      </p:sp>
-      <p:sp>
-        <p:nvSpPr>
-          <p:cNvPr id="15" name="Freeform: Shape 14">
-            <a:extLst>
-              <a:ext uri="{FF2B5EF4-FFF2-40B4-BE49-F238E27FC236}">
-                <a16:creationId xmlns:a16="http://schemas.microsoft.com/office/drawing/2014/main" id="{935F47D6-FD2F-4F0A-929E-3C0EEEF7DE30}"/>
+              <a:t>Motivation Of the Project:</a:t>
+            </a:r>
+          </a:p>
+        </p:txBody>
+      </p:sp>
+      <p:sp>
+        <p:nvSpPr>
+          <p:cNvPr id="3" name="Content Placeholder 2">
+            <a:extLst>
+              <a:ext uri="{FF2B5EF4-FFF2-40B4-BE49-F238E27FC236}">
+                <a16:creationId xmlns:a16="http://schemas.microsoft.com/office/drawing/2014/main" id="{0FABD233-875C-5361-9B22-C0CFDA80A43D}"/>
+              </a:ext>
+            </a:extLst>
+          </p:cNvPr>
+          <p:cNvSpPr>
+            <a:spLocks noGrp="1"/>
+          </p:cNvSpPr>
+          <p:nvPr>
+            <p:ph idx="1"/>
+          </p:nvPr>
+        </p:nvSpPr>
+        <p:spPr>
+          <a:xfrm>
+            <a:off x="407511" y="1885056"/>
+            <a:ext cx="9950103" cy="3513514"/>
+          </a:xfrm>
+        </p:spPr>
+        <p:txBody>
+          <a:bodyPr>
+            <a:normAutofit/>
+          </a:bodyPr>
+          <a:lstStyle/>
+          <a:p>
+            <a:r>
+              <a:rPr lang="en-US" sz="2400" b="1" dirty="0">
+                <a:latin typeface="Times New Roman" panose="02020603050405020304" pitchFamily="18" charset="0"/>
+                <a:cs typeface="Times New Roman" panose="02020603050405020304" pitchFamily="18" charset="0"/>
+              </a:rPr>
+              <a:t>Indian Rail Tracking Application is the Idea behind the Project.</a:t>
+            </a:r>
+          </a:p>
+          <a:p>
+            <a:r>
+              <a:rPr lang="en-US" sz="2400" b="1" dirty="0">
+                <a:latin typeface="Times New Roman" panose="02020603050405020304" pitchFamily="18" charset="0"/>
+                <a:cs typeface="Times New Roman" panose="02020603050405020304" pitchFamily="18" charset="0"/>
+              </a:rPr>
+              <a:t>Helps Airlines to increase Operational performance.</a:t>
+            </a:r>
+          </a:p>
+          <a:p>
+            <a:r>
+              <a:rPr lang="en-US" sz="2400" b="1" dirty="0">
+                <a:latin typeface="Times New Roman" panose="02020603050405020304" pitchFamily="18" charset="0"/>
+                <a:cs typeface="Times New Roman" panose="02020603050405020304" pitchFamily="18" charset="0"/>
+              </a:rPr>
+              <a:t>Airlines Manages Operations and resources effectively</a:t>
+            </a:r>
+          </a:p>
+          <a:p>
+            <a:r>
+              <a:rPr lang="en-US" sz="2400" b="1" dirty="0">
+                <a:latin typeface="Times New Roman" panose="02020603050405020304" pitchFamily="18" charset="0"/>
+                <a:cs typeface="Times New Roman" panose="02020603050405020304" pitchFamily="18" charset="0"/>
+              </a:rPr>
+              <a:t>Passengers can manage their travel based on the flight delay.</a:t>
+            </a:r>
+          </a:p>
+          <a:p>
+            <a:r>
+              <a:rPr lang="en-US" sz="2400" b="1" dirty="0">
+                <a:latin typeface="Times New Roman" panose="02020603050405020304" pitchFamily="18" charset="0"/>
+                <a:cs typeface="Times New Roman" panose="02020603050405020304" pitchFamily="18" charset="0"/>
+              </a:rPr>
+              <a:t>provides better customer service and avoids Inconvenience</a:t>
+            </a:r>
+          </a:p>
+          <a:p>
+            <a:endParaRPr lang="en-US" sz="2400" b="1" dirty="0">
+              <a:latin typeface="Times New Roman" panose="02020603050405020304" pitchFamily="18" charset="0"/>
+              <a:cs typeface="Times New Roman" panose="02020603050405020304" pitchFamily="18" charset="0"/>
+            </a:endParaRPr>
+          </a:p>
+        </p:txBody>
+      </p:sp>
+    </p:spTree>
+    <p:extLst>
+      <p:ext uri="{BB962C8B-B14F-4D97-AF65-F5344CB8AC3E}">
+        <p14:creationId xmlns:p14="http://schemas.microsoft.com/office/powerpoint/2010/main" val="3458592670"/>
+      </p:ext>
+    </p:extLst>
+  </p:cSld>
+  <p:clrMapOvr>
+    <a:masterClrMapping/>
+  </p:clrMapOvr>
+</p:sld>
+</file>
+
+<file path=ppt/slides/slide4.xml><?xml version="1.0" encoding="utf-8"?>
+<p:sld xmlns:a="http://schemas.openxmlformats.org/drawingml/2006/main" xmlns:r="http://schemas.openxmlformats.org/officeDocument/2006/relationships" xmlns:p="http://schemas.openxmlformats.org/presentationml/2006/main">
+  <p:cSld>
+    <p:spTree>
+      <p:nvGrpSpPr>
+        <p:cNvPr id="1" name=""/>
+        <p:cNvGrpSpPr/>
+        <p:nvPr/>
+      </p:nvGrpSpPr>
+      <p:grpSpPr>
+        <a:xfrm>
+          <a:off x="0" y="0"/>
+          <a:ext cx="0" cy="0"/>
+          <a:chOff x="0" y="0"/>
+          <a:chExt cx="0" cy="0"/>
+        </a:xfrm>
+      </p:grpSpPr>
+      <p:sp>
+        <p:nvSpPr>
+          <p:cNvPr id="2" name="Title 1">
+            <a:extLst>
+              <a:ext uri="{FF2B5EF4-FFF2-40B4-BE49-F238E27FC236}">
+                <a16:creationId xmlns:a16="http://schemas.microsoft.com/office/drawing/2014/main" id="{AD387756-8E0D-FD12-9253-26EFBA6D47BC}"/>
+              </a:ext>
+            </a:extLst>
+          </p:cNvPr>
+          <p:cNvSpPr>
+            <a:spLocks noGrp="1"/>
+          </p:cNvSpPr>
+          <p:nvPr>
+            <p:ph type="title"/>
+          </p:nvPr>
+        </p:nvSpPr>
+        <p:spPr>
+          <a:xfrm>
+            <a:off x="51320" y="45267"/>
+            <a:ext cx="9950103" cy="1507376"/>
+          </a:xfrm>
+        </p:spPr>
+        <p:txBody>
+          <a:bodyPr/>
+          <a:lstStyle/>
+          <a:p>
+            <a:r>
+              <a:rPr lang="en-US" dirty="0">
+                <a:solidFill>
+                  <a:srgbClr val="FF0000"/>
+                </a:solidFill>
+                <a:latin typeface="Times New Roman" panose="02020603050405020304" pitchFamily="18" charset="0"/>
+                <a:cs typeface="Times New Roman" panose="02020603050405020304" pitchFamily="18" charset="0"/>
+              </a:rPr>
+              <a:t>DATA:</a:t>
+            </a:r>
+          </a:p>
+        </p:txBody>
+      </p:sp>
+      <p:sp>
+        <p:nvSpPr>
+          <p:cNvPr id="3" name="Content Placeholder 2">
+            <a:extLst>
+              <a:ext uri="{FF2B5EF4-FFF2-40B4-BE49-F238E27FC236}">
+                <a16:creationId xmlns:a16="http://schemas.microsoft.com/office/drawing/2014/main" id="{D6D24AFD-822B-5927-E8A5-EBE9A5F27F8D}"/>
+              </a:ext>
+            </a:extLst>
+          </p:cNvPr>
+          <p:cNvSpPr>
+            <a:spLocks noGrp="1"/>
+          </p:cNvSpPr>
+          <p:nvPr>
+            <p:ph idx="1"/>
+          </p:nvPr>
+        </p:nvSpPr>
+        <p:spPr>
+          <a:xfrm>
+            <a:off x="162962" y="1709619"/>
+            <a:ext cx="9950103" cy="3513514"/>
+          </a:xfrm>
+        </p:spPr>
+        <p:txBody>
+          <a:bodyPr>
+            <a:normAutofit/>
+          </a:bodyPr>
+          <a:lstStyle/>
+          <a:p>
+            <a:r>
+              <a:rPr lang="en-US" sz="2000" b="1" dirty="0">
+                <a:latin typeface="Times New Roman" panose="02020603050405020304" pitchFamily="18" charset="0"/>
+                <a:cs typeface="Times New Roman" panose="02020603050405020304" pitchFamily="18" charset="0"/>
+              </a:rPr>
+              <a:t>DATA Collected from Bureau Of Transportation Statistics which provides the Historical Flight DATA.</a:t>
+            </a:r>
+          </a:p>
+          <a:p>
+            <a:pPr marL="0" indent="0">
+              <a:buNone/>
+            </a:pPr>
+            <a:endParaRPr lang="en-US" sz="2000" b="1" dirty="0">
+              <a:latin typeface="Times New Roman" panose="02020603050405020304" pitchFamily="18" charset="0"/>
+              <a:cs typeface="Times New Roman" panose="02020603050405020304" pitchFamily="18" charset="0"/>
+            </a:endParaRPr>
+          </a:p>
+          <a:p>
+            <a:r>
+              <a:rPr lang="en-US" sz="2000" b="1" dirty="0">
+                <a:latin typeface="Times New Roman" panose="02020603050405020304" pitchFamily="18" charset="0"/>
+                <a:cs typeface="Times New Roman" panose="02020603050405020304" pitchFamily="18" charset="0"/>
+              </a:rPr>
+              <a:t>Data is collection Historical Flight Data like Airport, Carrier, Different type of Delays and Delay in minutes, Number of Arrival Flights and different reasons like carrier delayed flights arrival delayed Flights. </a:t>
+            </a:r>
+          </a:p>
+        </p:txBody>
+      </p:sp>
+    </p:spTree>
+    <p:extLst>
+      <p:ext uri="{BB962C8B-B14F-4D97-AF65-F5344CB8AC3E}">
+        <p14:creationId xmlns:p14="http://schemas.microsoft.com/office/powerpoint/2010/main" val="1421777778"/>
+      </p:ext>
+    </p:extLst>
+  </p:cSld>
+  <p:clrMapOvr>
+    <a:masterClrMapping/>
+  </p:clrMapOvr>
+</p:sld>
+</file>
+
+<file path=ppt/slides/slide5.xml><?xml version="1.0" encoding="utf-8"?>
+<p:sld xmlns:a="http://schemas.openxmlformats.org/drawingml/2006/main" xmlns:r="http://schemas.openxmlformats.org/officeDocument/2006/relationships" xmlns:p="http://schemas.openxmlformats.org/presentationml/2006/main">
+  <p:cSld>
+    <p:spTree>
+      <p:nvGrpSpPr>
+        <p:cNvPr id="1" name=""/>
+        <p:cNvGrpSpPr/>
+        <p:nvPr/>
+      </p:nvGrpSpPr>
+      <p:grpSpPr>
+        <a:xfrm>
+          <a:off x="0" y="0"/>
+          <a:ext cx="0" cy="0"/>
+          <a:chOff x="0" y="0"/>
+          <a:chExt cx="0" cy="0"/>
+        </a:xfrm>
+      </p:grpSpPr>
+      <p:sp>
+        <p:nvSpPr>
+          <p:cNvPr id="2" name="Title 1">
+            <a:extLst>
+              <a:ext uri="{FF2B5EF4-FFF2-40B4-BE49-F238E27FC236}">
+                <a16:creationId xmlns:a16="http://schemas.microsoft.com/office/drawing/2014/main" id="{AFEEAF9B-5767-24CA-2B15-23CFC3B9925C}"/>
+              </a:ext>
+            </a:extLst>
+          </p:cNvPr>
+          <p:cNvSpPr>
+            <a:spLocks noGrp="1"/>
+          </p:cNvSpPr>
+          <p:nvPr>
+            <p:ph type="title"/>
+          </p:nvPr>
+        </p:nvSpPr>
+        <p:spPr>
+          <a:xfrm>
+            <a:off x="93850" y="103746"/>
+            <a:ext cx="9950103" cy="1507376"/>
+          </a:xfrm>
+        </p:spPr>
+        <p:txBody>
+          <a:bodyPr>
+            <a:normAutofit/>
+          </a:bodyPr>
+          <a:lstStyle/>
+          <a:p>
+            <a:r>
+              <a:rPr lang="en-US" sz="4000" dirty="0">
+                <a:solidFill>
+                  <a:srgbClr val="FF0000"/>
+                </a:solidFill>
+                <a:latin typeface="Times New Roman" panose="02020603050405020304" pitchFamily="18" charset="0"/>
+                <a:cs typeface="Times New Roman" panose="02020603050405020304" pitchFamily="18" charset="0"/>
+              </a:rPr>
+              <a:t>Research Question:</a:t>
+            </a:r>
+          </a:p>
+        </p:txBody>
+      </p:sp>
+      <p:sp>
+        <p:nvSpPr>
+          <p:cNvPr id="3" name="Content Placeholder 2">
+            <a:extLst>
+              <a:ext uri="{FF2B5EF4-FFF2-40B4-BE49-F238E27FC236}">
+                <a16:creationId xmlns:a16="http://schemas.microsoft.com/office/drawing/2014/main" id="{2C9C959A-BD83-AF62-7D53-24B8544426CB}"/>
+              </a:ext>
+            </a:extLst>
+          </p:cNvPr>
+          <p:cNvSpPr>
+            <a:spLocks noGrp="1"/>
+          </p:cNvSpPr>
+          <p:nvPr>
+            <p:ph idx="1"/>
+          </p:nvPr>
+        </p:nvSpPr>
+        <p:spPr>
+          <a:xfrm>
+            <a:off x="205492" y="1709618"/>
+            <a:ext cx="11144764" cy="4925098"/>
+          </a:xfrm>
+        </p:spPr>
+        <p:txBody>
+          <a:bodyPr>
+            <a:normAutofit fontScale="70000" lnSpcReduction="20000"/>
+          </a:bodyPr>
+          <a:lstStyle/>
+          <a:p>
+            <a:pPr>
+              <a:lnSpc>
+                <a:spcPct val="160000"/>
+              </a:lnSpc>
+            </a:pPr>
+            <a:r>
+              <a:rPr lang="en-US" sz="3100" b="1" spc="300" dirty="0">
+                <a:latin typeface="Times New Roman" panose="02020603050405020304" pitchFamily="18" charset="0"/>
+                <a:cs typeface="Times New Roman" panose="02020603050405020304" pitchFamily="18" charset="0"/>
+              </a:rPr>
+              <a:t>H1: Significance of Different type of Delays on the dependent Variable(Delay_120)</a:t>
+            </a:r>
+            <a:endParaRPr lang="en-US" sz="3100" b="1" dirty="0">
+              <a:latin typeface="Times New Roman" panose="02020603050405020304" pitchFamily="18" charset="0"/>
+              <a:cs typeface="Times New Roman" panose="02020603050405020304" pitchFamily="18" charset="0"/>
+            </a:endParaRPr>
+          </a:p>
+          <a:p>
+            <a:pPr>
+              <a:lnSpc>
+                <a:spcPct val="160000"/>
+              </a:lnSpc>
+            </a:pPr>
+            <a:r>
+              <a:rPr lang="en-US" sz="3100" b="1" dirty="0">
+                <a:latin typeface="Times New Roman" panose="02020603050405020304" pitchFamily="18" charset="0"/>
+                <a:cs typeface="Times New Roman" panose="02020603050405020304" pitchFamily="18" charset="0"/>
+              </a:rPr>
+              <a:t>Through this Project I would like address the Delay of Flights based on different  reasons. Where delay is greater than 120 minutes(2 hours).</a:t>
+            </a:r>
+          </a:p>
+          <a:p>
+            <a:pPr>
+              <a:lnSpc>
+                <a:spcPct val="160000"/>
+              </a:lnSpc>
+            </a:pPr>
+            <a:r>
+              <a:rPr lang="en-US" sz="3100" b="1" dirty="0">
+                <a:latin typeface="Times New Roman" panose="02020603050405020304" pitchFamily="18" charset="0"/>
+                <a:cs typeface="Times New Roman" panose="02020603050405020304" pitchFamily="18" charset="0"/>
+              </a:rPr>
+              <a:t>This Predictive Model helps both Airlines and Passengers to organize their journey; Airlines can effectively manage and Improve their operations</a:t>
+            </a:r>
+          </a:p>
+          <a:p>
+            <a:pPr>
+              <a:lnSpc>
+                <a:spcPct val="160000"/>
+              </a:lnSpc>
+            </a:pPr>
+            <a:r>
+              <a:rPr lang="en-US" sz="3100" b="1" dirty="0">
+                <a:latin typeface="Times New Roman" panose="02020603050405020304" pitchFamily="18" charset="0"/>
+                <a:cs typeface="Times New Roman" panose="02020603050405020304" pitchFamily="18" charset="0"/>
+              </a:rPr>
+              <a:t>After understanding the DATA, multiple independent variable and  Dependent Variables. </a:t>
+            </a:r>
+          </a:p>
+          <a:p>
+            <a:pPr>
+              <a:lnSpc>
+                <a:spcPct val="160000"/>
+              </a:lnSpc>
+            </a:pPr>
+            <a:r>
+              <a:rPr lang="en-US" sz="3100" b="1" dirty="0">
+                <a:latin typeface="Times New Roman" panose="02020603050405020304" pitchFamily="18" charset="0"/>
+                <a:cs typeface="Times New Roman" panose="02020603050405020304" pitchFamily="18" charset="0"/>
+              </a:rPr>
+              <a:t>I opted for Logistic Regression and Decision Tree for the prediction and to create a Model. </a:t>
+            </a:r>
+          </a:p>
+          <a:p>
+            <a:pPr marL="0" indent="0">
+              <a:buNone/>
+            </a:pPr>
+            <a:r>
+              <a:rPr lang="en-US" dirty="0"/>
+              <a:t> </a:t>
+            </a:r>
+          </a:p>
+        </p:txBody>
+      </p:sp>
+    </p:spTree>
+    <p:extLst>
+      <p:ext uri="{BB962C8B-B14F-4D97-AF65-F5344CB8AC3E}">
+        <p14:creationId xmlns:p14="http://schemas.microsoft.com/office/powerpoint/2010/main" val="725456401"/>
+      </p:ext>
+    </p:extLst>
+  </p:cSld>
+  <p:clrMapOvr>
+    <a:masterClrMapping/>
+  </p:clrMapOvr>
+</p:sld>
+</file>
+
+<file path=ppt/slides/slide6.xml><?xml version="1.0" encoding="utf-8"?>
+<p:sld xmlns:a="http://schemas.openxmlformats.org/drawingml/2006/main" xmlns:r="http://schemas.openxmlformats.org/officeDocument/2006/relationships" xmlns:p="http://schemas.openxmlformats.org/presentationml/2006/main">
+  <p:cSld>
+    <p:spTree>
+      <p:nvGrpSpPr>
+        <p:cNvPr id="1" name=""/>
+        <p:cNvGrpSpPr/>
+        <p:nvPr/>
+      </p:nvGrpSpPr>
+      <p:grpSpPr>
+        <a:xfrm>
+          <a:off x="0" y="0"/>
+          <a:ext cx="0" cy="0"/>
+          <a:chOff x="0" y="0"/>
+          <a:chExt cx="0" cy="0"/>
+        </a:xfrm>
+      </p:grpSpPr>
+      <p:sp>
+        <p:nvSpPr>
+          <p:cNvPr id="2" name="Title 1">
+            <a:extLst>
+              <a:ext uri="{FF2B5EF4-FFF2-40B4-BE49-F238E27FC236}">
+                <a16:creationId xmlns:a16="http://schemas.microsoft.com/office/drawing/2014/main" id="{AFEEAF9B-5767-24CA-2B15-23CFC3B9925C}"/>
+              </a:ext>
+            </a:extLst>
+          </p:cNvPr>
+          <p:cNvSpPr>
+            <a:spLocks noGrp="1"/>
+          </p:cNvSpPr>
+          <p:nvPr>
+            <p:ph type="title"/>
+          </p:nvPr>
+        </p:nvSpPr>
+        <p:spPr>
+          <a:xfrm>
+            <a:off x="131064" y="109061"/>
+            <a:ext cx="9950103" cy="1507376"/>
+          </a:xfrm>
+        </p:spPr>
+        <p:txBody>
+          <a:bodyPr>
+            <a:normAutofit/>
+          </a:bodyPr>
+          <a:lstStyle/>
+          <a:p>
+            <a:r>
+              <a:rPr lang="en-US" sz="4000" dirty="0">
+                <a:solidFill>
+                  <a:srgbClr val="FF0000"/>
+                </a:solidFill>
+                <a:latin typeface="Times New Roman" panose="02020603050405020304" pitchFamily="18" charset="0"/>
+                <a:cs typeface="Times New Roman" panose="02020603050405020304" pitchFamily="18" charset="0"/>
+              </a:rPr>
+              <a:t>Challenges:</a:t>
+            </a:r>
+          </a:p>
+        </p:txBody>
+      </p:sp>
+      <p:sp>
+        <p:nvSpPr>
+          <p:cNvPr id="3" name="Content Placeholder 2">
+            <a:extLst>
+              <a:ext uri="{FF2B5EF4-FFF2-40B4-BE49-F238E27FC236}">
+                <a16:creationId xmlns:a16="http://schemas.microsoft.com/office/drawing/2014/main" id="{2C9C959A-BD83-AF62-7D53-24B8544426CB}"/>
+              </a:ext>
+            </a:extLst>
+          </p:cNvPr>
+          <p:cNvSpPr>
+            <a:spLocks noGrp="1"/>
+          </p:cNvSpPr>
+          <p:nvPr>
+            <p:ph idx="1"/>
+          </p:nvPr>
+        </p:nvSpPr>
+        <p:spPr>
+          <a:xfrm>
+            <a:off x="210808" y="1768098"/>
+            <a:ext cx="11023249" cy="3513514"/>
+          </a:xfrm>
+        </p:spPr>
+        <p:txBody>
+          <a:bodyPr/>
+          <a:lstStyle/>
+          <a:p>
+            <a:r>
+              <a:rPr lang="en-US" sz="3200" b="1" dirty="0">
+                <a:latin typeface="Times New Roman" panose="02020603050405020304" pitchFamily="18" charset="0"/>
+                <a:cs typeface="Times New Roman" panose="02020603050405020304" pitchFamily="18" charset="0"/>
+              </a:rPr>
+              <a:t>Understanding the DATA and Structure of it.</a:t>
+            </a:r>
+          </a:p>
+          <a:p>
+            <a:r>
+              <a:rPr lang="en-US" sz="3200" b="1" dirty="0">
+                <a:latin typeface="Times New Roman" panose="02020603050405020304" pitchFamily="18" charset="0"/>
+                <a:cs typeface="Times New Roman" panose="02020603050405020304" pitchFamily="18" charset="0"/>
+              </a:rPr>
+              <a:t>Finding significant variables for predicting dependent.</a:t>
+            </a:r>
+          </a:p>
+          <a:p>
+            <a:r>
+              <a:rPr lang="en-US" sz="3200" b="1" dirty="0">
+                <a:latin typeface="Times New Roman" panose="02020603050405020304" pitchFamily="18" charset="0"/>
+                <a:cs typeface="Times New Roman" panose="02020603050405020304" pitchFamily="18" charset="0"/>
+              </a:rPr>
+              <a:t>Data distribution in EDA analysis.</a:t>
+            </a:r>
+          </a:p>
+          <a:p>
+            <a:r>
+              <a:rPr lang="en-US" sz="3200" b="1" dirty="0">
+                <a:latin typeface="Times New Roman" panose="02020603050405020304" pitchFamily="18" charset="0"/>
+                <a:cs typeface="Times New Roman" panose="02020603050405020304" pitchFamily="18" charset="0"/>
+              </a:rPr>
+              <a:t>Determining and Choosing regression model for prediction.</a:t>
+            </a:r>
+          </a:p>
+          <a:p>
+            <a:pPr marL="0" indent="0">
+              <a:buNone/>
+            </a:pPr>
+            <a:endParaRPr lang="en-US" dirty="0"/>
+          </a:p>
+        </p:txBody>
+      </p:sp>
+    </p:spTree>
+    <p:extLst>
+      <p:ext uri="{BB962C8B-B14F-4D97-AF65-F5344CB8AC3E}">
+        <p14:creationId xmlns:p14="http://schemas.microsoft.com/office/powerpoint/2010/main" val="4164665458"/>
+      </p:ext>
+    </p:extLst>
+  </p:cSld>
+  <p:clrMapOvr>
+    <a:masterClrMapping/>
+  </p:clrMapOvr>
+</p:sld>
+</file>
+
+<file path=ppt/slides/slide7.xml><?xml version="1.0" encoding="utf-8"?>
+<p:sld xmlns:a="http://schemas.openxmlformats.org/drawingml/2006/main" xmlns:r="http://schemas.openxmlformats.org/officeDocument/2006/relationships" xmlns:p="http://schemas.openxmlformats.org/presentationml/2006/main">
+  <p:cSld>
+    <p:spTree>
+      <p:nvGrpSpPr>
+        <p:cNvPr id="1" name=""/>
+        <p:cNvGrpSpPr/>
+        <p:nvPr/>
+      </p:nvGrpSpPr>
+      <p:grpSpPr>
+        <a:xfrm>
+          <a:off x="0" y="0"/>
+          <a:ext cx="0" cy="0"/>
+          <a:chOff x="0" y="0"/>
+          <a:chExt cx="0" cy="0"/>
+        </a:xfrm>
+      </p:grpSpPr>
+      <p:sp>
+        <p:nvSpPr>
+          <p:cNvPr id="2" name="Title 1">
+            <a:extLst>
+              <a:ext uri="{FF2B5EF4-FFF2-40B4-BE49-F238E27FC236}">
+                <a16:creationId xmlns:a16="http://schemas.microsoft.com/office/drawing/2014/main" id="{AFEEAF9B-5767-24CA-2B15-23CFC3B9925C}"/>
+              </a:ext>
+            </a:extLst>
+          </p:cNvPr>
+          <p:cNvSpPr>
+            <a:spLocks noGrp="1"/>
+          </p:cNvSpPr>
+          <p:nvPr>
+            <p:ph type="title"/>
+          </p:nvPr>
+        </p:nvSpPr>
+        <p:spPr>
+          <a:xfrm>
+            <a:off x="99167" y="93113"/>
+            <a:ext cx="9950103" cy="1507376"/>
+          </a:xfrm>
+        </p:spPr>
+        <p:txBody>
+          <a:bodyPr>
+            <a:normAutofit/>
+          </a:bodyPr>
+          <a:lstStyle/>
+          <a:p>
+            <a:r>
+              <a:rPr lang="en-US" sz="4000" dirty="0">
+                <a:solidFill>
+                  <a:srgbClr val="FF0000"/>
+                </a:solidFill>
+                <a:latin typeface="Times New Roman" panose="02020603050405020304" pitchFamily="18" charset="0"/>
+                <a:cs typeface="Times New Roman" panose="02020603050405020304" pitchFamily="18" charset="0"/>
+              </a:rPr>
+              <a:t>Limitations Of the Project:</a:t>
+            </a:r>
+          </a:p>
+        </p:txBody>
+      </p:sp>
+      <p:sp>
+        <p:nvSpPr>
+          <p:cNvPr id="3" name="Content Placeholder 2">
+            <a:extLst>
+              <a:ext uri="{FF2B5EF4-FFF2-40B4-BE49-F238E27FC236}">
+                <a16:creationId xmlns:a16="http://schemas.microsoft.com/office/drawing/2014/main" id="{2C9C959A-BD83-AF62-7D53-24B8544426CB}"/>
+              </a:ext>
+            </a:extLst>
+          </p:cNvPr>
+          <p:cNvSpPr>
+            <a:spLocks noGrp="1"/>
+          </p:cNvSpPr>
+          <p:nvPr>
+            <p:ph idx="1"/>
+          </p:nvPr>
+        </p:nvSpPr>
+        <p:spPr>
+          <a:xfrm>
+            <a:off x="492572" y="1741516"/>
+            <a:ext cx="10687057" cy="3513514"/>
+          </a:xfrm>
+        </p:spPr>
+        <p:txBody>
+          <a:bodyPr>
+            <a:normAutofit/>
+          </a:bodyPr>
+          <a:lstStyle/>
+          <a:p>
+            <a:r>
+              <a:rPr lang="en-US" sz="2800" b="1" dirty="0">
+                <a:latin typeface="Times New Roman" panose="02020603050405020304" pitchFamily="18" charset="0"/>
+                <a:cs typeface="Times New Roman" panose="02020603050405020304" pitchFamily="18" charset="0"/>
+              </a:rPr>
+              <a:t>Excluded almost half of the rows while Filtering.</a:t>
+            </a:r>
+          </a:p>
+          <a:p>
+            <a:r>
+              <a:rPr lang="en-US" sz="2800" b="1" dirty="0">
+                <a:latin typeface="Times New Roman" panose="02020603050405020304" pitchFamily="18" charset="0"/>
+                <a:cs typeface="Times New Roman" panose="02020603050405020304" pitchFamily="18" charset="0"/>
+              </a:rPr>
+              <a:t>Haven’t considered other aspects or delays like ground operations.</a:t>
+            </a:r>
+          </a:p>
+          <a:p>
+            <a:r>
+              <a:rPr lang="en-US" sz="2800" b="1" dirty="0">
+                <a:latin typeface="Times New Roman" panose="02020603050405020304" pitchFamily="18" charset="0"/>
+                <a:cs typeface="Times New Roman" panose="02020603050405020304" pitchFamily="18" charset="0"/>
+              </a:rPr>
+              <a:t> Considered DATA only for one month in a year.</a:t>
+            </a:r>
+          </a:p>
+          <a:p>
+            <a:r>
+              <a:rPr lang="en-US" sz="2800" b="1" dirty="0">
+                <a:latin typeface="Times New Roman" panose="02020603050405020304" pitchFamily="18" charset="0"/>
+                <a:cs typeface="Times New Roman" panose="02020603050405020304" pitchFamily="18" charset="0"/>
+              </a:rPr>
+              <a:t>More generalized as it is collected for Different Airlines and different Airports.</a:t>
+            </a:r>
+          </a:p>
+        </p:txBody>
+      </p:sp>
+    </p:spTree>
+    <p:extLst>
+      <p:ext uri="{BB962C8B-B14F-4D97-AF65-F5344CB8AC3E}">
+        <p14:creationId xmlns:p14="http://schemas.microsoft.com/office/powerpoint/2010/main" val="3455868188"/>
+      </p:ext>
+    </p:extLst>
+  </p:cSld>
+  <p:clrMapOvr>
+    <a:masterClrMapping/>
+  </p:clrMapOvr>
+</p:sld>
+</file>
+
+<file path=ppt/slides/slide8.xml><?xml version="1.0" encoding="utf-8"?>
+<p:sld xmlns:a="http://schemas.openxmlformats.org/drawingml/2006/main" xmlns:r="http://schemas.openxmlformats.org/officeDocument/2006/relationships" xmlns:p="http://schemas.openxmlformats.org/presentationml/2006/main">
+  <p:cSld>
+    <p:bg>
+      <p:bgPr>
+        <a:solidFill>
+          <a:schemeClr val="bg1"/>
+        </a:solidFill>
+        <a:effectLst/>
+      </p:bgPr>
+    </p:bg>
+    <p:spTree>
+      <p:nvGrpSpPr>
+        <p:cNvPr id="1" name=""/>
+        <p:cNvGrpSpPr/>
+        <p:nvPr/>
+      </p:nvGrpSpPr>
+      <p:grpSpPr>
+        <a:xfrm>
+          <a:off x="0" y="0"/>
+          <a:ext cx="0" cy="0"/>
+          <a:chOff x="0" y="0"/>
+          <a:chExt cx="0" cy="0"/>
+        </a:xfrm>
+      </p:grpSpPr>
+      <p:sp>
+        <p:nvSpPr>
+          <p:cNvPr id="17" name="Freeform: Shape 16">
+            <a:extLst>
+              <a:ext uri="{FF2B5EF4-FFF2-40B4-BE49-F238E27FC236}">
+                <a16:creationId xmlns:a16="http://schemas.microsoft.com/office/drawing/2014/main" id="{AE192E3E-68A9-4F36-936C-1C8D0B9EF132}"/>
               </a:ext>
               <a:ext uri="{C183D7F6-B498-43B3-948B-1728B52AA6E4}">
                 <adec:decorative xmlns:adec="http://schemas.microsoft.com/office/drawing/2017/decorative" val="1"/>
@@ -6841,7 +7228,7 @@
             </a:pathLst>
           </a:custGeom>
           <a:solidFill>
-            <a:schemeClr val="tx2"/>
+            <a:schemeClr val="accent5"/>
           </a:solidFill>
           <a:ln>
             <a:noFill/>
@@ -6874,10 +7261,658 @@
           </a:p>
         </p:txBody>
       </p:sp>
+      <p:sp useBgFill="1">
+        <p:nvSpPr>
+          <p:cNvPr id="19" name="Rectangle 18">
+            <a:extLst>
+              <a:ext uri="{FF2B5EF4-FFF2-40B4-BE49-F238E27FC236}">
+                <a16:creationId xmlns:a16="http://schemas.microsoft.com/office/drawing/2014/main" id="{6362EDFF-7BE1-4149-A745-FFD7211E6CE1}"/>
+              </a:ext>
+              <a:ext uri="{C183D7F6-B498-43B3-948B-1728B52AA6E4}">
+                <adec:decorative xmlns:adec="http://schemas.microsoft.com/office/drawing/2017/decorative" val="1"/>
+              </a:ext>
+            </a:extLst>
+          </p:cNvPr>
+          <p:cNvSpPr>
+            <a:spLocks noGrp="1" noRot="1" noChangeAspect="1" noMove="1" noResize="1" noEditPoints="1" noAdjustHandles="1" noChangeArrowheads="1" noChangeShapeType="1" noTextEdit="1"/>
+          </p:cNvSpPr>
+          <p:nvPr>
+            <p:extLst>
+              <p:ext uri="{386F3935-93C4-4BCD-93E2-E3B085C9AB24}">
+                <p16:designElem xmlns:p16="http://schemas.microsoft.com/office/powerpoint/2015/main" val="1"/>
+              </p:ext>
+            </p:extLst>
+          </p:nvPr>
+        </p:nvSpPr>
+        <p:spPr>
+          <a:xfrm>
+            <a:off x="0" y="0"/>
+            <a:ext cx="12192000" cy="6858000"/>
+          </a:xfrm>
+          <a:prstGeom prst="rect">
+            <a:avLst/>
+          </a:prstGeom>
+          <a:ln w="12700" cap="flat" cmpd="sng" algn="ctr">
+            <a:noFill/>
+            <a:prstDash val="solid"/>
+            <a:miter lim="800000"/>
+          </a:ln>
+          <a:effectLst/>
+          <a:extLst>
+            <a:ext uri="{91240B29-F687-4F45-9708-019B960494DF}">
+              <a14:hiddenLine xmlns:a14="http://schemas.microsoft.com/office/drawing/2010/main" w="12700" cap="flat" cmpd="sng" algn="ctr">
+                <a:solidFill>
+                  <a:schemeClr val="accent1">
+                    <a:shade val="50000"/>
+                  </a:schemeClr>
+                </a:solidFill>
+                <a:prstDash val="solid"/>
+                <a:miter lim="800000"/>
+              </a14:hiddenLine>
+            </a:ext>
+          </a:extLst>
+        </p:spPr>
+        <p:style>
+          <a:lnRef idx="2">
+            <a:schemeClr val="accent1">
+              <a:shade val="50000"/>
+            </a:schemeClr>
+          </a:lnRef>
+          <a:fillRef idx="1">
+            <a:schemeClr val="accent1"/>
+          </a:fillRef>
+          <a:effectRef idx="0">
+            <a:schemeClr val="accent1"/>
+          </a:effectRef>
+          <a:fontRef idx="minor">
+            <a:schemeClr val="lt1"/>
+          </a:fontRef>
+        </p:style>
+        <p:txBody>
+          <a:bodyPr rtlCol="0" anchor="ctr"/>
+          <a:lstStyle/>
+          <a:p>
+            <a:pPr algn="ctr"/>
+            <a:endParaRPr lang="en-US"/>
+          </a:p>
+        </p:txBody>
+      </p:sp>
+      <p:pic>
+        <p:nvPicPr>
+          <p:cNvPr id="5" name="Content Placeholder 4" descr="A graph with text and numbers&#10;&#10;Description automatically generated">
+            <a:extLst>
+              <a:ext uri="{FF2B5EF4-FFF2-40B4-BE49-F238E27FC236}">
+                <a16:creationId xmlns:a16="http://schemas.microsoft.com/office/drawing/2014/main" id="{D02C92A4-8185-A518-2417-447C6B6F1066}"/>
+              </a:ext>
+            </a:extLst>
+          </p:cNvPr>
+          <p:cNvPicPr>
+            <a:picLocks noGrp="1" noChangeAspect="1"/>
+          </p:cNvPicPr>
+          <p:nvPr>
+            <p:ph idx="1"/>
+          </p:nvPr>
+        </p:nvPicPr>
+        <p:blipFill rotWithShape="1">
+          <a:blip r:embed="rId2">
+            <a:extLst>
+              <a:ext uri="{28A0092B-C50C-407E-A947-70E740481C1C}">
+                <a14:useLocalDpi xmlns:a14="http://schemas.microsoft.com/office/drawing/2010/main" val="0"/>
+              </a:ext>
+            </a:extLst>
+          </a:blip>
+          <a:srcRect r="1334"/>
+          <a:stretch/>
+        </p:blipFill>
+        <p:spPr>
+          <a:xfrm>
+            <a:off x="20" y="10"/>
+            <a:ext cx="12191980" cy="6857990"/>
+          </a:xfrm>
+          <a:prstGeom prst="rect">
+            <a:avLst/>
+          </a:prstGeom>
+        </p:spPr>
+      </p:pic>
     </p:spTree>
     <p:extLst>
       <p:ext uri="{BB962C8B-B14F-4D97-AF65-F5344CB8AC3E}">
-        <p14:creationId xmlns:p14="http://schemas.microsoft.com/office/powerpoint/2010/main" val="1278071678"/>
+        <p14:creationId xmlns:p14="http://schemas.microsoft.com/office/powerpoint/2010/main" val="3927867875"/>
+      </p:ext>
+    </p:extLst>
+  </p:cSld>
+  <p:clrMapOvr>
+    <a:masterClrMapping/>
+  </p:clrMapOvr>
+</p:sld>
+</file>
+
+<file path=ppt/slides/slide9.xml><?xml version="1.0" encoding="utf-8"?>
+<p:sld xmlns:a="http://schemas.openxmlformats.org/drawingml/2006/main" xmlns:r="http://schemas.openxmlformats.org/officeDocument/2006/relationships" xmlns:p="http://schemas.openxmlformats.org/presentationml/2006/main">
+  <p:cSld>
+    <p:bg>
+      <p:bgPr>
+        <a:solidFill>
+          <a:schemeClr val="bg1"/>
+        </a:solidFill>
+        <a:effectLst/>
+      </p:bgPr>
+    </p:bg>
+    <p:spTree>
+      <p:nvGrpSpPr>
+        <p:cNvPr id="1" name=""/>
+        <p:cNvGrpSpPr/>
+        <p:nvPr/>
+      </p:nvGrpSpPr>
+      <p:grpSpPr>
+        <a:xfrm>
+          <a:off x="0" y="0"/>
+          <a:ext cx="0" cy="0"/>
+          <a:chOff x="0" y="0"/>
+          <a:chExt cx="0" cy="0"/>
+        </a:xfrm>
+      </p:grpSpPr>
+      <p:sp>
+        <p:nvSpPr>
+          <p:cNvPr id="19" name="Freeform: Shape 18">
+            <a:extLst>
+              <a:ext uri="{FF2B5EF4-FFF2-40B4-BE49-F238E27FC236}">
+                <a16:creationId xmlns:a16="http://schemas.microsoft.com/office/drawing/2014/main" id="{AE192E3E-68A9-4F36-936C-1C8D0B9EF132}"/>
+              </a:ext>
+              <a:ext uri="{C183D7F6-B498-43B3-948B-1728B52AA6E4}">
+                <adec:decorative xmlns:adec="http://schemas.microsoft.com/office/drawing/2017/decorative" val="1"/>
+              </a:ext>
+            </a:extLst>
+          </p:cNvPr>
+          <p:cNvSpPr>
+            <a:spLocks noGrp="1" noRot="1" noChangeAspect="1" noMove="1" noResize="1" noEditPoints="1" noAdjustHandles="1" noChangeArrowheads="1" noChangeShapeType="1" noTextEdit="1"/>
+          </p:cNvSpPr>
+          <p:nvPr>
+            <p:extLst>
+              <p:ext uri="{386F3935-93C4-4BCD-93E2-E3B085C9AB24}">
+                <p16:designElem xmlns:p16="http://schemas.microsoft.com/office/powerpoint/2015/main" val="1"/>
+              </p:ext>
+            </p:extLst>
+          </p:nvPr>
+        </p:nvSpPr>
+        <p:spPr>
+          <a:xfrm>
+            <a:off x="8803792" y="3455896"/>
+            <a:ext cx="3388208" cy="3406341"/>
+          </a:xfrm>
+          <a:custGeom>
+            <a:avLst/>
+            <a:gdLst>
+              <a:gd name="connsiteX0" fmla="*/ 3388058 w 3388208"/>
+              <a:gd name="connsiteY0" fmla="*/ 0 h 3406341"/>
+              <a:gd name="connsiteX1" fmla="*/ 3388208 w 3388208"/>
+              <a:gd name="connsiteY1" fmla="*/ 0 h 3406341"/>
+              <a:gd name="connsiteX2" fmla="*/ 3388208 w 3388208"/>
+              <a:gd name="connsiteY2" fmla="*/ 3406341 h 3406341"/>
+              <a:gd name="connsiteX3" fmla="*/ 0 w 3388208"/>
+              <a:gd name="connsiteY3" fmla="*/ 3406341 h 3406341"/>
+              <a:gd name="connsiteX4" fmla="*/ 79006 w 3388208"/>
+              <a:gd name="connsiteY4" fmla="*/ 3404386 h 3406341"/>
+              <a:gd name="connsiteX5" fmla="*/ 3383947 w 3388208"/>
+              <a:gd name="connsiteY5" fmla="*/ 164274 h 3406341"/>
+            </a:gdLst>
+            <a:ahLst/>
+            <a:cxnLst>
+              <a:cxn ang="0">
+                <a:pos x="connsiteX0" y="connsiteY0"/>
+              </a:cxn>
+              <a:cxn ang="0">
+                <a:pos x="connsiteX1" y="connsiteY1"/>
+              </a:cxn>
+              <a:cxn ang="0">
+                <a:pos x="connsiteX2" y="connsiteY2"/>
+              </a:cxn>
+              <a:cxn ang="0">
+                <a:pos x="connsiteX3" y="connsiteY3"/>
+              </a:cxn>
+              <a:cxn ang="0">
+                <a:pos x="connsiteX4" y="connsiteY4"/>
+              </a:cxn>
+              <a:cxn ang="0">
+                <a:pos x="connsiteX5" y="connsiteY5"/>
+              </a:cxn>
+            </a:cxnLst>
+            <a:rect l="l" t="t" r="r" b="b"/>
+            <a:pathLst>
+              <a:path w="3388208" h="3406341">
+                <a:moveTo>
+                  <a:pt x="3388058" y="0"/>
+                </a:moveTo>
+                <a:lnTo>
+                  <a:pt x="3388208" y="0"/>
+                </a:lnTo>
+                <a:lnTo>
+                  <a:pt x="3388208" y="3406341"/>
+                </a:lnTo>
+                <a:lnTo>
+                  <a:pt x="0" y="3406341"/>
+                </a:lnTo>
+                <a:lnTo>
+                  <a:pt x="79006" y="3404386"/>
+                </a:lnTo>
+                <a:cubicBezTo>
+                  <a:pt x="1864742" y="3315784"/>
+                  <a:pt x="3296223" y="1912901"/>
+                  <a:pt x="3383947" y="164274"/>
+                </a:cubicBezTo>
+                <a:close/>
+              </a:path>
+            </a:pathLst>
+          </a:custGeom>
+          <a:solidFill>
+            <a:schemeClr val="accent5"/>
+          </a:solidFill>
+          <a:ln>
+            <a:noFill/>
+          </a:ln>
+        </p:spPr>
+        <p:style>
+          <a:lnRef idx="2">
+            <a:schemeClr val="accent1">
+              <a:shade val="50000"/>
+            </a:schemeClr>
+          </a:lnRef>
+          <a:fillRef idx="1">
+            <a:schemeClr val="accent1"/>
+          </a:fillRef>
+          <a:effectRef idx="0">
+            <a:schemeClr val="accent1"/>
+          </a:effectRef>
+          <a:fontRef idx="minor">
+            <a:schemeClr val="lt1"/>
+          </a:fontRef>
+        </p:style>
+        <p:txBody>
+          <a:bodyPr wrap="square" rtlCol="0" anchor="ctr">
+            <a:noAutofit/>
+          </a:bodyPr>
+          <a:lstStyle/>
+          <a:p>
+            <a:pPr algn="ctr"/>
+            <a:endParaRPr lang="en-US"/>
+          </a:p>
+        </p:txBody>
+      </p:sp>
+      <p:sp useBgFill="1">
+        <p:nvSpPr>
+          <p:cNvPr id="20" name="Rectangle 19">
+            <a:extLst>
+              <a:ext uri="{FF2B5EF4-FFF2-40B4-BE49-F238E27FC236}">
+                <a16:creationId xmlns:a16="http://schemas.microsoft.com/office/drawing/2014/main" id="{998D6E90-577B-4973-B60A-2700290E68B3}"/>
+              </a:ext>
+              <a:ext uri="{C183D7F6-B498-43B3-948B-1728B52AA6E4}">
+                <adec:decorative xmlns:adec="http://schemas.microsoft.com/office/drawing/2017/decorative" val="1"/>
+              </a:ext>
+            </a:extLst>
+          </p:cNvPr>
+          <p:cNvSpPr>
+            <a:spLocks noGrp="1" noRot="1" noChangeAspect="1" noMove="1" noResize="1" noEditPoints="1" noAdjustHandles="1" noChangeArrowheads="1" noChangeShapeType="1" noTextEdit="1"/>
+          </p:cNvSpPr>
+          <p:nvPr>
+            <p:extLst>
+              <p:ext uri="{386F3935-93C4-4BCD-93E2-E3B085C9AB24}">
+                <p16:designElem xmlns:p16="http://schemas.microsoft.com/office/powerpoint/2015/main" val="1"/>
+              </p:ext>
+            </p:extLst>
+          </p:nvPr>
+        </p:nvSpPr>
+        <p:spPr>
+          <a:xfrm>
+            <a:off x="0" y="0"/>
+            <a:ext cx="12192000" cy="6858000"/>
+          </a:xfrm>
+          <a:prstGeom prst="rect">
+            <a:avLst/>
+          </a:prstGeom>
+          <a:ln w="12700" cap="flat" cmpd="sng" algn="ctr">
+            <a:noFill/>
+            <a:prstDash val="solid"/>
+            <a:miter lim="800000"/>
+          </a:ln>
+          <a:effectLst/>
+          <a:extLst>
+            <a:ext uri="{91240B29-F687-4F45-9708-019B960494DF}">
+              <a14:hiddenLine xmlns:a14="http://schemas.microsoft.com/office/drawing/2010/main" w="12700" cap="flat" cmpd="sng" algn="ctr">
+                <a:solidFill>
+                  <a:schemeClr val="accent1">
+                    <a:shade val="50000"/>
+                  </a:schemeClr>
+                </a:solidFill>
+                <a:prstDash val="solid"/>
+                <a:miter lim="800000"/>
+              </a14:hiddenLine>
+            </a:ext>
+          </a:extLst>
+        </p:spPr>
+        <p:style>
+          <a:lnRef idx="2">
+            <a:schemeClr val="accent1">
+              <a:shade val="50000"/>
+            </a:schemeClr>
+          </a:lnRef>
+          <a:fillRef idx="1">
+            <a:schemeClr val="accent1"/>
+          </a:fillRef>
+          <a:effectRef idx="0">
+            <a:schemeClr val="accent1"/>
+          </a:effectRef>
+          <a:fontRef idx="minor">
+            <a:schemeClr val="lt1"/>
+          </a:fontRef>
+        </p:style>
+        <p:txBody>
+          <a:bodyPr rtlCol="0" anchor="ctr"/>
+          <a:lstStyle/>
+          <a:p>
+            <a:pPr algn="ctr"/>
+            <a:endParaRPr lang="en-US"/>
+          </a:p>
+        </p:txBody>
+      </p:sp>
+      <p:sp>
+        <p:nvSpPr>
+          <p:cNvPr id="2" name="TextBox 1">
+            <a:extLst>
+              <a:ext uri="{FF2B5EF4-FFF2-40B4-BE49-F238E27FC236}">
+                <a16:creationId xmlns:a16="http://schemas.microsoft.com/office/drawing/2014/main" id="{3719526A-D573-63FE-A05E-FD4E24B12CDC}"/>
+              </a:ext>
+            </a:extLst>
+          </p:cNvPr>
+          <p:cNvSpPr txBox="1"/>
+          <p:nvPr/>
+        </p:nvSpPr>
+        <p:spPr>
+          <a:xfrm>
+            <a:off x="152400" y="1597961"/>
+            <a:ext cx="3561297" cy="3162300"/>
+          </a:xfrm>
+          <a:prstGeom prst="rect">
+            <a:avLst/>
+          </a:prstGeom>
+        </p:spPr>
+        <p:txBody>
+          <a:bodyPr vert="horz" lIns="91440" tIns="45720" rIns="91440" bIns="45720" rtlCol="0" anchor="t">
+            <a:normAutofit/>
+          </a:bodyPr>
+          <a:lstStyle/>
+          <a:p>
+            <a:pPr>
+              <a:lnSpc>
+                <a:spcPct val="110000"/>
+              </a:lnSpc>
+              <a:spcBef>
+                <a:spcPct val="0"/>
+              </a:spcBef>
+              <a:spcAft>
+                <a:spcPts val="600"/>
+              </a:spcAft>
+            </a:pPr>
+            <a:r>
+              <a:rPr lang="en-US" sz="3600" b="1" dirty="0">
+                <a:solidFill>
+                  <a:srgbClr val="FF0000"/>
+                </a:solidFill>
+                <a:latin typeface="Times New Roman" panose="02020603050405020304" pitchFamily="18" charset="0"/>
+                <a:ea typeface="+mj-ea"/>
+                <a:cs typeface="Times New Roman" panose="02020603050405020304" pitchFamily="18" charset="0"/>
+              </a:rPr>
+              <a:t>Results:</a:t>
+            </a:r>
+          </a:p>
+          <a:p>
+            <a:pPr>
+              <a:lnSpc>
+                <a:spcPct val="110000"/>
+              </a:lnSpc>
+              <a:spcBef>
+                <a:spcPct val="0"/>
+              </a:spcBef>
+              <a:spcAft>
+                <a:spcPts val="600"/>
+              </a:spcAft>
+            </a:pPr>
+            <a:r>
+              <a:rPr lang="en-US" sz="3600" b="1" dirty="0">
+                <a:solidFill>
+                  <a:srgbClr val="FF0000"/>
+                </a:solidFill>
+                <a:latin typeface="Times New Roman" panose="02020603050405020304" pitchFamily="18" charset="0"/>
+                <a:ea typeface="+mj-ea"/>
+                <a:cs typeface="Times New Roman" panose="02020603050405020304" pitchFamily="18" charset="0"/>
+              </a:rPr>
+              <a:t>EDA Analysis:</a:t>
+            </a:r>
+          </a:p>
+        </p:txBody>
+      </p:sp>
+      <p:sp>
+        <p:nvSpPr>
+          <p:cNvPr id="21" name="Freeform: Shape 20">
+            <a:extLst>
+              <a:ext uri="{FF2B5EF4-FFF2-40B4-BE49-F238E27FC236}">
+                <a16:creationId xmlns:a16="http://schemas.microsoft.com/office/drawing/2014/main" id="{3FA95682-BEE6-4B33-BA34-7E7BE49782DA}"/>
+              </a:ext>
+              <a:ext uri="{C183D7F6-B498-43B3-948B-1728B52AA6E4}">
+                <adec:decorative xmlns:adec="http://schemas.microsoft.com/office/drawing/2017/decorative" val="1"/>
+              </a:ext>
+            </a:extLst>
+          </p:cNvPr>
+          <p:cNvSpPr>
+            <a:spLocks noGrp="1" noRot="1" noChangeAspect="1" noMove="1" noResize="1" noEditPoints="1" noAdjustHandles="1" noChangeArrowheads="1" noChangeShapeType="1" noTextEdit="1"/>
+          </p:cNvSpPr>
+          <p:nvPr>
+            <p:extLst>
+              <p:ext uri="{386F3935-93C4-4BCD-93E2-E3B085C9AB24}">
+                <p16:designElem xmlns:p16="http://schemas.microsoft.com/office/powerpoint/2015/main" val="1"/>
+              </p:ext>
+            </p:extLst>
+          </p:nvPr>
+        </p:nvSpPr>
+        <p:spPr>
+          <a:xfrm>
+            <a:off x="8803792" y="3455896"/>
+            <a:ext cx="3388208" cy="3406341"/>
+          </a:xfrm>
+          <a:custGeom>
+            <a:avLst/>
+            <a:gdLst>
+              <a:gd name="connsiteX0" fmla="*/ 3388058 w 3388208"/>
+              <a:gd name="connsiteY0" fmla="*/ 0 h 3406341"/>
+              <a:gd name="connsiteX1" fmla="*/ 3388208 w 3388208"/>
+              <a:gd name="connsiteY1" fmla="*/ 0 h 3406341"/>
+              <a:gd name="connsiteX2" fmla="*/ 3388208 w 3388208"/>
+              <a:gd name="connsiteY2" fmla="*/ 3406341 h 3406341"/>
+              <a:gd name="connsiteX3" fmla="*/ 0 w 3388208"/>
+              <a:gd name="connsiteY3" fmla="*/ 3406341 h 3406341"/>
+              <a:gd name="connsiteX4" fmla="*/ 79006 w 3388208"/>
+              <a:gd name="connsiteY4" fmla="*/ 3404386 h 3406341"/>
+              <a:gd name="connsiteX5" fmla="*/ 3383947 w 3388208"/>
+              <a:gd name="connsiteY5" fmla="*/ 164274 h 3406341"/>
+            </a:gdLst>
+            <a:ahLst/>
+            <a:cxnLst>
+              <a:cxn ang="0">
+                <a:pos x="connsiteX0" y="connsiteY0"/>
+              </a:cxn>
+              <a:cxn ang="0">
+                <a:pos x="connsiteX1" y="connsiteY1"/>
+              </a:cxn>
+              <a:cxn ang="0">
+                <a:pos x="connsiteX2" y="connsiteY2"/>
+              </a:cxn>
+              <a:cxn ang="0">
+                <a:pos x="connsiteX3" y="connsiteY3"/>
+              </a:cxn>
+              <a:cxn ang="0">
+                <a:pos x="connsiteX4" y="connsiteY4"/>
+              </a:cxn>
+              <a:cxn ang="0">
+                <a:pos x="connsiteX5" y="connsiteY5"/>
+              </a:cxn>
+            </a:cxnLst>
+            <a:rect l="l" t="t" r="r" b="b"/>
+            <a:pathLst>
+              <a:path w="3388208" h="3406341">
+                <a:moveTo>
+                  <a:pt x="3388058" y="0"/>
+                </a:moveTo>
+                <a:lnTo>
+                  <a:pt x="3388208" y="0"/>
+                </a:lnTo>
+                <a:lnTo>
+                  <a:pt x="3388208" y="3406341"/>
+                </a:lnTo>
+                <a:lnTo>
+                  <a:pt x="0" y="3406341"/>
+                </a:lnTo>
+                <a:lnTo>
+                  <a:pt x="79006" y="3404386"/>
+                </a:lnTo>
+                <a:cubicBezTo>
+                  <a:pt x="1864742" y="3315784"/>
+                  <a:pt x="3296223" y="1912901"/>
+                  <a:pt x="3383947" y="164274"/>
+                </a:cubicBezTo>
+                <a:close/>
+              </a:path>
+            </a:pathLst>
+          </a:custGeom>
+          <a:solidFill>
+            <a:schemeClr val="accent5"/>
+          </a:solidFill>
+          <a:ln>
+            <a:noFill/>
+          </a:ln>
+        </p:spPr>
+        <p:style>
+          <a:lnRef idx="2">
+            <a:schemeClr val="accent1">
+              <a:shade val="50000"/>
+            </a:schemeClr>
+          </a:lnRef>
+          <a:fillRef idx="1">
+            <a:schemeClr val="accent1"/>
+          </a:fillRef>
+          <a:effectRef idx="0">
+            <a:schemeClr val="accent1"/>
+          </a:effectRef>
+          <a:fontRef idx="minor">
+            <a:schemeClr val="lt1"/>
+          </a:fontRef>
+        </p:style>
+        <p:txBody>
+          <a:bodyPr wrap="square" rtlCol="0" anchor="ctr">
+            <a:noAutofit/>
+          </a:bodyPr>
+          <a:lstStyle/>
+          <a:p>
+            <a:pPr algn="ctr"/>
+            <a:endParaRPr lang="en-US"/>
+          </a:p>
+        </p:txBody>
+      </p:sp>
+      <p:pic>
+        <p:nvPicPr>
+          <p:cNvPr id="4" name="Picture 3" descr="A screen shot of a computer screen&#10;&#10;Description automatically generated">
+            <a:extLst>
+              <a:ext uri="{FF2B5EF4-FFF2-40B4-BE49-F238E27FC236}">
+                <a16:creationId xmlns:a16="http://schemas.microsoft.com/office/drawing/2014/main" id="{2820A1EB-A989-5BE3-09AF-83A8A690705D}"/>
+              </a:ext>
+            </a:extLst>
+          </p:cNvPr>
+          <p:cNvPicPr>
+            <a:picLocks noChangeAspect="1"/>
+          </p:cNvPicPr>
+          <p:nvPr/>
+        </p:nvPicPr>
+        <p:blipFill>
+          <a:blip r:embed="rId2">
+            <a:extLst>
+              <a:ext uri="{28A0092B-C50C-407E-A947-70E740481C1C}">
+                <a14:useLocalDpi xmlns:a14="http://schemas.microsoft.com/office/drawing/2010/main" val="0"/>
+              </a:ext>
+            </a:extLst>
+          </a:blip>
+          <a:stretch>
+            <a:fillRect/>
+          </a:stretch>
+        </p:blipFill>
+        <p:spPr>
+          <a:xfrm>
+            <a:off x="3388209" y="522514"/>
+            <a:ext cx="7747750" cy="5965372"/>
+          </a:xfrm>
+          <a:prstGeom prst="rect">
+            <a:avLst/>
+          </a:prstGeom>
+        </p:spPr>
+      </p:pic>
+      <p:sp>
+        <p:nvSpPr>
+          <p:cNvPr id="5" name="TextBox 4">
+            <a:extLst>
+              <a:ext uri="{FF2B5EF4-FFF2-40B4-BE49-F238E27FC236}">
+                <a16:creationId xmlns:a16="http://schemas.microsoft.com/office/drawing/2014/main" id="{0C6CF21D-B5A9-C461-1FD3-6EC265C5313C}"/>
+              </a:ext>
+            </a:extLst>
+          </p:cNvPr>
+          <p:cNvSpPr txBox="1"/>
+          <p:nvPr/>
+        </p:nvSpPr>
+        <p:spPr>
+          <a:xfrm>
+            <a:off x="478971" y="3701143"/>
+            <a:ext cx="2710543" cy="2862322"/>
+          </a:xfrm>
+          <a:prstGeom prst="rect">
+            <a:avLst/>
+          </a:prstGeom>
+          <a:noFill/>
+        </p:spPr>
+        <p:txBody>
+          <a:bodyPr wrap="square" rtlCol="0">
+            <a:spAutoFit/>
+          </a:bodyPr>
+          <a:lstStyle/>
+          <a:p>
+            <a:r>
+              <a:rPr lang="en-US" sz="2000" b="1" dirty="0">
+                <a:latin typeface="Times New Roman" panose="02020603050405020304" pitchFamily="18" charset="0"/>
+                <a:cs typeface="Times New Roman" panose="02020603050405020304" pitchFamily="18" charset="0"/>
+              </a:rPr>
+              <a:t>Security Delay  is Mostly Distributed close to zero.</a:t>
+            </a:r>
+          </a:p>
+          <a:p>
+            <a:endParaRPr lang="en-US" sz="2000" b="1" dirty="0">
+              <a:latin typeface="Times New Roman" panose="02020603050405020304" pitchFamily="18" charset="0"/>
+              <a:cs typeface="Times New Roman" panose="02020603050405020304" pitchFamily="18" charset="0"/>
+            </a:endParaRPr>
+          </a:p>
+          <a:p>
+            <a:r>
+              <a:rPr lang="en-US" sz="2000" b="1" dirty="0">
+                <a:latin typeface="Times New Roman" panose="02020603050405020304" pitchFamily="18" charset="0"/>
+                <a:cs typeface="Times New Roman" panose="02020603050405020304" pitchFamily="18" charset="0"/>
+              </a:rPr>
+              <a:t>Whereas other delays are distributed near zero with significant observations  away from zero.</a:t>
+            </a:r>
+            <a:r>
+              <a:rPr lang="en-US" dirty="0"/>
+              <a:t>  </a:t>
+            </a:r>
+          </a:p>
+        </p:txBody>
+      </p:sp>
+    </p:spTree>
+    <p:extLst>
+      <p:ext uri="{BB962C8B-B14F-4D97-AF65-F5344CB8AC3E}">
+        <p14:creationId xmlns:p14="http://schemas.microsoft.com/office/powerpoint/2010/main" val="2956735513"/>
       </p:ext>
     </p:extLst>
   </p:cSld>

--- a/Atc & Visualisation.pptx
+++ b/Atc & Visualisation.pptx
@@ -18,7 +18,8 @@
     <p:sldId id="269" r:id="rId12"/>
     <p:sldId id="271" r:id="rId13"/>
     <p:sldId id="265" r:id="rId14"/>
-    <p:sldId id="256" r:id="rId15"/>
+    <p:sldId id="272" r:id="rId15"/>
+    <p:sldId id="256" r:id="rId16"/>
   </p:sldIdLst>
   <p:sldSz cx="12192000" cy="6858000"/>
   <p:notesSz cx="6858000" cy="9144000"/>
@@ -135,6 +136,7 @@
             <p14:sldId id="269"/>
             <p14:sldId id="271"/>
             <p14:sldId id="265"/>
+            <p14:sldId id="272"/>
             <p14:sldId id="256"/>
           </p14:sldIdLst>
         </p14:section>
@@ -5673,36 +5675,112 @@
           </a:p>
         </p:txBody>
       </p:sp>
-      <p:pic>
-        <p:nvPicPr>
-          <p:cNvPr id="6" name="Picture 5" descr="A close-up of a number&#10;&#10;Description automatically generated">
-            <a:extLst>
-              <a:ext uri="{FF2B5EF4-FFF2-40B4-BE49-F238E27FC236}">
-                <a16:creationId xmlns:a16="http://schemas.microsoft.com/office/drawing/2014/main" id="{158FA0AE-12D5-FDEC-5DE8-3AFA3BB49D4F}"/>
-              </a:ext>
-            </a:extLst>
-          </p:cNvPr>
-          <p:cNvPicPr>
-            <a:picLocks noChangeAspect="1"/>
-          </p:cNvPicPr>
+      <p:grpSp>
+        <p:nvGrpSpPr>
+          <p:cNvPr id="4" name="Group 3">
+            <a:extLst>
+              <a:ext uri="{FF2B5EF4-FFF2-40B4-BE49-F238E27FC236}">
+                <a16:creationId xmlns:a16="http://schemas.microsoft.com/office/drawing/2014/main" id="{54C4C5E0-FA75-D3D8-5ECA-F0B39930BA30}"/>
+              </a:ext>
+            </a:extLst>
+          </p:cNvPr>
+          <p:cNvGrpSpPr/>
           <p:nvPr/>
-        </p:nvPicPr>
-        <p:blipFill>
-          <a:blip r:embed="rId3"/>
-          <a:stretch>
-            <a:fillRect/>
-          </a:stretch>
-        </p:blipFill>
-        <p:spPr>
+        </p:nvGrpSpPr>
+        <p:grpSpPr>
           <a:xfrm>
-            <a:off x="5523614" y="1600200"/>
-            <a:ext cx="6273209" cy="2923953"/>
+            <a:off x="4774019" y="1038030"/>
+            <a:ext cx="6911937" cy="3221665"/>
+            <a:chOff x="4774019" y="1038030"/>
+            <a:chExt cx="6911937" cy="3221665"/>
           </a:xfrm>
-          <a:prstGeom prst="rect">
-            <a:avLst/>
-          </a:prstGeom>
-        </p:spPr>
-      </p:pic>
+        </p:grpSpPr>
+        <p:pic>
+          <p:nvPicPr>
+            <p:cNvPr id="6" name="Picture 5" descr="A close-up of a number&#10;&#10;Description automatically generated">
+              <a:extLst>
+                <a:ext uri="{FF2B5EF4-FFF2-40B4-BE49-F238E27FC236}">
+                  <a16:creationId xmlns:a16="http://schemas.microsoft.com/office/drawing/2014/main" id="{158FA0AE-12D5-FDEC-5DE8-3AFA3BB49D4F}"/>
+                </a:ext>
+              </a:extLst>
+            </p:cNvPr>
+            <p:cNvPicPr>
+              <a:picLocks noChangeAspect="1"/>
+            </p:cNvPicPr>
+            <p:nvPr/>
+          </p:nvPicPr>
+          <p:blipFill>
+            <a:blip r:embed="rId3"/>
+            <a:stretch>
+              <a:fillRect/>
+            </a:stretch>
+          </p:blipFill>
+          <p:spPr>
+            <a:xfrm>
+              <a:off x="4774019" y="1038030"/>
+              <a:ext cx="6911937" cy="3221665"/>
+            </a:xfrm>
+            <a:prstGeom prst="rect">
+              <a:avLst/>
+            </a:prstGeom>
+            <a:ln>
+              <a:noFill/>
+            </a:ln>
+          </p:spPr>
+        </p:pic>
+        <p:sp>
+          <p:nvSpPr>
+            <p:cNvPr id="2" name="Rectangle 1">
+              <a:extLst>
+                <a:ext uri="{FF2B5EF4-FFF2-40B4-BE49-F238E27FC236}">
+                  <a16:creationId xmlns:a16="http://schemas.microsoft.com/office/drawing/2014/main" id="{8D5F700E-06DF-2475-D424-55552F6FE02B}"/>
+                </a:ext>
+              </a:extLst>
+            </p:cNvPr>
+            <p:cNvSpPr/>
+            <p:nvPr/>
+          </p:nvSpPr>
+          <p:spPr>
+            <a:xfrm>
+              <a:off x="9898912" y="2232371"/>
+              <a:ext cx="728330" cy="1591581"/>
+            </a:xfrm>
+            <a:prstGeom prst="rect">
+              <a:avLst/>
+            </a:prstGeom>
+            <a:solidFill>
+              <a:schemeClr val="bg1"/>
+            </a:solidFill>
+            <a:ln>
+              <a:noFill/>
+            </a:ln>
+          </p:spPr>
+          <p:style>
+            <a:lnRef idx="2">
+              <a:schemeClr val="accent1">
+                <a:shade val="15000"/>
+              </a:schemeClr>
+            </a:lnRef>
+            <a:fillRef idx="1">
+              <a:schemeClr val="accent1"/>
+            </a:fillRef>
+            <a:effectRef idx="0">
+              <a:schemeClr val="accent1"/>
+            </a:effectRef>
+            <a:fontRef idx="minor">
+              <a:schemeClr val="lt1"/>
+            </a:fontRef>
+          </p:style>
+          <p:txBody>
+            <a:bodyPr rtlCol="0" anchor="ctr"/>
+            <a:lstStyle/>
+            <a:p>
+              <a:pPr algn="ctr"/>
+              <a:endParaRPr lang="en-US"/>
+            </a:p>
+          </p:txBody>
+        </p:sp>
+      </p:grpSp>
     </p:spTree>
     <p:extLst>
       <p:ext uri="{BB962C8B-B14F-4D97-AF65-F5344CB8AC3E}">
@@ -5882,6 +5960,263 @@
 </file>
 
 <file path=ppt/slides/slide14.xml><?xml version="1.0" encoding="utf-8"?>
+<p:sld xmlns:a="http://schemas.openxmlformats.org/drawingml/2006/main" xmlns:r="http://schemas.openxmlformats.org/officeDocument/2006/relationships" xmlns:p="http://schemas.openxmlformats.org/presentationml/2006/main">
+  <p:cSld>
+    <p:spTree>
+      <p:nvGrpSpPr>
+        <p:cNvPr id="1" name=""/>
+        <p:cNvGrpSpPr/>
+        <p:nvPr/>
+      </p:nvGrpSpPr>
+      <p:grpSpPr>
+        <a:xfrm>
+          <a:off x="0" y="0"/>
+          <a:ext cx="0" cy="0"/>
+          <a:chOff x="0" y="0"/>
+          <a:chExt cx="0" cy="0"/>
+        </a:xfrm>
+      </p:grpSpPr>
+      <p:sp>
+        <p:nvSpPr>
+          <p:cNvPr id="2" name="TextBox 1">
+            <a:extLst>
+              <a:ext uri="{FF2B5EF4-FFF2-40B4-BE49-F238E27FC236}">
+                <a16:creationId xmlns:a16="http://schemas.microsoft.com/office/drawing/2014/main" id="{E1847FBE-45E2-5245-8DD4-2155AC37207B}"/>
+              </a:ext>
+            </a:extLst>
+          </p:cNvPr>
+          <p:cNvSpPr txBox="1"/>
+          <p:nvPr/>
+        </p:nvSpPr>
+        <p:spPr>
+          <a:xfrm>
+            <a:off x="664535" y="829340"/>
+            <a:ext cx="11238614" cy="5355312"/>
+          </a:xfrm>
+          <a:prstGeom prst="rect">
+            <a:avLst/>
+          </a:prstGeom>
+          <a:noFill/>
+        </p:spPr>
+        <p:txBody>
+          <a:bodyPr wrap="square" rtlCol="0">
+            <a:spAutoFit/>
+          </a:bodyPr>
+          <a:lstStyle/>
+          <a:p>
+            <a:r>
+              <a:rPr lang="en-US" sz="3600" b="1" dirty="0">
+                <a:solidFill>
+                  <a:srgbClr val="FF0000"/>
+                </a:solidFill>
+                <a:latin typeface="Times New Roman" panose="02020603050405020304" pitchFamily="18" charset="0"/>
+                <a:cs typeface="Times New Roman" panose="02020603050405020304" pitchFamily="18" charset="0"/>
+              </a:rPr>
+              <a:t> References:</a:t>
+            </a:r>
+          </a:p>
+          <a:p>
+            <a:pPr marL="285750" indent="-285750">
+              <a:buFont typeface="Arial" panose="020B0604020202020204" pitchFamily="34" charset="0"/>
+              <a:buChar char="•"/>
+            </a:pPr>
+            <a:r>
+              <a:rPr lang="en-US" b="1" dirty="0">
+                <a:latin typeface="Times New Roman" panose="02020603050405020304" pitchFamily="18" charset="0"/>
+                <a:cs typeface="Times New Roman" panose="02020603050405020304" pitchFamily="18" charset="0"/>
+              </a:rPr>
+              <a:t>Loura, J. (2014). Human factors and workload in air traffic control operations-a review of literature. International Journal of Management and Social Sciences Research, 3(3), 1-5. Hilburn, B. (2004).</a:t>
+            </a:r>
+          </a:p>
+          <a:p>
+            <a:pPr marL="285750" indent="-285750">
+              <a:buFont typeface="Arial" panose="020B0604020202020204" pitchFamily="34" charset="0"/>
+              <a:buChar char="•"/>
+            </a:pPr>
+            <a:r>
+              <a:rPr lang="en-US" b="1" dirty="0">
+                <a:latin typeface="Times New Roman" panose="02020603050405020304" pitchFamily="18" charset="0"/>
+                <a:cs typeface="Times New Roman" panose="02020603050405020304" pitchFamily="18" charset="0"/>
+              </a:rPr>
+              <a:t> Cognitive complexity in air traffic control: A literature review. EEC note, 4(04), 1-80.Rebollo, J. J., &amp; Balakrishnan, H. (2014). Characterization and prediction of air traffic delays. </a:t>
+            </a:r>
+          </a:p>
+          <a:p>
+            <a:pPr marL="285750" indent="-285750">
+              <a:buFont typeface="Arial" panose="020B0604020202020204" pitchFamily="34" charset="0"/>
+              <a:buChar char="•"/>
+            </a:pPr>
+            <a:r>
+              <a:rPr lang="en-US" b="1" dirty="0">
+                <a:latin typeface="Times New Roman" panose="02020603050405020304" pitchFamily="18" charset="0"/>
+                <a:cs typeface="Times New Roman" panose="02020603050405020304" pitchFamily="18" charset="0"/>
+              </a:rPr>
+              <a:t>Transportation research part C: Emerging technologies, 44, 231-241.Pamplona, D. A., &amp; Pinto Alves, C. J. (2019). Mitigating Air Delay: An analysis of the Collaborative Trajectory Options Program.</a:t>
+            </a:r>
+          </a:p>
+          <a:p>
+            <a:pPr marL="285750" indent="-285750">
+              <a:buFont typeface="Arial" panose="020B0604020202020204" pitchFamily="34" charset="0"/>
+              <a:buChar char="•"/>
+            </a:pPr>
+            <a:r>
+              <a:rPr lang="en-US" b="1" dirty="0">
+                <a:latin typeface="Times New Roman" panose="02020603050405020304" pitchFamily="18" charset="0"/>
+                <a:cs typeface="Times New Roman" panose="02020603050405020304" pitchFamily="18" charset="0"/>
+              </a:rPr>
+              <a:t> Engineering, Technology &amp; Applied Science Research, 9(3).Xing, J., &amp; Manning, C. A. (2005).</a:t>
+            </a:r>
+          </a:p>
+          <a:p>
+            <a:pPr marL="285750" indent="-285750">
+              <a:buFont typeface="Arial" panose="020B0604020202020204" pitchFamily="34" charset="0"/>
+              <a:buChar char="•"/>
+            </a:pPr>
+            <a:r>
+              <a:rPr lang="en-US" b="1" dirty="0">
+                <a:latin typeface="Times New Roman" panose="02020603050405020304" pitchFamily="18" charset="0"/>
+                <a:cs typeface="Times New Roman" panose="02020603050405020304" pitchFamily="18" charset="0"/>
+              </a:rPr>
+              <a:t> Complexity and automation display of air traffic control: Literature review and </a:t>
+            </a:r>
+            <a:r>
+              <a:rPr lang="en-US" b="1" dirty="0" err="1">
+                <a:latin typeface="Times New Roman" panose="02020603050405020304" pitchFamily="18" charset="0"/>
+                <a:cs typeface="Times New Roman" panose="02020603050405020304" pitchFamily="18" charset="0"/>
+              </a:rPr>
+              <a:t>analysis.Kontogiannis</a:t>
+            </a:r>
+            <a:r>
+              <a:rPr lang="en-US" b="1" dirty="0">
+                <a:latin typeface="Times New Roman" panose="02020603050405020304" pitchFamily="18" charset="0"/>
+                <a:cs typeface="Times New Roman" panose="02020603050405020304" pitchFamily="18" charset="0"/>
+              </a:rPr>
+              <a:t>, T., &amp; </a:t>
+            </a:r>
+            <a:r>
+              <a:rPr lang="en-US" b="1" dirty="0" err="1">
+                <a:latin typeface="Times New Roman" panose="02020603050405020304" pitchFamily="18" charset="0"/>
+                <a:cs typeface="Times New Roman" panose="02020603050405020304" pitchFamily="18" charset="0"/>
+              </a:rPr>
+              <a:t>Malakis</a:t>
+            </a:r>
+            <a:r>
+              <a:rPr lang="en-US" b="1" dirty="0">
+                <a:latin typeface="Times New Roman" panose="02020603050405020304" pitchFamily="18" charset="0"/>
+                <a:cs typeface="Times New Roman" panose="02020603050405020304" pitchFamily="18" charset="0"/>
+              </a:rPr>
+              <a:t>, S. (2009).</a:t>
+            </a:r>
+          </a:p>
+          <a:p>
+            <a:pPr marL="285750" indent="-285750">
+              <a:buFont typeface="Arial" panose="020B0604020202020204" pitchFamily="34" charset="0"/>
+              <a:buChar char="•"/>
+            </a:pPr>
+            <a:r>
+              <a:rPr lang="en-US" b="1" dirty="0">
+                <a:latin typeface="Times New Roman" panose="02020603050405020304" pitchFamily="18" charset="0"/>
+                <a:cs typeface="Times New Roman" panose="02020603050405020304" pitchFamily="18" charset="0"/>
+              </a:rPr>
+              <a:t> A proactive approach to human error detection and identification in aviation and air traffic control. Safety Science, 47(5), 693-706.Osetrov, E. (2023, October 10).</a:t>
+            </a:r>
+          </a:p>
+          <a:p>
+            <a:pPr marL="285750" indent="-285750">
+              <a:buFont typeface="Arial" panose="020B0604020202020204" pitchFamily="34" charset="0"/>
+              <a:buChar char="•"/>
+            </a:pPr>
+            <a:r>
+              <a:rPr lang="en-US" b="1" dirty="0">
+                <a:latin typeface="Times New Roman" panose="02020603050405020304" pitchFamily="18" charset="0"/>
+                <a:cs typeface="Times New Roman" panose="02020603050405020304" pitchFamily="18" charset="0"/>
+              </a:rPr>
+              <a:t> Airline delays. Kaggle. &lt;https://www.kaggle.com/datasets/eugeniyosetrov/airline-delays?resource=download&gt;.</a:t>
+            </a:r>
+          </a:p>
+          <a:p>
+            <a:pPr marL="285750" indent="-285750">
+              <a:buFont typeface="Arial" panose="020B0604020202020204" pitchFamily="34" charset="0"/>
+              <a:buChar char="•"/>
+            </a:pPr>
+            <a:r>
+              <a:rPr lang="en-US" b="1" dirty="0">
+                <a:latin typeface="Times New Roman" panose="02020603050405020304" pitchFamily="18" charset="0"/>
+                <a:cs typeface="Times New Roman" panose="02020603050405020304" pitchFamily="18" charset="0"/>
+              </a:rPr>
+              <a:t>Controller workload (Arad, 1964; Grossberg, 1989; Redding, 1992; </a:t>
+            </a:r>
+            <a:r>
+              <a:rPr lang="en-US" b="1" dirty="0" err="1">
+                <a:latin typeface="Times New Roman" panose="02020603050405020304" pitchFamily="18" charset="0"/>
+                <a:cs typeface="Times New Roman" panose="02020603050405020304" pitchFamily="18" charset="0"/>
+              </a:rPr>
+              <a:t>Athènes</a:t>
+            </a:r>
+            <a:r>
+              <a:rPr lang="en-US" b="1" dirty="0">
+                <a:latin typeface="Times New Roman" panose="02020603050405020304" pitchFamily="18" charset="0"/>
+                <a:cs typeface="Times New Roman" panose="02020603050405020304" pitchFamily="18" charset="0"/>
+              </a:rPr>
+              <a:t>, S., </a:t>
+            </a:r>
+            <a:r>
+              <a:rPr lang="en-US" b="1" dirty="0" err="1">
+                <a:latin typeface="Times New Roman" panose="02020603050405020304" pitchFamily="18" charset="0"/>
+                <a:cs typeface="Times New Roman" panose="02020603050405020304" pitchFamily="18" charset="0"/>
+              </a:rPr>
+              <a:t>Chaboud</a:t>
+            </a:r>
+            <a:r>
+              <a:rPr lang="en-US" b="1" dirty="0">
+                <a:latin typeface="Times New Roman" panose="02020603050405020304" pitchFamily="18" charset="0"/>
+                <a:cs typeface="Times New Roman" panose="02020603050405020304" pitchFamily="18" charset="0"/>
+              </a:rPr>
+              <a:t> et al., 2000) A-Z index. A-Z Index \</a:t>
+            </a:r>
+          </a:p>
+          <a:p>
+            <a:pPr marL="285750" indent="-285750">
+              <a:buFont typeface="Arial" panose="020B0604020202020204" pitchFamily="34" charset="0"/>
+              <a:buChar char="•"/>
+            </a:pPr>
+            <a:r>
+              <a:rPr lang="en-US" b="1" dirty="0">
+                <a:latin typeface="Times New Roman" panose="02020603050405020304" pitchFamily="18" charset="0"/>
+                <a:cs typeface="Times New Roman" panose="02020603050405020304" pitchFamily="18" charset="0"/>
+              </a:rPr>
+              <a:t> Bureau of Transportation Statistics. (n.d.). &lt;https://www.bts.gov/A-Z-Index&gt; Team, T. H. (n.d.). </a:t>
+            </a:r>
+          </a:p>
+          <a:p>
+            <a:pPr marL="285750" indent="-285750">
+              <a:buFont typeface="Arial" panose="020B0604020202020204" pitchFamily="34" charset="0"/>
+              <a:buChar char="•"/>
+            </a:pPr>
+            <a:r>
+              <a:rPr lang="en-US" b="1" dirty="0">
+                <a:latin typeface="Times New Roman" panose="02020603050405020304" pitchFamily="18" charset="0"/>
+                <a:cs typeface="Times New Roman" panose="02020603050405020304" pitchFamily="18" charset="0"/>
+              </a:rPr>
+              <a:t>The Epidemiologist R Handbook. 42 Dashboards with R Markdown. &lt;https://epirhandbook.com/en/dashboards-with-r-markdown.html&gt;</a:t>
+            </a:r>
+          </a:p>
+        </p:txBody>
+      </p:sp>
+    </p:spTree>
+    <p:extLst>
+      <p:ext uri="{BB962C8B-B14F-4D97-AF65-F5344CB8AC3E}">
+        <p14:creationId xmlns:p14="http://schemas.microsoft.com/office/powerpoint/2010/main" val="2528037351"/>
+      </p:ext>
+    </p:extLst>
+  </p:cSld>
+  <p:clrMapOvr>
+    <a:masterClrMapping/>
+  </p:clrMapOvr>
+</p:sld>
+</file>
+
+<file path=ppt/slides/slide15.xml><?xml version="1.0" encoding="utf-8"?>
 <p:sld xmlns:a="http://schemas.openxmlformats.org/drawingml/2006/main" xmlns:r="http://schemas.openxmlformats.org/officeDocument/2006/relationships" xmlns:p="http://schemas.openxmlformats.org/presentationml/2006/main">
   <p:cSld>
     <p:bg>
@@ -7339,10 +7674,10 @@
       </p:sp>
       <p:pic>
         <p:nvPicPr>
-          <p:cNvPr id="5" name="Content Placeholder 4" descr="A graph with text and numbers&#10;&#10;Description automatically generated">
-            <a:extLst>
-              <a:ext uri="{FF2B5EF4-FFF2-40B4-BE49-F238E27FC236}">
-                <a16:creationId xmlns:a16="http://schemas.microsoft.com/office/drawing/2014/main" id="{D02C92A4-8185-A518-2417-447C6B6F1066}"/>
+          <p:cNvPr id="6" name="Content Placeholder 5">
+            <a:extLst>
+              <a:ext uri="{FF2B5EF4-FFF2-40B4-BE49-F238E27FC236}">
+                <a16:creationId xmlns:a16="http://schemas.microsoft.com/office/drawing/2014/main" id="{61251600-9FEB-9730-A9D1-F7DAFFD66BE6}"/>
               </a:ext>
             </a:extLst>
           </p:cNvPr>
@@ -7353,25 +7688,17 @@
             <p:ph idx="1"/>
           </p:nvPr>
         </p:nvPicPr>
-        <p:blipFill rotWithShape="1">
-          <a:blip r:embed="rId2">
-            <a:extLst>
-              <a:ext uri="{28A0092B-C50C-407E-A947-70E740481C1C}">
-                <a14:useLocalDpi xmlns:a14="http://schemas.microsoft.com/office/drawing/2010/main" val="0"/>
-              </a:ext>
-            </a:extLst>
-          </a:blip>
-          <a:srcRect r="1334"/>
-          <a:stretch/>
+        <p:blipFill>
+          <a:blip r:embed="rId2"/>
+          <a:stretch>
+            <a:fillRect/>
+          </a:stretch>
         </p:blipFill>
         <p:spPr>
           <a:xfrm>
-            <a:off x="20" y="10"/>
-            <a:ext cx="12191980" cy="6857990"/>
+            <a:off x="475483" y="340065"/>
+            <a:ext cx="10678069" cy="5600361"/>
           </a:xfrm>
-          <a:prstGeom prst="rect">
-            <a:avLst/>
-          </a:prstGeom>
         </p:spPr>
       </p:pic>
     </p:spTree>

--- a/Atc & Visualisation.pptx
+++ b/Atc & Visualisation.pptx
@@ -5214,8 +5214,8 @@
           </a:p>
         </p:txBody>
       </p:sp>
-      <mc:AlternateContent xmlns:mc="http://schemas.openxmlformats.org/markup-compatibility/2006" xmlns:a14="http://schemas.microsoft.com/office/drawing/2010/main">
-        <mc:Choice Requires="a14">
+      <mc:AlternateContent xmlns:mc="http://schemas.openxmlformats.org/markup-compatibility/2006">
+        <mc:Choice xmlns:a14="http://schemas.microsoft.com/office/drawing/2010/main" Requires="a14">
           <p:sp>
             <p:nvSpPr>
               <p:cNvPr id="8" name="TextBox 7">
@@ -5275,7 +5275,7 @@
                 </a:pPr>
                 <a:r>
                   <a:rPr lang="en-US" b="1" dirty="0"/>
-                  <a:t>G2 is Difference between loglikelihood of the Model and Null  is positive which shows the better fit of the Model.</a:t>
+                  <a:t>G2 is Difference between loglikelihood of the Model and Null  is positive which shows the better fit of the model.</a:t>
                 </a:r>
               </a:p>
               <a:p>
@@ -5378,7 +5378,7 @@
             </p:txBody>
           </p:sp>
         </mc:Choice>
-        <mc:Fallback xmlns="">
+        <mc:Fallback>
           <p:sp>
             <p:nvSpPr>
               <p:cNvPr id="8" name="TextBox 7">
@@ -5689,8 +5689,8 @@
         </p:nvGrpSpPr>
         <p:grpSpPr>
           <a:xfrm>
-            <a:off x="4774019" y="1038030"/>
-            <a:ext cx="6911937" cy="3221665"/>
+            <a:off x="5321595" y="1038030"/>
+            <a:ext cx="6364361" cy="3221665"/>
             <a:chOff x="4774019" y="1038030"/>
             <a:chExt cx="6911937" cy="3221665"/>
           </a:xfrm>
@@ -5892,7 +5892,7 @@
                 <a:latin typeface="Times New Roman" panose="02020603050405020304" pitchFamily="18" charset="0"/>
                 <a:cs typeface="Times New Roman" panose="02020603050405020304" pitchFamily="18" charset="0"/>
               </a:rPr>
-              <a:t>I would like to work further on this project by collecting the Data for the single airport with different carriers and considering other delays such as operational delays which include Ground operations delay, carrier check in delays. </a:t>
+              <a:t>I would like to work further on this project by collecting the data for the single airport with different carriers and considering other delays such as operational delays which include ground operations delay, carrier check in delays. </a:t>
             </a:r>
           </a:p>
           <a:p>
@@ -5908,7 +5908,7 @@
                 <a:latin typeface="Times New Roman" panose="02020603050405020304" pitchFamily="18" charset="0"/>
                 <a:cs typeface="Times New Roman" panose="02020603050405020304" pitchFamily="18" charset="0"/>
               </a:rPr>
-              <a:t>Working on the single Airport rather than collecting a wide will allow an Airport Management to Organize and work on their operations will improve the Operational Performance of that Airport.</a:t>
+              <a:t>Working on the single airport rather than collecting a wide will allow an airport management to organize and work on their operations will improve the operational Performance of that airport.</a:t>
             </a:r>
           </a:p>
           <a:p>
@@ -5924,7 +5924,17 @@
                 <a:latin typeface="Times New Roman" panose="02020603050405020304" pitchFamily="18" charset="0"/>
                 <a:cs typeface="Times New Roman" panose="02020603050405020304" pitchFamily="18" charset="0"/>
               </a:rPr>
-              <a:t>Same can be performed for each Carrier considering the limitations of the Airport and Federal and International Aviation Regulations.   </a:t>
+              <a:t>Same can be performed for each carrier considering the limitations of the airport and Federal and International Aviation Regulations. </a:t>
+            </a:r>
+            <a:r>
+              <a:rPr lang="en-US" sz="2800" b="1">
+                <a:solidFill>
+                  <a:srgbClr val="FF0000"/>
+                </a:solidFill>
+                <a:latin typeface="Times New Roman" panose="02020603050405020304" pitchFamily="18" charset="0"/>
+                <a:cs typeface="Times New Roman" panose="02020603050405020304" pitchFamily="18" charset="0"/>
+              </a:rPr>
+              <a:t>Can perform </a:t>
             </a:r>
             <a:r>
               <a:rPr lang="en-US" sz="2800" b="1" dirty="0">
@@ -5934,7 +5944,67 @@
                 <a:latin typeface="Times New Roman" panose="02020603050405020304" pitchFamily="18" charset="0"/>
                 <a:cs typeface="Times New Roman" panose="02020603050405020304" pitchFamily="18" charset="0"/>
               </a:rPr>
-              <a:t> Can Perform Same with each Individual Airlines.</a:t>
+              <a:t>s</a:t>
+            </a:r>
+            <a:r>
+              <a:rPr lang="en-US" sz="2800" b="1">
+                <a:solidFill>
+                  <a:srgbClr val="FF0000"/>
+                </a:solidFill>
+                <a:latin typeface="Times New Roman" panose="02020603050405020304" pitchFamily="18" charset="0"/>
+                <a:cs typeface="Times New Roman" panose="02020603050405020304" pitchFamily="18" charset="0"/>
+              </a:rPr>
+              <a:t>ame </a:t>
+            </a:r>
+            <a:r>
+              <a:rPr lang="en-US" sz="2800" b="1" dirty="0">
+                <a:solidFill>
+                  <a:srgbClr val="FF0000"/>
+                </a:solidFill>
+                <a:latin typeface="Times New Roman" panose="02020603050405020304" pitchFamily="18" charset="0"/>
+                <a:cs typeface="Times New Roman" panose="02020603050405020304" pitchFamily="18" charset="0"/>
+              </a:rPr>
+              <a:t>with </a:t>
+            </a:r>
+            <a:r>
+              <a:rPr lang="en-US" sz="2800" b="1">
+                <a:solidFill>
+                  <a:srgbClr val="FF0000"/>
+                </a:solidFill>
+                <a:latin typeface="Times New Roman" panose="02020603050405020304" pitchFamily="18" charset="0"/>
+                <a:cs typeface="Times New Roman" panose="02020603050405020304" pitchFamily="18" charset="0"/>
+              </a:rPr>
+              <a:t>each individual </a:t>
+            </a:r>
+            <a:r>
+              <a:rPr lang="en-US" sz="2800" b="1" dirty="0">
+                <a:solidFill>
+                  <a:srgbClr val="FF0000"/>
+                </a:solidFill>
+                <a:latin typeface="Times New Roman" panose="02020603050405020304" pitchFamily="18" charset="0"/>
+                <a:cs typeface="Times New Roman" panose="02020603050405020304" pitchFamily="18" charset="0"/>
+              </a:rPr>
+              <a:t>a</a:t>
+            </a:r>
+            <a:r>
+              <a:rPr lang="en-US" sz="2800" b="1">
+                <a:solidFill>
+                  <a:srgbClr val="FF0000"/>
+                </a:solidFill>
+                <a:latin typeface="Times New Roman" panose="02020603050405020304" pitchFamily="18" charset="0"/>
+                <a:cs typeface="Times New Roman" panose="02020603050405020304" pitchFamily="18" charset="0"/>
+              </a:rPr>
+              <a:t>irlines</a:t>
+            </a:r>
+            <a:r>
+              <a:rPr lang="en-US" sz="2800" b="1" dirty="0">
+                <a:solidFill>
+                  <a:srgbClr val="FF0000"/>
+                </a:solidFill>
+                <a:latin typeface="Times New Roman" panose="02020603050405020304" pitchFamily="18" charset="0"/>
+                <a:cs typeface="Times New Roman" panose="02020603050405020304" pitchFamily="18" charset="0"/>
+              </a:rPr>
+              <a:t>.</a:t>
             </a:r>
             <a:endParaRPr lang="en-US" sz="2400" b="1" dirty="0">
               <a:solidFill>
@@ -6801,7 +6871,7 @@
                 <a:latin typeface="Times New Roman" panose="02020603050405020304" pitchFamily="18" charset="0"/>
                 <a:cs typeface="Times New Roman" panose="02020603050405020304" pitchFamily="18" charset="0"/>
               </a:rPr>
-              <a:t>Indian Rail Tracking Application is the Idea behind the Project.</a:t>
+              <a:t>Indian Rail Tracking Application is the idea behind the project.</a:t>
             </a:r>
           </a:p>
           <a:p>
@@ -6810,7 +6880,7 @@
                 <a:latin typeface="Times New Roman" panose="02020603050405020304" pitchFamily="18" charset="0"/>
                 <a:cs typeface="Times New Roman" panose="02020603050405020304" pitchFamily="18" charset="0"/>
               </a:rPr>
-              <a:t>Helps Airlines to increase Operational performance.</a:t>
+              <a:t>Helps Airlines to increase operational performance.</a:t>
             </a:r>
           </a:p>
           <a:p>
@@ -6819,7 +6889,7 @@
                 <a:latin typeface="Times New Roman" panose="02020603050405020304" pitchFamily="18" charset="0"/>
                 <a:cs typeface="Times New Roman" panose="02020603050405020304" pitchFamily="18" charset="0"/>
               </a:rPr>
-              <a:t>Airlines Manages Operations and resources effectively</a:t>
+              <a:t>Airlines manages operations and resources effectively</a:t>
             </a:r>
           </a:p>
           <a:p>
@@ -6837,7 +6907,7 @@
                 <a:latin typeface="Times New Roman" panose="02020603050405020304" pitchFamily="18" charset="0"/>
                 <a:cs typeface="Times New Roman" panose="02020603050405020304" pitchFamily="18" charset="0"/>
               </a:rPr>
-              <a:t>provides better customer service and avoids Inconvenience</a:t>
+              <a:t>Provides better customer service and avoids inconvenience</a:t>
             </a:r>
           </a:p>
           <a:p>
@@ -6950,7 +7020,7 @@
                 <a:latin typeface="Times New Roman" panose="02020603050405020304" pitchFamily="18" charset="0"/>
                 <a:cs typeface="Times New Roman" panose="02020603050405020304" pitchFamily="18" charset="0"/>
               </a:rPr>
-              <a:t>DATA Collected from Bureau Of Transportation Statistics which provides the Historical Flight DATA.</a:t>
+              <a:t>DATA collected from Bureau Of Transportation Statistics which provides the historical flight DATA.</a:t>
             </a:r>
           </a:p>
           <a:p>
@@ -6968,7 +7038,7 @@
                 <a:latin typeface="Times New Roman" panose="02020603050405020304" pitchFamily="18" charset="0"/>
                 <a:cs typeface="Times New Roman" panose="02020603050405020304" pitchFamily="18" charset="0"/>
               </a:rPr>
-              <a:t>Data is collection Historical Flight Data like Airport, Carrier, Different type of Delays and Delay in minutes, Number of Arrival Flights and different reasons like carrier delayed flights arrival delayed Flights. </a:t>
+              <a:t>Data is collection historical flight data like Airport, Carrier, Different type of Delays and Delay in minutes, Number of Arrival Flights and different reasons like carrier delayed flights arrival delayed flights. </a:t>
             </a:r>
           </a:p>
         </p:txBody>
@@ -7068,7 +7138,7 @@
         </p:spPr>
         <p:txBody>
           <a:bodyPr>
-            <a:normAutofit fontScale="70000" lnSpcReduction="20000"/>
+            <a:normAutofit fontScale="62500" lnSpcReduction="20000"/>
           </a:bodyPr>
           <a:lstStyle/>
           <a:p>
@@ -7114,7 +7184,7 @@
                 <a:latin typeface="Times New Roman" panose="02020603050405020304" pitchFamily="18" charset="0"/>
                 <a:cs typeface="Times New Roman" panose="02020603050405020304" pitchFamily="18" charset="0"/>
               </a:rPr>
-              <a:t>This Predictive Model helps both Airlines and Passengers to organize their journey; Airlines can effectively manage and Improve their operations</a:t>
+              <a:t>This predictive model helps both airlines and passengers to organize their journey; airlines can effectively manage and improve their operations</a:t>
             </a:r>
           </a:p>
           <a:p>
@@ -7128,7 +7198,7 @@
                 <a:latin typeface="Times New Roman" panose="02020603050405020304" pitchFamily="18" charset="0"/>
                 <a:cs typeface="Times New Roman" panose="02020603050405020304" pitchFamily="18" charset="0"/>
               </a:rPr>
-              <a:t>After understanding the DATA, multiple independent variable and  Dependent Variables. </a:t>
+              <a:t>After understanding the DATA, multiple independent variable and  Dependent Variables(DV). </a:t>
             </a:r>
           </a:p>
           <a:p>
@@ -7142,7 +7212,7 @@
                 <a:latin typeface="Times New Roman" panose="02020603050405020304" pitchFamily="18" charset="0"/>
                 <a:cs typeface="Times New Roman" panose="02020603050405020304" pitchFamily="18" charset="0"/>
               </a:rPr>
-              <a:t>I opted for Logistic Regression and Decision Tree for the prediction and to create a Model. </a:t>
+              <a:t>I opted for logistic regression and decision tree for the prediction and to create a model. </a:t>
             </a:r>
           </a:p>
           <a:p>
@@ -7258,7 +7328,7 @@
                 <a:latin typeface="Times New Roman" panose="02020603050405020304" pitchFamily="18" charset="0"/>
                 <a:cs typeface="Times New Roman" panose="02020603050405020304" pitchFamily="18" charset="0"/>
               </a:rPr>
-              <a:t>Understanding the DATA and Structure of it.</a:t>
+              <a:t>Understanding the DATA and structure of it.</a:t>
             </a:r>
           </a:p>
           <a:p>
@@ -7285,7 +7355,7 @@
                 <a:latin typeface="Times New Roman" panose="02020603050405020304" pitchFamily="18" charset="0"/>
                 <a:cs typeface="Times New Roman" panose="02020603050405020304" pitchFamily="18" charset="0"/>
               </a:rPr>
-              <a:t>Determining and Choosing regression model for prediction.</a:t>
+              <a:t>Determining and choosing regression model for prediction.</a:t>
             </a:r>
           </a:p>
           <a:p>
@@ -7400,7 +7470,7 @@
                 <a:latin typeface="Times New Roman" panose="02020603050405020304" pitchFamily="18" charset="0"/>
                 <a:cs typeface="Times New Roman" panose="02020603050405020304" pitchFamily="18" charset="0"/>
               </a:rPr>
-              <a:t>Excluded almost half of the rows while Filtering.</a:t>
+              <a:t>Excluded almost half of the rows while filtering.</a:t>
             </a:r>
           </a:p>
           <a:p>
@@ -7427,7 +7497,7 @@
                 <a:latin typeface="Times New Roman" panose="02020603050405020304" pitchFamily="18" charset="0"/>
                 <a:cs typeface="Times New Roman" panose="02020603050405020304" pitchFamily="18" charset="0"/>
               </a:rPr>
-              <a:t>More generalized as it is collected for Different Airlines and different Airports.</a:t>
+              <a:t>More generalized as it is collected for different airlines and different airports.</a:t>
             </a:r>
           </a:p>
         </p:txBody>
@@ -8212,7 +8282,7 @@
                 <a:latin typeface="Times New Roman" panose="02020603050405020304" pitchFamily="18" charset="0"/>
                 <a:cs typeface="Times New Roman" panose="02020603050405020304" pitchFamily="18" charset="0"/>
               </a:rPr>
-              <a:t>Security Delay  is Mostly Distributed close to zero.</a:t>
+              <a:t>Security Delay  is mostly distributed close to zero.</a:t>
             </a:r>
           </a:p>
           <a:p>
